--- a/RHNFAE_onlab.pptx
+++ b/RHNFAE_onlab.pptx
@@ -112,6 +112,11 @@
       </a:defRPr>
     </a:lvl9pPr>
   </p:defaultTextStyle>
+  <p:extLst>
+    <p:ext uri="{EFAFB233-063F-42B5-8137-9DF3F51BA10A}">
+      <p15:sldGuideLst xmlns:p15="http://schemas.microsoft.com/office/powerpoint/2012/main"/>
+    </p:ext>
+  </p:extLst>
 </p:presentation>
 </file>
 
@@ -165,7 +170,7 @@
           <a:noFill/>
           <a:extLst>
             <a:ext uri="{909E8E84-426E-40dd-AFC4-6F175D3DCCD1}">
-              <a14:hiddenFill xmlns:a14="http://schemas.microsoft.com/office/drawing/2010/main" xmlns="">
+              <a14:hiddenFill xmlns="" xmlns:a14="http://schemas.microsoft.com/office/drawing/2010/main">
                 <a:solidFill>
                   <a:srgbClr val="FFFFFF"/>
                 </a:solidFill>
@@ -225,7 +230,7 @@
             </a:ln>
             <a:extLst>
               <a:ext uri="{91240B29-F687-4f45-9708-019B960494DF}">
-                <a14:hiddenLine xmlns:a14="http://schemas.microsoft.com/office/drawing/2010/main" xmlns="" w="9525">
+                <a14:hiddenLine xmlns="" xmlns:a14="http://schemas.microsoft.com/office/drawing/2010/main" w="9525">
                   <a:solidFill>
                     <a:srgbClr val="000000"/>
                   </a:solidFill>
@@ -315,7 +320,7 @@
             </a:ln>
             <a:extLst>
               <a:ext uri="{91240B29-F687-4f45-9708-019B960494DF}">
-                <a14:hiddenLine xmlns:a14="http://schemas.microsoft.com/office/drawing/2010/main" xmlns="" w="9525">
+                <a14:hiddenLine xmlns="" xmlns:a14="http://schemas.microsoft.com/office/drawing/2010/main" w="9525">
                   <a:solidFill>
                     <a:srgbClr val="000000"/>
                   </a:solidFill>
@@ -405,7 +410,7 @@
             </a:ln>
             <a:extLst>
               <a:ext uri="{91240B29-F687-4f45-9708-019B960494DF}">
-                <a14:hiddenLine xmlns:a14="http://schemas.microsoft.com/office/drawing/2010/main" xmlns="" w="9525">
+                <a14:hiddenLine xmlns="" xmlns:a14="http://schemas.microsoft.com/office/drawing/2010/main" w="9525">
                   <a:solidFill>
                     <a:srgbClr val="000000"/>
                   </a:solidFill>
@@ -439,7 +444,7 @@
             </a:ln>
             <a:extLst>
               <a:ext uri="{91240B29-F687-4f45-9708-019B960494DF}">
-                <a14:hiddenLine xmlns:a14="http://schemas.microsoft.com/office/drawing/2010/main" xmlns="" w="9525">
+                <a14:hiddenLine xmlns="" xmlns:a14="http://schemas.microsoft.com/office/drawing/2010/main" w="9525">
                   <a:solidFill>
                     <a:srgbClr val="000000"/>
                   </a:solidFill>
@@ -529,7 +534,7 @@
             </a:ln>
             <a:extLst>
               <a:ext uri="{91240B29-F687-4f45-9708-019B960494DF}">
-                <a14:hiddenLine xmlns:a14="http://schemas.microsoft.com/office/drawing/2010/main" xmlns="" w="9525">
+                <a14:hiddenLine xmlns="" xmlns:a14="http://schemas.microsoft.com/office/drawing/2010/main" w="9525">
                   <a:solidFill>
                     <a:srgbClr val="000000"/>
                   </a:solidFill>
@@ -591,7 +596,7 @@
             </a:ln>
             <a:extLst>
               <a:ext uri="{91240B29-F687-4f45-9708-019B960494DF}">
-                <a14:hiddenLine xmlns:a14="http://schemas.microsoft.com/office/drawing/2010/main" xmlns="" w="9525">
+                <a14:hiddenLine xmlns="" xmlns:a14="http://schemas.microsoft.com/office/drawing/2010/main" w="9525">
                   <a:solidFill>
                     <a:srgbClr val="000000"/>
                   </a:solidFill>
@@ -653,7 +658,7 @@
             </a:ln>
             <a:extLst>
               <a:ext uri="{91240B29-F687-4f45-9708-019B960494DF}">
-                <a14:hiddenLine xmlns:a14="http://schemas.microsoft.com/office/drawing/2010/main" xmlns="" w="9525">
+                <a14:hiddenLine xmlns="" xmlns:a14="http://schemas.microsoft.com/office/drawing/2010/main" w="9525">
                   <a:solidFill>
                     <a:srgbClr val="000000"/>
                   </a:solidFill>
@@ -743,7 +748,7 @@
             </a:ln>
             <a:extLst>
               <a:ext uri="{91240B29-F687-4f45-9708-019B960494DF}">
-                <a14:hiddenLine xmlns:a14="http://schemas.microsoft.com/office/drawing/2010/main" xmlns="" w="9525">
+                <a14:hiddenLine xmlns="" xmlns:a14="http://schemas.microsoft.com/office/drawing/2010/main" w="9525">
                   <a:solidFill>
                     <a:srgbClr val="000000"/>
                   </a:solidFill>
@@ -805,7 +810,7 @@
             </a:ln>
             <a:extLst>
               <a:ext uri="{91240B29-F687-4f45-9708-019B960494DF}">
-                <a14:hiddenLine xmlns:a14="http://schemas.microsoft.com/office/drawing/2010/main" xmlns="" w="9525">
+                <a14:hiddenLine xmlns="" xmlns:a14="http://schemas.microsoft.com/office/drawing/2010/main" w="9525">
                   <a:solidFill>
                     <a:srgbClr val="000000"/>
                   </a:solidFill>
@@ -867,7 +872,7 @@
             </a:ln>
             <a:extLst>
               <a:ext uri="{91240B29-F687-4f45-9708-019B960494DF}">
-                <a14:hiddenLine xmlns:a14="http://schemas.microsoft.com/office/drawing/2010/main" xmlns="" w="9525">
+                <a14:hiddenLine xmlns="" xmlns:a14="http://schemas.microsoft.com/office/drawing/2010/main" w="9525">
                   <a:solidFill>
                     <a:srgbClr val="000000"/>
                   </a:solidFill>
@@ -957,7 +962,7 @@
             </a:ln>
             <a:extLst>
               <a:ext uri="{91240B29-F687-4f45-9708-019B960494DF}">
-                <a14:hiddenLine xmlns:a14="http://schemas.microsoft.com/office/drawing/2010/main" xmlns="" w="9525">
+                <a14:hiddenLine xmlns="" xmlns:a14="http://schemas.microsoft.com/office/drawing/2010/main" w="9525">
                   <a:solidFill>
                     <a:srgbClr val="000000"/>
                   </a:solidFill>
@@ -1047,7 +1052,7 @@
             </a:ln>
             <a:extLst>
               <a:ext uri="{91240B29-F687-4f45-9708-019B960494DF}">
-                <a14:hiddenLine xmlns:a14="http://schemas.microsoft.com/office/drawing/2010/main" xmlns="" w="9525">
+                <a14:hiddenLine xmlns="" xmlns:a14="http://schemas.microsoft.com/office/drawing/2010/main" w="9525">
                   <a:solidFill>
                     <a:srgbClr val="000000"/>
                   </a:solidFill>
@@ -1109,7 +1114,7 @@
             </a:ln>
             <a:extLst>
               <a:ext uri="{91240B29-F687-4f45-9708-019B960494DF}">
-                <a14:hiddenLine xmlns:a14="http://schemas.microsoft.com/office/drawing/2010/main" xmlns="" w="9525">
+                <a14:hiddenLine xmlns="" xmlns:a14="http://schemas.microsoft.com/office/drawing/2010/main" w="9525">
                   <a:solidFill>
                     <a:srgbClr val="000000"/>
                   </a:solidFill>
@@ -1219,7 +1224,7 @@
             </a:ln>
             <a:extLst>
               <a:ext uri="{91240B29-F687-4f45-9708-019B960494DF}">
-                <a14:hiddenLine xmlns:a14="http://schemas.microsoft.com/office/drawing/2010/main" xmlns="" w="9525">
+                <a14:hiddenLine xmlns="" xmlns:a14="http://schemas.microsoft.com/office/drawing/2010/main" w="9525">
                   <a:solidFill>
                     <a:srgbClr val="000000"/>
                   </a:solidFill>
@@ -1281,7 +1286,7 @@
             </a:ln>
             <a:extLst>
               <a:ext uri="{91240B29-F687-4f45-9708-019B960494DF}">
-                <a14:hiddenLine xmlns:a14="http://schemas.microsoft.com/office/drawing/2010/main" xmlns="" w="9525">
+                <a14:hiddenLine xmlns="" xmlns:a14="http://schemas.microsoft.com/office/drawing/2010/main" w="9525">
                   <a:solidFill>
                     <a:srgbClr val="000000"/>
                   </a:solidFill>
@@ -1371,7 +1376,7 @@
             </a:ln>
             <a:extLst>
               <a:ext uri="{91240B29-F687-4f45-9708-019B960494DF}">
-                <a14:hiddenLine xmlns:a14="http://schemas.microsoft.com/office/drawing/2010/main" xmlns="" w="9525">
+                <a14:hiddenLine xmlns="" xmlns:a14="http://schemas.microsoft.com/office/drawing/2010/main" w="9525">
                   <a:solidFill>
                     <a:srgbClr val="000000"/>
                   </a:solidFill>
@@ -1461,7 +1466,7 @@
             </a:ln>
             <a:extLst>
               <a:ext uri="{91240B29-F687-4f45-9708-019B960494DF}">
-                <a14:hiddenLine xmlns:a14="http://schemas.microsoft.com/office/drawing/2010/main" xmlns="" w="9525">
+                <a14:hiddenLine xmlns="" xmlns:a14="http://schemas.microsoft.com/office/drawing/2010/main" w="9525">
                   <a:solidFill>
                     <a:srgbClr val="000000"/>
                   </a:solidFill>
@@ -1523,7 +1528,7 @@
             </a:ln>
             <a:extLst>
               <a:ext uri="{91240B29-F687-4f45-9708-019B960494DF}">
-                <a14:hiddenLine xmlns:a14="http://schemas.microsoft.com/office/drawing/2010/main" xmlns="" w="9525">
+                <a14:hiddenLine xmlns="" xmlns:a14="http://schemas.microsoft.com/office/drawing/2010/main" w="9525">
                   <a:solidFill>
                     <a:srgbClr val="000000"/>
                   </a:solidFill>
@@ -1613,7 +1618,7 @@
             </a:ln>
             <a:extLst>
               <a:ext uri="{91240B29-F687-4f45-9708-019B960494DF}">
-                <a14:hiddenLine xmlns:a14="http://schemas.microsoft.com/office/drawing/2010/main" xmlns="" w="9525">
+                <a14:hiddenLine xmlns="" xmlns:a14="http://schemas.microsoft.com/office/drawing/2010/main" w="9525">
                   <a:solidFill>
                     <a:srgbClr val="000000"/>
                   </a:solidFill>
@@ -1703,7 +1708,7 @@
             </a:ln>
             <a:extLst>
               <a:ext uri="{91240B29-F687-4f45-9708-019B960494DF}">
-                <a14:hiddenLine xmlns:a14="http://schemas.microsoft.com/office/drawing/2010/main" xmlns="" w="9525">
+                <a14:hiddenLine xmlns="" xmlns:a14="http://schemas.microsoft.com/office/drawing/2010/main" w="9525">
                   <a:solidFill>
                     <a:srgbClr val="000000"/>
                   </a:solidFill>
@@ -1759,7 +1764,7 @@
             </a:ln>
             <a:extLst>
               <a:ext uri="{91240B29-F687-4f45-9708-019B960494DF}">
-                <a14:hiddenLine xmlns:a14="http://schemas.microsoft.com/office/drawing/2010/main" xmlns="" w="9525">
+                <a14:hiddenLine xmlns="" xmlns:a14="http://schemas.microsoft.com/office/drawing/2010/main" w="9525">
                   <a:solidFill>
                     <a:srgbClr val="000000"/>
                   </a:solidFill>
@@ -1849,7 +1854,7 @@
             </a:ln>
             <a:extLst>
               <a:ext uri="{91240B29-F687-4f45-9708-019B960494DF}">
-                <a14:hiddenLine xmlns:a14="http://schemas.microsoft.com/office/drawing/2010/main" xmlns="" w="9525">
+                <a14:hiddenLine xmlns="" xmlns:a14="http://schemas.microsoft.com/office/drawing/2010/main" w="9525">
                   <a:solidFill>
                     <a:srgbClr val="000000"/>
                   </a:solidFill>
@@ -1905,7 +1910,7 @@
             </a:ln>
             <a:extLst>
               <a:ext uri="{91240B29-F687-4f45-9708-019B960494DF}">
-                <a14:hiddenLine xmlns:a14="http://schemas.microsoft.com/office/drawing/2010/main" xmlns="" w="9525">
+                <a14:hiddenLine xmlns="" xmlns:a14="http://schemas.microsoft.com/office/drawing/2010/main" w="9525">
                   <a:solidFill>
                     <a:srgbClr val="000000"/>
                   </a:solidFill>
@@ -1995,7 +2000,7 @@
             </a:ln>
             <a:extLst>
               <a:ext uri="{91240B29-F687-4f45-9708-019B960494DF}">
-                <a14:hiddenLine xmlns:a14="http://schemas.microsoft.com/office/drawing/2010/main" xmlns="" w="9525">
+                <a14:hiddenLine xmlns="" xmlns:a14="http://schemas.microsoft.com/office/drawing/2010/main" w="9525">
                   <a:solidFill>
                     <a:srgbClr val="000000"/>
                   </a:solidFill>
@@ -2063,7 +2068,7 @@
             </a:ln>
             <a:extLst>
               <a:ext uri="{91240B29-F687-4f45-9708-019B960494DF}">
-                <a14:hiddenLine xmlns:a14="http://schemas.microsoft.com/office/drawing/2010/main" xmlns="" w="9525">
+                <a14:hiddenLine xmlns="" xmlns:a14="http://schemas.microsoft.com/office/drawing/2010/main" w="9525">
                   <a:solidFill>
                     <a:srgbClr val="000000"/>
                   </a:solidFill>
@@ -2153,7 +2158,7 @@
             </a:ln>
             <a:extLst>
               <a:ext uri="{91240B29-F687-4f45-9708-019B960494DF}">
-                <a14:hiddenLine xmlns:a14="http://schemas.microsoft.com/office/drawing/2010/main" xmlns="" w="9525">
+                <a14:hiddenLine xmlns="" xmlns:a14="http://schemas.microsoft.com/office/drawing/2010/main" w="9525">
                   <a:solidFill>
                     <a:srgbClr val="000000"/>
                   </a:solidFill>
@@ -2221,7 +2226,7 @@
             </a:ln>
             <a:extLst>
               <a:ext uri="{91240B29-F687-4f45-9708-019B960494DF}">
-                <a14:hiddenLine xmlns:a14="http://schemas.microsoft.com/office/drawing/2010/main" xmlns="" w="9525">
+                <a14:hiddenLine xmlns="" xmlns:a14="http://schemas.microsoft.com/office/drawing/2010/main" w="9525">
                   <a:solidFill>
                     <a:srgbClr val="000000"/>
                   </a:solidFill>
@@ -2311,7 +2316,7 @@
             </a:ln>
             <a:extLst>
               <a:ext uri="{91240B29-F687-4f45-9708-019B960494DF}">
-                <a14:hiddenLine xmlns:a14="http://schemas.microsoft.com/office/drawing/2010/main" xmlns="" w="9525">
+                <a14:hiddenLine xmlns="" xmlns:a14="http://schemas.microsoft.com/office/drawing/2010/main" w="9525">
                   <a:solidFill>
                     <a:srgbClr val="000000"/>
                   </a:solidFill>
@@ -2345,7 +2350,7 @@
             </a:ln>
             <a:extLst>
               <a:ext uri="{91240B29-F687-4f45-9708-019B960494DF}">
-                <a14:hiddenLine xmlns:a14="http://schemas.microsoft.com/office/drawing/2010/main" xmlns="" w="9525">
+                <a14:hiddenLine xmlns="" xmlns:a14="http://schemas.microsoft.com/office/drawing/2010/main" w="9525">
                   <a:solidFill>
                     <a:srgbClr val="000000"/>
                   </a:solidFill>
@@ -2435,7 +2440,7 @@
             </a:ln>
             <a:extLst>
               <a:ext uri="{91240B29-F687-4f45-9708-019B960494DF}">
-                <a14:hiddenLine xmlns:a14="http://schemas.microsoft.com/office/drawing/2010/main" xmlns="" w="9525">
+                <a14:hiddenLine xmlns="" xmlns:a14="http://schemas.microsoft.com/office/drawing/2010/main" w="9525">
                   <a:solidFill>
                     <a:srgbClr val="000000"/>
                   </a:solidFill>
@@ -2497,7 +2502,7 @@
             </a:ln>
             <a:extLst>
               <a:ext uri="{91240B29-F687-4f45-9708-019B960494DF}">
-                <a14:hiddenLine xmlns:a14="http://schemas.microsoft.com/office/drawing/2010/main" xmlns="" w="9525">
+                <a14:hiddenLine xmlns="" xmlns:a14="http://schemas.microsoft.com/office/drawing/2010/main" w="9525">
                   <a:solidFill>
                     <a:srgbClr val="000000"/>
                   </a:solidFill>
@@ -2559,7 +2564,7 @@
             </a:ln>
             <a:extLst>
               <a:ext uri="{91240B29-F687-4f45-9708-019B960494DF}">
-                <a14:hiddenLine xmlns:a14="http://schemas.microsoft.com/office/drawing/2010/main" xmlns="" w="9525">
+                <a14:hiddenLine xmlns="" xmlns:a14="http://schemas.microsoft.com/office/drawing/2010/main" w="9525">
                   <a:solidFill>
                     <a:srgbClr val="000000"/>
                   </a:solidFill>
@@ -2649,7 +2654,7 @@
             </a:ln>
             <a:extLst>
               <a:ext uri="{91240B29-F687-4f45-9708-019B960494DF}">
-                <a14:hiddenLine xmlns:a14="http://schemas.microsoft.com/office/drawing/2010/main" xmlns="" w="9525">
+                <a14:hiddenLine xmlns="" xmlns:a14="http://schemas.microsoft.com/office/drawing/2010/main" w="9525">
                   <a:solidFill>
                     <a:srgbClr val="000000"/>
                   </a:solidFill>
@@ -2717,7 +2722,7 @@
             </a:ln>
             <a:extLst>
               <a:ext uri="{91240B29-F687-4f45-9708-019B960494DF}">
-                <a14:hiddenLine xmlns:a14="http://schemas.microsoft.com/office/drawing/2010/main" xmlns="" w="9525">
+                <a14:hiddenLine xmlns="" xmlns:a14="http://schemas.microsoft.com/office/drawing/2010/main" w="9525">
                   <a:solidFill>
                     <a:srgbClr val="000000"/>
                   </a:solidFill>
@@ -2779,7 +2784,7 @@
             </a:ln>
             <a:extLst>
               <a:ext uri="{91240B29-F687-4f45-9708-019B960494DF}">
-                <a14:hiddenLine xmlns:a14="http://schemas.microsoft.com/office/drawing/2010/main" xmlns="" w="9525">
+                <a14:hiddenLine xmlns="" xmlns:a14="http://schemas.microsoft.com/office/drawing/2010/main" w="9525">
                   <a:solidFill>
                     <a:srgbClr val="000000"/>
                   </a:solidFill>
@@ -2869,7 +2874,7 @@
             </a:ln>
             <a:extLst>
               <a:ext uri="{91240B29-F687-4f45-9708-019B960494DF}">
-                <a14:hiddenLine xmlns:a14="http://schemas.microsoft.com/office/drawing/2010/main" xmlns="" w="9525">
+                <a14:hiddenLine xmlns="" xmlns:a14="http://schemas.microsoft.com/office/drawing/2010/main" w="9525">
                   <a:solidFill>
                     <a:srgbClr val="000000"/>
                   </a:solidFill>
@@ -2931,7 +2936,7 @@
             </a:ln>
             <a:extLst>
               <a:ext uri="{91240B29-F687-4f45-9708-019B960494DF}">
-                <a14:hiddenLine xmlns:a14="http://schemas.microsoft.com/office/drawing/2010/main" xmlns="" w="9525">
+                <a14:hiddenLine xmlns="" xmlns:a14="http://schemas.microsoft.com/office/drawing/2010/main" w="9525">
                   <a:solidFill>
                     <a:srgbClr val="000000"/>
                   </a:solidFill>
@@ -3021,7 +3026,7 @@
             </a:ln>
             <a:extLst>
               <a:ext uri="{91240B29-F687-4f45-9708-019B960494DF}">
-                <a14:hiddenLine xmlns:a14="http://schemas.microsoft.com/office/drawing/2010/main" xmlns="" w="9525">
+                <a14:hiddenLine xmlns="" xmlns:a14="http://schemas.microsoft.com/office/drawing/2010/main" w="9525">
                   <a:solidFill>
                     <a:srgbClr val="000000"/>
                   </a:solidFill>
@@ -3083,7 +3088,7 @@
             </a:ln>
             <a:extLst>
               <a:ext uri="{91240B29-F687-4f45-9708-019B960494DF}">
-                <a14:hiddenLine xmlns:a14="http://schemas.microsoft.com/office/drawing/2010/main" xmlns="" w="9525">
+                <a14:hiddenLine xmlns="" xmlns:a14="http://schemas.microsoft.com/office/drawing/2010/main" w="9525">
                   <a:solidFill>
                     <a:srgbClr val="000000"/>
                   </a:solidFill>
@@ -3173,7 +3178,7 @@
             </a:ln>
             <a:extLst>
               <a:ext uri="{91240B29-F687-4f45-9708-019B960494DF}">
-                <a14:hiddenLine xmlns:a14="http://schemas.microsoft.com/office/drawing/2010/main" xmlns="" w="9525">
+                <a14:hiddenLine xmlns="" xmlns:a14="http://schemas.microsoft.com/office/drawing/2010/main" w="9525">
                   <a:solidFill>
                     <a:srgbClr val="000000"/>
                   </a:solidFill>
@@ -3207,7 +3212,7 @@
             </a:ln>
             <a:extLst>
               <a:ext uri="{91240B29-F687-4f45-9708-019B960494DF}">
-                <a14:hiddenLine xmlns:a14="http://schemas.microsoft.com/office/drawing/2010/main" xmlns="" w="9525">
+                <a14:hiddenLine xmlns="" xmlns:a14="http://schemas.microsoft.com/office/drawing/2010/main" w="9525">
                   <a:solidFill>
                     <a:srgbClr val="000000"/>
                   </a:solidFill>
@@ -3272,7 +3277,7 @@
             </a:ln>
             <a:extLst>
               <a:ext uri="{91240B29-F687-4f45-9708-019B960494DF}">
-                <a14:hiddenLine xmlns:a14="http://schemas.microsoft.com/office/drawing/2010/main" xmlns="" w="9525">
+                <a14:hiddenLine xmlns="" xmlns:a14="http://schemas.microsoft.com/office/drawing/2010/main" w="9525">
                   <a:solidFill>
                     <a:srgbClr val="000000"/>
                   </a:solidFill>
@@ -3362,7 +3367,7 @@
             </a:ln>
             <a:extLst>
               <a:ext uri="{91240B29-F687-4f45-9708-019B960494DF}">
-                <a14:hiddenLine xmlns:a14="http://schemas.microsoft.com/office/drawing/2010/main" xmlns="" w="9525">
+                <a14:hiddenLine xmlns="" xmlns:a14="http://schemas.microsoft.com/office/drawing/2010/main" w="9525">
                   <a:solidFill>
                     <a:srgbClr val="000000"/>
                   </a:solidFill>
@@ -3424,7 +3429,7 @@
             </a:ln>
             <a:extLst>
               <a:ext uri="{91240B29-F687-4f45-9708-019B960494DF}">
-                <a14:hiddenLine xmlns:a14="http://schemas.microsoft.com/office/drawing/2010/main" xmlns="" w="9525">
+                <a14:hiddenLine xmlns="" xmlns:a14="http://schemas.microsoft.com/office/drawing/2010/main" w="9525">
                   <a:solidFill>
                     <a:srgbClr val="000000"/>
                   </a:solidFill>
@@ -3514,7 +3519,7 @@
             </a:ln>
             <a:extLst>
               <a:ext uri="{91240B29-F687-4f45-9708-019B960494DF}">
-                <a14:hiddenLine xmlns:a14="http://schemas.microsoft.com/office/drawing/2010/main" xmlns="" w="9525">
+                <a14:hiddenLine xmlns="" xmlns:a14="http://schemas.microsoft.com/office/drawing/2010/main" w="9525">
                   <a:solidFill>
                     <a:srgbClr val="000000"/>
                   </a:solidFill>
@@ -3604,7 +3609,7 @@
             </a:ln>
             <a:extLst>
               <a:ext uri="{91240B29-F687-4f45-9708-019B960494DF}">
-                <a14:hiddenLine xmlns:a14="http://schemas.microsoft.com/office/drawing/2010/main" xmlns="" w="9525">
+                <a14:hiddenLine xmlns="" xmlns:a14="http://schemas.microsoft.com/office/drawing/2010/main" w="9525">
                   <a:solidFill>
                     <a:srgbClr val="000000"/>
                   </a:solidFill>
@@ -3669,7 +3674,7 @@
             </a:ln>
             <a:extLst>
               <a:ext uri="{91240B29-F687-4f45-9708-019B960494DF}">
-                <a14:hiddenLine xmlns:a14="http://schemas.microsoft.com/office/drawing/2010/main" xmlns="" w="9525">
+                <a14:hiddenLine xmlns="" xmlns:a14="http://schemas.microsoft.com/office/drawing/2010/main" w="9525">
                   <a:solidFill>
                     <a:srgbClr val="000000"/>
                   </a:solidFill>
@@ -3731,7 +3736,7 @@
             </a:ln>
             <a:extLst>
               <a:ext uri="{91240B29-F687-4f45-9708-019B960494DF}">
-                <a14:hiddenLine xmlns:a14="http://schemas.microsoft.com/office/drawing/2010/main" xmlns="" w="9525">
+                <a14:hiddenLine xmlns="" xmlns:a14="http://schemas.microsoft.com/office/drawing/2010/main" w="9525">
                   <a:solidFill>
                     <a:srgbClr val="000000"/>
                   </a:solidFill>
@@ -3821,7 +3826,7 @@
             </a:ln>
             <a:extLst>
               <a:ext uri="{91240B29-F687-4f45-9708-019B960494DF}">
-                <a14:hiddenLine xmlns:a14="http://schemas.microsoft.com/office/drawing/2010/main" xmlns="" w="9525">
+                <a14:hiddenLine xmlns="" xmlns:a14="http://schemas.microsoft.com/office/drawing/2010/main" w="9525">
                   <a:solidFill>
                     <a:srgbClr val="000000"/>
                   </a:solidFill>
@@ -3911,7 +3916,7 @@
             </a:ln>
             <a:extLst>
               <a:ext uri="{91240B29-F687-4f45-9708-019B960494DF}">
-                <a14:hiddenLine xmlns:a14="http://schemas.microsoft.com/office/drawing/2010/main" xmlns="" w="9525">
+                <a14:hiddenLine xmlns="" xmlns:a14="http://schemas.microsoft.com/office/drawing/2010/main" w="9525">
                   <a:solidFill>
                     <a:srgbClr val="000000"/>
                   </a:solidFill>
@@ -3973,7 +3978,7 @@
             </a:ln>
             <a:extLst>
               <a:ext uri="{91240B29-F687-4f45-9708-019B960494DF}">
-                <a14:hiddenLine xmlns:a14="http://schemas.microsoft.com/office/drawing/2010/main" xmlns="" w="9525">
+                <a14:hiddenLine xmlns="" xmlns:a14="http://schemas.microsoft.com/office/drawing/2010/main" w="9525">
                   <a:solidFill>
                     <a:srgbClr val="000000"/>
                   </a:solidFill>
@@ -4093,7 +4098,7 @@
             </a:ln>
             <a:extLst>
               <a:ext uri="{91240B29-F687-4f45-9708-019B960494DF}">
-                <a14:hiddenLine xmlns:a14="http://schemas.microsoft.com/office/drawing/2010/main" xmlns="" w="9525">
+                <a14:hiddenLine xmlns="" xmlns:a14="http://schemas.microsoft.com/office/drawing/2010/main" w="9525">
                   <a:solidFill>
                     <a:srgbClr val="000000"/>
                   </a:solidFill>
@@ -4161,7 +4166,7 @@
             </a:ln>
             <a:extLst>
               <a:ext uri="{91240B29-F687-4f45-9708-019B960494DF}">
-                <a14:hiddenLine xmlns:a14="http://schemas.microsoft.com/office/drawing/2010/main" xmlns="" w="9525">
+                <a14:hiddenLine xmlns="" xmlns:a14="http://schemas.microsoft.com/office/drawing/2010/main" w="9525">
                   <a:solidFill>
                     <a:srgbClr val="000000"/>
                   </a:solidFill>
@@ -4251,7 +4256,7 @@
             </a:ln>
             <a:extLst>
               <a:ext uri="{91240B29-F687-4f45-9708-019B960494DF}">
-                <a14:hiddenLine xmlns:a14="http://schemas.microsoft.com/office/drawing/2010/main" xmlns="" w="9525">
+                <a14:hiddenLine xmlns="" xmlns:a14="http://schemas.microsoft.com/office/drawing/2010/main" w="9525">
                   <a:solidFill>
                     <a:srgbClr val="000000"/>
                   </a:solidFill>
@@ -8973,7 +8978,7 @@
           <a:noFill/>
           <a:extLst>
             <a:ext uri="{909E8E84-426E-40dd-AFC4-6F175D3DCCD1}">
-              <a14:hiddenFill xmlns:a14="http://schemas.microsoft.com/office/drawing/2010/main" xmlns="">
+              <a14:hiddenFill xmlns="" xmlns:a14="http://schemas.microsoft.com/office/drawing/2010/main">
                 <a:solidFill>
                   <a:srgbClr val="FFFFFF"/>
                 </a:solidFill>
@@ -9047,7 +9052,7 @@
               </a:ln>
               <a:extLst>
                 <a:ext uri="{91240B29-F687-4f45-9708-019B960494DF}">
-                  <a14:hiddenLine xmlns:a14="http://schemas.microsoft.com/office/drawing/2010/main" xmlns="" w="9525">
+                  <a14:hiddenLine xmlns="" xmlns:a14="http://schemas.microsoft.com/office/drawing/2010/main" w="9525">
                     <a:solidFill>
                       <a:srgbClr val="000000"/>
                     </a:solidFill>
@@ -9137,7 +9142,7 @@
               </a:ln>
               <a:extLst>
                 <a:ext uri="{91240B29-F687-4f45-9708-019B960494DF}">
-                  <a14:hiddenLine xmlns:a14="http://schemas.microsoft.com/office/drawing/2010/main" xmlns="" w="9525">
+                  <a14:hiddenLine xmlns="" xmlns:a14="http://schemas.microsoft.com/office/drawing/2010/main" w="9525">
                     <a:solidFill>
                       <a:srgbClr val="000000"/>
                     </a:solidFill>
@@ -9227,7 +9232,7 @@
               </a:ln>
               <a:extLst>
                 <a:ext uri="{91240B29-F687-4f45-9708-019B960494DF}">
-                  <a14:hiddenLine xmlns:a14="http://schemas.microsoft.com/office/drawing/2010/main" xmlns="" w="9525">
+                  <a14:hiddenLine xmlns="" xmlns:a14="http://schemas.microsoft.com/office/drawing/2010/main" w="9525">
                     <a:solidFill>
                       <a:srgbClr val="000000"/>
                     </a:solidFill>
@@ -9289,7 +9294,7 @@
               </a:ln>
               <a:extLst>
                 <a:ext uri="{91240B29-F687-4f45-9708-019B960494DF}">
-                  <a14:hiddenLine xmlns:a14="http://schemas.microsoft.com/office/drawing/2010/main" xmlns="" w="9525">
+                  <a14:hiddenLine xmlns="" xmlns:a14="http://schemas.microsoft.com/office/drawing/2010/main" w="9525">
                     <a:solidFill>
                       <a:srgbClr val="000000"/>
                     </a:solidFill>
@@ -9379,7 +9384,7 @@
               </a:ln>
               <a:extLst>
                 <a:ext uri="{91240B29-F687-4f45-9708-019B960494DF}">
-                  <a14:hiddenLine xmlns:a14="http://schemas.microsoft.com/office/drawing/2010/main" xmlns="" w="9525">
+                  <a14:hiddenLine xmlns="" xmlns:a14="http://schemas.microsoft.com/office/drawing/2010/main" w="9525">
                     <a:solidFill>
                       <a:srgbClr val="000000"/>
                     </a:solidFill>
@@ -9441,7 +9446,7 @@
               </a:ln>
               <a:extLst>
                 <a:ext uri="{91240B29-F687-4f45-9708-019B960494DF}">
-                  <a14:hiddenLine xmlns:a14="http://schemas.microsoft.com/office/drawing/2010/main" xmlns="" w="9525">
+                  <a14:hiddenLine xmlns="" xmlns:a14="http://schemas.microsoft.com/office/drawing/2010/main" w="9525">
                     <a:solidFill>
                       <a:srgbClr val="000000"/>
                     </a:solidFill>
@@ -9503,7 +9508,7 @@
               </a:ln>
               <a:extLst>
                 <a:ext uri="{91240B29-F687-4f45-9708-019B960494DF}">
-                  <a14:hiddenLine xmlns:a14="http://schemas.microsoft.com/office/drawing/2010/main" xmlns="" w="9525">
+                  <a14:hiddenLine xmlns="" xmlns:a14="http://schemas.microsoft.com/office/drawing/2010/main" w="9525">
                     <a:solidFill>
                       <a:srgbClr val="000000"/>
                     </a:solidFill>
@@ -9593,7 +9598,7 @@
               </a:ln>
               <a:extLst>
                 <a:ext uri="{91240B29-F687-4f45-9708-019B960494DF}">
-                  <a14:hiddenLine xmlns:a14="http://schemas.microsoft.com/office/drawing/2010/main" xmlns="" w="9525">
+                  <a14:hiddenLine xmlns="" xmlns:a14="http://schemas.microsoft.com/office/drawing/2010/main" w="9525">
                     <a:solidFill>
                       <a:srgbClr val="000000"/>
                     </a:solidFill>
@@ -9683,7 +9688,7 @@
               </a:ln>
               <a:extLst>
                 <a:ext uri="{91240B29-F687-4f45-9708-019B960494DF}">
-                  <a14:hiddenLine xmlns:a14="http://schemas.microsoft.com/office/drawing/2010/main" xmlns="" w="9525">
+                  <a14:hiddenLine xmlns="" xmlns:a14="http://schemas.microsoft.com/office/drawing/2010/main" w="9525">
                     <a:solidFill>
                       <a:srgbClr val="000000"/>
                     </a:solidFill>
@@ -9745,7 +9750,7 @@
               </a:ln>
               <a:extLst>
                 <a:ext uri="{91240B29-F687-4f45-9708-019B960494DF}">
-                  <a14:hiddenLine xmlns:a14="http://schemas.microsoft.com/office/drawing/2010/main" xmlns="" w="9525">
+                  <a14:hiddenLine xmlns="" xmlns:a14="http://schemas.microsoft.com/office/drawing/2010/main" w="9525">
                     <a:solidFill>
                       <a:srgbClr val="000000"/>
                     </a:solidFill>
@@ -9855,7 +9860,7 @@
               </a:ln>
               <a:extLst>
                 <a:ext uri="{91240B29-F687-4f45-9708-019B960494DF}">
-                  <a14:hiddenLine xmlns:a14="http://schemas.microsoft.com/office/drawing/2010/main" xmlns="" w="9525">
+                  <a14:hiddenLine xmlns="" xmlns:a14="http://schemas.microsoft.com/office/drawing/2010/main" w="9525">
                     <a:solidFill>
                       <a:srgbClr val="000000"/>
                     </a:solidFill>
@@ -9939,7 +9944,7 @@
               </a:ln>
               <a:extLst>
                 <a:ext uri="{91240B29-F687-4f45-9708-019B960494DF}">
-                  <a14:hiddenLine xmlns:a14="http://schemas.microsoft.com/office/drawing/2010/main" xmlns="" w="9525">
+                  <a14:hiddenLine xmlns="" xmlns:a14="http://schemas.microsoft.com/office/drawing/2010/main" w="9525">
                     <a:solidFill>
                       <a:srgbClr val="000000"/>
                     </a:solidFill>
@@ -10001,7 +10006,7 @@
               </a:ln>
               <a:extLst>
                 <a:ext uri="{91240B29-F687-4f45-9708-019B960494DF}">
-                  <a14:hiddenLine xmlns:a14="http://schemas.microsoft.com/office/drawing/2010/main" xmlns="" w="9525">
+                  <a14:hiddenLine xmlns="" xmlns:a14="http://schemas.microsoft.com/office/drawing/2010/main" w="9525">
                     <a:solidFill>
                       <a:srgbClr val="000000"/>
                     </a:solidFill>
@@ -10063,7 +10068,7 @@
               </a:ln>
               <a:extLst>
                 <a:ext uri="{91240B29-F687-4f45-9708-019B960494DF}">
-                  <a14:hiddenLine xmlns:a14="http://schemas.microsoft.com/office/drawing/2010/main" xmlns="" w="9525">
+                  <a14:hiddenLine xmlns="" xmlns:a14="http://schemas.microsoft.com/office/drawing/2010/main" w="9525">
                     <a:solidFill>
                       <a:srgbClr val="000000"/>
                     </a:solidFill>
@@ -10153,7 +10158,7 @@
               </a:ln>
               <a:extLst>
                 <a:ext uri="{91240B29-F687-4f45-9708-019B960494DF}">
-                  <a14:hiddenLine xmlns:a14="http://schemas.microsoft.com/office/drawing/2010/main" xmlns="" w="9525">
+                  <a14:hiddenLine xmlns="" xmlns:a14="http://schemas.microsoft.com/office/drawing/2010/main" w="9525">
                     <a:solidFill>
                       <a:srgbClr val="000000"/>
                     </a:solidFill>
@@ -10187,7 +10192,7 @@
               </a:ln>
               <a:extLst>
                 <a:ext uri="{91240B29-F687-4f45-9708-019B960494DF}">
-                  <a14:hiddenLine xmlns:a14="http://schemas.microsoft.com/office/drawing/2010/main" xmlns="" w="9525">
+                  <a14:hiddenLine xmlns="" xmlns:a14="http://schemas.microsoft.com/office/drawing/2010/main" w="9525">
                     <a:solidFill>
                       <a:srgbClr val="000000"/>
                     </a:solidFill>
@@ -10252,7 +10257,7 @@
               </a:ln>
               <a:extLst>
                 <a:ext uri="{91240B29-F687-4f45-9708-019B960494DF}">
-                  <a14:hiddenLine xmlns:a14="http://schemas.microsoft.com/office/drawing/2010/main" xmlns="" w="9525">
+                  <a14:hiddenLine xmlns="" xmlns:a14="http://schemas.microsoft.com/office/drawing/2010/main" w="9525">
                     <a:solidFill>
                       <a:srgbClr val="000000"/>
                     </a:solidFill>
@@ -10342,7 +10347,7 @@
               </a:ln>
               <a:extLst>
                 <a:ext uri="{91240B29-F687-4f45-9708-019B960494DF}">
-                  <a14:hiddenLine xmlns:a14="http://schemas.microsoft.com/office/drawing/2010/main" xmlns="" w="9525">
+                  <a14:hiddenLine xmlns="" xmlns:a14="http://schemas.microsoft.com/office/drawing/2010/main" w="9525">
                     <a:solidFill>
                       <a:srgbClr val="000000"/>
                     </a:solidFill>
@@ -10404,7 +10409,7 @@
               </a:ln>
               <a:extLst>
                 <a:ext uri="{91240B29-F687-4f45-9708-019B960494DF}">
-                  <a14:hiddenLine xmlns:a14="http://schemas.microsoft.com/office/drawing/2010/main" xmlns="" w="9525">
+                  <a14:hiddenLine xmlns="" xmlns:a14="http://schemas.microsoft.com/office/drawing/2010/main" w="9525">
                     <a:solidFill>
                       <a:srgbClr val="000000"/>
                     </a:solidFill>
@@ -10494,7 +10499,7 @@
               </a:ln>
               <a:extLst>
                 <a:ext uri="{91240B29-F687-4f45-9708-019B960494DF}">
-                  <a14:hiddenLine xmlns:a14="http://schemas.microsoft.com/office/drawing/2010/main" xmlns="" w="9525">
+                  <a14:hiddenLine xmlns="" xmlns:a14="http://schemas.microsoft.com/office/drawing/2010/main" w="9525">
                     <a:solidFill>
                       <a:srgbClr val="000000"/>
                     </a:solidFill>
@@ -10559,7 +10564,7 @@
               </a:ln>
               <a:extLst>
                 <a:ext uri="{91240B29-F687-4f45-9708-019B960494DF}">
-                  <a14:hiddenLine xmlns:a14="http://schemas.microsoft.com/office/drawing/2010/main" xmlns="" w="9525">
+                  <a14:hiddenLine xmlns="" xmlns:a14="http://schemas.microsoft.com/office/drawing/2010/main" w="9525">
                     <a:solidFill>
                       <a:srgbClr val="000000"/>
                     </a:solidFill>
@@ -10621,7 +10626,7 @@
               </a:ln>
               <a:extLst>
                 <a:ext uri="{91240B29-F687-4f45-9708-019B960494DF}">
-                  <a14:hiddenLine xmlns:a14="http://schemas.microsoft.com/office/drawing/2010/main" xmlns="" w="9525">
+                  <a14:hiddenLine xmlns="" xmlns:a14="http://schemas.microsoft.com/office/drawing/2010/main" w="9525">
                     <a:solidFill>
                       <a:srgbClr val="000000"/>
                     </a:solidFill>
@@ -10711,7 +10716,7 @@
               </a:ln>
               <a:extLst>
                 <a:ext uri="{91240B29-F687-4f45-9708-019B960494DF}">
-                  <a14:hiddenLine xmlns:a14="http://schemas.microsoft.com/office/drawing/2010/main" xmlns="" w="9525">
+                  <a14:hiddenLine xmlns="" xmlns:a14="http://schemas.microsoft.com/office/drawing/2010/main" w="9525">
                     <a:solidFill>
                       <a:srgbClr val="000000"/>
                     </a:solidFill>
@@ -10801,7 +10806,7 @@
               </a:ln>
               <a:extLst>
                 <a:ext uri="{91240B29-F687-4f45-9708-019B960494DF}">
-                  <a14:hiddenLine xmlns:a14="http://schemas.microsoft.com/office/drawing/2010/main" xmlns="" w="9525">
+                  <a14:hiddenLine xmlns="" xmlns:a14="http://schemas.microsoft.com/office/drawing/2010/main" w="9525">
                     <a:solidFill>
                       <a:srgbClr val="000000"/>
                     </a:solidFill>
@@ -10866,7 +10871,7 @@
               </a:ln>
               <a:extLst>
                 <a:ext uri="{91240B29-F687-4f45-9708-019B960494DF}">
-                  <a14:hiddenLine xmlns:a14="http://schemas.microsoft.com/office/drawing/2010/main" xmlns="" w="9525">
+                  <a14:hiddenLine xmlns="" xmlns:a14="http://schemas.microsoft.com/office/drawing/2010/main" w="9525">
                     <a:solidFill>
                       <a:srgbClr val="000000"/>
                     </a:solidFill>
@@ -10986,7 +10991,7 @@
               </a:ln>
               <a:extLst>
                 <a:ext uri="{91240B29-F687-4f45-9708-019B960494DF}">
-                  <a14:hiddenLine xmlns:a14="http://schemas.microsoft.com/office/drawing/2010/main" xmlns="" w="9525">
+                  <a14:hiddenLine xmlns="" xmlns:a14="http://schemas.microsoft.com/office/drawing/2010/main" w="9525">
                     <a:solidFill>
                       <a:srgbClr val="000000"/>
                     </a:solidFill>
@@ -11084,7 +11089,7 @@
               </a:ln>
               <a:extLst>
                 <a:ext uri="{91240B29-F687-4f45-9708-019B960494DF}">
-                  <a14:hiddenLine xmlns:a14="http://schemas.microsoft.com/office/drawing/2010/main" xmlns="" w="9525">
+                  <a14:hiddenLine xmlns="" xmlns:a14="http://schemas.microsoft.com/office/drawing/2010/main" w="9525">
                     <a:solidFill>
                       <a:srgbClr val="000000"/>
                     </a:solidFill>
@@ -11199,7 +11204,7 @@
               </a:ln>
               <a:extLst>
                 <a:ext uri="{91240B29-F687-4f45-9708-019B960494DF}">
-                  <a14:hiddenLine xmlns:a14="http://schemas.microsoft.com/office/drawing/2010/main" xmlns="" w="9525">
+                  <a14:hiddenLine xmlns="" xmlns:a14="http://schemas.microsoft.com/office/drawing/2010/main" w="9525">
                     <a:solidFill>
                       <a:srgbClr val="000000"/>
                     </a:solidFill>
@@ -11289,7 +11294,7 @@
               </a:ln>
               <a:extLst>
                 <a:ext uri="{91240B29-F687-4f45-9708-019B960494DF}">
-                  <a14:hiddenLine xmlns:a14="http://schemas.microsoft.com/office/drawing/2010/main" xmlns="" w="9525">
+                  <a14:hiddenLine xmlns="" xmlns:a14="http://schemas.microsoft.com/office/drawing/2010/main" w="9525">
                     <a:solidFill>
                       <a:srgbClr val="000000"/>
                     </a:solidFill>
@@ -11354,7 +11359,7 @@
               </a:ln>
               <a:extLst>
                 <a:ext uri="{91240B29-F687-4f45-9708-019B960494DF}">
-                  <a14:hiddenLine xmlns:a14="http://schemas.microsoft.com/office/drawing/2010/main" xmlns="" w="9525">
+                  <a14:hiddenLine xmlns="" xmlns:a14="http://schemas.microsoft.com/office/drawing/2010/main" w="9525">
                     <a:solidFill>
                       <a:srgbClr val="000000"/>
                     </a:solidFill>
@@ -11444,7 +11449,7 @@
               </a:ln>
               <a:extLst>
                 <a:ext uri="{91240B29-F687-4f45-9708-019B960494DF}">
-                  <a14:hiddenLine xmlns:a14="http://schemas.microsoft.com/office/drawing/2010/main" xmlns="" w="9525">
+                  <a14:hiddenLine xmlns="" xmlns:a14="http://schemas.microsoft.com/office/drawing/2010/main" w="9525">
                     <a:solidFill>
                       <a:srgbClr val="000000"/>
                     </a:solidFill>
@@ -11512,7 +11517,7 @@
               </a:ln>
               <a:extLst>
                 <a:ext uri="{91240B29-F687-4f45-9708-019B960494DF}">
-                  <a14:hiddenLine xmlns:a14="http://schemas.microsoft.com/office/drawing/2010/main" xmlns="" w="9525">
+                  <a14:hiddenLine xmlns="" xmlns:a14="http://schemas.microsoft.com/office/drawing/2010/main" w="9525">
                     <a:solidFill>
                       <a:srgbClr val="000000"/>
                     </a:solidFill>
@@ -11602,7 +11607,7 @@
               </a:ln>
               <a:extLst>
                 <a:ext uri="{91240B29-F687-4f45-9708-019B960494DF}">
-                  <a14:hiddenLine xmlns:a14="http://schemas.microsoft.com/office/drawing/2010/main" xmlns="" w="9525">
+                  <a14:hiddenLine xmlns="" xmlns:a14="http://schemas.microsoft.com/office/drawing/2010/main" w="9525">
                     <a:solidFill>
                       <a:srgbClr val="000000"/>
                     </a:solidFill>
@@ -11670,7 +11675,7 @@
               </a:ln>
               <a:extLst>
                 <a:ext uri="{91240B29-F687-4f45-9708-019B960494DF}">
-                  <a14:hiddenLine xmlns:a14="http://schemas.microsoft.com/office/drawing/2010/main" xmlns="" w="9525">
+                  <a14:hiddenLine xmlns="" xmlns:a14="http://schemas.microsoft.com/office/drawing/2010/main" w="9525">
                     <a:solidFill>
                       <a:srgbClr val="000000"/>
                     </a:solidFill>
@@ -11760,7 +11765,7 @@
               </a:ln>
               <a:extLst>
                 <a:ext uri="{91240B29-F687-4f45-9708-019B960494DF}">
-                  <a14:hiddenLine xmlns:a14="http://schemas.microsoft.com/office/drawing/2010/main" xmlns="" w="9525">
+                  <a14:hiddenLine xmlns="" xmlns:a14="http://schemas.microsoft.com/office/drawing/2010/main" w="9525">
                     <a:solidFill>
                       <a:srgbClr val="000000"/>
                     </a:solidFill>
@@ -11794,7 +11799,7 @@
               </a:ln>
               <a:extLst>
                 <a:ext uri="{91240B29-F687-4f45-9708-019B960494DF}">
-                  <a14:hiddenLine xmlns:a14="http://schemas.microsoft.com/office/drawing/2010/main" xmlns="" w="9525">
+                  <a14:hiddenLine xmlns="" xmlns:a14="http://schemas.microsoft.com/office/drawing/2010/main" w="9525">
                     <a:solidFill>
                       <a:srgbClr val="000000"/>
                     </a:solidFill>
@@ -13724,7 +13729,15 @@
           <a:bodyPr/>
           <a:lstStyle/>
           <a:p>
-            <a:endParaRPr lang="hu-HU"/>
+            <a:r>
+              <a:rPr lang="hu-HU" dirty="0" err="1" smtClean="0"/>
+              <a:t>Technical</a:t>
+            </a:r>
+            <a:r>
+              <a:rPr lang="hu-HU" dirty="0" smtClean="0"/>
+              <a:t> </a:t>
+            </a:r>
+            <a:endParaRPr lang="hu-HU" dirty="0"/>
           </a:p>
         </p:txBody>
       </p:sp>

--- a/RHNFAE_onlab.pptx
+++ b/RHNFAE_onlab.pptx
@@ -11,9 +11,11 @@
     <p:sldId id="262" r:id="rId5"/>
     <p:sldId id="263" r:id="rId6"/>
     <p:sldId id="259" r:id="rId7"/>
-    <p:sldId id="261" r:id="rId8"/>
-    <p:sldId id="260" r:id="rId9"/>
-    <p:sldId id="258" r:id="rId10"/>
+    <p:sldId id="266" r:id="rId8"/>
+    <p:sldId id="261" r:id="rId9"/>
+    <p:sldId id="260" r:id="rId10"/>
+    <p:sldId id="258" r:id="rId11"/>
+    <p:sldId id="265" r:id="rId12"/>
   </p:sldIdLst>
   <p:sldSz cx="12192000" cy="6858000"/>
   <p:notesSz cx="6858000" cy="9144000"/>
@@ -170,7 +172,7 @@
           <a:noFill/>
           <a:extLst>
             <a:ext uri="{909E8E84-426E-40dd-AFC4-6F175D3DCCD1}">
-              <a14:hiddenFill xmlns="" xmlns:a14="http://schemas.microsoft.com/office/drawing/2010/main">
+              <a14:hiddenFill xmlns:a14="http://schemas.microsoft.com/office/drawing/2010/main" xmlns="">
                 <a:solidFill>
                   <a:srgbClr val="FFFFFF"/>
                 </a:solidFill>
@@ -230,7 +232,7 @@
             </a:ln>
             <a:extLst>
               <a:ext uri="{91240B29-F687-4f45-9708-019B960494DF}">
-                <a14:hiddenLine xmlns="" xmlns:a14="http://schemas.microsoft.com/office/drawing/2010/main" w="9525">
+                <a14:hiddenLine xmlns:a14="http://schemas.microsoft.com/office/drawing/2010/main" xmlns="" w="9525">
                   <a:solidFill>
                     <a:srgbClr val="000000"/>
                   </a:solidFill>
@@ -320,7 +322,7 @@
             </a:ln>
             <a:extLst>
               <a:ext uri="{91240B29-F687-4f45-9708-019B960494DF}">
-                <a14:hiddenLine xmlns="" xmlns:a14="http://schemas.microsoft.com/office/drawing/2010/main" w="9525">
+                <a14:hiddenLine xmlns:a14="http://schemas.microsoft.com/office/drawing/2010/main" xmlns="" w="9525">
                   <a:solidFill>
                     <a:srgbClr val="000000"/>
                   </a:solidFill>
@@ -410,7 +412,7 @@
             </a:ln>
             <a:extLst>
               <a:ext uri="{91240B29-F687-4f45-9708-019B960494DF}">
-                <a14:hiddenLine xmlns="" xmlns:a14="http://schemas.microsoft.com/office/drawing/2010/main" w="9525">
+                <a14:hiddenLine xmlns:a14="http://schemas.microsoft.com/office/drawing/2010/main" xmlns="" w="9525">
                   <a:solidFill>
                     <a:srgbClr val="000000"/>
                   </a:solidFill>
@@ -444,7 +446,7 @@
             </a:ln>
             <a:extLst>
               <a:ext uri="{91240B29-F687-4f45-9708-019B960494DF}">
-                <a14:hiddenLine xmlns="" xmlns:a14="http://schemas.microsoft.com/office/drawing/2010/main" w="9525">
+                <a14:hiddenLine xmlns:a14="http://schemas.microsoft.com/office/drawing/2010/main" xmlns="" w="9525">
                   <a:solidFill>
                     <a:srgbClr val="000000"/>
                   </a:solidFill>
@@ -534,7 +536,7 @@
             </a:ln>
             <a:extLst>
               <a:ext uri="{91240B29-F687-4f45-9708-019B960494DF}">
-                <a14:hiddenLine xmlns="" xmlns:a14="http://schemas.microsoft.com/office/drawing/2010/main" w="9525">
+                <a14:hiddenLine xmlns:a14="http://schemas.microsoft.com/office/drawing/2010/main" xmlns="" w="9525">
                   <a:solidFill>
                     <a:srgbClr val="000000"/>
                   </a:solidFill>
@@ -596,7 +598,7 @@
             </a:ln>
             <a:extLst>
               <a:ext uri="{91240B29-F687-4f45-9708-019B960494DF}">
-                <a14:hiddenLine xmlns="" xmlns:a14="http://schemas.microsoft.com/office/drawing/2010/main" w="9525">
+                <a14:hiddenLine xmlns:a14="http://schemas.microsoft.com/office/drawing/2010/main" xmlns="" w="9525">
                   <a:solidFill>
                     <a:srgbClr val="000000"/>
                   </a:solidFill>
@@ -658,7 +660,7 @@
             </a:ln>
             <a:extLst>
               <a:ext uri="{91240B29-F687-4f45-9708-019B960494DF}">
-                <a14:hiddenLine xmlns="" xmlns:a14="http://schemas.microsoft.com/office/drawing/2010/main" w="9525">
+                <a14:hiddenLine xmlns:a14="http://schemas.microsoft.com/office/drawing/2010/main" xmlns="" w="9525">
                   <a:solidFill>
                     <a:srgbClr val="000000"/>
                   </a:solidFill>
@@ -748,7 +750,7 @@
             </a:ln>
             <a:extLst>
               <a:ext uri="{91240B29-F687-4f45-9708-019B960494DF}">
-                <a14:hiddenLine xmlns="" xmlns:a14="http://schemas.microsoft.com/office/drawing/2010/main" w="9525">
+                <a14:hiddenLine xmlns:a14="http://schemas.microsoft.com/office/drawing/2010/main" xmlns="" w="9525">
                   <a:solidFill>
                     <a:srgbClr val="000000"/>
                   </a:solidFill>
@@ -810,7 +812,7 @@
             </a:ln>
             <a:extLst>
               <a:ext uri="{91240B29-F687-4f45-9708-019B960494DF}">
-                <a14:hiddenLine xmlns="" xmlns:a14="http://schemas.microsoft.com/office/drawing/2010/main" w="9525">
+                <a14:hiddenLine xmlns:a14="http://schemas.microsoft.com/office/drawing/2010/main" xmlns="" w="9525">
                   <a:solidFill>
                     <a:srgbClr val="000000"/>
                   </a:solidFill>
@@ -872,7 +874,7 @@
             </a:ln>
             <a:extLst>
               <a:ext uri="{91240B29-F687-4f45-9708-019B960494DF}">
-                <a14:hiddenLine xmlns="" xmlns:a14="http://schemas.microsoft.com/office/drawing/2010/main" w="9525">
+                <a14:hiddenLine xmlns:a14="http://schemas.microsoft.com/office/drawing/2010/main" xmlns="" w="9525">
                   <a:solidFill>
                     <a:srgbClr val="000000"/>
                   </a:solidFill>
@@ -962,7 +964,7 @@
             </a:ln>
             <a:extLst>
               <a:ext uri="{91240B29-F687-4f45-9708-019B960494DF}">
-                <a14:hiddenLine xmlns="" xmlns:a14="http://schemas.microsoft.com/office/drawing/2010/main" w="9525">
+                <a14:hiddenLine xmlns:a14="http://schemas.microsoft.com/office/drawing/2010/main" xmlns="" w="9525">
                   <a:solidFill>
                     <a:srgbClr val="000000"/>
                   </a:solidFill>
@@ -1052,7 +1054,7 @@
             </a:ln>
             <a:extLst>
               <a:ext uri="{91240B29-F687-4f45-9708-019B960494DF}">
-                <a14:hiddenLine xmlns="" xmlns:a14="http://schemas.microsoft.com/office/drawing/2010/main" w="9525">
+                <a14:hiddenLine xmlns:a14="http://schemas.microsoft.com/office/drawing/2010/main" xmlns="" w="9525">
                   <a:solidFill>
                     <a:srgbClr val="000000"/>
                   </a:solidFill>
@@ -1114,7 +1116,7 @@
             </a:ln>
             <a:extLst>
               <a:ext uri="{91240B29-F687-4f45-9708-019B960494DF}">
-                <a14:hiddenLine xmlns="" xmlns:a14="http://schemas.microsoft.com/office/drawing/2010/main" w="9525">
+                <a14:hiddenLine xmlns:a14="http://schemas.microsoft.com/office/drawing/2010/main" xmlns="" w="9525">
                   <a:solidFill>
                     <a:srgbClr val="000000"/>
                   </a:solidFill>
@@ -1224,7 +1226,7 @@
             </a:ln>
             <a:extLst>
               <a:ext uri="{91240B29-F687-4f45-9708-019B960494DF}">
-                <a14:hiddenLine xmlns="" xmlns:a14="http://schemas.microsoft.com/office/drawing/2010/main" w="9525">
+                <a14:hiddenLine xmlns:a14="http://schemas.microsoft.com/office/drawing/2010/main" xmlns="" w="9525">
                   <a:solidFill>
                     <a:srgbClr val="000000"/>
                   </a:solidFill>
@@ -1286,7 +1288,7 @@
             </a:ln>
             <a:extLst>
               <a:ext uri="{91240B29-F687-4f45-9708-019B960494DF}">
-                <a14:hiddenLine xmlns="" xmlns:a14="http://schemas.microsoft.com/office/drawing/2010/main" w="9525">
+                <a14:hiddenLine xmlns:a14="http://schemas.microsoft.com/office/drawing/2010/main" xmlns="" w="9525">
                   <a:solidFill>
                     <a:srgbClr val="000000"/>
                   </a:solidFill>
@@ -1376,7 +1378,7 @@
             </a:ln>
             <a:extLst>
               <a:ext uri="{91240B29-F687-4f45-9708-019B960494DF}">
-                <a14:hiddenLine xmlns="" xmlns:a14="http://schemas.microsoft.com/office/drawing/2010/main" w="9525">
+                <a14:hiddenLine xmlns:a14="http://schemas.microsoft.com/office/drawing/2010/main" xmlns="" w="9525">
                   <a:solidFill>
                     <a:srgbClr val="000000"/>
                   </a:solidFill>
@@ -1466,7 +1468,7 @@
             </a:ln>
             <a:extLst>
               <a:ext uri="{91240B29-F687-4f45-9708-019B960494DF}">
-                <a14:hiddenLine xmlns="" xmlns:a14="http://schemas.microsoft.com/office/drawing/2010/main" w="9525">
+                <a14:hiddenLine xmlns:a14="http://schemas.microsoft.com/office/drawing/2010/main" xmlns="" w="9525">
                   <a:solidFill>
                     <a:srgbClr val="000000"/>
                   </a:solidFill>
@@ -1528,7 +1530,7 @@
             </a:ln>
             <a:extLst>
               <a:ext uri="{91240B29-F687-4f45-9708-019B960494DF}">
-                <a14:hiddenLine xmlns="" xmlns:a14="http://schemas.microsoft.com/office/drawing/2010/main" w="9525">
+                <a14:hiddenLine xmlns:a14="http://schemas.microsoft.com/office/drawing/2010/main" xmlns="" w="9525">
                   <a:solidFill>
                     <a:srgbClr val="000000"/>
                   </a:solidFill>
@@ -1618,7 +1620,7 @@
             </a:ln>
             <a:extLst>
               <a:ext uri="{91240B29-F687-4f45-9708-019B960494DF}">
-                <a14:hiddenLine xmlns="" xmlns:a14="http://schemas.microsoft.com/office/drawing/2010/main" w="9525">
+                <a14:hiddenLine xmlns:a14="http://schemas.microsoft.com/office/drawing/2010/main" xmlns="" w="9525">
                   <a:solidFill>
                     <a:srgbClr val="000000"/>
                   </a:solidFill>
@@ -1708,7 +1710,7 @@
             </a:ln>
             <a:extLst>
               <a:ext uri="{91240B29-F687-4f45-9708-019B960494DF}">
-                <a14:hiddenLine xmlns="" xmlns:a14="http://schemas.microsoft.com/office/drawing/2010/main" w="9525">
+                <a14:hiddenLine xmlns:a14="http://schemas.microsoft.com/office/drawing/2010/main" xmlns="" w="9525">
                   <a:solidFill>
                     <a:srgbClr val="000000"/>
                   </a:solidFill>
@@ -1764,7 +1766,7 @@
             </a:ln>
             <a:extLst>
               <a:ext uri="{91240B29-F687-4f45-9708-019B960494DF}">
-                <a14:hiddenLine xmlns="" xmlns:a14="http://schemas.microsoft.com/office/drawing/2010/main" w="9525">
+                <a14:hiddenLine xmlns:a14="http://schemas.microsoft.com/office/drawing/2010/main" xmlns="" w="9525">
                   <a:solidFill>
                     <a:srgbClr val="000000"/>
                   </a:solidFill>
@@ -1854,7 +1856,7 @@
             </a:ln>
             <a:extLst>
               <a:ext uri="{91240B29-F687-4f45-9708-019B960494DF}">
-                <a14:hiddenLine xmlns="" xmlns:a14="http://schemas.microsoft.com/office/drawing/2010/main" w="9525">
+                <a14:hiddenLine xmlns:a14="http://schemas.microsoft.com/office/drawing/2010/main" xmlns="" w="9525">
                   <a:solidFill>
                     <a:srgbClr val="000000"/>
                   </a:solidFill>
@@ -1910,7 +1912,7 @@
             </a:ln>
             <a:extLst>
               <a:ext uri="{91240B29-F687-4f45-9708-019B960494DF}">
-                <a14:hiddenLine xmlns="" xmlns:a14="http://schemas.microsoft.com/office/drawing/2010/main" w="9525">
+                <a14:hiddenLine xmlns:a14="http://schemas.microsoft.com/office/drawing/2010/main" xmlns="" w="9525">
                   <a:solidFill>
                     <a:srgbClr val="000000"/>
                   </a:solidFill>
@@ -2000,7 +2002,7 @@
             </a:ln>
             <a:extLst>
               <a:ext uri="{91240B29-F687-4f45-9708-019B960494DF}">
-                <a14:hiddenLine xmlns="" xmlns:a14="http://schemas.microsoft.com/office/drawing/2010/main" w="9525">
+                <a14:hiddenLine xmlns:a14="http://schemas.microsoft.com/office/drawing/2010/main" xmlns="" w="9525">
                   <a:solidFill>
                     <a:srgbClr val="000000"/>
                   </a:solidFill>
@@ -2068,7 +2070,7 @@
             </a:ln>
             <a:extLst>
               <a:ext uri="{91240B29-F687-4f45-9708-019B960494DF}">
-                <a14:hiddenLine xmlns="" xmlns:a14="http://schemas.microsoft.com/office/drawing/2010/main" w="9525">
+                <a14:hiddenLine xmlns:a14="http://schemas.microsoft.com/office/drawing/2010/main" xmlns="" w="9525">
                   <a:solidFill>
                     <a:srgbClr val="000000"/>
                   </a:solidFill>
@@ -2158,7 +2160,7 @@
             </a:ln>
             <a:extLst>
               <a:ext uri="{91240B29-F687-4f45-9708-019B960494DF}">
-                <a14:hiddenLine xmlns="" xmlns:a14="http://schemas.microsoft.com/office/drawing/2010/main" w="9525">
+                <a14:hiddenLine xmlns:a14="http://schemas.microsoft.com/office/drawing/2010/main" xmlns="" w="9525">
                   <a:solidFill>
                     <a:srgbClr val="000000"/>
                   </a:solidFill>
@@ -2226,7 +2228,7 @@
             </a:ln>
             <a:extLst>
               <a:ext uri="{91240B29-F687-4f45-9708-019B960494DF}">
-                <a14:hiddenLine xmlns="" xmlns:a14="http://schemas.microsoft.com/office/drawing/2010/main" w="9525">
+                <a14:hiddenLine xmlns:a14="http://schemas.microsoft.com/office/drawing/2010/main" xmlns="" w="9525">
                   <a:solidFill>
                     <a:srgbClr val="000000"/>
                   </a:solidFill>
@@ -2316,7 +2318,7 @@
             </a:ln>
             <a:extLst>
               <a:ext uri="{91240B29-F687-4f45-9708-019B960494DF}">
-                <a14:hiddenLine xmlns="" xmlns:a14="http://schemas.microsoft.com/office/drawing/2010/main" w="9525">
+                <a14:hiddenLine xmlns:a14="http://schemas.microsoft.com/office/drawing/2010/main" xmlns="" w="9525">
                   <a:solidFill>
                     <a:srgbClr val="000000"/>
                   </a:solidFill>
@@ -2350,7 +2352,7 @@
             </a:ln>
             <a:extLst>
               <a:ext uri="{91240B29-F687-4f45-9708-019B960494DF}">
-                <a14:hiddenLine xmlns="" xmlns:a14="http://schemas.microsoft.com/office/drawing/2010/main" w="9525">
+                <a14:hiddenLine xmlns:a14="http://schemas.microsoft.com/office/drawing/2010/main" xmlns="" w="9525">
                   <a:solidFill>
                     <a:srgbClr val="000000"/>
                   </a:solidFill>
@@ -2440,7 +2442,7 @@
             </a:ln>
             <a:extLst>
               <a:ext uri="{91240B29-F687-4f45-9708-019B960494DF}">
-                <a14:hiddenLine xmlns="" xmlns:a14="http://schemas.microsoft.com/office/drawing/2010/main" w="9525">
+                <a14:hiddenLine xmlns:a14="http://schemas.microsoft.com/office/drawing/2010/main" xmlns="" w="9525">
                   <a:solidFill>
                     <a:srgbClr val="000000"/>
                   </a:solidFill>
@@ -2502,7 +2504,7 @@
             </a:ln>
             <a:extLst>
               <a:ext uri="{91240B29-F687-4f45-9708-019B960494DF}">
-                <a14:hiddenLine xmlns="" xmlns:a14="http://schemas.microsoft.com/office/drawing/2010/main" w="9525">
+                <a14:hiddenLine xmlns:a14="http://schemas.microsoft.com/office/drawing/2010/main" xmlns="" w="9525">
                   <a:solidFill>
                     <a:srgbClr val="000000"/>
                   </a:solidFill>
@@ -2564,7 +2566,7 @@
             </a:ln>
             <a:extLst>
               <a:ext uri="{91240B29-F687-4f45-9708-019B960494DF}">
-                <a14:hiddenLine xmlns="" xmlns:a14="http://schemas.microsoft.com/office/drawing/2010/main" w="9525">
+                <a14:hiddenLine xmlns:a14="http://schemas.microsoft.com/office/drawing/2010/main" xmlns="" w="9525">
                   <a:solidFill>
                     <a:srgbClr val="000000"/>
                   </a:solidFill>
@@ -2654,7 +2656,7 @@
             </a:ln>
             <a:extLst>
               <a:ext uri="{91240B29-F687-4f45-9708-019B960494DF}">
-                <a14:hiddenLine xmlns="" xmlns:a14="http://schemas.microsoft.com/office/drawing/2010/main" w="9525">
+                <a14:hiddenLine xmlns:a14="http://schemas.microsoft.com/office/drawing/2010/main" xmlns="" w="9525">
                   <a:solidFill>
                     <a:srgbClr val="000000"/>
                   </a:solidFill>
@@ -2722,7 +2724,7 @@
             </a:ln>
             <a:extLst>
               <a:ext uri="{91240B29-F687-4f45-9708-019B960494DF}">
-                <a14:hiddenLine xmlns="" xmlns:a14="http://schemas.microsoft.com/office/drawing/2010/main" w="9525">
+                <a14:hiddenLine xmlns:a14="http://schemas.microsoft.com/office/drawing/2010/main" xmlns="" w="9525">
                   <a:solidFill>
                     <a:srgbClr val="000000"/>
                   </a:solidFill>
@@ -2784,7 +2786,7 @@
             </a:ln>
             <a:extLst>
               <a:ext uri="{91240B29-F687-4f45-9708-019B960494DF}">
-                <a14:hiddenLine xmlns="" xmlns:a14="http://schemas.microsoft.com/office/drawing/2010/main" w="9525">
+                <a14:hiddenLine xmlns:a14="http://schemas.microsoft.com/office/drawing/2010/main" xmlns="" w="9525">
                   <a:solidFill>
                     <a:srgbClr val="000000"/>
                   </a:solidFill>
@@ -2874,7 +2876,7 @@
             </a:ln>
             <a:extLst>
               <a:ext uri="{91240B29-F687-4f45-9708-019B960494DF}">
-                <a14:hiddenLine xmlns="" xmlns:a14="http://schemas.microsoft.com/office/drawing/2010/main" w="9525">
+                <a14:hiddenLine xmlns:a14="http://schemas.microsoft.com/office/drawing/2010/main" xmlns="" w="9525">
                   <a:solidFill>
                     <a:srgbClr val="000000"/>
                   </a:solidFill>
@@ -2936,7 +2938,7 @@
             </a:ln>
             <a:extLst>
               <a:ext uri="{91240B29-F687-4f45-9708-019B960494DF}">
-                <a14:hiddenLine xmlns="" xmlns:a14="http://schemas.microsoft.com/office/drawing/2010/main" w="9525">
+                <a14:hiddenLine xmlns:a14="http://schemas.microsoft.com/office/drawing/2010/main" xmlns="" w="9525">
                   <a:solidFill>
                     <a:srgbClr val="000000"/>
                   </a:solidFill>
@@ -3026,7 +3028,7 @@
             </a:ln>
             <a:extLst>
               <a:ext uri="{91240B29-F687-4f45-9708-019B960494DF}">
-                <a14:hiddenLine xmlns="" xmlns:a14="http://schemas.microsoft.com/office/drawing/2010/main" w="9525">
+                <a14:hiddenLine xmlns:a14="http://schemas.microsoft.com/office/drawing/2010/main" xmlns="" w="9525">
                   <a:solidFill>
                     <a:srgbClr val="000000"/>
                   </a:solidFill>
@@ -3088,7 +3090,7 @@
             </a:ln>
             <a:extLst>
               <a:ext uri="{91240B29-F687-4f45-9708-019B960494DF}">
-                <a14:hiddenLine xmlns="" xmlns:a14="http://schemas.microsoft.com/office/drawing/2010/main" w="9525">
+                <a14:hiddenLine xmlns:a14="http://schemas.microsoft.com/office/drawing/2010/main" xmlns="" w="9525">
                   <a:solidFill>
                     <a:srgbClr val="000000"/>
                   </a:solidFill>
@@ -3178,7 +3180,7 @@
             </a:ln>
             <a:extLst>
               <a:ext uri="{91240B29-F687-4f45-9708-019B960494DF}">
-                <a14:hiddenLine xmlns="" xmlns:a14="http://schemas.microsoft.com/office/drawing/2010/main" w="9525">
+                <a14:hiddenLine xmlns:a14="http://schemas.microsoft.com/office/drawing/2010/main" xmlns="" w="9525">
                   <a:solidFill>
                     <a:srgbClr val="000000"/>
                   </a:solidFill>
@@ -3212,7 +3214,7 @@
             </a:ln>
             <a:extLst>
               <a:ext uri="{91240B29-F687-4f45-9708-019B960494DF}">
-                <a14:hiddenLine xmlns="" xmlns:a14="http://schemas.microsoft.com/office/drawing/2010/main" w="9525">
+                <a14:hiddenLine xmlns:a14="http://schemas.microsoft.com/office/drawing/2010/main" xmlns="" w="9525">
                   <a:solidFill>
                     <a:srgbClr val="000000"/>
                   </a:solidFill>
@@ -3277,7 +3279,7 @@
             </a:ln>
             <a:extLst>
               <a:ext uri="{91240B29-F687-4f45-9708-019B960494DF}">
-                <a14:hiddenLine xmlns="" xmlns:a14="http://schemas.microsoft.com/office/drawing/2010/main" w="9525">
+                <a14:hiddenLine xmlns:a14="http://schemas.microsoft.com/office/drawing/2010/main" xmlns="" w="9525">
                   <a:solidFill>
                     <a:srgbClr val="000000"/>
                   </a:solidFill>
@@ -3367,7 +3369,7 @@
             </a:ln>
             <a:extLst>
               <a:ext uri="{91240B29-F687-4f45-9708-019B960494DF}">
-                <a14:hiddenLine xmlns="" xmlns:a14="http://schemas.microsoft.com/office/drawing/2010/main" w="9525">
+                <a14:hiddenLine xmlns:a14="http://schemas.microsoft.com/office/drawing/2010/main" xmlns="" w="9525">
                   <a:solidFill>
                     <a:srgbClr val="000000"/>
                   </a:solidFill>
@@ -3429,7 +3431,7 @@
             </a:ln>
             <a:extLst>
               <a:ext uri="{91240B29-F687-4f45-9708-019B960494DF}">
-                <a14:hiddenLine xmlns="" xmlns:a14="http://schemas.microsoft.com/office/drawing/2010/main" w="9525">
+                <a14:hiddenLine xmlns:a14="http://schemas.microsoft.com/office/drawing/2010/main" xmlns="" w="9525">
                   <a:solidFill>
                     <a:srgbClr val="000000"/>
                   </a:solidFill>
@@ -3519,7 +3521,7 @@
             </a:ln>
             <a:extLst>
               <a:ext uri="{91240B29-F687-4f45-9708-019B960494DF}">
-                <a14:hiddenLine xmlns="" xmlns:a14="http://schemas.microsoft.com/office/drawing/2010/main" w="9525">
+                <a14:hiddenLine xmlns:a14="http://schemas.microsoft.com/office/drawing/2010/main" xmlns="" w="9525">
                   <a:solidFill>
                     <a:srgbClr val="000000"/>
                   </a:solidFill>
@@ -3609,7 +3611,7 @@
             </a:ln>
             <a:extLst>
               <a:ext uri="{91240B29-F687-4f45-9708-019B960494DF}">
-                <a14:hiddenLine xmlns="" xmlns:a14="http://schemas.microsoft.com/office/drawing/2010/main" w="9525">
+                <a14:hiddenLine xmlns:a14="http://schemas.microsoft.com/office/drawing/2010/main" xmlns="" w="9525">
                   <a:solidFill>
                     <a:srgbClr val="000000"/>
                   </a:solidFill>
@@ -3674,7 +3676,7 @@
             </a:ln>
             <a:extLst>
               <a:ext uri="{91240B29-F687-4f45-9708-019B960494DF}">
-                <a14:hiddenLine xmlns="" xmlns:a14="http://schemas.microsoft.com/office/drawing/2010/main" w="9525">
+                <a14:hiddenLine xmlns:a14="http://schemas.microsoft.com/office/drawing/2010/main" xmlns="" w="9525">
                   <a:solidFill>
                     <a:srgbClr val="000000"/>
                   </a:solidFill>
@@ -3736,7 +3738,7 @@
             </a:ln>
             <a:extLst>
               <a:ext uri="{91240B29-F687-4f45-9708-019B960494DF}">
-                <a14:hiddenLine xmlns="" xmlns:a14="http://schemas.microsoft.com/office/drawing/2010/main" w="9525">
+                <a14:hiddenLine xmlns:a14="http://schemas.microsoft.com/office/drawing/2010/main" xmlns="" w="9525">
                   <a:solidFill>
                     <a:srgbClr val="000000"/>
                   </a:solidFill>
@@ -3826,7 +3828,7 @@
             </a:ln>
             <a:extLst>
               <a:ext uri="{91240B29-F687-4f45-9708-019B960494DF}">
-                <a14:hiddenLine xmlns="" xmlns:a14="http://schemas.microsoft.com/office/drawing/2010/main" w="9525">
+                <a14:hiddenLine xmlns:a14="http://schemas.microsoft.com/office/drawing/2010/main" xmlns="" w="9525">
                   <a:solidFill>
                     <a:srgbClr val="000000"/>
                   </a:solidFill>
@@ -3916,7 +3918,7 @@
             </a:ln>
             <a:extLst>
               <a:ext uri="{91240B29-F687-4f45-9708-019B960494DF}">
-                <a14:hiddenLine xmlns="" xmlns:a14="http://schemas.microsoft.com/office/drawing/2010/main" w="9525">
+                <a14:hiddenLine xmlns:a14="http://schemas.microsoft.com/office/drawing/2010/main" xmlns="" w="9525">
                   <a:solidFill>
                     <a:srgbClr val="000000"/>
                   </a:solidFill>
@@ -3978,7 +3980,7 @@
             </a:ln>
             <a:extLst>
               <a:ext uri="{91240B29-F687-4f45-9708-019B960494DF}">
-                <a14:hiddenLine xmlns="" xmlns:a14="http://schemas.microsoft.com/office/drawing/2010/main" w="9525">
+                <a14:hiddenLine xmlns:a14="http://schemas.microsoft.com/office/drawing/2010/main" xmlns="" w="9525">
                   <a:solidFill>
                     <a:srgbClr val="000000"/>
                   </a:solidFill>
@@ -4098,7 +4100,7 @@
             </a:ln>
             <a:extLst>
               <a:ext uri="{91240B29-F687-4f45-9708-019B960494DF}">
-                <a14:hiddenLine xmlns="" xmlns:a14="http://schemas.microsoft.com/office/drawing/2010/main" w="9525">
+                <a14:hiddenLine xmlns:a14="http://schemas.microsoft.com/office/drawing/2010/main" xmlns="" w="9525">
                   <a:solidFill>
                     <a:srgbClr val="000000"/>
                   </a:solidFill>
@@ -4166,7 +4168,7 @@
             </a:ln>
             <a:extLst>
               <a:ext uri="{91240B29-F687-4f45-9708-019B960494DF}">
-                <a14:hiddenLine xmlns="" xmlns:a14="http://schemas.microsoft.com/office/drawing/2010/main" w="9525">
+                <a14:hiddenLine xmlns:a14="http://schemas.microsoft.com/office/drawing/2010/main" xmlns="" w="9525">
                   <a:solidFill>
                     <a:srgbClr val="000000"/>
                   </a:solidFill>
@@ -4256,7 +4258,7 @@
             </a:ln>
             <a:extLst>
               <a:ext uri="{91240B29-F687-4f45-9708-019B960494DF}">
-                <a14:hiddenLine xmlns="" xmlns:a14="http://schemas.microsoft.com/office/drawing/2010/main" w="9525">
+                <a14:hiddenLine xmlns:a14="http://schemas.microsoft.com/office/drawing/2010/main" xmlns="" w="9525">
                   <a:solidFill>
                     <a:srgbClr val="000000"/>
                   </a:solidFill>
@@ -4396,7 +4398,7 @@
           <a:p>
             <a:fld id="{48A87A34-81AB-432B-8DAE-1953F412C126}" type="datetimeFigureOut">
               <a:rPr lang="en-US" dirty="0"/>
-              <a:t>5/8/2019</a:t>
+              <a:t>5/13/2019</a:t>
             </a:fld>
             <a:endParaRPr lang="en-US" dirty="0"/>
           </a:p>
@@ -4658,7 +4660,7 @@
           <a:p>
             <a:fld id="{48A87A34-81AB-432B-8DAE-1953F412C126}" type="datetimeFigureOut">
               <a:rPr lang="en-US" dirty="0"/>
-              <a:t>5/8/2019</a:t>
+              <a:t>5/13/2019</a:t>
             </a:fld>
             <a:endParaRPr lang="en-US" dirty="0"/>
           </a:p>
@@ -4849,7 +4851,7 @@
           <a:p>
             <a:fld id="{48A87A34-81AB-432B-8DAE-1953F412C126}" type="datetimeFigureOut">
               <a:rPr lang="en-US" dirty="0"/>
-              <a:t>5/8/2019</a:t>
+              <a:t>5/13/2019</a:t>
             </a:fld>
             <a:endParaRPr lang="en-US" dirty="0"/>
           </a:p>
@@ -5107,7 +5109,7 @@
           <a:p>
             <a:fld id="{48A87A34-81AB-432B-8DAE-1953F412C126}" type="datetimeFigureOut">
               <a:rPr lang="en-US" dirty="0"/>
-              <a:t>5/8/2019</a:t>
+              <a:t>5/13/2019</a:t>
             </a:fld>
             <a:endParaRPr lang="en-US" dirty="0"/>
           </a:p>
@@ -5536,7 +5538,7 @@
           <a:p>
             <a:fld id="{48A87A34-81AB-432B-8DAE-1953F412C126}" type="datetimeFigureOut">
               <a:rPr lang="en-US" dirty="0"/>
-              <a:t>5/8/2019</a:t>
+              <a:t>5/13/2019</a:t>
             </a:fld>
             <a:endParaRPr lang="en-US" dirty="0"/>
           </a:p>
@@ -6077,7 +6079,7 @@
           <a:p>
             <a:fld id="{48A87A34-81AB-432B-8DAE-1953F412C126}" type="datetimeFigureOut">
               <a:rPr lang="en-US" dirty="0"/>
-              <a:t>5/8/2019</a:t>
+              <a:t>5/13/2019</a:t>
             </a:fld>
             <a:endParaRPr lang="en-US" dirty="0"/>
           </a:p>
@@ -6792,7 +6794,7 @@
           <a:p>
             <a:fld id="{48A87A34-81AB-432B-8DAE-1953F412C126}" type="datetimeFigureOut">
               <a:rPr lang="en-US" dirty="0"/>
-              <a:t>5/8/2019</a:t>
+              <a:t>5/13/2019</a:t>
             </a:fld>
             <a:endParaRPr lang="en-US" dirty="0"/>
           </a:p>
@@ -6957,7 +6959,7 @@
           <a:p>
             <a:fld id="{48A87A34-81AB-432B-8DAE-1953F412C126}" type="datetimeFigureOut">
               <a:rPr lang="en-US" dirty="0"/>
-              <a:t>5/8/2019</a:t>
+              <a:t>5/13/2019</a:t>
             </a:fld>
             <a:endParaRPr lang="en-US" dirty="0"/>
           </a:p>
@@ -7132,7 +7134,7 @@
           <a:p>
             <a:fld id="{48A87A34-81AB-432B-8DAE-1953F412C126}" type="datetimeFigureOut">
               <a:rPr lang="en-US" dirty="0"/>
-              <a:t>5/8/2019</a:t>
+              <a:t>5/13/2019</a:t>
             </a:fld>
             <a:endParaRPr lang="en-US" dirty="0"/>
           </a:p>
@@ -7297,7 +7299,7 @@
           <a:p>
             <a:fld id="{48A87A34-81AB-432B-8DAE-1953F412C126}" type="datetimeFigureOut">
               <a:rPr lang="en-US" dirty="0"/>
-              <a:t>5/8/2019</a:t>
+              <a:t>5/13/2019</a:t>
             </a:fld>
             <a:endParaRPr lang="en-US" dirty="0"/>
           </a:p>
@@ -7542,7 +7544,7 @@
           <a:p>
             <a:fld id="{48A87A34-81AB-432B-8DAE-1953F412C126}" type="datetimeFigureOut">
               <a:rPr lang="en-US" dirty="0"/>
-              <a:t>5/8/2019</a:t>
+              <a:t>5/13/2019</a:t>
             </a:fld>
             <a:endParaRPr lang="en-US" dirty="0"/>
           </a:p>
@@ -7769,7 +7771,7 @@
           <a:p>
             <a:fld id="{48A87A34-81AB-432B-8DAE-1953F412C126}" type="datetimeFigureOut">
               <a:rPr lang="en-US" dirty="0"/>
-              <a:t>5/8/2019</a:t>
+              <a:t>5/13/2019</a:t>
             </a:fld>
             <a:endParaRPr lang="en-US" dirty="0"/>
           </a:p>
@@ -8145,7 +8147,7 @@
           <a:p>
             <a:fld id="{48A87A34-81AB-432B-8DAE-1953F412C126}" type="datetimeFigureOut">
               <a:rPr lang="en-US" dirty="0"/>
-              <a:t>5/8/2019</a:t>
+              <a:t>5/13/2019</a:t>
             </a:fld>
             <a:endParaRPr lang="en-US" dirty="0"/>
           </a:p>
@@ -8258,7 +8260,7 @@
           <a:p>
             <a:fld id="{48A87A34-81AB-432B-8DAE-1953F412C126}" type="datetimeFigureOut">
               <a:rPr lang="en-US" dirty="0"/>
-              <a:t>5/8/2019</a:t>
+              <a:t>5/13/2019</a:t>
             </a:fld>
             <a:endParaRPr lang="en-US" dirty="0"/>
           </a:p>
@@ -8348,7 +8350,7 @@
           <a:p>
             <a:fld id="{48A87A34-81AB-432B-8DAE-1953F412C126}" type="datetimeFigureOut">
               <a:rPr lang="en-US" dirty="0"/>
-              <a:t>5/8/2019</a:t>
+              <a:t>5/13/2019</a:t>
             </a:fld>
             <a:endParaRPr lang="en-US" dirty="0"/>
           </a:p>
@@ -8592,7 +8594,7 @@
           <a:p>
             <a:fld id="{48A87A34-81AB-432B-8DAE-1953F412C126}" type="datetimeFigureOut">
               <a:rPr lang="en-US" dirty="0"/>
-              <a:t>5/8/2019</a:t>
+              <a:t>5/13/2019</a:t>
             </a:fld>
             <a:endParaRPr lang="en-US" dirty="0"/>
           </a:p>
@@ -8867,7 +8869,7 @@
           <a:p>
             <a:fld id="{48A87A34-81AB-432B-8DAE-1953F412C126}" type="datetimeFigureOut">
               <a:rPr lang="en-US" dirty="0"/>
-              <a:t>5/8/2019</a:t>
+              <a:t>5/13/2019</a:t>
             </a:fld>
             <a:endParaRPr lang="en-US" dirty="0"/>
           </a:p>
@@ -8978,7 +8980,7 @@
           <a:noFill/>
           <a:extLst>
             <a:ext uri="{909E8E84-426E-40dd-AFC4-6F175D3DCCD1}">
-              <a14:hiddenFill xmlns="" xmlns:a14="http://schemas.microsoft.com/office/drawing/2010/main">
+              <a14:hiddenFill xmlns:a14="http://schemas.microsoft.com/office/drawing/2010/main" xmlns="">
                 <a:solidFill>
                   <a:srgbClr val="FFFFFF"/>
                 </a:solidFill>
@@ -9052,7 +9054,7 @@
               </a:ln>
               <a:extLst>
                 <a:ext uri="{91240B29-F687-4f45-9708-019B960494DF}">
-                  <a14:hiddenLine xmlns="" xmlns:a14="http://schemas.microsoft.com/office/drawing/2010/main" w="9525">
+                  <a14:hiddenLine xmlns:a14="http://schemas.microsoft.com/office/drawing/2010/main" xmlns="" w="9525">
                     <a:solidFill>
                       <a:srgbClr val="000000"/>
                     </a:solidFill>
@@ -9142,7 +9144,7 @@
               </a:ln>
               <a:extLst>
                 <a:ext uri="{91240B29-F687-4f45-9708-019B960494DF}">
-                  <a14:hiddenLine xmlns="" xmlns:a14="http://schemas.microsoft.com/office/drawing/2010/main" w="9525">
+                  <a14:hiddenLine xmlns:a14="http://schemas.microsoft.com/office/drawing/2010/main" xmlns="" w="9525">
                     <a:solidFill>
                       <a:srgbClr val="000000"/>
                     </a:solidFill>
@@ -9232,7 +9234,7 @@
               </a:ln>
               <a:extLst>
                 <a:ext uri="{91240B29-F687-4f45-9708-019B960494DF}">
-                  <a14:hiddenLine xmlns="" xmlns:a14="http://schemas.microsoft.com/office/drawing/2010/main" w="9525">
+                  <a14:hiddenLine xmlns:a14="http://schemas.microsoft.com/office/drawing/2010/main" xmlns="" w="9525">
                     <a:solidFill>
                       <a:srgbClr val="000000"/>
                     </a:solidFill>
@@ -9294,7 +9296,7 @@
               </a:ln>
               <a:extLst>
                 <a:ext uri="{91240B29-F687-4f45-9708-019B960494DF}">
-                  <a14:hiddenLine xmlns="" xmlns:a14="http://schemas.microsoft.com/office/drawing/2010/main" w="9525">
+                  <a14:hiddenLine xmlns:a14="http://schemas.microsoft.com/office/drawing/2010/main" xmlns="" w="9525">
                     <a:solidFill>
                       <a:srgbClr val="000000"/>
                     </a:solidFill>
@@ -9384,7 +9386,7 @@
               </a:ln>
               <a:extLst>
                 <a:ext uri="{91240B29-F687-4f45-9708-019B960494DF}">
-                  <a14:hiddenLine xmlns="" xmlns:a14="http://schemas.microsoft.com/office/drawing/2010/main" w="9525">
+                  <a14:hiddenLine xmlns:a14="http://schemas.microsoft.com/office/drawing/2010/main" xmlns="" w="9525">
                     <a:solidFill>
                       <a:srgbClr val="000000"/>
                     </a:solidFill>
@@ -9446,7 +9448,7 @@
               </a:ln>
               <a:extLst>
                 <a:ext uri="{91240B29-F687-4f45-9708-019B960494DF}">
-                  <a14:hiddenLine xmlns="" xmlns:a14="http://schemas.microsoft.com/office/drawing/2010/main" w="9525">
+                  <a14:hiddenLine xmlns:a14="http://schemas.microsoft.com/office/drawing/2010/main" xmlns="" w="9525">
                     <a:solidFill>
                       <a:srgbClr val="000000"/>
                     </a:solidFill>
@@ -9508,7 +9510,7 @@
               </a:ln>
               <a:extLst>
                 <a:ext uri="{91240B29-F687-4f45-9708-019B960494DF}">
-                  <a14:hiddenLine xmlns="" xmlns:a14="http://schemas.microsoft.com/office/drawing/2010/main" w="9525">
+                  <a14:hiddenLine xmlns:a14="http://schemas.microsoft.com/office/drawing/2010/main" xmlns="" w="9525">
                     <a:solidFill>
                       <a:srgbClr val="000000"/>
                     </a:solidFill>
@@ -9598,7 +9600,7 @@
               </a:ln>
               <a:extLst>
                 <a:ext uri="{91240B29-F687-4f45-9708-019B960494DF}">
-                  <a14:hiddenLine xmlns="" xmlns:a14="http://schemas.microsoft.com/office/drawing/2010/main" w="9525">
+                  <a14:hiddenLine xmlns:a14="http://schemas.microsoft.com/office/drawing/2010/main" xmlns="" w="9525">
                     <a:solidFill>
                       <a:srgbClr val="000000"/>
                     </a:solidFill>
@@ -9688,7 +9690,7 @@
               </a:ln>
               <a:extLst>
                 <a:ext uri="{91240B29-F687-4f45-9708-019B960494DF}">
-                  <a14:hiddenLine xmlns="" xmlns:a14="http://schemas.microsoft.com/office/drawing/2010/main" w="9525">
+                  <a14:hiddenLine xmlns:a14="http://schemas.microsoft.com/office/drawing/2010/main" xmlns="" w="9525">
                     <a:solidFill>
                       <a:srgbClr val="000000"/>
                     </a:solidFill>
@@ -9750,7 +9752,7 @@
               </a:ln>
               <a:extLst>
                 <a:ext uri="{91240B29-F687-4f45-9708-019B960494DF}">
-                  <a14:hiddenLine xmlns="" xmlns:a14="http://schemas.microsoft.com/office/drawing/2010/main" w="9525">
+                  <a14:hiddenLine xmlns:a14="http://schemas.microsoft.com/office/drawing/2010/main" xmlns="" w="9525">
                     <a:solidFill>
                       <a:srgbClr val="000000"/>
                     </a:solidFill>
@@ -9860,7 +9862,7 @@
               </a:ln>
               <a:extLst>
                 <a:ext uri="{91240B29-F687-4f45-9708-019B960494DF}">
-                  <a14:hiddenLine xmlns="" xmlns:a14="http://schemas.microsoft.com/office/drawing/2010/main" w="9525">
+                  <a14:hiddenLine xmlns:a14="http://schemas.microsoft.com/office/drawing/2010/main" xmlns="" w="9525">
                     <a:solidFill>
                       <a:srgbClr val="000000"/>
                     </a:solidFill>
@@ -9944,7 +9946,7 @@
               </a:ln>
               <a:extLst>
                 <a:ext uri="{91240B29-F687-4f45-9708-019B960494DF}">
-                  <a14:hiddenLine xmlns="" xmlns:a14="http://schemas.microsoft.com/office/drawing/2010/main" w="9525">
+                  <a14:hiddenLine xmlns:a14="http://schemas.microsoft.com/office/drawing/2010/main" xmlns="" w="9525">
                     <a:solidFill>
                       <a:srgbClr val="000000"/>
                     </a:solidFill>
@@ -10006,7 +10008,7 @@
               </a:ln>
               <a:extLst>
                 <a:ext uri="{91240B29-F687-4f45-9708-019B960494DF}">
-                  <a14:hiddenLine xmlns="" xmlns:a14="http://schemas.microsoft.com/office/drawing/2010/main" w="9525">
+                  <a14:hiddenLine xmlns:a14="http://schemas.microsoft.com/office/drawing/2010/main" xmlns="" w="9525">
                     <a:solidFill>
                       <a:srgbClr val="000000"/>
                     </a:solidFill>
@@ -10068,7 +10070,7 @@
               </a:ln>
               <a:extLst>
                 <a:ext uri="{91240B29-F687-4f45-9708-019B960494DF}">
-                  <a14:hiddenLine xmlns="" xmlns:a14="http://schemas.microsoft.com/office/drawing/2010/main" w="9525">
+                  <a14:hiddenLine xmlns:a14="http://schemas.microsoft.com/office/drawing/2010/main" xmlns="" w="9525">
                     <a:solidFill>
                       <a:srgbClr val="000000"/>
                     </a:solidFill>
@@ -10158,7 +10160,7 @@
               </a:ln>
               <a:extLst>
                 <a:ext uri="{91240B29-F687-4f45-9708-019B960494DF}">
-                  <a14:hiddenLine xmlns="" xmlns:a14="http://schemas.microsoft.com/office/drawing/2010/main" w="9525">
+                  <a14:hiddenLine xmlns:a14="http://schemas.microsoft.com/office/drawing/2010/main" xmlns="" w="9525">
                     <a:solidFill>
                       <a:srgbClr val="000000"/>
                     </a:solidFill>
@@ -10192,7 +10194,7 @@
               </a:ln>
               <a:extLst>
                 <a:ext uri="{91240B29-F687-4f45-9708-019B960494DF}">
-                  <a14:hiddenLine xmlns="" xmlns:a14="http://schemas.microsoft.com/office/drawing/2010/main" w="9525">
+                  <a14:hiddenLine xmlns:a14="http://schemas.microsoft.com/office/drawing/2010/main" xmlns="" w="9525">
                     <a:solidFill>
                       <a:srgbClr val="000000"/>
                     </a:solidFill>
@@ -10257,7 +10259,7 @@
               </a:ln>
               <a:extLst>
                 <a:ext uri="{91240B29-F687-4f45-9708-019B960494DF}">
-                  <a14:hiddenLine xmlns="" xmlns:a14="http://schemas.microsoft.com/office/drawing/2010/main" w="9525">
+                  <a14:hiddenLine xmlns:a14="http://schemas.microsoft.com/office/drawing/2010/main" xmlns="" w="9525">
                     <a:solidFill>
                       <a:srgbClr val="000000"/>
                     </a:solidFill>
@@ -10347,7 +10349,7 @@
               </a:ln>
               <a:extLst>
                 <a:ext uri="{91240B29-F687-4f45-9708-019B960494DF}">
-                  <a14:hiddenLine xmlns="" xmlns:a14="http://schemas.microsoft.com/office/drawing/2010/main" w="9525">
+                  <a14:hiddenLine xmlns:a14="http://schemas.microsoft.com/office/drawing/2010/main" xmlns="" w="9525">
                     <a:solidFill>
                       <a:srgbClr val="000000"/>
                     </a:solidFill>
@@ -10409,7 +10411,7 @@
               </a:ln>
               <a:extLst>
                 <a:ext uri="{91240B29-F687-4f45-9708-019B960494DF}">
-                  <a14:hiddenLine xmlns="" xmlns:a14="http://schemas.microsoft.com/office/drawing/2010/main" w="9525">
+                  <a14:hiddenLine xmlns:a14="http://schemas.microsoft.com/office/drawing/2010/main" xmlns="" w="9525">
                     <a:solidFill>
                       <a:srgbClr val="000000"/>
                     </a:solidFill>
@@ -10499,7 +10501,7 @@
               </a:ln>
               <a:extLst>
                 <a:ext uri="{91240B29-F687-4f45-9708-019B960494DF}">
-                  <a14:hiddenLine xmlns="" xmlns:a14="http://schemas.microsoft.com/office/drawing/2010/main" w="9525">
+                  <a14:hiddenLine xmlns:a14="http://schemas.microsoft.com/office/drawing/2010/main" xmlns="" w="9525">
                     <a:solidFill>
                       <a:srgbClr val="000000"/>
                     </a:solidFill>
@@ -10564,7 +10566,7 @@
               </a:ln>
               <a:extLst>
                 <a:ext uri="{91240B29-F687-4f45-9708-019B960494DF}">
-                  <a14:hiddenLine xmlns="" xmlns:a14="http://schemas.microsoft.com/office/drawing/2010/main" w="9525">
+                  <a14:hiddenLine xmlns:a14="http://schemas.microsoft.com/office/drawing/2010/main" xmlns="" w="9525">
                     <a:solidFill>
                       <a:srgbClr val="000000"/>
                     </a:solidFill>
@@ -10626,7 +10628,7 @@
               </a:ln>
               <a:extLst>
                 <a:ext uri="{91240B29-F687-4f45-9708-019B960494DF}">
-                  <a14:hiddenLine xmlns="" xmlns:a14="http://schemas.microsoft.com/office/drawing/2010/main" w="9525">
+                  <a14:hiddenLine xmlns:a14="http://schemas.microsoft.com/office/drawing/2010/main" xmlns="" w="9525">
                     <a:solidFill>
                       <a:srgbClr val="000000"/>
                     </a:solidFill>
@@ -10716,7 +10718,7 @@
               </a:ln>
               <a:extLst>
                 <a:ext uri="{91240B29-F687-4f45-9708-019B960494DF}">
-                  <a14:hiddenLine xmlns="" xmlns:a14="http://schemas.microsoft.com/office/drawing/2010/main" w="9525">
+                  <a14:hiddenLine xmlns:a14="http://schemas.microsoft.com/office/drawing/2010/main" xmlns="" w="9525">
                     <a:solidFill>
                       <a:srgbClr val="000000"/>
                     </a:solidFill>
@@ -10806,7 +10808,7 @@
               </a:ln>
               <a:extLst>
                 <a:ext uri="{91240B29-F687-4f45-9708-019B960494DF}">
-                  <a14:hiddenLine xmlns="" xmlns:a14="http://schemas.microsoft.com/office/drawing/2010/main" w="9525">
+                  <a14:hiddenLine xmlns:a14="http://schemas.microsoft.com/office/drawing/2010/main" xmlns="" w="9525">
                     <a:solidFill>
                       <a:srgbClr val="000000"/>
                     </a:solidFill>
@@ -10871,7 +10873,7 @@
               </a:ln>
               <a:extLst>
                 <a:ext uri="{91240B29-F687-4f45-9708-019B960494DF}">
-                  <a14:hiddenLine xmlns="" xmlns:a14="http://schemas.microsoft.com/office/drawing/2010/main" w="9525">
+                  <a14:hiddenLine xmlns:a14="http://schemas.microsoft.com/office/drawing/2010/main" xmlns="" w="9525">
                     <a:solidFill>
                       <a:srgbClr val="000000"/>
                     </a:solidFill>
@@ -10991,7 +10993,7 @@
               </a:ln>
               <a:extLst>
                 <a:ext uri="{91240B29-F687-4f45-9708-019B960494DF}">
-                  <a14:hiddenLine xmlns="" xmlns:a14="http://schemas.microsoft.com/office/drawing/2010/main" w="9525">
+                  <a14:hiddenLine xmlns:a14="http://schemas.microsoft.com/office/drawing/2010/main" xmlns="" w="9525">
                     <a:solidFill>
                       <a:srgbClr val="000000"/>
                     </a:solidFill>
@@ -11089,7 +11091,7 @@
               </a:ln>
               <a:extLst>
                 <a:ext uri="{91240B29-F687-4f45-9708-019B960494DF}">
-                  <a14:hiddenLine xmlns="" xmlns:a14="http://schemas.microsoft.com/office/drawing/2010/main" w="9525">
+                  <a14:hiddenLine xmlns:a14="http://schemas.microsoft.com/office/drawing/2010/main" xmlns="" w="9525">
                     <a:solidFill>
                       <a:srgbClr val="000000"/>
                     </a:solidFill>
@@ -11204,7 +11206,7 @@
               </a:ln>
               <a:extLst>
                 <a:ext uri="{91240B29-F687-4f45-9708-019B960494DF}">
-                  <a14:hiddenLine xmlns="" xmlns:a14="http://schemas.microsoft.com/office/drawing/2010/main" w="9525">
+                  <a14:hiddenLine xmlns:a14="http://schemas.microsoft.com/office/drawing/2010/main" xmlns="" w="9525">
                     <a:solidFill>
                       <a:srgbClr val="000000"/>
                     </a:solidFill>
@@ -11294,7 +11296,7 @@
               </a:ln>
               <a:extLst>
                 <a:ext uri="{91240B29-F687-4f45-9708-019B960494DF}">
-                  <a14:hiddenLine xmlns="" xmlns:a14="http://schemas.microsoft.com/office/drawing/2010/main" w="9525">
+                  <a14:hiddenLine xmlns:a14="http://schemas.microsoft.com/office/drawing/2010/main" xmlns="" w="9525">
                     <a:solidFill>
                       <a:srgbClr val="000000"/>
                     </a:solidFill>
@@ -11359,7 +11361,7 @@
               </a:ln>
               <a:extLst>
                 <a:ext uri="{91240B29-F687-4f45-9708-019B960494DF}">
-                  <a14:hiddenLine xmlns="" xmlns:a14="http://schemas.microsoft.com/office/drawing/2010/main" w="9525">
+                  <a14:hiddenLine xmlns:a14="http://schemas.microsoft.com/office/drawing/2010/main" xmlns="" w="9525">
                     <a:solidFill>
                       <a:srgbClr val="000000"/>
                     </a:solidFill>
@@ -11449,7 +11451,7 @@
               </a:ln>
               <a:extLst>
                 <a:ext uri="{91240B29-F687-4f45-9708-019B960494DF}">
-                  <a14:hiddenLine xmlns="" xmlns:a14="http://schemas.microsoft.com/office/drawing/2010/main" w="9525">
+                  <a14:hiddenLine xmlns:a14="http://schemas.microsoft.com/office/drawing/2010/main" xmlns="" w="9525">
                     <a:solidFill>
                       <a:srgbClr val="000000"/>
                     </a:solidFill>
@@ -11517,7 +11519,7 @@
               </a:ln>
               <a:extLst>
                 <a:ext uri="{91240B29-F687-4f45-9708-019B960494DF}">
-                  <a14:hiddenLine xmlns="" xmlns:a14="http://schemas.microsoft.com/office/drawing/2010/main" w="9525">
+                  <a14:hiddenLine xmlns:a14="http://schemas.microsoft.com/office/drawing/2010/main" xmlns="" w="9525">
                     <a:solidFill>
                       <a:srgbClr val="000000"/>
                     </a:solidFill>
@@ -11607,7 +11609,7 @@
               </a:ln>
               <a:extLst>
                 <a:ext uri="{91240B29-F687-4f45-9708-019B960494DF}">
-                  <a14:hiddenLine xmlns="" xmlns:a14="http://schemas.microsoft.com/office/drawing/2010/main" w="9525">
+                  <a14:hiddenLine xmlns:a14="http://schemas.microsoft.com/office/drawing/2010/main" xmlns="" w="9525">
                     <a:solidFill>
                       <a:srgbClr val="000000"/>
                     </a:solidFill>
@@ -11675,7 +11677,7 @@
               </a:ln>
               <a:extLst>
                 <a:ext uri="{91240B29-F687-4f45-9708-019B960494DF}">
-                  <a14:hiddenLine xmlns="" xmlns:a14="http://schemas.microsoft.com/office/drawing/2010/main" w="9525">
+                  <a14:hiddenLine xmlns:a14="http://schemas.microsoft.com/office/drawing/2010/main" xmlns="" w="9525">
                     <a:solidFill>
                       <a:srgbClr val="000000"/>
                     </a:solidFill>
@@ -11765,7 +11767,7 @@
               </a:ln>
               <a:extLst>
                 <a:ext uri="{91240B29-F687-4f45-9708-019B960494DF}">
-                  <a14:hiddenLine xmlns="" xmlns:a14="http://schemas.microsoft.com/office/drawing/2010/main" w="9525">
+                  <a14:hiddenLine xmlns:a14="http://schemas.microsoft.com/office/drawing/2010/main" xmlns="" w="9525">
                     <a:solidFill>
                       <a:srgbClr val="000000"/>
                     </a:solidFill>
@@ -11799,7 +11801,7 @@
               </a:ln>
               <a:extLst>
                 <a:ext uri="{91240B29-F687-4f45-9708-019B960494DF}">
-                  <a14:hiddenLine xmlns="" xmlns:a14="http://schemas.microsoft.com/office/drawing/2010/main" w="9525">
+                  <a14:hiddenLine xmlns:a14="http://schemas.microsoft.com/office/drawing/2010/main" xmlns="" w="9525">
                     <a:solidFill>
                       <a:srgbClr val="000000"/>
                     </a:solidFill>
@@ -11940,7 +11942,7 @@
             <a:fld id="{48A87A34-81AB-432B-8DAE-1953F412C126}" type="datetimeFigureOut">
               <a:rPr lang="en-US" dirty="0"/>
               <a:pPr/>
-              <a:t>5/8/2019</a:t>
+              <a:t>5/13/2019</a:t>
             </a:fld>
             <a:endParaRPr lang="en-US" dirty="0"/>
           </a:p>
@@ -12424,6 +12426,971 @@
     <p:extLst>
       <p:ext uri="{BB962C8B-B14F-4D97-AF65-F5344CB8AC3E}">
         <p14:creationId xmlns:p14="http://schemas.microsoft.com/office/powerpoint/2010/main" val="1926603226"/>
+      </p:ext>
+    </p:extLst>
+  </p:cSld>
+  <p:clrMapOvr>
+    <a:masterClrMapping/>
+  </p:clrMapOvr>
+</p:sld>
+</file>
+
+<file path=ppt/slides/slide10.xml><?xml version="1.0" encoding="utf-8"?>
+<p:sld xmlns:a="http://schemas.openxmlformats.org/drawingml/2006/main" xmlns:r="http://schemas.openxmlformats.org/officeDocument/2006/relationships" xmlns:p="http://schemas.openxmlformats.org/presentationml/2006/main">
+  <p:cSld>
+    <p:spTree>
+      <p:nvGrpSpPr>
+        <p:cNvPr id="1" name=""/>
+        <p:cNvGrpSpPr/>
+        <p:nvPr/>
+      </p:nvGrpSpPr>
+      <p:grpSpPr>
+        <a:xfrm>
+          <a:off x="0" y="0"/>
+          <a:ext cx="0" cy="0"/>
+          <a:chOff x="0" y="0"/>
+          <a:chExt cx="0" cy="0"/>
+        </a:xfrm>
+      </p:grpSpPr>
+      <p:sp>
+        <p:nvSpPr>
+          <p:cNvPr id="2" name="Cím 1"/>
+          <p:cNvSpPr>
+            <a:spLocks noGrp="1"/>
+          </p:cNvSpPr>
+          <p:nvPr>
+            <p:ph type="title"/>
+          </p:nvPr>
+        </p:nvSpPr>
+        <p:spPr/>
+        <p:txBody>
+          <a:bodyPr/>
+          <a:lstStyle/>
+          <a:p>
+            <a:r>
+              <a:rPr lang="hu-HU" dirty="0" err="1" smtClean="0"/>
+              <a:t>Summary</a:t>
+            </a:r>
+            <a:endParaRPr lang="hu-HU" dirty="0"/>
+          </a:p>
+        </p:txBody>
+      </p:sp>
+      <p:sp>
+        <p:nvSpPr>
+          <p:cNvPr id="3" name="Tartalom helye 2"/>
+          <p:cNvSpPr>
+            <a:spLocks noGrp="1"/>
+          </p:cNvSpPr>
+          <p:nvPr>
+            <p:ph idx="1"/>
+          </p:nvPr>
+        </p:nvSpPr>
+        <p:spPr/>
+        <p:txBody>
+          <a:bodyPr/>
+          <a:lstStyle/>
+          <a:p>
+            <a:r>
+              <a:rPr lang="hu-HU" dirty="0" smtClean="0"/>
+              <a:t>Good </a:t>
+            </a:r>
+            <a:r>
+              <a:rPr lang="hu-HU" dirty="0" err="1" smtClean="0"/>
+              <a:t>base</a:t>
+            </a:r>
+            <a:r>
+              <a:rPr lang="hu-HU" dirty="0" smtClean="0"/>
+              <a:t> has </a:t>
+            </a:r>
+            <a:r>
+              <a:rPr lang="hu-HU" dirty="0" err="1" smtClean="0"/>
+              <a:t>been</a:t>
+            </a:r>
+            <a:r>
+              <a:rPr lang="hu-HU" dirty="0" smtClean="0"/>
+              <a:t> </a:t>
+            </a:r>
+            <a:r>
+              <a:rPr lang="hu-HU" dirty="0" err="1" smtClean="0"/>
+              <a:t>created</a:t>
+            </a:r>
+            <a:r>
+              <a:rPr lang="hu-HU" dirty="0" smtClean="0"/>
+              <a:t> </a:t>
+            </a:r>
+            <a:r>
+              <a:rPr lang="hu-HU" dirty="0" err="1" smtClean="0"/>
+              <a:t>for</a:t>
+            </a:r>
+            <a:r>
+              <a:rPr lang="hu-HU" dirty="0" smtClean="0"/>
+              <a:t> </a:t>
+            </a:r>
+            <a:r>
+              <a:rPr lang="hu-HU" dirty="0" err="1" smtClean="0"/>
+              <a:t>the</a:t>
+            </a:r>
+            <a:r>
+              <a:rPr lang="hu-HU" dirty="0" smtClean="0"/>
+              <a:t> </a:t>
+            </a:r>
+            <a:r>
+              <a:rPr lang="hu-HU" dirty="0" err="1" smtClean="0"/>
+              <a:t>upcoming</a:t>
+            </a:r>
+            <a:r>
+              <a:rPr lang="hu-HU" dirty="0" smtClean="0"/>
+              <a:t> </a:t>
+            </a:r>
+            <a:r>
+              <a:rPr lang="hu-HU" dirty="0" err="1" smtClean="0"/>
+              <a:t>thesis</a:t>
+            </a:r>
+            <a:endParaRPr lang="hu-HU" dirty="0" smtClean="0"/>
+          </a:p>
+          <a:p>
+            <a:r>
+              <a:rPr lang="hu-HU" dirty="0" err="1" smtClean="0"/>
+              <a:t>Learnt</a:t>
+            </a:r>
+            <a:r>
+              <a:rPr lang="hu-HU" dirty="0" smtClean="0"/>
+              <a:t> </a:t>
+            </a:r>
+            <a:r>
+              <a:rPr lang="hu-HU" dirty="0" err="1" smtClean="0"/>
+              <a:t>two</a:t>
+            </a:r>
+            <a:r>
+              <a:rPr lang="hu-HU" dirty="0" smtClean="0"/>
+              <a:t> important and </a:t>
+            </a:r>
+            <a:r>
+              <a:rPr lang="hu-HU" dirty="0" err="1" smtClean="0"/>
+              <a:t>new</a:t>
+            </a:r>
+            <a:r>
+              <a:rPr lang="hu-HU" dirty="0" smtClean="0"/>
+              <a:t> </a:t>
+            </a:r>
+            <a:r>
+              <a:rPr lang="hu-HU" dirty="0" err="1" smtClean="0"/>
+              <a:t>devices</a:t>
+            </a:r>
+            <a:r>
+              <a:rPr lang="hu-HU" dirty="0" smtClean="0"/>
+              <a:t> </a:t>
+            </a:r>
+            <a:r>
+              <a:rPr lang="hu-HU" dirty="0" err="1" smtClean="0"/>
+              <a:t>not</a:t>
+            </a:r>
+            <a:r>
+              <a:rPr lang="hu-HU" dirty="0" smtClean="0"/>
+              <a:t> </a:t>
+            </a:r>
+            <a:r>
+              <a:rPr lang="hu-HU" dirty="0" err="1" smtClean="0"/>
+              <a:t>just</a:t>
+            </a:r>
+            <a:r>
+              <a:rPr lang="hu-HU" dirty="0" smtClean="0"/>
+              <a:t> </a:t>
+            </a:r>
+            <a:r>
+              <a:rPr lang="hu-HU" dirty="0" err="1" smtClean="0"/>
+              <a:t>for</a:t>
+            </a:r>
+            <a:r>
+              <a:rPr lang="hu-HU" dirty="0" smtClean="0"/>
+              <a:t> Arduino</a:t>
+            </a:r>
+          </a:p>
+          <a:p>
+            <a:r>
+              <a:rPr lang="hu-HU" dirty="0" smtClean="0"/>
+              <a:t>It </a:t>
+            </a:r>
+            <a:r>
+              <a:rPr lang="hu-HU" dirty="0" err="1" smtClean="0"/>
+              <a:t>was</a:t>
+            </a:r>
+            <a:r>
+              <a:rPr lang="hu-HU" dirty="0" smtClean="0"/>
+              <a:t> </a:t>
+            </a:r>
+            <a:r>
+              <a:rPr lang="hu-HU" dirty="0" err="1" smtClean="0"/>
+              <a:t>challenging</a:t>
+            </a:r>
+            <a:r>
+              <a:rPr lang="hu-HU" dirty="0" smtClean="0"/>
+              <a:t> </a:t>
+            </a:r>
+            <a:r>
+              <a:rPr lang="hu-HU" dirty="0" err="1" smtClean="0"/>
+              <a:t>to</a:t>
+            </a:r>
+            <a:r>
+              <a:rPr lang="hu-HU" dirty="0" smtClean="0"/>
+              <a:t> </a:t>
+            </a:r>
+            <a:r>
+              <a:rPr lang="hu-HU" dirty="0" err="1" smtClean="0"/>
+              <a:t>develop</a:t>
+            </a:r>
+            <a:r>
+              <a:rPr lang="hu-HU" dirty="0" smtClean="0"/>
+              <a:t> </a:t>
+            </a:r>
+            <a:r>
+              <a:rPr lang="hu-HU" dirty="0" err="1" smtClean="0"/>
+              <a:t>from</a:t>
+            </a:r>
+            <a:r>
+              <a:rPr lang="hu-HU" dirty="0" smtClean="0"/>
+              <a:t> a </a:t>
+            </a:r>
+            <a:r>
+              <a:rPr lang="hu-HU" dirty="0" err="1" smtClean="0"/>
+              <a:t>scratch</a:t>
+            </a:r>
+            <a:r>
+              <a:rPr lang="hu-HU" dirty="0" smtClean="0"/>
+              <a:t>, </a:t>
+            </a:r>
+            <a:r>
+              <a:rPr lang="hu-HU" dirty="0" err="1" smtClean="0"/>
+              <a:t>write</a:t>
+            </a:r>
+            <a:r>
+              <a:rPr lang="hu-HU" dirty="0" smtClean="0"/>
+              <a:t> </a:t>
+            </a:r>
+            <a:r>
+              <a:rPr lang="hu-HU" dirty="0" err="1" smtClean="0"/>
+              <a:t>the</a:t>
+            </a:r>
+            <a:r>
+              <a:rPr lang="hu-HU" dirty="0" smtClean="0"/>
+              <a:t> </a:t>
+            </a:r>
+            <a:r>
+              <a:rPr lang="hu-HU" dirty="0" err="1" smtClean="0"/>
+              <a:t>requirements</a:t>
+            </a:r>
+            <a:r>
+              <a:rPr lang="hu-HU" dirty="0" smtClean="0"/>
+              <a:t> and </a:t>
+            </a:r>
+            <a:r>
+              <a:rPr lang="hu-HU" dirty="0" err="1" smtClean="0"/>
+              <a:t>implement</a:t>
+            </a:r>
+            <a:r>
+              <a:rPr lang="hu-HU" dirty="0" smtClean="0"/>
+              <a:t> it</a:t>
+            </a:r>
+          </a:p>
+          <a:p>
+            <a:r>
+              <a:rPr lang="hu-HU" dirty="0" smtClean="0"/>
+              <a:t>Testing </a:t>
+            </a:r>
+            <a:r>
+              <a:rPr lang="hu-HU" dirty="0" err="1" smtClean="0"/>
+              <a:t>documentation</a:t>
+            </a:r>
+            <a:r>
+              <a:rPr lang="hu-HU" dirty="0" smtClean="0"/>
+              <a:t> has </a:t>
+            </a:r>
+            <a:r>
+              <a:rPr lang="hu-HU" dirty="0" err="1" smtClean="0"/>
+              <a:t>not</a:t>
+            </a:r>
+            <a:r>
+              <a:rPr lang="hu-HU" dirty="0" smtClean="0"/>
+              <a:t> </a:t>
+            </a:r>
+            <a:r>
+              <a:rPr lang="hu-HU" dirty="0" err="1" smtClean="0"/>
+              <a:t>been</a:t>
+            </a:r>
+            <a:r>
+              <a:rPr lang="hu-HU" dirty="0" smtClean="0"/>
+              <a:t> </a:t>
+            </a:r>
+            <a:r>
+              <a:rPr lang="hu-HU" dirty="0" err="1" smtClean="0"/>
+              <a:t>created</a:t>
+            </a:r>
+            <a:r>
+              <a:rPr lang="hu-HU" dirty="0" smtClean="0"/>
+              <a:t> </a:t>
+            </a:r>
+            <a:r>
+              <a:rPr lang="hu-HU" dirty="0" err="1" smtClean="0"/>
+              <a:t>as</a:t>
+            </a:r>
+            <a:r>
+              <a:rPr lang="hu-HU" dirty="0" smtClean="0"/>
+              <a:t> </a:t>
+            </a:r>
+            <a:r>
+              <a:rPr lang="hu-HU" dirty="0" err="1" smtClean="0"/>
+              <a:t>planned</a:t>
+            </a:r>
+            <a:r>
+              <a:rPr lang="hu-HU" dirty="0" smtClean="0"/>
+              <a:t> </a:t>
+            </a:r>
+            <a:r>
+              <a:rPr lang="hu-HU" dirty="0" err="1" smtClean="0"/>
+              <a:t>but</a:t>
+            </a:r>
+            <a:r>
+              <a:rPr lang="hu-HU" dirty="0" smtClean="0"/>
+              <a:t> unit </a:t>
+            </a:r>
+            <a:r>
+              <a:rPr lang="hu-HU" dirty="0" err="1" smtClean="0"/>
+              <a:t>tests</a:t>
+            </a:r>
+            <a:r>
+              <a:rPr lang="hu-HU" dirty="0" smtClean="0"/>
+              <a:t> </a:t>
+            </a:r>
+            <a:r>
+              <a:rPr lang="hu-HU" dirty="0" err="1" smtClean="0"/>
+              <a:t>have</a:t>
+            </a:r>
+            <a:r>
+              <a:rPr lang="hu-HU" dirty="0" smtClean="0"/>
+              <a:t> </a:t>
+            </a:r>
+            <a:r>
+              <a:rPr lang="hu-HU" dirty="0" err="1" smtClean="0"/>
+              <a:t>been</a:t>
+            </a:r>
+            <a:r>
+              <a:rPr lang="hu-HU" dirty="0" smtClean="0"/>
+              <a:t> </a:t>
+            </a:r>
+            <a:r>
+              <a:rPr lang="hu-HU" dirty="0" err="1" smtClean="0"/>
+              <a:t>executed</a:t>
+            </a:r>
+            <a:endParaRPr lang="hu-HU" dirty="0"/>
+          </a:p>
+        </p:txBody>
+      </p:sp>
+    </p:spTree>
+    <p:extLst>
+      <p:ext uri="{BB962C8B-B14F-4D97-AF65-F5344CB8AC3E}">
+        <p14:creationId xmlns:p14="http://schemas.microsoft.com/office/powerpoint/2010/main" val="3342381845"/>
+      </p:ext>
+    </p:extLst>
+  </p:cSld>
+  <p:clrMapOvr>
+    <a:masterClrMapping/>
+  </p:clrMapOvr>
+</p:sld>
+</file>
+
+<file path=ppt/slides/slide11.xml><?xml version="1.0" encoding="utf-8"?>
+<p:sld xmlns:a="http://schemas.openxmlformats.org/drawingml/2006/main" xmlns:r="http://schemas.openxmlformats.org/officeDocument/2006/relationships" xmlns:p="http://schemas.openxmlformats.org/presentationml/2006/main">
+  <p:cSld>
+    <p:spTree>
+      <p:nvGrpSpPr>
+        <p:cNvPr id="1" name=""/>
+        <p:cNvGrpSpPr/>
+        <p:nvPr/>
+      </p:nvGrpSpPr>
+      <p:grpSpPr>
+        <a:xfrm>
+          <a:off x="0" y="0"/>
+          <a:ext cx="0" cy="0"/>
+          <a:chOff x="0" y="0"/>
+          <a:chExt cx="0" cy="0"/>
+        </a:xfrm>
+      </p:grpSpPr>
+      <p:sp>
+        <p:nvSpPr>
+          <p:cNvPr id="2" name="Cím 1"/>
+          <p:cNvSpPr>
+            <a:spLocks noGrp="1"/>
+          </p:cNvSpPr>
+          <p:nvPr>
+            <p:ph type="title"/>
+          </p:nvPr>
+        </p:nvSpPr>
+        <p:spPr/>
+        <p:txBody>
+          <a:bodyPr/>
+          <a:lstStyle/>
+          <a:p>
+            <a:r>
+              <a:rPr lang="hu-HU" dirty="0" err="1" smtClean="0"/>
+              <a:t>Future</a:t>
+            </a:r>
+            <a:r>
+              <a:rPr lang="hu-HU" dirty="0" smtClean="0"/>
+              <a:t> </a:t>
+            </a:r>
+            <a:r>
+              <a:rPr lang="hu-HU" dirty="0" err="1" smtClean="0"/>
+              <a:t>plans</a:t>
+            </a:r>
+            <a:endParaRPr lang="hu-HU" dirty="0"/>
+          </a:p>
+        </p:txBody>
+      </p:sp>
+      <p:sp>
+        <p:nvSpPr>
+          <p:cNvPr id="3" name="Tartalom helye 2"/>
+          <p:cNvSpPr>
+            <a:spLocks noGrp="1"/>
+          </p:cNvSpPr>
+          <p:nvPr>
+            <p:ph idx="1"/>
+          </p:nvPr>
+        </p:nvSpPr>
+        <p:spPr/>
+        <p:txBody>
+          <a:bodyPr>
+            <a:normAutofit lnSpcReduction="10000"/>
+          </a:bodyPr>
+          <a:lstStyle/>
+          <a:p>
+            <a:r>
+              <a:rPr lang="hu-HU" dirty="0" err="1" smtClean="0"/>
+              <a:t>With</a:t>
+            </a:r>
+            <a:r>
+              <a:rPr lang="hu-HU" dirty="0" smtClean="0"/>
+              <a:t> </a:t>
+            </a:r>
+            <a:r>
+              <a:rPr lang="hu-HU" dirty="0" err="1" smtClean="0"/>
+              <a:t>the</a:t>
+            </a:r>
+            <a:r>
+              <a:rPr lang="hu-HU" dirty="0" smtClean="0"/>
+              <a:t> </a:t>
+            </a:r>
+            <a:r>
+              <a:rPr lang="hu-HU" dirty="0" err="1" smtClean="0"/>
+              <a:t>help</a:t>
+            </a:r>
+            <a:r>
+              <a:rPr lang="hu-HU" dirty="0" smtClean="0"/>
+              <a:t> of </a:t>
+            </a:r>
+            <a:r>
+              <a:rPr lang="hu-HU" dirty="0" err="1" smtClean="0"/>
+              <a:t>the</a:t>
+            </a:r>
+            <a:r>
+              <a:rPr lang="hu-HU" dirty="0" smtClean="0"/>
+              <a:t> </a:t>
+            </a:r>
+            <a:r>
+              <a:rPr lang="hu-HU" dirty="0" err="1" smtClean="0"/>
+              <a:t>logging</a:t>
+            </a:r>
+            <a:r>
+              <a:rPr lang="hu-HU" dirty="0" smtClean="0"/>
+              <a:t> </a:t>
+            </a:r>
+            <a:r>
+              <a:rPr lang="hu-HU" dirty="0" err="1" smtClean="0"/>
+              <a:t>funtion</a:t>
+            </a:r>
+            <a:r>
+              <a:rPr lang="hu-HU" dirty="0" smtClean="0"/>
+              <a:t> a </a:t>
+            </a:r>
+            <a:r>
+              <a:rPr lang="hu-HU" dirty="0" err="1" smtClean="0"/>
+              <a:t>new</a:t>
+            </a:r>
+            <a:r>
+              <a:rPr lang="hu-HU" dirty="0" smtClean="0"/>
+              <a:t> </a:t>
+            </a:r>
+            <a:r>
+              <a:rPr lang="hu-HU" dirty="0" err="1" smtClean="0"/>
+              <a:t>movement</a:t>
+            </a:r>
+            <a:r>
+              <a:rPr lang="hu-HU" dirty="0" smtClean="0"/>
+              <a:t> </a:t>
+            </a:r>
+            <a:r>
+              <a:rPr lang="hu-HU" dirty="0" err="1" smtClean="0"/>
+              <a:t>replay</a:t>
+            </a:r>
+            <a:r>
+              <a:rPr lang="hu-HU" dirty="0" smtClean="0"/>
+              <a:t> </a:t>
+            </a:r>
+            <a:r>
+              <a:rPr lang="hu-HU" dirty="0" err="1" smtClean="0"/>
+              <a:t>function</a:t>
+            </a:r>
+            <a:r>
+              <a:rPr lang="hu-HU" dirty="0" smtClean="0"/>
+              <a:t> </a:t>
+            </a:r>
+            <a:r>
+              <a:rPr lang="hu-HU" dirty="0" err="1" smtClean="0"/>
+              <a:t>will</a:t>
+            </a:r>
+            <a:r>
+              <a:rPr lang="hu-HU" dirty="0" smtClean="0"/>
+              <a:t> be </a:t>
+            </a:r>
+            <a:r>
+              <a:rPr lang="hu-HU" dirty="0" err="1" smtClean="0"/>
+              <a:t>developed</a:t>
+            </a:r>
+            <a:r>
+              <a:rPr lang="hu-HU" dirty="0" smtClean="0"/>
+              <a:t> </a:t>
+            </a:r>
+            <a:r>
+              <a:rPr lang="hu-HU" dirty="0" err="1" smtClean="0"/>
+              <a:t>into</a:t>
+            </a:r>
+            <a:r>
+              <a:rPr lang="hu-HU" dirty="0" smtClean="0"/>
+              <a:t> </a:t>
+            </a:r>
+            <a:r>
+              <a:rPr lang="hu-HU" dirty="0" err="1" smtClean="0"/>
+              <a:t>the</a:t>
+            </a:r>
+            <a:r>
+              <a:rPr lang="hu-HU" dirty="0" smtClean="0"/>
+              <a:t> software</a:t>
+            </a:r>
+          </a:p>
+          <a:p>
+            <a:r>
+              <a:rPr lang="hu-HU" dirty="0" smtClean="0"/>
+              <a:t>A </a:t>
+            </a:r>
+            <a:r>
+              <a:rPr lang="hu-HU" dirty="0" err="1" smtClean="0"/>
+              <a:t>learning</a:t>
+            </a:r>
+            <a:r>
+              <a:rPr lang="hu-HU" dirty="0" smtClean="0"/>
+              <a:t> </a:t>
+            </a:r>
+            <a:r>
+              <a:rPr lang="hu-HU" dirty="0" err="1" smtClean="0"/>
+              <a:t>function</a:t>
+            </a:r>
+            <a:r>
+              <a:rPr lang="hu-HU" dirty="0" smtClean="0"/>
+              <a:t> is </a:t>
+            </a:r>
+            <a:r>
+              <a:rPr lang="hu-HU" dirty="0" err="1" smtClean="0"/>
+              <a:t>planned</a:t>
+            </a:r>
+            <a:r>
+              <a:rPr lang="hu-HU" dirty="0" smtClean="0"/>
+              <a:t> </a:t>
+            </a:r>
+            <a:r>
+              <a:rPr lang="hu-HU" dirty="0" err="1" smtClean="0"/>
+              <a:t>too</a:t>
+            </a:r>
+            <a:r>
+              <a:rPr lang="hu-HU" dirty="0" smtClean="0"/>
+              <a:t> </a:t>
+            </a:r>
+            <a:r>
+              <a:rPr lang="hu-HU" dirty="0" err="1" smtClean="0"/>
+              <a:t>when</a:t>
+            </a:r>
+            <a:r>
+              <a:rPr lang="hu-HU" dirty="0" smtClean="0"/>
+              <a:t> </a:t>
+            </a:r>
+            <a:r>
+              <a:rPr lang="hu-HU" dirty="0" err="1" smtClean="0"/>
+              <a:t>the</a:t>
+            </a:r>
+            <a:r>
+              <a:rPr lang="hu-HU" dirty="0" smtClean="0"/>
+              <a:t> </a:t>
+            </a:r>
+            <a:r>
+              <a:rPr lang="hu-HU" dirty="0" err="1" smtClean="0"/>
+              <a:t>servos</a:t>
+            </a:r>
+            <a:r>
+              <a:rPr lang="hu-HU" dirty="0" smtClean="0"/>
+              <a:t> </a:t>
+            </a:r>
+            <a:r>
+              <a:rPr lang="hu-HU" dirty="0" err="1" smtClean="0"/>
+              <a:t>release</a:t>
+            </a:r>
+            <a:r>
+              <a:rPr lang="hu-HU" dirty="0" smtClean="0"/>
+              <a:t> </a:t>
+            </a:r>
+            <a:r>
+              <a:rPr lang="hu-HU" dirty="0" err="1" smtClean="0"/>
+              <a:t>themselves</a:t>
+            </a:r>
+            <a:r>
+              <a:rPr lang="hu-HU" dirty="0" smtClean="0"/>
+              <a:t> and </a:t>
+            </a:r>
+            <a:r>
+              <a:rPr lang="hu-HU" dirty="0" err="1" smtClean="0"/>
+              <a:t>the</a:t>
+            </a:r>
+            <a:r>
+              <a:rPr lang="hu-HU" dirty="0" smtClean="0"/>
+              <a:t> </a:t>
+            </a:r>
+            <a:r>
+              <a:rPr lang="hu-HU" dirty="0" err="1" smtClean="0"/>
+              <a:t>user</a:t>
+            </a:r>
+            <a:r>
+              <a:rPr lang="hu-HU" dirty="0" smtClean="0"/>
+              <a:t> </a:t>
+            </a:r>
+            <a:r>
+              <a:rPr lang="hu-HU" dirty="0" err="1" smtClean="0"/>
+              <a:t>can</a:t>
+            </a:r>
+            <a:r>
+              <a:rPr lang="hu-HU" dirty="0" smtClean="0"/>
+              <a:t> </a:t>
+            </a:r>
+            <a:r>
+              <a:rPr lang="hu-HU" dirty="0" err="1" smtClean="0"/>
+              <a:t>record</a:t>
+            </a:r>
+            <a:r>
+              <a:rPr lang="hu-HU" dirty="0" smtClean="0"/>
+              <a:t> a series of </a:t>
+            </a:r>
+            <a:r>
+              <a:rPr lang="hu-HU" dirty="0" err="1" smtClean="0"/>
+              <a:t>movement</a:t>
+            </a:r>
+            <a:r>
+              <a:rPr lang="hu-HU" dirty="0" smtClean="0"/>
+              <a:t> </a:t>
+            </a:r>
+            <a:r>
+              <a:rPr lang="hu-HU" dirty="0" err="1" smtClean="0"/>
+              <a:t>by</a:t>
+            </a:r>
+            <a:r>
+              <a:rPr lang="hu-HU" dirty="0" smtClean="0"/>
+              <a:t> </a:t>
+            </a:r>
+            <a:r>
+              <a:rPr lang="hu-HU" dirty="0" err="1" smtClean="0"/>
+              <a:t>positioning</a:t>
+            </a:r>
+            <a:r>
+              <a:rPr lang="hu-HU" dirty="0" smtClean="0"/>
+              <a:t> </a:t>
+            </a:r>
+            <a:r>
+              <a:rPr lang="hu-HU" dirty="0" err="1" smtClean="0"/>
+              <a:t>the</a:t>
+            </a:r>
+            <a:r>
+              <a:rPr lang="hu-HU" dirty="0" smtClean="0"/>
+              <a:t> </a:t>
+            </a:r>
+            <a:r>
+              <a:rPr lang="hu-HU" dirty="0" err="1" smtClean="0"/>
+              <a:t>robotic</a:t>
+            </a:r>
+            <a:r>
+              <a:rPr lang="hu-HU" dirty="0" smtClean="0"/>
+              <a:t> </a:t>
+            </a:r>
+            <a:r>
+              <a:rPr lang="hu-HU" dirty="0" err="1" smtClean="0"/>
+              <a:t>arm</a:t>
+            </a:r>
+            <a:r>
+              <a:rPr lang="hu-HU" dirty="0" smtClean="0"/>
+              <a:t> </a:t>
+            </a:r>
+            <a:r>
+              <a:rPr lang="hu-HU" dirty="0" err="1" smtClean="0"/>
+              <a:t>manually</a:t>
+            </a:r>
+            <a:endParaRPr lang="hu-HU" dirty="0" smtClean="0"/>
+          </a:p>
+          <a:p>
+            <a:r>
+              <a:rPr lang="hu-HU" dirty="0" err="1" smtClean="0"/>
+              <a:t>Useful</a:t>
+            </a:r>
+            <a:r>
+              <a:rPr lang="hu-HU" dirty="0" smtClean="0"/>
+              <a:t> </a:t>
+            </a:r>
+            <a:r>
+              <a:rPr lang="hu-HU" dirty="0" err="1" smtClean="0"/>
+              <a:t>for</a:t>
+            </a:r>
+            <a:r>
+              <a:rPr lang="hu-HU" dirty="0" smtClean="0"/>
+              <a:t> </a:t>
+            </a:r>
+            <a:r>
+              <a:rPr lang="hu-HU" dirty="0" err="1" smtClean="0"/>
+              <a:t>industrial</a:t>
+            </a:r>
+            <a:r>
+              <a:rPr lang="hu-HU" dirty="0" smtClean="0"/>
+              <a:t> </a:t>
+            </a:r>
+            <a:r>
+              <a:rPr lang="hu-HU" dirty="0" err="1" smtClean="0"/>
+              <a:t>uses</a:t>
+            </a:r>
+            <a:r>
+              <a:rPr lang="hu-HU" dirty="0" smtClean="0"/>
+              <a:t> – </a:t>
+            </a:r>
+            <a:r>
+              <a:rPr lang="hu-HU" dirty="0" err="1" smtClean="0"/>
+              <a:t>much</a:t>
+            </a:r>
+            <a:r>
+              <a:rPr lang="hu-HU" dirty="0" smtClean="0"/>
+              <a:t> </a:t>
+            </a:r>
+            <a:r>
+              <a:rPr lang="hu-HU" dirty="0" err="1" smtClean="0"/>
+              <a:t>easier</a:t>
+            </a:r>
+            <a:r>
+              <a:rPr lang="hu-HU" dirty="0" smtClean="0"/>
+              <a:t> </a:t>
+            </a:r>
+            <a:r>
+              <a:rPr lang="hu-HU" dirty="0" err="1" smtClean="0"/>
+              <a:t>to</a:t>
+            </a:r>
+            <a:r>
+              <a:rPr lang="hu-HU" dirty="0" smtClean="0"/>
+              <a:t> </a:t>
+            </a:r>
+            <a:r>
+              <a:rPr lang="hu-HU" dirty="0" err="1" smtClean="0"/>
+              <a:t>record</a:t>
+            </a:r>
+            <a:r>
+              <a:rPr lang="hu-HU" dirty="0" smtClean="0"/>
+              <a:t> </a:t>
+            </a:r>
+            <a:r>
+              <a:rPr lang="hu-HU" dirty="0" err="1" smtClean="0"/>
+              <a:t>operations</a:t>
+            </a:r>
+            <a:endParaRPr lang="hu-HU" dirty="0"/>
+          </a:p>
+          <a:p>
+            <a:r>
+              <a:rPr lang="hu-HU" dirty="0" err="1" smtClean="0"/>
+              <a:t>Useful</a:t>
+            </a:r>
+            <a:r>
+              <a:rPr lang="hu-HU" dirty="0" smtClean="0"/>
+              <a:t> </a:t>
+            </a:r>
+            <a:r>
+              <a:rPr lang="hu-HU" dirty="0" err="1" smtClean="0"/>
+              <a:t>for</a:t>
+            </a:r>
+            <a:r>
+              <a:rPr lang="hu-HU" dirty="0" smtClean="0"/>
+              <a:t> </a:t>
+            </a:r>
+            <a:r>
+              <a:rPr lang="hu-HU" dirty="0" err="1" smtClean="0"/>
+              <a:t>medical</a:t>
+            </a:r>
+            <a:r>
+              <a:rPr lang="hu-HU" dirty="0" smtClean="0"/>
+              <a:t> </a:t>
+            </a:r>
+            <a:r>
+              <a:rPr lang="hu-HU" dirty="0" err="1" smtClean="0"/>
+              <a:t>uses</a:t>
+            </a:r>
+            <a:r>
+              <a:rPr lang="hu-HU" dirty="0" smtClean="0"/>
+              <a:t> – </a:t>
+            </a:r>
+            <a:r>
+              <a:rPr lang="hu-HU" dirty="0" err="1" smtClean="0"/>
+              <a:t>rehabilitation</a:t>
+            </a:r>
+            <a:r>
+              <a:rPr lang="hu-HU" dirty="0" smtClean="0"/>
+              <a:t> </a:t>
+            </a:r>
+            <a:r>
+              <a:rPr lang="hu-HU" dirty="0" err="1" smtClean="0"/>
+              <a:t>exercies</a:t>
+            </a:r>
+            <a:r>
+              <a:rPr lang="hu-HU" dirty="0" smtClean="0"/>
+              <a:t> </a:t>
+            </a:r>
+            <a:r>
+              <a:rPr lang="hu-HU" dirty="0" err="1" smtClean="0"/>
+              <a:t>could</a:t>
+            </a:r>
+            <a:r>
+              <a:rPr lang="hu-HU" dirty="0" smtClean="0"/>
+              <a:t> be </a:t>
+            </a:r>
+            <a:r>
+              <a:rPr lang="hu-HU" dirty="0" err="1" smtClean="0"/>
+              <a:t>recorded</a:t>
+            </a:r>
+            <a:r>
+              <a:rPr lang="hu-HU" dirty="0" smtClean="0"/>
+              <a:t> and </a:t>
+            </a:r>
+            <a:r>
+              <a:rPr lang="hu-HU" dirty="0" err="1" smtClean="0"/>
+              <a:t>taught</a:t>
+            </a:r>
+            <a:r>
+              <a:rPr lang="hu-HU" dirty="0" smtClean="0"/>
+              <a:t> </a:t>
+            </a:r>
+            <a:r>
+              <a:rPr lang="hu-HU" dirty="0" err="1" smtClean="0"/>
+              <a:t>to</a:t>
+            </a:r>
+            <a:r>
+              <a:rPr lang="hu-HU" dirty="0" smtClean="0"/>
+              <a:t> </a:t>
+            </a:r>
+            <a:r>
+              <a:rPr lang="hu-HU" dirty="0" err="1" smtClean="0"/>
+              <a:t>patients</a:t>
+            </a:r>
+            <a:endParaRPr lang="hu-HU" dirty="0" smtClean="0"/>
+          </a:p>
+          <a:p>
+            <a:endParaRPr lang="hu-HU" dirty="0"/>
+          </a:p>
+        </p:txBody>
+      </p:sp>
+      <p:sp>
+        <p:nvSpPr>
+          <p:cNvPr id="4" name="Cím 1"/>
+          <p:cNvSpPr txBox="1">
+            <a:spLocks/>
+          </p:cNvSpPr>
+          <p:nvPr/>
+        </p:nvSpPr>
+        <p:spPr>
+          <a:xfrm>
+            <a:off x="4931229" y="5312982"/>
+            <a:ext cx="7128554" cy="1478570"/>
+          </a:xfrm>
+          <a:prstGeom prst="rect">
+            <a:avLst/>
+          </a:prstGeom>
+        </p:spPr>
+        <p:txBody>
+          <a:bodyPr vert="horz" lIns="91440" tIns="45720" rIns="91440" bIns="45720" rtlCol="0" anchor="ctr">
+            <a:normAutofit/>
+          </a:bodyPr>
+          <a:lstStyle>
+            <a:lvl1pPr algn="l" defTabSz="914400" rtl="0" eaLnBrk="1" latinLnBrk="0" hangingPunct="1">
+              <a:lnSpc>
+                <a:spcPct val="90000"/>
+              </a:lnSpc>
+              <a:spcBef>
+                <a:spcPct val="0"/>
+              </a:spcBef>
+              <a:buNone/>
+              <a:defRPr sz="3600" kern="1200" cap="all" baseline="0">
+                <a:solidFill>
+                  <a:schemeClr val="tx1"/>
+                </a:solidFill>
+                <a:latin typeface="+mj-lt"/>
+                <a:ea typeface="+mj-ea"/>
+                <a:cs typeface="+mj-cs"/>
+              </a:defRPr>
+            </a:lvl1pPr>
+          </a:lstStyle>
+          <a:p>
+            <a:r>
+              <a:rPr lang="hu-HU" dirty="0" err="1" smtClean="0"/>
+              <a:t>Thank</a:t>
+            </a:r>
+            <a:r>
+              <a:rPr lang="hu-HU" dirty="0" smtClean="0"/>
+              <a:t> </a:t>
+            </a:r>
+            <a:r>
+              <a:rPr lang="hu-HU" dirty="0" err="1" smtClean="0"/>
+              <a:t>you</a:t>
+            </a:r>
+            <a:r>
+              <a:rPr lang="hu-HU" dirty="0" smtClean="0"/>
+              <a:t> </a:t>
+            </a:r>
+            <a:r>
+              <a:rPr lang="hu-HU" dirty="0" err="1" smtClean="0"/>
+              <a:t>for</a:t>
+            </a:r>
+            <a:r>
+              <a:rPr lang="hu-HU" dirty="0" smtClean="0"/>
+              <a:t> </a:t>
+            </a:r>
+            <a:r>
+              <a:rPr lang="hu-HU" dirty="0" err="1" smtClean="0"/>
+              <a:t>your</a:t>
+            </a:r>
+            <a:r>
+              <a:rPr lang="hu-HU" dirty="0" smtClean="0"/>
+              <a:t> </a:t>
+            </a:r>
+            <a:r>
+              <a:rPr lang="hu-HU" dirty="0" err="1" smtClean="0"/>
+              <a:t>attention</a:t>
+            </a:r>
+            <a:r>
+              <a:rPr lang="hu-HU" dirty="0" smtClean="0"/>
+              <a:t>!</a:t>
+            </a:r>
+            <a:endParaRPr lang="hu-HU" dirty="0"/>
+          </a:p>
+        </p:txBody>
+      </p:sp>
+    </p:spTree>
+    <p:extLst>
+      <p:ext uri="{BB962C8B-B14F-4D97-AF65-F5344CB8AC3E}">
+        <p14:creationId xmlns:p14="http://schemas.microsoft.com/office/powerpoint/2010/main" val="32333691"/>
       </p:ext>
     </p:extLst>
   </p:cSld>
@@ -13730,12 +14697,244 @@
           <a:lstStyle/>
           <a:p>
             <a:r>
-              <a:rPr lang="hu-HU" dirty="0" err="1" smtClean="0"/>
-              <a:t>Technical</a:t>
-            </a:r>
-            <a:r>
-              <a:rPr lang="hu-HU" dirty="0" smtClean="0"/>
-              <a:t> </a:t>
+              <a:rPr lang="hu-HU" dirty="0" smtClean="0"/>
+              <a:t>System design and </a:t>
+            </a:r>
+            <a:r>
+              <a:rPr lang="hu-HU" dirty="0" err="1" smtClean="0"/>
+              <a:t>development</a:t>
+            </a:r>
+            <a:r>
+              <a:rPr lang="hu-HU" dirty="0" smtClean="0"/>
+              <a:t> has </a:t>
+            </a:r>
+            <a:r>
+              <a:rPr lang="hu-HU" dirty="0" err="1" smtClean="0"/>
+              <a:t>been</a:t>
+            </a:r>
+            <a:r>
+              <a:rPr lang="hu-HU" dirty="0" smtClean="0"/>
+              <a:t> </a:t>
+            </a:r>
+            <a:r>
+              <a:rPr lang="hu-HU" dirty="0" err="1" smtClean="0"/>
+              <a:t>driven</a:t>
+            </a:r>
+            <a:r>
+              <a:rPr lang="hu-HU" dirty="0" smtClean="0"/>
+              <a:t> </a:t>
+            </a:r>
+            <a:r>
+              <a:rPr lang="hu-HU" dirty="0" err="1" smtClean="0"/>
+              <a:t>by</a:t>
+            </a:r>
+            <a:r>
+              <a:rPr lang="hu-HU" dirty="0" smtClean="0"/>
+              <a:t> </a:t>
+            </a:r>
+            <a:r>
+              <a:rPr lang="hu-HU" dirty="0" err="1" smtClean="0"/>
+              <a:t>requirements</a:t>
+            </a:r>
+            <a:endParaRPr lang="hu-HU" dirty="0" smtClean="0"/>
+          </a:p>
+          <a:p>
+            <a:r>
+              <a:rPr lang="hu-HU" dirty="0" smtClean="0"/>
+              <a:t>I </a:t>
+            </a:r>
+            <a:r>
+              <a:rPr lang="hu-HU" dirty="0" err="1" smtClean="0"/>
+              <a:t>have</a:t>
+            </a:r>
+            <a:r>
+              <a:rPr lang="hu-HU" dirty="0" smtClean="0"/>
+              <a:t> </a:t>
+            </a:r>
+            <a:r>
+              <a:rPr lang="hu-HU" dirty="0" err="1" smtClean="0"/>
+              <a:t>defined</a:t>
+            </a:r>
+            <a:r>
+              <a:rPr lang="hu-HU" dirty="0" smtClean="0"/>
+              <a:t> </a:t>
+            </a:r>
+            <a:r>
+              <a:rPr lang="hu-HU" dirty="0" err="1" smtClean="0"/>
+              <a:t>two</a:t>
+            </a:r>
+            <a:r>
+              <a:rPr lang="hu-HU" dirty="0" smtClean="0"/>
+              <a:t> </a:t>
+            </a:r>
+            <a:r>
+              <a:rPr lang="hu-HU" dirty="0" err="1" smtClean="0"/>
+              <a:t>types</a:t>
+            </a:r>
+            <a:r>
+              <a:rPr lang="hu-HU" dirty="0" smtClean="0"/>
+              <a:t> of </a:t>
+            </a:r>
+            <a:r>
+              <a:rPr lang="hu-HU" dirty="0" err="1" smtClean="0"/>
+              <a:t>requirements</a:t>
+            </a:r>
+            <a:r>
+              <a:rPr lang="hu-HU" dirty="0" smtClean="0"/>
+              <a:t>:</a:t>
+            </a:r>
+          </a:p>
+          <a:p>
+            <a:pPr lvl="1"/>
+            <a:r>
+              <a:rPr lang="hu-HU" dirty="0" smtClean="0"/>
+              <a:t>System </a:t>
+            </a:r>
+            <a:r>
+              <a:rPr lang="hu-HU" dirty="0" err="1" smtClean="0"/>
+              <a:t>requirements</a:t>
+            </a:r>
+            <a:endParaRPr lang="hu-HU" dirty="0" smtClean="0"/>
+          </a:p>
+          <a:p>
+            <a:pPr lvl="1"/>
+            <a:r>
+              <a:rPr lang="hu-HU" dirty="0" smtClean="0"/>
+              <a:t>Software </a:t>
+            </a:r>
+            <a:r>
+              <a:rPr lang="hu-HU" dirty="0" err="1" smtClean="0"/>
+              <a:t>requirements</a:t>
+            </a:r>
+            <a:endParaRPr lang="hu-HU" dirty="0" smtClean="0"/>
+          </a:p>
+          <a:p>
+            <a:r>
+              <a:rPr lang="hu-HU" dirty="0" smtClean="0"/>
+              <a:t>System </a:t>
+            </a:r>
+            <a:r>
+              <a:rPr lang="hu-HU" dirty="0" err="1" smtClean="0"/>
+              <a:t>requirements</a:t>
+            </a:r>
+            <a:r>
+              <a:rPr lang="hu-HU" dirty="0" smtClean="0"/>
+              <a:t> </a:t>
+            </a:r>
+            <a:r>
+              <a:rPr lang="hu-HU" dirty="0" err="1" smtClean="0"/>
+              <a:t>contain</a:t>
+            </a:r>
+            <a:r>
+              <a:rPr lang="hu-HU" dirty="0" smtClean="0"/>
+              <a:t> hardware </a:t>
+            </a:r>
+            <a:r>
+              <a:rPr lang="hu-HU" dirty="0" err="1" smtClean="0"/>
+              <a:t>description</a:t>
+            </a:r>
+            <a:r>
+              <a:rPr lang="hu-HU" dirty="0" smtClean="0"/>
+              <a:t> and </a:t>
+            </a:r>
+            <a:r>
+              <a:rPr lang="hu-HU" dirty="0" err="1" smtClean="0"/>
+              <a:t>some</a:t>
+            </a:r>
+            <a:r>
+              <a:rPr lang="hu-HU" dirty="0" smtClean="0"/>
+              <a:t> mid </a:t>
+            </a:r>
+            <a:r>
+              <a:rPr lang="hu-HU" dirty="0" err="1" smtClean="0"/>
+              <a:t>level</a:t>
+            </a:r>
+            <a:r>
+              <a:rPr lang="hu-HU" dirty="0" smtClean="0"/>
+              <a:t> </a:t>
+            </a:r>
+            <a:r>
+              <a:rPr lang="hu-HU" dirty="0" err="1" smtClean="0"/>
+              <a:t>criteria</a:t>
+            </a:r>
+            <a:endParaRPr lang="hu-HU" dirty="0" smtClean="0"/>
+          </a:p>
+          <a:p>
+            <a:r>
+              <a:rPr lang="hu-HU" dirty="0" smtClean="0"/>
+              <a:t>Software </a:t>
+            </a:r>
+            <a:r>
+              <a:rPr lang="hu-HU" dirty="0" err="1" smtClean="0"/>
+              <a:t>requirements</a:t>
+            </a:r>
+            <a:r>
+              <a:rPr lang="hu-HU" dirty="0" smtClean="0"/>
+              <a:t> </a:t>
+            </a:r>
+            <a:r>
+              <a:rPr lang="hu-HU" dirty="0" err="1" smtClean="0"/>
+              <a:t>contain</a:t>
+            </a:r>
+            <a:r>
+              <a:rPr lang="hu-HU" dirty="0" smtClean="0"/>
+              <a:t> </a:t>
+            </a:r>
+            <a:r>
+              <a:rPr lang="hu-HU" dirty="0" err="1" smtClean="0"/>
+              <a:t>the</a:t>
+            </a:r>
+            <a:r>
+              <a:rPr lang="hu-HU" dirty="0" smtClean="0"/>
+              <a:t> </a:t>
+            </a:r>
+            <a:r>
+              <a:rPr lang="hu-HU" dirty="0" err="1" smtClean="0"/>
+              <a:t>description</a:t>
+            </a:r>
+            <a:r>
+              <a:rPr lang="hu-HU" dirty="0" smtClean="0"/>
+              <a:t> of SW </a:t>
+            </a:r>
+            <a:r>
+              <a:rPr lang="hu-HU" dirty="0" err="1" smtClean="0"/>
+              <a:t>functionalities</a:t>
+            </a:r>
+            <a:r>
+              <a:rPr lang="hu-HU" dirty="0" smtClean="0"/>
+              <a:t> and </a:t>
+            </a:r>
+            <a:r>
+              <a:rPr lang="hu-HU" dirty="0" err="1" smtClean="0"/>
+              <a:t>some</a:t>
+            </a:r>
+            <a:r>
+              <a:rPr lang="hu-HU" dirty="0" smtClean="0"/>
+              <a:t> non-</a:t>
+            </a:r>
+            <a:r>
+              <a:rPr lang="hu-HU" dirty="0" err="1" smtClean="0"/>
+              <a:t>functional</a:t>
+            </a:r>
+            <a:r>
+              <a:rPr lang="hu-HU" dirty="0" smtClean="0"/>
+              <a:t> </a:t>
+            </a:r>
+            <a:r>
+              <a:rPr lang="hu-HU" dirty="0" err="1" smtClean="0"/>
+              <a:t>details</a:t>
+            </a:r>
+            <a:r>
+              <a:rPr lang="hu-HU" dirty="0" smtClean="0"/>
+              <a:t>, </a:t>
+            </a:r>
+            <a:r>
+              <a:rPr lang="hu-HU" dirty="0" err="1" smtClean="0"/>
+              <a:t>e.g</a:t>
+            </a:r>
+            <a:r>
+              <a:rPr lang="hu-HU" dirty="0" smtClean="0"/>
+              <a:t>: Arduino IDE version</a:t>
             </a:r>
             <a:endParaRPr lang="hu-HU" dirty="0"/>
           </a:p>
@@ -13810,10 +15009,250 @@
         </p:nvSpPr>
         <p:spPr/>
         <p:txBody>
-          <a:bodyPr/>
+          <a:bodyPr>
+            <a:normAutofit fontScale="70000" lnSpcReduction="20000"/>
+          </a:bodyPr>
           <a:lstStyle/>
           <a:p>
-            <a:endParaRPr lang="hu-HU"/>
+            <a:r>
+              <a:rPr lang="en-US" dirty="0" err="1"/>
+              <a:t>Arbotix</a:t>
+            </a:r>
+            <a:r>
+              <a:rPr lang="en-US" dirty="0"/>
+              <a:t>-M </a:t>
+            </a:r>
+            <a:r>
+              <a:rPr lang="en-US" dirty="0" err="1"/>
+              <a:t>Robocontroller</a:t>
+            </a:r>
+            <a:r>
+              <a:rPr lang="en-US" dirty="0"/>
+              <a:t> has exactly the same input and output pins as and Arduino Uno </a:t>
+            </a:r>
+            <a:r>
+              <a:rPr lang="en-US" dirty="0" smtClean="0"/>
+              <a:t>microcontroller</a:t>
+            </a:r>
+            <a:endParaRPr lang="hu-HU" dirty="0" smtClean="0"/>
+          </a:p>
+          <a:p>
+            <a:r>
+              <a:rPr lang="hu-HU" dirty="0" err="1"/>
+              <a:t>Pins</a:t>
+            </a:r>
+            <a:r>
+              <a:rPr lang="hu-HU" dirty="0"/>
+              <a:t> </a:t>
+            </a:r>
+            <a:r>
+              <a:rPr lang="hu-HU" dirty="0" err="1"/>
+              <a:t>used</a:t>
+            </a:r>
+            <a:r>
+              <a:rPr lang="hu-HU" dirty="0"/>
+              <a:t> </a:t>
+            </a:r>
+            <a:r>
+              <a:rPr lang="hu-HU" dirty="0" err="1"/>
+              <a:t>by</a:t>
+            </a:r>
+            <a:r>
+              <a:rPr lang="hu-HU" dirty="0"/>
+              <a:t> </a:t>
+            </a:r>
+            <a:r>
+              <a:rPr lang="hu-HU" dirty="0" err="1"/>
+              <a:t>the</a:t>
+            </a:r>
+            <a:r>
+              <a:rPr lang="hu-HU" dirty="0"/>
+              <a:t> DS1302 </a:t>
+            </a:r>
+            <a:r>
+              <a:rPr lang="hu-HU" dirty="0" err="1"/>
+              <a:t>module</a:t>
+            </a:r>
+            <a:r>
+              <a:rPr lang="hu-HU" dirty="0"/>
+              <a:t> (</a:t>
+            </a:r>
+            <a:r>
+              <a:rPr lang="hu-HU" dirty="0" err="1"/>
+              <a:t>left</a:t>
+            </a:r>
+            <a:r>
+              <a:rPr lang="hu-HU" dirty="0"/>
+              <a:t> </a:t>
+            </a:r>
+            <a:r>
+              <a:rPr lang="hu-HU" dirty="0" err="1"/>
+              <a:t>hand</a:t>
+            </a:r>
+            <a:r>
+              <a:rPr lang="hu-HU" dirty="0"/>
+              <a:t> </a:t>
+            </a:r>
+            <a:r>
+              <a:rPr lang="hu-HU" dirty="0" err="1"/>
+              <a:t>side</a:t>
+            </a:r>
+            <a:r>
+              <a:rPr lang="hu-HU" dirty="0"/>
+              <a:t> is </a:t>
+            </a:r>
+            <a:r>
+              <a:rPr lang="hu-HU" dirty="0" err="1"/>
+              <a:t>the</a:t>
+            </a:r>
+            <a:r>
+              <a:rPr lang="hu-HU" dirty="0"/>
+              <a:t> </a:t>
+            </a:r>
+            <a:r>
+              <a:rPr lang="hu-HU" dirty="0" err="1"/>
+              <a:t>microcontroller</a:t>
+            </a:r>
+            <a:r>
+              <a:rPr lang="hu-HU" dirty="0"/>
+              <a:t> </a:t>
+            </a:r>
+            <a:r>
+              <a:rPr lang="hu-HU" dirty="0" err="1"/>
+              <a:t>side</a:t>
+            </a:r>
+            <a:r>
+              <a:rPr lang="hu-HU" dirty="0" smtClean="0"/>
+              <a:t>):</a:t>
+            </a:r>
+          </a:p>
+          <a:p>
+            <a:pPr lvl="1"/>
+            <a:r>
+              <a:rPr lang="hu-HU" dirty="0" smtClean="0"/>
+              <a:t>Digital </a:t>
+            </a:r>
+            <a:r>
+              <a:rPr lang="hu-HU" dirty="0"/>
+              <a:t>pin 2: RST</a:t>
+            </a:r>
+          </a:p>
+          <a:p>
+            <a:pPr lvl="1"/>
+            <a:r>
+              <a:rPr lang="hu-HU" dirty="0" smtClean="0"/>
+              <a:t>Digital </a:t>
+            </a:r>
+            <a:r>
+              <a:rPr lang="hu-HU" dirty="0"/>
+              <a:t>pin 3: DAT</a:t>
+            </a:r>
+          </a:p>
+          <a:p>
+            <a:pPr lvl="1"/>
+            <a:r>
+              <a:rPr lang="hu-HU" dirty="0" smtClean="0"/>
+              <a:t>Digital </a:t>
+            </a:r>
+            <a:r>
+              <a:rPr lang="hu-HU" dirty="0"/>
+              <a:t>pin 4: CLK</a:t>
+            </a:r>
+          </a:p>
+          <a:p>
+            <a:r>
+              <a:rPr lang="hu-HU" dirty="0" err="1"/>
+              <a:t>Pins</a:t>
+            </a:r>
+            <a:r>
+              <a:rPr lang="hu-HU" dirty="0"/>
+              <a:t> </a:t>
+            </a:r>
+            <a:r>
+              <a:rPr lang="hu-HU" dirty="0" err="1"/>
+              <a:t>used</a:t>
+            </a:r>
+            <a:r>
+              <a:rPr lang="hu-HU" dirty="0"/>
+              <a:t> </a:t>
+            </a:r>
+            <a:r>
+              <a:rPr lang="hu-HU" dirty="0" err="1"/>
+              <a:t>by</a:t>
+            </a:r>
+            <a:r>
+              <a:rPr lang="hu-HU" dirty="0"/>
+              <a:t> </a:t>
+            </a:r>
+            <a:r>
+              <a:rPr lang="hu-HU" dirty="0" err="1"/>
+              <a:t>the</a:t>
+            </a:r>
+            <a:r>
+              <a:rPr lang="hu-HU" dirty="0"/>
+              <a:t> </a:t>
+            </a:r>
+            <a:r>
+              <a:rPr lang="hu-HU" dirty="0" err="1"/>
+              <a:t>microSD</a:t>
+            </a:r>
+            <a:r>
+              <a:rPr lang="hu-HU" dirty="0"/>
+              <a:t> </a:t>
+            </a:r>
+            <a:r>
+              <a:rPr lang="hu-HU" dirty="0" err="1"/>
+              <a:t>card</a:t>
+            </a:r>
+            <a:r>
+              <a:rPr lang="hu-HU" dirty="0"/>
+              <a:t> shield:</a:t>
+            </a:r>
+          </a:p>
+          <a:p>
+            <a:pPr lvl="1"/>
+            <a:r>
+              <a:rPr lang="hu-HU" dirty="0" smtClean="0"/>
+              <a:t>Digital </a:t>
+            </a:r>
+            <a:r>
+              <a:rPr lang="hu-HU" dirty="0"/>
+              <a:t>pin 10: CS</a:t>
+            </a:r>
+          </a:p>
+          <a:p>
+            <a:pPr lvl="1"/>
+            <a:r>
+              <a:rPr lang="hu-HU" dirty="0" smtClean="0"/>
+              <a:t>Digital </a:t>
+            </a:r>
+            <a:r>
+              <a:rPr lang="hu-HU" dirty="0"/>
+              <a:t>pin 11: MOSI</a:t>
+            </a:r>
+          </a:p>
+          <a:p>
+            <a:pPr lvl="1"/>
+            <a:r>
+              <a:rPr lang="hu-HU" dirty="0" smtClean="0"/>
+              <a:t>Digital </a:t>
+            </a:r>
+            <a:r>
+              <a:rPr lang="hu-HU" dirty="0"/>
+              <a:t>pin 12: MISO</a:t>
+            </a:r>
+          </a:p>
+          <a:p>
+            <a:pPr lvl="1"/>
+            <a:r>
+              <a:rPr lang="hu-HU" dirty="0" smtClean="0"/>
+              <a:t>Digital </a:t>
+            </a:r>
+            <a:r>
+              <a:rPr lang="hu-HU" dirty="0"/>
+              <a:t>pin 13: SCK</a:t>
+            </a:r>
+            <a:endParaRPr lang="hu-HU" dirty="0"/>
           </a:p>
         </p:txBody>
       </p:sp>
@@ -13863,40 +15302,123 @@
           <a:lstStyle/>
           <a:p>
             <a:r>
-              <a:rPr lang="hu-HU" dirty="0" smtClean="0"/>
-              <a:t>Logfile </a:t>
-            </a:r>
-            <a:r>
-              <a:rPr lang="hu-HU" dirty="0" err="1" smtClean="0"/>
-              <a:t>structure</a:t>
+              <a:rPr lang="hu-HU" dirty="0" err="1" smtClean="0"/>
+              <a:t>Used</a:t>
+            </a:r>
+            <a:r>
+              <a:rPr lang="hu-HU" dirty="0" smtClean="0"/>
+              <a:t> hardware </a:t>
+            </a:r>
+            <a:r>
+              <a:rPr lang="hu-HU" dirty="0" err="1" smtClean="0"/>
+              <a:t>elements</a:t>
             </a:r>
             <a:endParaRPr lang="hu-HU" dirty="0"/>
           </a:p>
         </p:txBody>
       </p:sp>
-      <p:sp>
-        <p:nvSpPr>
-          <p:cNvPr id="3" name="Tartalom helye 2"/>
-          <p:cNvSpPr>
-            <a:spLocks noGrp="1"/>
-          </p:cNvSpPr>
+      <p:pic>
+        <p:nvPicPr>
+          <p:cNvPr id="4" name="Tartalom helye 3" descr="KÃ©ptalÃ¡lat a kÃ¶vetkezÅre: âds1302â"/>
+          <p:cNvPicPr>
+            <a:picLocks noGrp="1"/>
+          </p:cNvPicPr>
           <p:nvPr>
             <p:ph idx="1"/>
           </p:nvPr>
-        </p:nvSpPr>
-        <p:spPr/>
-        <p:txBody>
-          <a:bodyPr/>
-          <a:lstStyle/>
-          <a:p>
-            <a:endParaRPr lang="hu-HU"/>
-          </a:p>
-        </p:txBody>
-      </p:sp>
+        </p:nvPicPr>
+        <p:blipFill>
+          <a:blip r:embed="rId2">
+            <a:extLst>
+              <a:ext uri="{BEBA8EAE-BF5A-486C-A8C5-ECC9F3942E4B}">
+                <a14:imgProps xmlns:a14="http://schemas.microsoft.com/office/drawing/2010/main">
+                  <a14:imgLayer r:embed="rId3">
+                    <a14:imgEffect>
+                      <a14:backgroundRemoval t="10000" b="90000" l="10000" r="90000">
+                        <a14:backgroundMark x1="13286" y1="56600" x2="20857" y2="66800"/>
+                      </a14:backgroundRemoval>
+                    </a14:imgEffect>
+                  </a14:imgLayer>
+                </a14:imgProps>
+              </a:ext>
+              <a:ext uri="{28A0092B-C50C-407E-A947-70E740481C1C}">
+                <a14:useLocalDpi xmlns:a14="http://schemas.microsoft.com/office/drawing/2010/main" val="0"/>
+              </a:ext>
+            </a:extLst>
+          </a:blip>
+          <a:srcRect/>
+          <a:stretch>
+            <a:fillRect/>
+          </a:stretch>
+        </p:blipFill>
+        <p:spPr bwMode="auto">
+          <a:xfrm>
+            <a:off x="745707" y="2249488"/>
+            <a:ext cx="4958396" cy="3541712"/>
+          </a:xfrm>
+          <a:prstGeom prst="rect">
+            <a:avLst/>
+          </a:prstGeom>
+          <a:noFill/>
+          <a:ln>
+            <a:noFill/>
+          </a:ln>
+        </p:spPr>
+      </p:pic>
+      <p:pic>
+        <p:nvPicPr>
+          <p:cNvPr id="1026" name="Picture 2" descr="KÃ©ptalÃ¡lat a kÃ¶vetkezÅre: âmicro sd shield arduinoâ"/>
+          <p:cNvPicPr>
+            <a:picLocks noChangeAspect="1" noChangeArrowheads="1"/>
+          </p:cNvPicPr>
+          <p:nvPr/>
+        </p:nvPicPr>
+        <p:blipFill>
+          <a:blip r:embed="rId4">
+            <a:extLst>
+              <a:ext uri="{BEBA8EAE-BF5A-486C-A8C5-ECC9F3942E4B}">
+                <a14:imgProps xmlns:a14="http://schemas.microsoft.com/office/drawing/2010/main">
+                  <a14:imgLayer r:embed="rId5">
+                    <a14:imgEffect>
+                      <a14:backgroundRemoval t="10000" b="90000" l="10000" r="90000"/>
+                    </a14:imgEffect>
+                  </a14:imgLayer>
+                </a14:imgProps>
+              </a:ext>
+              <a:ext uri="{28A0092B-C50C-407E-A947-70E740481C1C}">
+                <a14:useLocalDpi xmlns:a14="http://schemas.microsoft.com/office/drawing/2010/main" val="0"/>
+              </a:ext>
+            </a:extLst>
+          </a:blip>
+          <a:srcRect/>
+          <a:stretch>
+            <a:fillRect/>
+          </a:stretch>
+        </p:blipFill>
+        <p:spPr bwMode="auto">
+          <a:xfrm>
+            <a:off x="5808165" y="2367545"/>
+            <a:ext cx="4958396" cy="3305598"/>
+          </a:xfrm>
+          <a:prstGeom prst="rect">
+            <a:avLst/>
+          </a:prstGeom>
+          <a:noFill/>
+          <a:extLst>
+            <a:ext uri="{909E8E84-426E-40DD-AFC4-6F175D3DCCD1}">
+              <a14:hiddenFill xmlns:a14="http://schemas.microsoft.com/office/drawing/2010/main">
+                <a:solidFill>
+                  <a:srgbClr val="FFFFFF"/>
+                </a:solidFill>
+              </a14:hiddenFill>
+            </a:ext>
+          </a:extLst>
+        </p:spPr>
+      </p:pic>
     </p:spTree>
     <p:extLst>
       <p:ext uri="{BB962C8B-B14F-4D97-AF65-F5344CB8AC3E}">
-        <p14:creationId xmlns:p14="http://schemas.microsoft.com/office/powerpoint/2010/main" val="1113412751"/>
+        <p14:creationId xmlns:p14="http://schemas.microsoft.com/office/powerpoint/2010/main" val="1400126896"/>
       </p:ext>
     </p:extLst>
   </p:cSld>
@@ -13940,11 +15462,11 @@
           <a:p>
             <a:r>
               <a:rPr lang="hu-HU" dirty="0" smtClean="0"/>
-              <a:t>Software </a:t>
-            </a:r>
-            <a:r>
-              <a:rPr lang="hu-HU" dirty="0" err="1" smtClean="0"/>
-              <a:t>implementation</a:t>
+              <a:t>Logfile </a:t>
+            </a:r>
+            <a:r>
+              <a:rPr lang="hu-HU" dirty="0" err="1" smtClean="0"/>
+              <a:t>structure</a:t>
             </a:r>
             <a:endParaRPr lang="hu-HU" dirty="0"/>
           </a:p>
@@ -13965,14 +15487,485 @@
           <a:bodyPr/>
           <a:lstStyle/>
           <a:p>
-            <a:endParaRPr lang="hu-HU"/>
+            <a:r>
+              <a:rPr lang="hu-HU" dirty="0" err="1" smtClean="0"/>
+              <a:t>Timestamp</a:t>
+            </a:r>
+            <a:r>
+              <a:rPr lang="hu-HU" dirty="0" smtClean="0"/>
+              <a:t> </a:t>
+            </a:r>
+            <a:r>
+              <a:rPr lang="hu-HU" dirty="0" err="1" smtClean="0"/>
+              <a:t>needed</a:t>
+            </a:r>
+            <a:r>
+              <a:rPr lang="hu-HU" dirty="0" smtClean="0"/>
+              <a:t> </a:t>
+            </a:r>
+            <a:r>
+              <a:rPr lang="hu-HU" dirty="0" err="1" smtClean="0"/>
+              <a:t>but</a:t>
+            </a:r>
+            <a:r>
+              <a:rPr lang="hu-HU" dirty="0" smtClean="0"/>
+              <a:t> DS1302 has </a:t>
+            </a:r>
+            <a:r>
+              <a:rPr lang="hu-HU" dirty="0" err="1" smtClean="0"/>
+              <a:t>only</a:t>
+            </a:r>
+            <a:r>
+              <a:rPr lang="hu-HU" dirty="0" smtClean="0"/>
+              <a:t> </a:t>
+            </a:r>
+            <a:r>
+              <a:rPr lang="hu-HU" dirty="0" err="1" smtClean="0"/>
+              <a:t>seconds</a:t>
+            </a:r>
+            <a:r>
+              <a:rPr lang="hu-HU" dirty="0" smtClean="0"/>
+              <a:t> </a:t>
+            </a:r>
+            <a:r>
+              <a:rPr lang="hu-HU" dirty="0" err="1" smtClean="0"/>
+              <a:t>resolution</a:t>
+            </a:r>
+            <a:endParaRPr lang="hu-HU" dirty="0" smtClean="0"/>
+          </a:p>
+          <a:p>
+            <a:pPr lvl="1"/>
+            <a:r>
+              <a:rPr lang="hu-HU" dirty="0" err="1" smtClean="0"/>
+              <a:t>Solution</a:t>
+            </a:r>
+            <a:r>
+              <a:rPr lang="hu-HU" dirty="0" smtClean="0"/>
+              <a:t> is </a:t>
+            </a:r>
+            <a:r>
+              <a:rPr lang="hu-HU" dirty="0" err="1" smtClean="0"/>
+              <a:t>to</a:t>
+            </a:r>
+            <a:r>
+              <a:rPr lang="hu-HU" dirty="0" smtClean="0"/>
+              <a:t> log </a:t>
+            </a:r>
+            <a:r>
+              <a:rPr lang="hu-HU" dirty="0" err="1" smtClean="0"/>
+              <a:t>the</a:t>
+            </a:r>
+            <a:r>
+              <a:rPr lang="hu-HU" dirty="0" smtClean="0"/>
+              <a:t> </a:t>
+            </a:r>
+            <a:r>
+              <a:rPr lang="hu-HU" dirty="0" err="1" smtClean="0"/>
+              <a:t>loop</a:t>
+            </a:r>
+            <a:r>
+              <a:rPr lang="hu-HU" dirty="0" smtClean="0"/>
+              <a:t> </a:t>
+            </a:r>
+            <a:r>
+              <a:rPr lang="hu-HU" dirty="0" err="1" smtClean="0"/>
+              <a:t>count</a:t>
+            </a:r>
+            <a:r>
+              <a:rPr lang="hu-HU" dirty="0" smtClean="0"/>
+              <a:t> </a:t>
+            </a:r>
+            <a:r>
+              <a:rPr lang="hu-HU" dirty="0" err="1" smtClean="0"/>
+              <a:t>since</a:t>
+            </a:r>
+            <a:r>
+              <a:rPr lang="hu-HU" dirty="0" smtClean="0"/>
+              <a:t> </a:t>
+            </a:r>
+            <a:r>
+              <a:rPr lang="hu-HU" dirty="0" err="1" smtClean="0"/>
+              <a:t>the</a:t>
+            </a:r>
+            <a:r>
+              <a:rPr lang="hu-HU" dirty="0" smtClean="0"/>
+              <a:t> latest </a:t>
+            </a:r>
+            <a:r>
+              <a:rPr lang="hu-HU" dirty="0" err="1" smtClean="0"/>
+              <a:t>hard</a:t>
+            </a:r>
+            <a:r>
+              <a:rPr lang="hu-HU" dirty="0" smtClean="0"/>
+              <a:t> </a:t>
+            </a:r>
+            <a:r>
+              <a:rPr lang="hu-HU" dirty="0" err="1" smtClean="0"/>
+              <a:t>reset</a:t>
+            </a:r>
+            <a:r>
+              <a:rPr lang="hu-HU" dirty="0" smtClean="0"/>
+              <a:t> </a:t>
+            </a:r>
+            <a:r>
+              <a:rPr lang="hu-HU" dirty="0" smtClean="0">
+                <a:sym typeface="Wingdings" panose="05000000000000000000" pitchFamily="2" charset="2"/>
+              </a:rPr>
+              <a:t> </a:t>
+            </a:r>
+            <a:r>
+              <a:rPr lang="hu-HU" dirty="0" err="1" smtClean="0">
+                <a:sym typeface="Wingdings" panose="05000000000000000000" pitchFamily="2" charset="2"/>
+              </a:rPr>
+              <a:t>Millis</a:t>
+            </a:r>
+            <a:r>
+              <a:rPr lang="hu-HU" dirty="0" smtClean="0">
+                <a:sym typeface="Wingdings" panose="05000000000000000000" pitchFamily="2" charset="2"/>
+              </a:rPr>
+              <a:t>() </a:t>
+            </a:r>
+            <a:r>
+              <a:rPr lang="hu-HU" dirty="0" err="1" smtClean="0">
+                <a:sym typeface="Wingdings" panose="05000000000000000000" pitchFamily="2" charset="2"/>
+              </a:rPr>
+              <a:t>function</a:t>
+            </a:r>
+            <a:endParaRPr lang="hu-HU" dirty="0" smtClean="0">
+              <a:sym typeface="Wingdings" panose="05000000000000000000" pitchFamily="2" charset="2"/>
+            </a:endParaRPr>
+          </a:p>
+          <a:p>
+            <a:r>
+              <a:rPr lang="hu-HU" dirty="0" err="1" smtClean="0">
+                <a:sym typeface="Wingdings" panose="05000000000000000000" pitchFamily="2" charset="2"/>
+              </a:rPr>
+              <a:t>Voltage</a:t>
+            </a:r>
+            <a:r>
+              <a:rPr lang="hu-HU" dirty="0" smtClean="0">
+                <a:sym typeface="Wingdings" panose="05000000000000000000" pitchFamily="2" charset="2"/>
+              </a:rPr>
+              <a:t> of </a:t>
+            </a:r>
+            <a:r>
+              <a:rPr lang="hu-HU" dirty="0" err="1" smtClean="0">
+                <a:sym typeface="Wingdings" panose="05000000000000000000" pitchFamily="2" charset="2"/>
+              </a:rPr>
+              <a:t>the</a:t>
+            </a:r>
+            <a:r>
+              <a:rPr lang="hu-HU" dirty="0" smtClean="0">
+                <a:sym typeface="Wingdings" panose="05000000000000000000" pitchFamily="2" charset="2"/>
+              </a:rPr>
+              <a:t> </a:t>
+            </a:r>
+            <a:r>
+              <a:rPr lang="hu-HU" dirty="0" err="1" smtClean="0">
+                <a:sym typeface="Wingdings" panose="05000000000000000000" pitchFamily="2" charset="2"/>
+              </a:rPr>
+              <a:t>battery</a:t>
+            </a:r>
+            <a:r>
+              <a:rPr lang="hu-HU" dirty="0" smtClean="0">
+                <a:sym typeface="Wingdings" panose="05000000000000000000" pitchFamily="2" charset="2"/>
+              </a:rPr>
+              <a:t> is </a:t>
+            </a:r>
+            <a:r>
+              <a:rPr lang="hu-HU" dirty="0" err="1" smtClean="0">
+                <a:sym typeface="Wingdings" panose="05000000000000000000" pitchFamily="2" charset="2"/>
+              </a:rPr>
+              <a:t>monitored</a:t>
+            </a:r>
+            <a:r>
+              <a:rPr lang="hu-HU" dirty="0" smtClean="0">
+                <a:sym typeface="Wingdings" panose="05000000000000000000" pitchFamily="2" charset="2"/>
+              </a:rPr>
+              <a:t> and </a:t>
+            </a:r>
+            <a:r>
+              <a:rPr lang="hu-HU" dirty="0" err="1" smtClean="0">
+                <a:sym typeface="Wingdings" panose="05000000000000000000" pitchFamily="2" charset="2"/>
+              </a:rPr>
+              <a:t>logged</a:t>
+            </a:r>
+            <a:endParaRPr lang="hu-HU" dirty="0" smtClean="0">
+              <a:sym typeface="Wingdings" panose="05000000000000000000" pitchFamily="2" charset="2"/>
+            </a:endParaRPr>
+          </a:p>
+          <a:p>
+            <a:r>
+              <a:rPr lang="hu-HU" dirty="0" err="1" smtClean="0">
+                <a:sym typeface="Wingdings" panose="05000000000000000000" pitchFamily="2" charset="2"/>
+              </a:rPr>
+              <a:t>Servo</a:t>
+            </a:r>
+            <a:r>
+              <a:rPr lang="hu-HU" dirty="0" smtClean="0">
+                <a:sym typeface="Wingdings" panose="05000000000000000000" pitchFamily="2" charset="2"/>
+              </a:rPr>
+              <a:t> </a:t>
+            </a:r>
+            <a:r>
+              <a:rPr lang="hu-HU" dirty="0" err="1" smtClean="0">
+                <a:sym typeface="Wingdings" panose="05000000000000000000" pitchFamily="2" charset="2"/>
+              </a:rPr>
+              <a:t>positions</a:t>
+            </a:r>
+            <a:r>
+              <a:rPr lang="hu-HU" dirty="0" smtClean="0">
+                <a:sym typeface="Wingdings" panose="05000000000000000000" pitchFamily="2" charset="2"/>
+              </a:rPr>
+              <a:t> </a:t>
+            </a:r>
+            <a:r>
+              <a:rPr lang="hu-HU" dirty="0" err="1" smtClean="0">
+                <a:sym typeface="Wingdings" panose="05000000000000000000" pitchFamily="2" charset="2"/>
+              </a:rPr>
+              <a:t>one</a:t>
+            </a:r>
+            <a:r>
+              <a:rPr lang="hu-HU" dirty="0" smtClean="0">
+                <a:sym typeface="Wingdings" panose="05000000000000000000" pitchFamily="2" charset="2"/>
+              </a:rPr>
+              <a:t> </a:t>
+            </a:r>
+            <a:r>
+              <a:rPr lang="hu-HU" dirty="0" err="1" smtClean="0">
+                <a:sym typeface="Wingdings" panose="05000000000000000000" pitchFamily="2" charset="2"/>
+              </a:rPr>
+              <a:t>by</a:t>
+            </a:r>
+            <a:r>
+              <a:rPr lang="hu-HU" dirty="0" smtClean="0">
+                <a:sym typeface="Wingdings" panose="05000000000000000000" pitchFamily="2" charset="2"/>
+              </a:rPr>
+              <a:t> </a:t>
+            </a:r>
+            <a:r>
+              <a:rPr lang="hu-HU" dirty="0" err="1" smtClean="0">
+                <a:sym typeface="Wingdings" panose="05000000000000000000" pitchFamily="2" charset="2"/>
+              </a:rPr>
+              <a:t>one</a:t>
+            </a:r>
+            <a:endParaRPr lang="hu-HU" dirty="0" smtClean="0">
+              <a:sym typeface="Wingdings" panose="05000000000000000000" pitchFamily="2" charset="2"/>
+            </a:endParaRPr>
+          </a:p>
+          <a:p>
+            <a:r>
+              <a:rPr lang="hu-HU" dirty="0" smtClean="0">
+                <a:sym typeface="Wingdings" panose="05000000000000000000" pitchFamily="2" charset="2"/>
+              </a:rPr>
+              <a:t>.</a:t>
+            </a:r>
+            <a:r>
+              <a:rPr lang="hu-HU" dirty="0" err="1" smtClean="0">
+                <a:sym typeface="Wingdings" panose="05000000000000000000" pitchFamily="2" charset="2"/>
+              </a:rPr>
+              <a:t>csv</a:t>
+            </a:r>
+            <a:r>
+              <a:rPr lang="hu-HU" dirty="0" smtClean="0">
+                <a:sym typeface="Wingdings" panose="05000000000000000000" pitchFamily="2" charset="2"/>
+              </a:rPr>
+              <a:t> </a:t>
+            </a:r>
+            <a:r>
+              <a:rPr lang="hu-HU" dirty="0" err="1" smtClean="0">
+                <a:sym typeface="Wingdings" panose="05000000000000000000" pitchFamily="2" charset="2"/>
+              </a:rPr>
+              <a:t>files</a:t>
+            </a:r>
+            <a:r>
+              <a:rPr lang="hu-HU" dirty="0" smtClean="0">
+                <a:sym typeface="Wingdings" panose="05000000000000000000" pitchFamily="2" charset="2"/>
+              </a:rPr>
+              <a:t> </a:t>
+            </a:r>
+            <a:r>
+              <a:rPr lang="hu-HU" dirty="0" err="1" smtClean="0">
+                <a:sym typeface="Wingdings" panose="05000000000000000000" pitchFamily="2" charset="2"/>
+              </a:rPr>
+              <a:t>are</a:t>
+            </a:r>
+            <a:r>
+              <a:rPr lang="hu-HU" dirty="0" smtClean="0">
+                <a:sym typeface="Wingdings" panose="05000000000000000000" pitchFamily="2" charset="2"/>
+              </a:rPr>
+              <a:t> </a:t>
+            </a:r>
+            <a:r>
+              <a:rPr lang="hu-HU" dirty="0" err="1" smtClean="0">
+                <a:sym typeface="Wingdings" panose="05000000000000000000" pitchFamily="2" charset="2"/>
+              </a:rPr>
+              <a:t>saved</a:t>
+            </a:r>
+            <a:r>
+              <a:rPr lang="hu-HU" dirty="0" smtClean="0">
+                <a:sym typeface="Wingdings" panose="05000000000000000000" pitchFamily="2" charset="2"/>
+              </a:rPr>
+              <a:t> </a:t>
+            </a:r>
+            <a:r>
+              <a:rPr lang="hu-HU" dirty="0" err="1" smtClean="0">
+                <a:sym typeface="Wingdings" panose="05000000000000000000" pitchFamily="2" charset="2"/>
+              </a:rPr>
+              <a:t>to</a:t>
+            </a:r>
+            <a:r>
+              <a:rPr lang="hu-HU" dirty="0" smtClean="0">
+                <a:sym typeface="Wingdings" panose="05000000000000000000" pitchFamily="2" charset="2"/>
+              </a:rPr>
+              <a:t> </a:t>
+            </a:r>
+            <a:r>
+              <a:rPr lang="hu-HU" dirty="0" err="1" smtClean="0">
+                <a:sym typeface="Wingdings" panose="05000000000000000000" pitchFamily="2" charset="2"/>
+              </a:rPr>
+              <a:t>the</a:t>
+            </a:r>
+            <a:r>
+              <a:rPr lang="hu-HU" dirty="0" smtClean="0">
+                <a:sym typeface="Wingdings" panose="05000000000000000000" pitchFamily="2" charset="2"/>
+              </a:rPr>
+              <a:t> </a:t>
+            </a:r>
+            <a:r>
+              <a:rPr lang="hu-HU" dirty="0" err="1" smtClean="0">
+                <a:sym typeface="Wingdings" panose="05000000000000000000" pitchFamily="2" charset="2"/>
+              </a:rPr>
+              <a:t>microSD</a:t>
+            </a:r>
+            <a:r>
+              <a:rPr lang="hu-HU" dirty="0" smtClean="0">
+                <a:sym typeface="Wingdings" panose="05000000000000000000" pitchFamily="2" charset="2"/>
+              </a:rPr>
+              <a:t> </a:t>
+            </a:r>
+            <a:r>
+              <a:rPr lang="hu-HU" dirty="0" err="1" smtClean="0">
+                <a:sym typeface="Wingdings" panose="05000000000000000000" pitchFamily="2" charset="2"/>
+              </a:rPr>
+              <a:t>card</a:t>
+            </a:r>
+            <a:endParaRPr lang="hu-HU" dirty="0" smtClean="0">
+              <a:sym typeface="Wingdings" panose="05000000000000000000" pitchFamily="2" charset="2"/>
+            </a:endParaRPr>
+          </a:p>
+          <a:p>
+            <a:pPr lvl="1"/>
+            <a:r>
+              <a:rPr lang="hu-HU" dirty="0" err="1" smtClean="0">
+                <a:sym typeface="Wingdings" panose="05000000000000000000" pitchFamily="2" charset="2"/>
+              </a:rPr>
+              <a:t>They</a:t>
+            </a:r>
+            <a:r>
+              <a:rPr lang="hu-HU" dirty="0" smtClean="0">
+                <a:sym typeface="Wingdings" panose="05000000000000000000" pitchFamily="2" charset="2"/>
+              </a:rPr>
+              <a:t> </a:t>
+            </a:r>
+            <a:r>
+              <a:rPr lang="hu-HU" dirty="0" err="1" smtClean="0">
+                <a:sym typeface="Wingdings" panose="05000000000000000000" pitchFamily="2" charset="2"/>
+              </a:rPr>
+              <a:t>can</a:t>
+            </a:r>
+            <a:r>
+              <a:rPr lang="hu-HU" dirty="0" smtClean="0">
+                <a:sym typeface="Wingdings" panose="05000000000000000000" pitchFamily="2" charset="2"/>
+              </a:rPr>
+              <a:t> be </a:t>
+            </a:r>
+            <a:r>
+              <a:rPr lang="hu-HU" dirty="0" err="1" smtClean="0">
+                <a:sym typeface="Wingdings" panose="05000000000000000000" pitchFamily="2" charset="2"/>
+              </a:rPr>
+              <a:t>easily</a:t>
+            </a:r>
+            <a:r>
+              <a:rPr lang="hu-HU" dirty="0" smtClean="0">
+                <a:sym typeface="Wingdings" panose="05000000000000000000" pitchFamily="2" charset="2"/>
+              </a:rPr>
+              <a:t> </a:t>
+            </a:r>
+            <a:r>
+              <a:rPr lang="hu-HU" dirty="0" err="1" smtClean="0">
+                <a:sym typeface="Wingdings" panose="05000000000000000000" pitchFamily="2" charset="2"/>
+              </a:rPr>
+              <a:t>processed</a:t>
+            </a:r>
+            <a:r>
+              <a:rPr lang="hu-HU" dirty="0" smtClean="0">
+                <a:sym typeface="Wingdings" panose="05000000000000000000" pitchFamily="2" charset="2"/>
+              </a:rPr>
+              <a:t> </a:t>
+            </a:r>
+            <a:r>
+              <a:rPr lang="hu-HU" dirty="0" err="1" smtClean="0">
+                <a:sym typeface="Wingdings" panose="05000000000000000000" pitchFamily="2" charset="2"/>
+              </a:rPr>
+              <a:t>later</a:t>
+            </a:r>
+            <a:r>
+              <a:rPr lang="hu-HU" dirty="0" smtClean="0">
+                <a:sym typeface="Wingdings" panose="05000000000000000000" pitchFamily="2" charset="2"/>
+              </a:rPr>
+              <a:t> and </a:t>
+            </a:r>
+            <a:r>
+              <a:rPr lang="hu-HU" dirty="0" err="1" smtClean="0">
+                <a:sym typeface="Wingdings" panose="05000000000000000000" pitchFamily="2" charset="2"/>
+              </a:rPr>
+              <a:t>data</a:t>
+            </a:r>
+            <a:r>
+              <a:rPr lang="hu-HU" dirty="0" smtClean="0">
+                <a:sym typeface="Wingdings" panose="05000000000000000000" pitchFamily="2" charset="2"/>
+              </a:rPr>
+              <a:t> </a:t>
+            </a:r>
+            <a:r>
+              <a:rPr lang="hu-HU" dirty="0" err="1" smtClean="0">
+                <a:sym typeface="Wingdings" panose="05000000000000000000" pitchFamily="2" charset="2"/>
+              </a:rPr>
+              <a:t>visualisation</a:t>
+            </a:r>
+            <a:r>
+              <a:rPr lang="hu-HU" dirty="0" smtClean="0">
+                <a:sym typeface="Wingdings" panose="05000000000000000000" pitchFamily="2" charset="2"/>
+              </a:rPr>
+              <a:t> is </a:t>
+            </a:r>
+            <a:r>
+              <a:rPr lang="hu-HU" dirty="0" err="1" smtClean="0">
+                <a:sym typeface="Wingdings" panose="05000000000000000000" pitchFamily="2" charset="2"/>
+              </a:rPr>
+              <a:t>much</a:t>
+            </a:r>
+            <a:r>
+              <a:rPr lang="hu-HU" dirty="0" smtClean="0">
+                <a:sym typeface="Wingdings" panose="05000000000000000000" pitchFamily="2" charset="2"/>
+              </a:rPr>
+              <a:t> more </a:t>
+            </a:r>
+            <a:r>
+              <a:rPr lang="hu-HU" dirty="0" err="1" smtClean="0">
+                <a:sym typeface="Wingdings" panose="05000000000000000000" pitchFamily="2" charset="2"/>
+              </a:rPr>
+              <a:t>easier</a:t>
+            </a:r>
+            <a:endParaRPr lang="hu-HU" dirty="0"/>
           </a:p>
         </p:txBody>
       </p:sp>
     </p:spTree>
     <p:extLst>
       <p:ext uri="{BB962C8B-B14F-4D97-AF65-F5344CB8AC3E}">
-        <p14:creationId xmlns:p14="http://schemas.microsoft.com/office/powerpoint/2010/main" val="3623721419"/>
+        <p14:creationId xmlns:p14="http://schemas.microsoft.com/office/powerpoint/2010/main" val="1113412751"/>
       </p:ext>
     </p:extLst>
   </p:cSld>
@@ -14015,24 +16008,12 @@
           <a:lstStyle/>
           <a:p>
             <a:r>
-              <a:rPr lang="hu-HU" dirty="0" err="1" smtClean="0"/>
-              <a:t>Summary</a:t>
-            </a:r>
-            <a:r>
-              <a:rPr lang="hu-HU" dirty="0" smtClean="0"/>
-              <a:t> and </a:t>
-            </a:r>
-            <a:r>
-              <a:rPr lang="hu-HU" dirty="0" err="1" smtClean="0"/>
-              <a:t>future</a:t>
-            </a:r>
-            <a:r>
-              <a:rPr lang="hu-HU" dirty="0" smtClean="0"/>
-              <a:t> </a:t>
-            </a:r>
-            <a:r>
-              <a:rPr lang="hu-HU" dirty="0" err="1" smtClean="0"/>
-              <a:t>plans</a:t>
+              <a:rPr lang="hu-HU" dirty="0" smtClean="0"/>
+              <a:t>Software </a:t>
+            </a:r>
+            <a:r>
+              <a:rPr lang="hu-HU" dirty="0" err="1" smtClean="0"/>
+              <a:t>implementation</a:t>
             </a:r>
             <a:endParaRPr lang="hu-HU" dirty="0"/>
           </a:p>
@@ -14053,14 +16034,311 @@
           <a:bodyPr/>
           <a:lstStyle/>
           <a:p>
-            <a:endParaRPr lang="hu-HU"/>
+            <a:r>
+              <a:rPr lang="hu-HU" dirty="0" err="1" smtClean="0"/>
+              <a:t>Component</a:t>
+            </a:r>
+            <a:r>
+              <a:rPr lang="hu-HU" dirty="0" smtClean="0"/>
+              <a:t> </a:t>
+            </a:r>
+            <a:r>
+              <a:rPr lang="hu-HU" dirty="0" err="1" smtClean="0"/>
+              <a:t>based</a:t>
+            </a:r>
+            <a:r>
+              <a:rPr lang="hu-HU" dirty="0" smtClean="0"/>
+              <a:t> </a:t>
+            </a:r>
+            <a:r>
+              <a:rPr lang="hu-HU" dirty="0" err="1" smtClean="0"/>
+              <a:t>d</a:t>
+            </a:r>
+            <a:r>
+              <a:rPr lang="hu-HU" dirty="0" err="1" smtClean="0"/>
+              <a:t>evelopment</a:t>
+            </a:r>
+            <a:endParaRPr lang="hu-HU" dirty="0" smtClean="0"/>
+          </a:p>
+          <a:p>
+            <a:r>
+              <a:rPr lang="hu-HU" dirty="0" smtClean="0"/>
+              <a:t>DS1302 and </a:t>
+            </a:r>
+            <a:r>
+              <a:rPr lang="hu-HU" dirty="0" err="1" smtClean="0"/>
+              <a:t>the</a:t>
+            </a:r>
+            <a:r>
+              <a:rPr lang="hu-HU" dirty="0" smtClean="0"/>
+              <a:t> </a:t>
+            </a:r>
+            <a:r>
+              <a:rPr lang="hu-HU" dirty="0" err="1" smtClean="0"/>
+              <a:t>microSD</a:t>
+            </a:r>
+            <a:r>
+              <a:rPr lang="hu-HU" dirty="0" smtClean="0"/>
+              <a:t> shield </a:t>
+            </a:r>
+            <a:r>
+              <a:rPr lang="hu-HU" dirty="0" err="1" smtClean="0"/>
+              <a:t>ave</a:t>
+            </a:r>
+            <a:r>
+              <a:rPr lang="hu-HU" dirty="0" smtClean="0"/>
+              <a:t> </a:t>
+            </a:r>
+            <a:r>
+              <a:rPr lang="hu-HU" dirty="0" err="1" smtClean="0"/>
+              <a:t>their</a:t>
+            </a:r>
+            <a:r>
+              <a:rPr lang="hu-HU" dirty="0" smtClean="0"/>
+              <a:t> </a:t>
+            </a:r>
+            <a:r>
+              <a:rPr lang="hu-HU" dirty="0" err="1" smtClean="0"/>
+              <a:t>own</a:t>
+            </a:r>
+            <a:r>
+              <a:rPr lang="hu-HU" dirty="0" smtClean="0"/>
+              <a:t> </a:t>
+            </a:r>
+            <a:r>
+              <a:rPr lang="hu-HU" dirty="0" err="1" smtClean="0"/>
+              <a:t>basic</a:t>
+            </a:r>
+            <a:r>
+              <a:rPr lang="hu-HU" dirty="0" smtClean="0"/>
+              <a:t> </a:t>
+            </a:r>
+            <a:r>
+              <a:rPr lang="hu-HU" dirty="0" err="1" smtClean="0"/>
+              <a:t>functions</a:t>
+            </a:r>
+            <a:endParaRPr lang="hu-HU" dirty="0" smtClean="0"/>
+          </a:p>
+          <a:p>
+            <a:pPr lvl="1"/>
+            <a:r>
+              <a:rPr lang="hu-HU" dirty="0" err="1" smtClean="0"/>
+              <a:t>High</a:t>
+            </a:r>
+            <a:r>
+              <a:rPr lang="hu-HU" dirty="0" smtClean="0"/>
+              <a:t> </a:t>
+            </a:r>
+            <a:r>
+              <a:rPr lang="hu-HU" dirty="0" err="1" smtClean="0"/>
+              <a:t>level</a:t>
+            </a:r>
+            <a:r>
+              <a:rPr lang="hu-HU" dirty="0" smtClean="0"/>
+              <a:t> </a:t>
+            </a:r>
+            <a:r>
+              <a:rPr lang="hu-HU" dirty="0" err="1" smtClean="0"/>
+              <a:t>implementation</a:t>
+            </a:r>
+            <a:r>
+              <a:rPr lang="hu-HU" dirty="0" smtClean="0"/>
+              <a:t> </a:t>
+            </a:r>
+            <a:r>
+              <a:rPr lang="hu-HU" dirty="0" err="1" smtClean="0"/>
+              <a:t>was</a:t>
+            </a:r>
+            <a:r>
+              <a:rPr lang="hu-HU" dirty="0" smtClean="0"/>
+              <a:t> </a:t>
+            </a:r>
+            <a:r>
+              <a:rPr lang="hu-HU" dirty="0" err="1" smtClean="0"/>
+              <a:t>needed</a:t>
+            </a:r>
+            <a:r>
+              <a:rPr lang="hu-HU" dirty="0" smtClean="0"/>
+              <a:t> </a:t>
+            </a:r>
+            <a:r>
+              <a:rPr lang="hu-HU" dirty="0" err="1" smtClean="0"/>
+              <a:t>using</a:t>
+            </a:r>
+            <a:r>
+              <a:rPr lang="hu-HU" dirty="0" smtClean="0"/>
+              <a:t> </a:t>
+            </a:r>
+            <a:r>
+              <a:rPr lang="hu-HU" dirty="0" err="1" smtClean="0"/>
+              <a:t>the</a:t>
+            </a:r>
+            <a:r>
+              <a:rPr lang="hu-HU" dirty="0" smtClean="0"/>
+              <a:t> </a:t>
+            </a:r>
+            <a:r>
+              <a:rPr lang="hu-HU" dirty="0" err="1" smtClean="0"/>
+              <a:t>given</a:t>
+            </a:r>
+            <a:r>
+              <a:rPr lang="hu-HU" dirty="0" smtClean="0"/>
+              <a:t> </a:t>
+            </a:r>
+            <a:r>
+              <a:rPr lang="hu-HU" dirty="0" err="1" smtClean="0"/>
+              <a:t>functions</a:t>
+            </a:r>
+            <a:endParaRPr lang="hu-HU" dirty="0" smtClean="0"/>
+          </a:p>
+          <a:p>
+            <a:r>
+              <a:rPr lang="hu-HU" dirty="0" smtClean="0"/>
+              <a:t>RTC </a:t>
+            </a:r>
+            <a:r>
+              <a:rPr lang="hu-HU" dirty="0" err="1" smtClean="0"/>
+              <a:t>module</a:t>
+            </a:r>
+            <a:r>
+              <a:rPr lang="hu-HU" dirty="0" smtClean="0"/>
+              <a:t>: </a:t>
+            </a:r>
+            <a:r>
+              <a:rPr lang="hu-HU" dirty="0" err="1" smtClean="0"/>
+              <a:t>time</a:t>
+            </a:r>
+            <a:r>
+              <a:rPr lang="hu-HU" dirty="0" smtClean="0"/>
+              <a:t> and </a:t>
+            </a:r>
+            <a:r>
+              <a:rPr lang="hu-HU" dirty="0" err="1" smtClean="0"/>
+              <a:t>date</a:t>
+            </a:r>
+            <a:r>
+              <a:rPr lang="hu-HU" dirty="0" smtClean="0"/>
+              <a:t> </a:t>
+            </a:r>
+            <a:r>
+              <a:rPr lang="hu-HU" dirty="0" err="1" smtClean="0"/>
+              <a:t>setting</a:t>
+            </a:r>
+            <a:r>
+              <a:rPr lang="hu-HU" dirty="0" smtClean="0"/>
+              <a:t>, </a:t>
+            </a:r>
+            <a:r>
+              <a:rPr lang="hu-HU" dirty="0" err="1" smtClean="0"/>
+              <a:t>time</a:t>
+            </a:r>
+            <a:r>
+              <a:rPr lang="hu-HU" dirty="0" smtClean="0"/>
+              <a:t> and </a:t>
+            </a:r>
+            <a:r>
+              <a:rPr lang="hu-HU" dirty="0" err="1" smtClean="0"/>
+              <a:t>date</a:t>
+            </a:r>
+            <a:r>
+              <a:rPr lang="hu-HU" dirty="0" smtClean="0"/>
+              <a:t> </a:t>
+            </a:r>
+            <a:r>
+              <a:rPr lang="hu-HU" dirty="0" err="1" smtClean="0"/>
+              <a:t>reading</a:t>
+            </a:r>
+            <a:endParaRPr lang="hu-HU" dirty="0" smtClean="0"/>
+          </a:p>
+          <a:p>
+            <a:r>
+              <a:rPr lang="hu-HU" dirty="0" err="1" smtClean="0"/>
+              <a:t>microSD</a:t>
+            </a:r>
+            <a:r>
+              <a:rPr lang="hu-HU" dirty="0" smtClean="0"/>
+              <a:t> shield: </a:t>
+            </a:r>
+            <a:r>
+              <a:rPr lang="hu-HU" dirty="0" err="1" smtClean="0"/>
+              <a:t>secure</a:t>
+            </a:r>
+            <a:r>
+              <a:rPr lang="hu-HU" dirty="0" smtClean="0"/>
+              <a:t> file </a:t>
+            </a:r>
+            <a:r>
+              <a:rPr lang="hu-HU" dirty="0" err="1" smtClean="0"/>
+              <a:t>opening</a:t>
+            </a:r>
+            <a:r>
+              <a:rPr lang="hu-HU" dirty="0" smtClean="0"/>
+              <a:t> and </a:t>
+            </a:r>
+            <a:r>
+              <a:rPr lang="hu-HU" dirty="0" err="1" smtClean="0"/>
+              <a:t>closing</a:t>
+            </a:r>
+            <a:r>
+              <a:rPr lang="hu-HU" dirty="0" smtClean="0"/>
+              <a:t>, </a:t>
+            </a:r>
+            <a:r>
+              <a:rPr lang="hu-HU" dirty="0" err="1" smtClean="0"/>
+              <a:t>folder</a:t>
+            </a:r>
+            <a:r>
+              <a:rPr lang="hu-HU" dirty="0" smtClean="0"/>
+              <a:t> </a:t>
+            </a:r>
+            <a:r>
+              <a:rPr lang="hu-HU" dirty="0" err="1" smtClean="0"/>
+              <a:t>handling</a:t>
+            </a:r>
+            <a:r>
+              <a:rPr lang="hu-HU" dirty="0" smtClean="0"/>
+              <a:t>, </a:t>
+            </a:r>
+            <a:r>
+              <a:rPr lang="hu-HU" dirty="0" err="1" smtClean="0"/>
+              <a:t>reading</a:t>
+            </a:r>
+            <a:r>
+              <a:rPr lang="hu-HU" dirty="0" smtClean="0"/>
+              <a:t> </a:t>
+            </a:r>
+            <a:r>
+              <a:rPr lang="hu-HU" dirty="0" err="1" smtClean="0"/>
+              <a:t>from</a:t>
+            </a:r>
+            <a:r>
+              <a:rPr lang="hu-HU" dirty="0" smtClean="0"/>
+              <a:t> file and </a:t>
+            </a:r>
+            <a:r>
+              <a:rPr lang="hu-HU" dirty="0" err="1" smtClean="0"/>
+              <a:t>writing</a:t>
+            </a:r>
+            <a:r>
+              <a:rPr lang="hu-HU" dirty="0" smtClean="0"/>
+              <a:t> </a:t>
+            </a:r>
+            <a:r>
+              <a:rPr lang="hu-HU" dirty="0" err="1" smtClean="0"/>
+              <a:t>to</a:t>
+            </a:r>
+            <a:r>
+              <a:rPr lang="hu-HU" dirty="0" smtClean="0"/>
+              <a:t> file</a:t>
+            </a:r>
+            <a:endParaRPr lang="hu-HU" dirty="0"/>
           </a:p>
         </p:txBody>
       </p:sp>
     </p:spTree>
     <p:extLst>
       <p:ext uri="{BB962C8B-B14F-4D97-AF65-F5344CB8AC3E}">
-        <p14:creationId xmlns:p14="http://schemas.microsoft.com/office/powerpoint/2010/main" val="3342381845"/>
+        <p14:creationId xmlns:p14="http://schemas.microsoft.com/office/powerpoint/2010/main" val="3623721419"/>
       </p:ext>
     </p:extLst>
   </p:cSld>

--- a/RHNFAE_onlab.pptx
+++ b/RHNFAE_onlab.pptx
@@ -4,6 +4,9 @@
   <p:sldMasterIdLst>
     <p:sldMasterId id="2147483648" r:id="rId1"/>
   </p:sldMasterIdLst>
+  <p:notesMasterIdLst>
+    <p:notesMasterId r:id="rId13"/>
+  </p:notesMasterIdLst>
   <p:sldIdLst>
     <p:sldId id="256" r:id="rId2"/>
     <p:sldId id="257" r:id="rId3"/>
@@ -122,6 +125,356 @@
 </p:presentation>
 </file>
 
+<file path=ppt/notesMasters/notesMaster1.xml><?xml version="1.0" encoding="utf-8"?>
+<p:notesMaster xmlns:a="http://schemas.openxmlformats.org/drawingml/2006/main" xmlns:r="http://schemas.openxmlformats.org/officeDocument/2006/relationships" xmlns:p="http://schemas.openxmlformats.org/presentationml/2006/main">
+  <p:cSld>
+    <p:bg>
+      <p:bgRef idx="1001">
+        <a:schemeClr val="bg1"/>
+      </p:bgRef>
+    </p:bg>
+    <p:spTree>
+      <p:nvGrpSpPr>
+        <p:cNvPr id="1" name=""/>
+        <p:cNvGrpSpPr/>
+        <p:nvPr/>
+      </p:nvGrpSpPr>
+      <p:grpSpPr>
+        <a:xfrm>
+          <a:off x="0" y="0"/>
+          <a:ext cx="0" cy="0"/>
+          <a:chOff x="0" y="0"/>
+          <a:chExt cx="0" cy="0"/>
+        </a:xfrm>
+      </p:grpSpPr>
+      <p:sp>
+        <p:nvSpPr>
+          <p:cNvPr id="2" name="Élőfej helye 1"/>
+          <p:cNvSpPr>
+            <a:spLocks noGrp="1"/>
+          </p:cNvSpPr>
+          <p:nvPr>
+            <p:ph type="hdr" sz="quarter"/>
+          </p:nvPr>
+        </p:nvSpPr>
+        <p:spPr>
+          <a:xfrm>
+            <a:off x="0" y="0"/>
+            <a:ext cx="2971800" cy="458788"/>
+          </a:xfrm>
+          <a:prstGeom prst="rect">
+            <a:avLst/>
+          </a:prstGeom>
+        </p:spPr>
+        <p:txBody>
+          <a:bodyPr vert="horz" lIns="91440" tIns="45720" rIns="91440" bIns="45720" rtlCol="0"/>
+          <a:lstStyle>
+            <a:lvl1pPr algn="l">
+              <a:defRPr sz="1200"/>
+            </a:lvl1pPr>
+          </a:lstStyle>
+          <a:p>
+            <a:endParaRPr lang="hu-HU"/>
+          </a:p>
+        </p:txBody>
+      </p:sp>
+      <p:sp>
+        <p:nvSpPr>
+          <p:cNvPr id="3" name="Dátum helye 2"/>
+          <p:cNvSpPr>
+            <a:spLocks noGrp="1"/>
+          </p:cNvSpPr>
+          <p:nvPr>
+            <p:ph type="dt" idx="1"/>
+          </p:nvPr>
+        </p:nvSpPr>
+        <p:spPr>
+          <a:xfrm>
+            <a:off x="3884613" y="0"/>
+            <a:ext cx="2971800" cy="458788"/>
+          </a:xfrm>
+          <a:prstGeom prst="rect">
+            <a:avLst/>
+          </a:prstGeom>
+        </p:spPr>
+        <p:txBody>
+          <a:bodyPr vert="horz" lIns="91440" tIns="45720" rIns="91440" bIns="45720" rtlCol="0"/>
+          <a:lstStyle>
+            <a:lvl1pPr algn="r">
+              <a:defRPr sz="1200"/>
+            </a:lvl1pPr>
+          </a:lstStyle>
+          <a:p>
+            <a:fld id="{9BD68286-9D40-4B7A-856E-B422058E1178}" type="datetimeFigureOut">
+              <a:rPr lang="hu-HU" smtClean="0"/>
+              <a:t>2019. 05. 13.</a:t>
+            </a:fld>
+            <a:endParaRPr lang="hu-HU"/>
+          </a:p>
+        </p:txBody>
+      </p:sp>
+      <p:sp>
+        <p:nvSpPr>
+          <p:cNvPr id="4" name="Diakép helye 3"/>
+          <p:cNvSpPr>
+            <a:spLocks noGrp="1" noRot="1" noChangeAspect="1"/>
+          </p:cNvSpPr>
+          <p:nvPr>
+            <p:ph type="sldImg" idx="2"/>
+          </p:nvPr>
+        </p:nvSpPr>
+        <p:spPr>
+          <a:xfrm>
+            <a:off x="685800" y="1143000"/>
+            <a:ext cx="5486400" cy="3086100"/>
+          </a:xfrm>
+          <a:prstGeom prst="rect">
+            <a:avLst/>
+          </a:prstGeom>
+          <a:noFill/>
+          <a:ln w="12700">
+            <a:solidFill>
+              <a:prstClr val="black"/>
+            </a:solidFill>
+          </a:ln>
+        </p:spPr>
+        <p:txBody>
+          <a:bodyPr vert="horz" lIns="91440" tIns="45720" rIns="91440" bIns="45720" rtlCol="0" anchor="ctr"/>
+          <a:lstStyle/>
+          <a:p>
+            <a:endParaRPr lang="hu-HU"/>
+          </a:p>
+        </p:txBody>
+      </p:sp>
+      <p:sp>
+        <p:nvSpPr>
+          <p:cNvPr id="5" name="Jegyzetek helye 4"/>
+          <p:cNvSpPr>
+            <a:spLocks noGrp="1"/>
+          </p:cNvSpPr>
+          <p:nvPr>
+            <p:ph type="body" sz="quarter" idx="3"/>
+          </p:nvPr>
+        </p:nvSpPr>
+        <p:spPr>
+          <a:xfrm>
+            <a:off x="685800" y="4400550"/>
+            <a:ext cx="5486400" cy="3600450"/>
+          </a:xfrm>
+          <a:prstGeom prst="rect">
+            <a:avLst/>
+          </a:prstGeom>
+        </p:spPr>
+        <p:txBody>
+          <a:bodyPr vert="horz" lIns="91440" tIns="45720" rIns="91440" bIns="45720" rtlCol="0"/>
+          <a:lstStyle/>
+          <a:p>
+            <a:pPr lvl="0"/>
+            <a:r>
+              <a:rPr lang="hu-HU" smtClean="0"/>
+              <a:t>Mintaszöveg szerkesztése</a:t>
+            </a:r>
+          </a:p>
+          <a:p>
+            <a:pPr lvl="1"/>
+            <a:r>
+              <a:rPr lang="hu-HU" smtClean="0"/>
+              <a:t>Második szint</a:t>
+            </a:r>
+          </a:p>
+          <a:p>
+            <a:pPr lvl="2"/>
+            <a:r>
+              <a:rPr lang="hu-HU" smtClean="0"/>
+              <a:t>Harmadik szint</a:t>
+            </a:r>
+          </a:p>
+          <a:p>
+            <a:pPr lvl="3"/>
+            <a:r>
+              <a:rPr lang="hu-HU" smtClean="0"/>
+              <a:t>Negyedik szint</a:t>
+            </a:r>
+          </a:p>
+          <a:p>
+            <a:pPr lvl="4"/>
+            <a:r>
+              <a:rPr lang="hu-HU" smtClean="0"/>
+              <a:t>Ötödik szint</a:t>
+            </a:r>
+            <a:endParaRPr lang="hu-HU"/>
+          </a:p>
+        </p:txBody>
+      </p:sp>
+      <p:sp>
+        <p:nvSpPr>
+          <p:cNvPr id="6" name="Élőláb helye 5"/>
+          <p:cNvSpPr>
+            <a:spLocks noGrp="1"/>
+          </p:cNvSpPr>
+          <p:nvPr>
+            <p:ph type="ftr" sz="quarter" idx="4"/>
+          </p:nvPr>
+        </p:nvSpPr>
+        <p:spPr>
+          <a:xfrm>
+            <a:off x="0" y="8685213"/>
+            <a:ext cx="2971800" cy="458787"/>
+          </a:xfrm>
+          <a:prstGeom prst="rect">
+            <a:avLst/>
+          </a:prstGeom>
+        </p:spPr>
+        <p:txBody>
+          <a:bodyPr vert="horz" lIns="91440" tIns="45720" rIns="91440" bIns="45720" rtlCol="0" anchor="b"/>
+          <a:lstStyle>
+            <a:lvl1pPr algn="l">
+              <a:defRPr sz="1200"/>
+            </a:lvl1pPr>
+          </a:lstStyle>
+          <a:p>
+            <a:endParaRPr lang="hu-HU"/>
+          </a:p>
+        </p:txBody>
+      </p:sp>
+      <p:sp>
+        <p:nvSpPr>
+          <p:cNvPr id="7" name="Dia számának helye 6"/>
+          <p:cNvSpPr>
+            <a:spLocks noGrp="1"/>
+          </p:cNvSpPr>
+          <p:nvPr>
+            <p:ph type="sldNum" sz="quarter" idx="5"/>
+          </p:nvPr>
+        </p:nvSpPr>
+        <p:spPr>
+          <a:xfrm>
+            <a:off x="3884613" y="8685213"/>
+            <a:ext cx="2971800" cy="458787"/>
+          </a:xfrm>
+          <a:prstGeom prst="rect">
+            <a:avLst/>
+          </a:prstGeom>
+        </p:spPr>
+        <p:txBody>
+          <a:bodyPr vert="horz" lIns="91440" tIns="45720" rIns="91440" bIns="45720" rtlCol="0" anchor="b"/>
+          <a:lstStyle>
+            <a:lvl1pPr algn="r">
+              <a:defRPr sz="1200"/>
+            </a:lvl1pPr>
+          </a:lstStyle>
+          <a:p>
+            <a:fld id="{3A09B9A8-7743-43AB-AEF0-C6D3C077F16C}" type="slidenum">
+              <a:rPr lang="hu-HU" smtClean="0"/>
+              <a:t>‹#›</a:t>
+            </a:fld>
+            <a:endParaRPr lang="hu-HU"/>
+          </a:p>
+        </p:txBody>
+      </p:sp>
+    </p:spTree>
+    <p:extLst>
+      <p:ext uri="{BB962C8B-B14F-4D97-AF65-F5344CB8AC3E}">
+        <p14:creationId xmlns:p14="http://schemas.microsoft.com/office/powerpoint/2010/main" val="407065498"/>
+      </p:ext>
+    </p:extLst>
+  </p:cSld>
+  <p:clrMap bg1="lt1" tx1="dk1" bg2="lt2" tx2="dk2" accent1="accent1" accent2="accent2" accent3="accent3" accent4="accent4" accent5="accent5" accent6="accent6" hlink="hlink" folHlink="folHlink"/>
+  <p:notesStyle>
+    <a:lvl1pPr marL="0" algn="l" defTabSz="914400" rtl="0" eaLnBrk="1" latinLnBrk="0" hangingPunct="1">
+      <a:defRPr sz="1200" kern="1200">
+        <a:solidFill>
+          <a:schemeClr val="tx1"/>
+        </a:solidFill>
+        <a:latin typeface="+mn-lt"/>
+        <a:ea typeface="+mn-ea"/>
+        <a:cs typeface="+mn-cs"/>
+      </a:defRPr>
+    </a:lvl1pPr>
+    <a:lvl2pPr marL="457200" algn="l" defTabSz="914400" rtl="0" eaLnBrk="1" latinLnBrk="0" hangingPunct="1">
+      <a:defRPr sz="1200" kern="1200">
+        <a:solidFill>
+          <a:schemeClr val="tx1"/>
+        </a:solidFill>
+        <a:latin typeface="+mn-lt"/>
+        <a:ea typeface="+mn-ea"/>
+        <a:cs typeface="+mn-cs"/>
+      </a:defRPr>
+    </a:lvl2pPr>
+    <a:lvl3pPr marL="914400" algn="l" defTabSz="914400" rtl="0" eaLnBrk="1" latinLnBrk="0" hangingPunct="1">
+      <a:defRPr sz="1200" kern="1200">
+        <a:solidFill>
+          <a:schemeClr val="tx1"/>
+        </a:solidFill>
+        <a:latin typeface="+mn-lt"/>
+        <a:ea typeface="+mn-ea"/>
+        <a:cs typeface="+mn-cs"/>
+      </a:defRPr>
+    </a:lvl3pPr>
+    <a:lvl4pPr marL="1371600" algn="l" defTabSz="914400" rtl="0" eaLnBrk="1" latinLnBrk="0" hangingPunct="1">
+      <a:defRPr sz="1200" kern="1200">
+        <a:solidFill>
+          <a:schemeClr val="tx1"/>
+        </a:solidFill>
+        <a:latin typeface="+mn-lt"/>
+        <a:ea typeface="+mn-ea"/>
+        <a:cs typeface="+mn-cs"/>
+      </a:defRPr>
+    </a:lvl4pPr>
+    <a:lvl5pPr marL="1828800" algn="l" defTabSz="914400" rtl="0" eaLnBrk="1" latinLnBrk="0" hangingPunct="1">
+      <a:defRPr sz="1200" kern="1200">
+        <a:solidFill>
+          <a:schemeClr val="tx1"/>
+        </a:solidFill>
+        <a:latin typeface="+mn-lt"/>
+        <a:ea typeface="+mn-ea"/>
+        <a:cs typeface="+mn-cs"/>
+      </a:defRPr>
+    </a:lvl5pPr>
+    <a:lvl6pPr marL="2286000" algn="l" defTabSz="914400" rtl="0" eaLnBrk="1" latinLnBrk="0" hangingPunct="1">
+      <a:defRPr sz="1200" kern="1200">
+        <a:solidFill>
+          <a:schemeClr val="tx1"/>
+        </a:solidFill>
+        <a:latin typeface="+mn-lt"/>
+        <a:ea typeface="+mn-ea"/>
+        <a:cs typeface="+mn-cs"/>
+      </a:defRPr>
+    </a:lvl6pPr>
+    <a:lvl7pPr marL="2743200" algn="l" defTabSz="914400" rtl="0" eaLnBrk="1" latinLnBrk="0" hangingPunct="1">
+      <a:defRPr sz="1200" kern="1200">
+        <a:solidFill>
+          <a:schemeClr val="tx1"/>
+        </a:solidFill>
+        <a:latin typeface="+mn-lt"/>
+        <a:ea typeface="+mn-ea"/>
+        <a:cs typeface="+mn-cs"/>
+      </a:defRPr>
+    </a:lvl7pPr>
+    <a:lvl8pPr marL="3200400" algn="l" defTabSz="914400" rtl="0" eaLnBrk="1" latinLnBrk="0" hangingPunct="1">
+      <a:defRPr sz="1200" kern="1200">
+        <a:solidFill>
+          <a:schemeClr val="tx1"/>
+        </a:solidFill>
+        <a:latin typeface="+mn-lt"/>
+        <a:ea typeface="+mn-ea"/>
+        <a:cs typeface="+mn-cs"/>
+      </a:defRPr>
+    </a:lvl8pPr>
+    <a:lvl9pPr marL="3657600" algn="l" defTabSz="914400" rtl="0" eaLnBrk="1" latinLnBrk="0" hangingPunct="1">
+      <a:defRPr sz="1200" kern="1200">
+        <a:solidFill>
+          <a:schemeClr val="tx1"/>
+        </a:solidFill>
+        <a:latin typeface="+mn-lt"/>
+        <a:ea typeface="+mn-ea"/>
+        <a:cs typeface="+mn-cs"/>
+      </a:defRPr>
+    </a:lvl9pPr>
+  </p:notesStyle>
+</p:notesMaster>
+</file>
+
 <file path=ppt/slideLayouts/slideLayout1.xml><?xml version="1.0" encoding="utf-8"?>
 <p:sldLayout xmlns:a="http://schemas.openxmlformats.org/drawingml/2006/main" xmlns:r="http://schemas.openxmlformats.org/officeDocument/2006/relationships" xmlns:p="http://schemas.openxmlformats.org/presentationml/2006/main" showMasterSp="0" type="title" preserve="1">
   <p:cSld name="Címdia">
@@ -172,7 +525,7 @@
           <a:noFill/>
           <a:extLst>
             <a:ext uri="{909E8E84-426E-40dd-AFC4-6F175D3DCCD1}">
-              <a14:hiddenFill xmlns:a14="http://schemas.microsoft.com/office/drawing/2010/main" xmlns="">
+              <a14:hiddenFill xmlns="" xmlns:a14="http://schemas.microsoft.com/office/drawing/2010/main">
                 <a:solidFill>
                   <a:srgbClr val="FFFFFF"/>
                 </a:solidFill>
@@ -232,7 +585,7 @@
             </a:ln>
             <a:extLst>
               <a:ext uri="{91240B29-F687-4f45-9708-019B960494DF}">
-                <a14:hiddenLine xmlns:a14="http://schemas.microsoft.com/office/drawing/2010/main" xmlns="" w="9525">
+                <a14:hiddenLine xmlns="" xmlns:a14="http://schemas.microsoft.com/office/drawing/2010/main" w="9525">
                   <a:solidFill>
                     <a:srgbClr val="000000"/>
                   </a:solidFill>
@@ -322,7 +675,7 @@
             </a:ln>
             <a:extLst>
               <a:ext uri="{91240B29-F687-4f45-9708-019B960494DF}">
-                <a14:hiddenLine xmlns:a14="http://schemas.microsoft.com/office/drawing/2010/main" xmlns="" w="9525">
+                <a14:hiddenLine xmlns="" xmlns:a14="http://schemas.microsoft.com/office/drawing/2010/main" w="9525">
                   <a:solidFill>
                     <a:srgbClr val="000000"/>
                   </a:solidFill>
@@ -412,7 +765,7 @@
             </a:ln>
             <a:extLst>
               <a:ext uri="{91240B29-F687-4f45-9708-019B960494DF}">
-                <a14:hiddenLine xmlns:a14="http://schemas.microsoft.com/office/drawing/2010/main" xmlns="" w="9525">
+                <a14:hiddenLine xmlns="" xmlns:a14="http://schemas.microsoft.com/office/drawing/2010/main" w="9525">
                   <a:solidFill>
                     <a:srgbClr val="000000"/>
                   </a:solidFill>
@@ -446,7 +799,7 @@
             </a:ln>
             <a:extLst>
               <a:ext uri="{91240B29-F687-4f45-9708-019B960494DF}">
-                <a14:hiddenLine xmlns:a14="http://schemas.microsoft.com/office/drawing/2010/main" xmlns="" w="9525">
+                <a14:hiddenLine xmlns="" xmlns:a14="http://schemas.microsoft.com/office/drawing/2010/main" w="9525">
                   <a:solidFill>
                     <a:srgbClr val="000000"/>
                   </a:solidFill>
@@ -536,7 +889,7 @@
             </a:ln>
             <a:extLst>
               <a:ext uri="{91240B29-F687-4f45-9708-019B960494DF}">
-                <a14:hiddenLine xmlns:a14="http://schemas.microsoft.com/office/drawing/2010/main" xmlns="" w="9525">
+                <a14:hiddenLine xmlns="" xmlns:a14="http://schemas.microsoft.com/office/drawing/2010/main" w="9525">
                   <a:solidFill>
                     <a:srgbClr val="000000"/>
                   </a:solidFill>
@@ -598,7 +951,7 @@
             </a:ln>
             <a:extLst>
               <a:ext uri="{91240B29-F687-4f45-9708-019B960494DF}">
-                <a14:hiddenLine xmlns:a14="http://schemas.microsoft.com/office/drawing/2010/main" xmlns="" w="9525">
+                <a14:hiddenLine xmlns="" xmlns:a14="http://schemas.microsoft.com/office/drawing/2010/main" w="9525">
                   <a:solidFill>
                     <a:srgbClr val="000000"/>
                   </a:solidFill>
@@ -660,7 +1013,7 @@
             </a:ln>
             <a:extLst>
               <a:ext uri="{91240B29-F687-4f45-9708-019B960494DF}">
-                <a14:hiddenLine xmlns:a14="http://schemas.microsoft.com/office/drawing/2010/main" xmlns="" w="9525">
+                <a14:hiddenLine xmlns="" xmlns:a14="http://schemas.microsoft.com/office/drawing/2010/main" w="9525">
                   <a:solidFill>
                     <a:srgbClr val="000000"/>
                   </a:solidFill>
@@ -750,7 +1103,7 @@
             </a:ln>
             <a:extLst>
               <a:ext uri="{91240B29-F687-4f45-9708-019B960494DF}">
-                <a14:hiddenLine xmlns:a14="http://schemas.microsoft.com/office/drawing/2010/main" xmlns="" w="9525">
+                <a14:hiddenLine xmlns="" xmlns:a14="http://schemas.microsoft.com/office/drawing/2010/main" w="9525">
                   <a:solidFill>
                     <a:srgbClr val="000000"/>
                   </a:solidFill>
@@ -812,7 +1165,7 @@
             </a:ln>
             <a:extLst>
               <a:ext uri="{91240B29-F687-4f45-9708-019B960494DF}">
-                <a14:hiddenLine xmlns:a14="http://schemas.microsoft.com/office/drawing/2010/main" xmlns="" w="9525">
+                <a14:hiddenLine xmlns="" xmlns:a14="http://schemas.microsoft.com/office/drawing/2010/main" w="9525">
                   <a:solidFill>
                     <a:srgbClr val="000000"/>
                   </a:solidFill>
@@ -874,7 +1227,7 @@
             </a:ln>
             <a:extLst>
               <a:ext uri="{91240B29-F687-4f45-9708-019B960494DF}">
-                <a14:hiddenLine xmlns:a14="http://schemas.microsoft.com/office/drawing/2010/main" xmlns="" w="9525">
+                <a14:hiddenLine xmlns="" xmlns:a14="http://schemas.microsoft.com/office/drawing/2010/main" w="9525">
                   <a:solidFill>
                     <a:srgbClr val="000000"/>
                   </a:solidFill>
@@ -964,7 +1317,7 @@
             </a:ln>
             <a:extLst>
               <a:ext uri="{91240B29-F687-4f45-9708-019B960494DF}">
-                <a14:hiddenLine xmlns:a14="http://schemas.microsoft.com/office/drawing/2010/main" xmlns="" w="9525">
+                <a14:hiddenLine xmlns="" xmlns:a14="http://schemas.microsoft.com/office/drawing/2010/main" w="9525">
                   <a:solidFill>
                     <a:srgbClr val="000000"/>
                   </a:solidFill>
@@ -1054,7 +1407,7 @@
             </a:ln>
             <a:extLst>
               <a:ext uri="{91240B29-F687-4f45-9708-019B960494DF}">
-                <a14:hiddenLine xmlns:a14="http://schemas.microsoft.com/office/drawing/2010/main" xmlns="" w="9525">
+                <a14:hiddenLine xmlns="" xmlns:a14="http://schemas.microsoft.com/office/drawing/2010/main" w="9525">
                   <a:solidFill>
                     <a:srgbClr val="000000"/>
                   </a:solidFill>
@@ -1116,7 +1469,7 @@
             </a:ln>
             <a:extLst>
               <a:ext uri="{91240B29-F687-4f45-9708-019B960494DF}">
-                <a14:hiddenLine xmlns:a14="http://schemas.microsoft.com/office/drawing/2010/main" xmlns="" w="9525">
+                <a14:hiddenLine xmlns="" xmlns:a14="http://schemas.microsoft.com/office/drawing/2010/main" w="9525">
                   <a:solidFill>
                     <a:srgbClr val="000000"/>
                   </a:solidFill>
@@ -1226,7 +1579,7 @@
             </a:ln>
             <a:extLst>
               <a:ext uri="{91240B29-F687-4f45-9708-019B960494DF}">
-                <a14:hiddenLine xmlns:a14="http://schemas.microsoft.com/office/drawing/2010/main" xmlns="" w="9525">
+                <a14:hiddenLine xmlns="" xmlns:a14="http://schemas.microsoft.com/office/drawing/2010/main" w="9525">
                   <a:solidFill>
                     <a:srgbClr val="000000"/>
                   </a:solidFill>
@@ -1288,7 +1641,7 @@
             </a:ln>
             <a:extLst>
               <a:ext uri="{91240B29-F687-4f45-9708-019B960494DF}">
-                <a14:hiddenLine xmlns:a14="http://schemas.microsoft.com/office/drawing/2010/main" xmlns="" w="9525">
+                <a14:hiddenLine xmlns="" xmlns:a14="http://schemas.microsoft.com/office/drawing/2010/main" w="9525">
                   <a:solidFill>
                     <a:srgbClr val="000000"/>
                   </a:solidFill>
@@ -1378,7 +1731,7 @@
             </a:ln>
             <a:extLst>
               <a:ext uri="{91240B29-F687-4f45-9708-019B960494DF}">
-                <a14:hiddenLine xmlns:a14="http://schemas.microsoft.com/office/drawing/2010/main" xmlns="" w="9525">
+                <a14:hiddenLine xmlns="" xmlns:a14="http://schemas.microsoft.com/office/drawing/2010/main" w="9525">
                   <a:solidFill>
                     <a:srgbClr val="000000"/>
                   </a:solidFill>
@@ -1468,7 +1821,7 @@
             </a:ln>
             <a:extLst>
               <a:ext uri="{91240B29-F687-4f45-9708-019B960494DF}">
-                <a14:hiddenLine xmlns:a14="http://schemas.microsoft.com/office/drawing/2010/main" xmlns="" w="9525">
+                <a14:hiddenLine xmlns="" xmlns:a14="http://schemas.microsoft.com/office/drawing/2010/main" w="9525">
                   <a:solidFill>
                     <a:srgbClr val="000000"/>
                   </a:solidFill>
@@ -1530,7 +1883,7 @@
             </a:ln>
             <a:extLst>
               <a:ext uri="{91240B29-F687-4f45-9708-019B960494DF}">
-                <a14:hiddenLine xmlns:a14="http://schemas.microsoft.com/office/drawing/2010/main" xmlns="" w="9525">
+                <a14:hiddenLine xmlns="" xmlns:a14="http://schemas.microsoft.com/office/drawing/2010/main" w="9525">
                   <a:solidFill>
                     <a:srgbClr val="000000"/>
                   </a:solidFill>
@@ -1620,7 +1973,7 @@
             </a:ln>
             <a:extLst>
               <a:ext uri="{91240B29-F687-4f45-9708-019B960494DF}">
-                <a14:hiddenLine xmlns:a14="http://schemas.microsoft.com/office/drawing/2010/main" xmlns="" w="9525">
+                <a14:hiddenLine xmlns="" xmlns:a14="http://schemas.microsoft.com/office/drawing/2010/main" w="9525">
                   <a:solidFill>
                     <a:srgbClr val="000000"/>
                   </a:solidFill>
@@ -1710,7 +2063,7 @@
             </a:ln>
             <a:extLst>
               <a:ext uri="{91240B29-F687-4f45-9708-019B960494DF}">
-                <a14:hiddenLine xmlns:a14="http://schemas.microsoft.com/office/drawing/2010/main" xmlns="" w="9525">
+                <a14:hiddenLine xmlns="" xmlns:a14="http://schemas.microsoft.com/office/drawing/2010/main" w="9525">
                   <a:solidFill>
                     <a:srgbClr val="000000"/>
                   </a:solidFill>
@@ -1766,7 +2119,7 @@
             </a:ln>
             <a:extLst>
               <a:ext uri="{91240B29-F687-4f45-9708-019B960494DF}">
-                <a14:hiddenLine xmlns:a14="http://schemas.microsoft.com/office/drawing/2010/main" xmlns="" w="9525">
+                <a14:hiddenLine xmlns="" xmlns:a14="http://schemas.microsoft.com/office/drawing/2010/main" w="9525">
                   <a:solidFill>
                     <a:srgbClr val="000000"/>
                   </a:solidFill>
@@ -1856,7 +2209,7 @@
             </a:ln>
             <a:extLst>
               <a:ext uri="{91240B29-F687-4f45-9708-019B960494DF}">
-                <a14:hiddenLine xmlns:a14="http://schemas.microsoft.com/office/drawing/2010/main" xmlns="" w="9525">
+                <a14:hiddenLine xmlns="" xmlns:a14="http://schemas.microsoft.com/office/drawing/2010/main" w="9525">
                   <a:solidFill>
                     <a:srgbClr val="000000"/>
                   </a:solidFill>
@@ -1912,7 +2265,7 @@
             </a:ln>
             <a:extLst>
               <a:ext uri="{91240B29-F687-4f45-9708-019B960494DF}">
-                <a14:hiddenLine xmlns:a14="http://schemas.microsoft.com/office/drawing/2010/main" xmlns="" w="9525">
+                <a14:hiddenLine xmlns="" xmlns:a14="http://schemas.microsoft.com/office/drawing/2010/main" w="9525">
                   <a:solidFill>
                     <a:srgbClr val="000000"/>
                   </a:solidFill>
@@ -2002,7 +2355,7 @@
             </a:ln>
             <a:extLst>
               <a:ext uri="{91240B29-F687-4f45-9708-019B960494DF}">
-                <a14:hiddenLine xmlns:a14="http://schemas.microsoft.com/office/drawing/2010/main" xmlns="" w="9525">
+                <a14:hiddenLine xmlns="" xmlns:a14="http://schemas.microsoft.com/office/drawing/2010/main" w="9525">
                   <a:solidFill>
                     <a:srgbClr val="000000"/>
                   </a:solidFill>
@@ -2070,7 +2423,7 @@
             </a:ln>
             <a:extLst>
               <a:ext uri="{91240B29-F687-4f45-9708-019B960494DF}">
-                <a14:hiddenLine xmlns:a14="http://schemas.microsoft.com/office/drawing/2010/main" xmlns="" w="9525">
+                <a14:hiddenLine xmlns="" xmlns:a14="http://schemas.microsoft.com/office/drawing/2010/main" w="9525">
                   <a:solidFill>
                     <a:srgbClr val="000000"/>
                   </a:solidFill>
@@ -2160,7 +2513,7 @@
             </a:ln>
             <a:extLst>
               <a:ext uri="{91240B29-F687-4f45-9708-019B960494DF}">
-                <a14:hiddenLine xmlns:a14="http://schemas.microsoft.com/office/drawing/2010/main" xmlns="" w="9525">
+                <a14:hiddenLine xmlns="" xmlns:a14="http://schemas.microsoft.com/office/drawing/2010/main" w="9525">
                   <a:solidFill>
                     <a:srgbClr val="000000"/>
                   </a:solidFill>
@@ -2228,7 +2581,7 @@
             </a:ln>
             <a:extLst>
               <a:ext uri="{91240B29-F687-4f45-9708-019B960494DF}">
-                <a14:hiddenLine xmlns:a14="http://schemas.microsoft.com/office/drawing/2010/main" xmlns="" w="9525">
+                <a14:hiddenLine xmlns="" xmlns:a14="http://schemas.microsoft.com/office/drawing/2010/main" w="9525">
                   <a:solidFill>
                     <a:srgbClr val="000000"/>
                   </a:solidFill>
@@ -2318,7 +2671,7 @@
             </a:ln>
             <a:extLst>
               <a:ext uri="{91240B29-F687-4f45-9708-019B960494DF}">
-                <a14:hiddenLine xmlns:a14="http://schemas.microsoft.com/office/drawing/2010/main" xmlns="" w="9525">
+                <a14:hiddenLine xmlns="" xmlns:a14="http://schemas.microsoft.com/office/drawing/2010/main" w="9525">
                   <a:solidFill>
                     <a:srgbClr val="000000"/>
                   </a:solidFill>
@@ -2352,7 +2705,7 @@
             </a:ln>
             <a:extLst>
               <a:ext uri="{91240B29-F687-4f45-9708-019B960494DF}">
-                <a14:hiddenLine xmlns:a14="http://schemas.microsoft.com/office/drawing/2010/main" xmlns="" w="9525">
+                <a14:hiddenLine xmlns="" xmlns:a14="http://schemas.microsoft.com/office/drawing/2010/main" w="9525">
                   <a:solidFill>
                     <a:srgbClr val="000000"/>
                   </a:solidFill>
@@ -2442,7 +2795,7 @@
             </a:ln>
             <a:extLst>
               <a:ext uri="{91240B29-F687-4f45-9708-019B960494DF}">
-                <a14:hiddenLine xmlns:a14="http://schemas.microsoft.com/office/drawing/2010/main" xmlns="" w="9525">
+                <a14:hiddenLine xmlns="" xmlns:a14="http://schemas.microsoft.com/office/drawing/2010/main" w="9525">
                   <a:solidFill>
                     <a:srgbClr val="000000"/>
                   </a:solidFill>
@@ -2504,7 +2857,7 @@
             </a:ln>
             <a:extLst>
               <a:ext uri="{91240B29-F687-4f45-9708-019B960494DF}">
-                <a14:hiddenLine xmlns:a14="http://schemas.microsoft.com/office/drawing/2010/main" xmlns="" w="9525">
+                <a14:hiddenLine xmlns="" xmlns:a14="http://schemas.microsoft.com/office/drawing/2010/main" w="9525">
                   <a:solidFill>
                     <a:srgbClr val="000000"/>
                   </a:solidFill>
@@ -2566,7 +2919,7 @@
             </a:ln>
             <a:extLst>
               <a:ext uri="{91240B29-F687-4f45-9708-019B960494DF}">
-                <a14:hiddenLine xmlns:a14="http://schemas.microsoft.com/office/drawing/2010/main" xmlns="" w="9525">
+                <a14:hiddenLine xmlns="" xmlns:a14="http://schemas.microsoft.com/office/drawing/2010/main" w="9525">
                   <a:solidFill>
                     <a:srgbClr val="000000"/>
                   </a:solidFill>
@@ -2656,7 +3009,7 @@
             </a:ln>
             <a:extLst>
               <a:ext uri="{91240B29-F687-4f45-9708-019B960494DF}">
-                <a14:hiddenLine xmlns:a14="http://schemas.microsoft.com/office/drawing/2010/main" xmlns="" w="9525">
+                <a14:hiddenLine xmlns="" xmlns:a14="http://schemas.microsoft.com/office/drawing/2010/main" w="9525">
                   <a:solidFill>
                     <a:srgbClr val="000000"/>
                   </a:solidFill>
@@ -2724,7 +3077,7 @@
             </a:ln>
             <a:extLst>
               <a:ext uri="{91240B29-F687-4f45-9708-019B960494DF}">
-                <a14:hiddenLine xmlns:a14="http://schemas.microsoft.com/office/drawing/2010/main" xmlns="" w="9525">
+                <a14:hiddenLine xmlns="" xmlns:a14="http://schemas.microsoft.com/office/drawing/2010/main" w="9525">
                   <a:solidFill>
                     <a:srgbClr val="000000"/>
                   </a:solidFill>
@@ -2786,7 +3139,7 @@
             </a:ln>
             <a:extLst>
               <a:ext uri="{91240B29-F687-4f45-9708-019B960494DF}">
-                <a14:hiddenLine xmlns:a14="http://schemas.microsoft.com/office/drawing/2010/main" xmlns="" w="9525">
+                <a14:hiddenLine xmlns="" xmlns:a14="http://schemas.microsoft.com/office/drawing/2010/main" w="9525">
                   <a:solidFill>
                     <a:srgbClr val="000000"/>
                   </a:solidFill>
@@ -2876,7 +3229,7 @@
             </a:ln>
             <a:extLst>
               <a:ext uri="{91240B29-F687-4f45-9708-019B960494DF}">
-                <a14:hiddenLine xmlns:a14="http://schemas.microsoft.com/office/drawing/2010/main" xmlns="" w="9525">
+                <a14:hiddenLine xmlns="" xmlns:a14="http://schemas.microsoft.com/office/drawing/2010/main" w="9525">
                   <a:solidFill>
                     <a:srgbClr val="000000"/>
                   </a:solidFill>
@@ -2938,7 +3291,7 @@
             </a:ln>
             <a:extLst>
               <a:ext uri="{91240B29-F687-4f45-9708-019B960494DF}">
-                <a14:hiddenLine xmlns:a14="http://schemas.microsoft.com/office/drawing/2010/main" xmlns="" w="9525">
+                <a14:hiddenLine xmlns="" xmlns:a14="http://schemas.microsoft.com/office/drawing/2010/main" w="9525">
                   <a:solidFill>
                     <a:srgbClr val="000000"/>
                   </a:solidFill>
@@ -3028,7 +3381,7 @@
             </a:ln>
             <a:extLst>
               <a:ext uri="{91240B29-F687-4f45-9708-019B960494DF}">
-                <a14:hiddenLine xmlns:a14="http://schemas.microsoft.com/office/drawing/2010/main" xmlns="" w="9525">
+                <a14:hiddenLine xmlns="" xmlns:a14="http://schemas.microsoft.com/office/drawing/2010/main" w="9525">
                   <a:solidFill>
                     <a:srgbClr val="000000"/>
                   </a:solidFill>
@@ -3090,7 +3443,7 @@
             </a:ln>
             <a:extLst>
               <a:ext uri="{91240B29-F687-4f45-9708-019B960494DF}">
-                <a14:hiddenLine xmlns:a14="http://schemas.microsoft.com/office/drawing/2010/main" xmlns="" w="9525">
+                <a14:hiddenLine xmlns="" xmlns:a14="http://schemas.microsoft.com/office/drawing/2010/main" w="9525">
                   <a:solidFill>
                     <a:srgbClr val="000000"/>
                   </a:solidFill>
@@ -3180,7 +3533,7 @@
             </a:ln>
             <a:extLst>
               <a:ext uri="{91240B29-F687-4f45-9708-019B960494DF}">
-                <a14:hiddenLine xmlns:a14="http://schemas.microsoft.com/office/drawing/2010/main" xmlns="" w="9525">
+                <a14:hiddenLine xmlns="" xmlns:a14="http://schemas.microsoft.com/office/drawing/2010/main" w="9525">
                   <a:solidFill>
                     <a:srgbClr val="000000"/>
                   </a:solidFill>
@@ -3214,7 +3567,7 @@
             </a:ln>
             <a:extLst>
               <a:ext uri="{91240B29-F687-4f45-9708-019B960494DF}">
-                <a14:hiddenLine xmlns:a14="http://schemas.microsoft.com/office/drawing/2010/main" xmlns="" w="9525">
+                <a14:hiddenLine xmlns="" xmlns:a14="http://schemas.microsoft.com/office/drawing/2010/main" w="9525">
                   <a:solidFill>
                     <a:srgbClr val="000000"/>
                   </a:solidFill>
@@ -3279,7 +3632,7 @@
             </a:ln>
             <a:extLst>
               <a:ext uri="{91240B29-F687-4f45-9708-019B960494DF}">
-                <a14:hiddenLine xmlns:a14="http://schemas.microsoft.com/office/drawing/2010/main" xmlns="" w="9525">
+                <a14:hiddenLine xmlns="" xmlns:a14="http://schemas.microsoft.com/office/drawing/2010/main" w="9525">
                   <a:solidFill>
                     <a:srgbClr val="000000"/>
                   </a:solidFill>
@@ -3369,7 +3722,7 @@
             </a:ln>
             <a:extLst>
               <a:ext uri="{91240B29-F687-4f45-9708-019B960494DF}">
-                <a14:hiddenLine xmlns:a14="http://schemas.microsoft.com/office/drawing/2010/main" xmlns="" w="9525">
+                <a14:hiddenLine xmlns="" xmlns:a14="http://schemas.microsoft.com/office/drawing/2010/main" w="9525">
                   <a:solidFill>
                     <a:srgbClr val="000000"/>
                   </a:solidFill>
@@ -3431,7 +3784,7 @@
             </a:ln>
             <a:extLst>
               <a:ext uri="{91240B29-F687-4f45-9708-019B960494DF}">
-                <a14:hiddenLine xmlns:a14="http://schemas.microsoft.com/office/drawing/2010/main" xmlns="" w="9525">
+                <a14:hiddenLine xmlns="" xmlns:a14="http://schemas.microsoft.com/office/drawing/2010/main" w="9525">
                   <a:solidFill>
                     <a:srgbClr val="000000"/>
                   </a:solidFill>
@@ -3521,7 +3874,7 @@
             </a:ln>
             <a:extLst>
               <a:ext uri="{91240B29-F687-4f45-9708-019B960494DF}">
-                <a14:hiddenLine xmlns:a14="http://schemas.microsoft.com/office/drawing/2010/main" xmlns="" w="9525">
+                <a14:hiddenLine xmlns="" xmlns:a14="http://schemas.microsoft.com/office/drawing/2010/main" w="9525">
                   <a:solidFill>
                     <a:srgbClr val="000000"/>
                   </a:solidFill>
@@ -3611,7 +3964,7 @@
             </a:ln>
             <a:extLst>
               <a:ext uri="{91240B29-F687-4f45-9708-019B960494DF}">
-                <a14:hiddenLine xmlns:a14="http://schemas.microsoft.com/office/drawing/2010/main" xmlns="" w="9525">
+                <a14:hiddenLine xmlns="" xmlns:a14="http://schemas.microsoft.com/office/drawing/2010/main" w="9525">
                   <a:solidFill>
                     <a:srgbClr val="000000"/>
                   </a:solidFill>
@@ -3676,7 +4029,7 @@
             </a:ln>
             <a:extLst>
               <a:ext uri="{91240B29-F687-4f45-9708-019B960494DF}">
-                <a14:hiddenLine xmlns:a14="http://schemas.microsoft.com/office/drawing/2010/main" xmlns="" w="9525">
+                <a14:hiddenLine xmlns="" xmlns:a14="http://schemas.microsoft.com/office/drawing/2010/main" w="9525">
                   <a:solidFill>
                     <a:srgbClr val="000000"/>
                   </a:solidFill>
@@ -3738,7 +4091,7 @@
             </a:ln>
             <a:extLst>
               <a:ext uri="{91240B29-F687-4f45-9708-019B960494DF}">
-                <a14:hiddenLine xmlns:a14="http://schemas.microsoft.com/office/drawing/2010/main" xmlns="" w="9525">
+                <a14:hiddenLine xmlns="" xmlns:a14="http://schemas.microsoft.com/office/drawing/2010/main" w="9525">
                   <a:solidFill>
                     <a:srgbClr val="000000"/>
                   </a:solidFill>
@@ -3828,7 +4181,7 @@
             </a:ln>
             <a:extLst>
               <a:ext uri="{91240B29-F687-4f45-9708-019B960494DF}">
-                <a14:hiddenLine xmlns:a14="http://schemas.microsoft.com/office/drawing/2010/main" xmlns="" w="9525">
+                <a14:hiddenLine xmlns="" xmlns:a14="http://schemas.microsoft.com/office/drawing/2010/main" w="9525">
                   <a:solidFill>
                     <a:srgbClr val="000000"/>
                   </a:solidFill>
@@ -3918,7 +4271,7 @@
             </a:ln>
             <a:extLst>
               <a:ext uri="{91240B29-F687-4f45-9708-019B960494DF}">
-                <a14:hiddenLine xmlns:a14="http://schemas.microsoft.com/office/drawing/2010/main" xmlns="" w="9525">
+                <a14:hiddenLine xmlns="" xmlns:a14="http://schemas.microsoft.com/office/drawing/2010/main" w="9525">
                   <a:solidFill>
                     <a:srgbClr val="000000"/>
                   </a:solidFill>
@@ -3980,7 +4333,7 @@
             </a:ln>
             <a:extLst>
               <a:ext uri="{91240B29-F687-4f45-9708-019B960494DF}">
-                <a14:hiddenLine xmlns:a14="http://schemas.microsoft.com/office/drawing/2010/main" xmlns="" w="9525">
+                <a14:hiddenLine xmlns="" xmlns:a14="http://schemas.microsoft.com/office/drawing/2010/main" w="9525">
                   <a:solidFill>
                     <a:srgbClr val="000000"/>
                   </a:solidFill>
@@ -4100,7 +4453,7 @@
             </a:ln>
             <a:extLst>
               <a:ext uri="{91240B29-F687-4f45-9708-019B960494DF}">
-                <a14:hiddenLine xmlns:a14="http://schemas.microsoft.com/office/drawing/2010/main" xmlns="" w="9525">
+                <a14:hiddenLine xmlns="" xmlns:a14="http://schemas.microsoft.com/office/drawing/2010/main" w="9525">
                   <a:solidFill>
                     <a:srgbClr val="000000"/>
                   </a:solidFill>
@@ -4168,7 +4521,7 @@
             </a:ln>
             <a:extLst>
               <a:ext uri="{91240B29-F687-4f45-9708-019B960494DF}">
-                <a14:hiddenLine xmlns:a14="http://schemas.microsoft.com/office/drawing/2010/main" xmlns="" w="9525">
+                <a14:hiddenLine xmlns="" xmlns:a14="http://schemas.microsoft.com/office/drawing/2010/main" w="9525">
                   <a:solidFill>
                     <a:srgbClr val="000000"/>
                   </a:solidFill>
@@ -4258,7 +4611,7 @@
             </a:ln>
             <a:extLst>
               <a:ext uri="{91240B29-F687-4f45-9708-019B960494DF}">
-                <a14:hiddenLine xmlns:a14="http://schemas.microsoft.com/office/drawing/2010/main" xmlns="" w="9525">
+                <a14:hiddenLine xmlns="" xmlns:a14="http://schemas.microsoft.com/office/drawing/2010/main" w="9525">
                   <a:solidFill>
                     <a:srgbClr val="000000"/>
                   </a:solidFill>
@@ -4396,8 +4749,8 @@
           <a:bodyPr/>
           <a:lstStyle/>
           <a:p>
-            <a:fld id="{48A87A34-81AB-432B-8DAE-1953F412C126}" type="datetimeFigureOut">
-              <a:rPr lang="en-US" dirty="0"/>
+            <a:fld id="{B182D3CB-CF7B-472A-A7E6-AA1A9A979441}" type="datetime1">
+              <a:rPr lang="en-US" smtClean="0"/>
               <a:t>5/13/2019</a:t>
             </a:fld>
             <a:endParaRPr lang="en-US" dirty="0"/>
@@ -4461,6 +4814,18 @@
   <p:clrMapOvr>
     <a:masterClrMapping/>
   </p:clrMapOvr>
+  <mc:AlternateContent xmlns:mc="http://schemas.openxmlformats.org/markup-compatibility/2006">
+    <mc:Choice xmlns:p14="http://schemas.microsoft.com/office/powerpoint/2010/main" Requires="p14">
+      <p:transition spd="med" p14:dur="700">
+        <p:fade/>
+      </p:transition>
+    </mc:Choice>
+    <mc:Fallback>
+      <p:transition spd="med">
+        <p:fade/>
+      </p:transition>
+    </mc:Fallback>
+  </mc:AlternateContent>
 </p:sldLayout>
 </file>
 
@@ -4658,8 +5023,8 @@
           <a:bodyPr/>
           <a:lstStyle/>
           <a:p>
-            <a:fld id="{48A87A34-81AB-432B-8DAE-1953F412C126}" type="datetimeFigureOut">
-              <a:rPr lang="en-US" dirty="0"/>
+            <a:fld id="{104ABDCF-893B-452A-AA54-74DAE18C0D06}" type="datetime1">
+              <a:rPr lang="en-US" smtClean="0"/>
               <a:t>5/13/2019</a:t>
             </a:fld>
             <a:endParaRPr lang="en-US" dirty="0"/>
@@ -4713,6 +5078,18 @@
   <p:clrMapOvr>
     <a:masterClrMapping/>
   </p:clrMapOvr>
+  <mc:AlternateContent xmlns:mc="http://schemas.openxmlformats.org/markup-compatibility/2006">
+    <mc:Choice xmlns:p14="http://schemas.microsoft.com/office/powerpoint/2010/main" Requires="p14">
+      <p:transition spd="med" p14:dur="700">
+        <p:fade/>
+      </p:transition>
+    </mc:Choice>
+    <mc:Fallback>
+      <p:transition spd="med">
+        <p:fade/>
+      </p:transition>
+    </mc:Fallback>
+  </mc:AlternateContent>
 </p:sldLayout>
 </file>
 
@@ -4849,8 +5226,8 @@
           <a:bodyPr/>
           <a:lstStyle/>
           <a:p>
-            <a:fld id="{48A87A34-81AB-432B-8DAE-1953F412C126}" type="datetimeFigureOut">
-              <a:rPr lang="en-US" dirty="0"/>
+            <a:fld id="{87564401-0202-4580-9D77-48445548BCDD}" type="datetime1">
+              <a:rPr lang="en-US" smtClean="0"/>
               <a:t>5/13/2019</a:t>
             </a:fld>
             <a:endParaRPr lang="en-US" dirty="0"/>
@@ -4904,6 +5281,18 @@
   <p:clrMapOvr>
     <a:masterClrMapping/>
   </p:clrMapOvr>
+  <mc:AlternateContent xmlns:mc="http://schemas.openxmlformats.org/markup-compatibility/2006">
+    <mc:Choice xmlns:p14="http://schemas.microsoft.com/office/powerpoint/2010/main" Requires="p14">
+      <p:transition spd="med" p14:dur="700">
+        <p:fade/>
+      </p:transition>
+    </mc:Choice>
+    <mc:Fallback>
+      <p:transition spd="med">
+        <p:fade/>
+      </p:transition>
+    </mc:Fallback>
+  </mc:AlternateContent>
 </p:sldLayout>
 </file>
 
@@ -5107,8 +5496,8 @@
           <a:bodyPr/>
           <a:lstStyle/>
           <a:p>
-            <a:fld id="{48A87A34-81AB-432B-8DAE-1953F412C126}" type="datetimeFigureOut">
-              <a:rPr lang="en-US" dirty="0"/>
+            <a:fld id="{985F5D68-C8B0-4C84-A4DA-4A23D4A034FB}" type="datetime1">
+              <a:rPr lang="en-US" smtClean="0"/>
               <a:t>5/13/2019</a:t>
             </a:fld>
             <a:endParaRPr lang="en-US" dirty="0"/>
@@ -5400,6 +5789,18 @@
   <p:clrMapOvr>
     <a:masterClrMapping/>
   </p:clrMapOvr>
+  <mc:AlternateContent xmlns:mc="http://schemas.openxmlformats.org/markup-compatibility/2006">
+    <mc:Choice xmlns:p14="http://schemas.microsoft.com/office/powerpoint/2010/main" Requires="p14">
+      <p:transition spd="med" p14:dur="700">
+        <p:fade/>
+      </p:transition>
+    </mc:Choice>
+    <mc:Fallback>
+      <p:transition spd="med">
+        <p:fade/>
+      </p:transition>
+    </mc:Fallback>
+  </mc:AlternateContent>
 </p:sldLayout>
 </file>
 
@@ -5536,8 +5937,8 @@
           <a:bodyPr/>
           <a:lstStyle/>
           <a:p>
-            <a:fld id="{48A87A34-81AB-432B-8DAE-1953F412C126}" type="datetimeFigureOut">
-              <a:rPr lang="en-US" dirty="0"/>
+            <a:fld id="{731D5DB5-298B-4249-B86E-BC1F5CE9AFDE}" type="datetime1">
+              <a:rPr lang="en-US" smtClean="0"/>
               <a:t>5/13/2019</a:t>
             </a:fld>
             <a:endParaRPr lang="en-US" dirty="0"/>
@@ -5591,6 +5992,18 @@
   <p:clrMapOvr>
     <a:masterClrMapping/>
   </p:clrMapOvr>
+  <mc:AlternateContent xmlns:mc="http://schemas.openxmlformats.org/markup-compatibility/2006">
+    <mc:Choice xmlns:p14="http://schemas.microsoft.com/office/powerpoint/2010/main" Requires="p14">
+      <p:transition spd="med" p14:dur="700">
+        <p:fade/>
+      </p:transition>
+    </mc:Choice>
+    <mc:Fallback>
+      <p:transition spd="med">
+        <p:fade/>
+      </p:transition>
+    </mc:Fallback>
+  </mc:AlternateContent>
 </p:sldLayout>
 </file>
 
@@ -6077,8 +6490,8 @@
           <a:bodyPr/>
           <a:lstStyle/>
           <a:p>
-            <a:fld id="{48A87A34-81AB-432B-8DAE-1953F412C126}" type="datetimeFigureOut">
-              <a:rPr lang="en-US" dirty="0"/>
+            <a:fld id="{10ACFB61-CB6B-4761-98A4-3CFDED6B8A85}" type="datetime1">
+              <a:rPr lang="en-US" smtClean="0"/>
               <a:t>5/13/2019</a:t>
             </a:fld>
             <a:endParaRPr lang="en-US" dirty="0"/>
@@ -6132,6 +6545,18 @@
   <p:clrMapOvr>
     <a:masterClrMapping/>
   </p:clrMapOvr>
+  <mc:AlternateContent xmlns:mc="http://schemas.openxmlformats.org/markup-compatibility/2006">
+    <mc:Choice xmlns:p14="http://schemas.microsoft.com/office/powerpoint/2010/main" Requires="p14">
+      <p:transition spd="med" p14:dur="700">
+        <p:fade/>
+      </p:transition>
+    </mc:Choice>
+    <mc:Fallback>
+      <p:transition spd="med">
+        <p:fade/>
+      </p:transition>
+    </mc:Fallback>
+  </mc:AlternateContent>
 </p:sldLayout>
 </file>
 
@@ -6792,8 +7217,8 @@
           <a:bodyPr/>
           <a:lstStyle/>
           <a:p>
-            <a:fld id="{48A87A34-81AB-432B-8DAE-1953F412C126}" type="datetimeFigureOut">
-              <a:rPr lang="en-US" dirty="0"/>
+            <a:fld id="{1C62F06A-7B6E-4D38-BD71-CCCE0A01348C}" type="datetime1">
+              <a:rPr lang="en-US" smtClean="0"/>
               <a:t>5/13/2019</a:t>
             </a:fld>
             <a:endParaRPr lang="en-US" dirty="0"/>
@@ -6847,6 +7272,18 @@
   <p:clrMapOvr>
     <a:masterClrMapping/>
   </p:clrMapOvr>
+  <mc:AlternateContent xmlns:mc="http://schemas.openxmlformats.org/markup-compatibility/2006">
+    <mc:Choice xmlns:p14="http://schemas.microsoft.com/office/powerpoint/2010/main" Requires="p14">
+      <p:transition spd="med" p14:dur="700">
+        <p:fade/>
+      </p:transition>
+    </mc:Choice>
+    <mc:Fallback>
+      <p:transition spd="med">
+        <p:fade/>
+      </p:transition>
+    </mc:Fallback>
+  </mc:AlternateContent>
 </p:sldLayout>
 </file>
 
@@ -6957,8 +7394,8 @@
           <a:bodyPr/>
           <a:lstStyle/>
           <a:p>
-            <a:fld id="{48A87A34-81AB-432B-8DAE-1953F412C126}" type="datetimeFigureOut">
-              <a:rPr lang="en-US" dirty="0"/>
+            <a:fld id="{C90C3598-64C6-4612-879A-5A6A711DBEBB}" type="datetime1">
+              <a:rPr lang="en-US" smtClean="0"/>
               <a:t>5/13/2019</a:t>
             </a:fld>
             <a:endParaRPr lang="en-US" dirty="0"/>
@@ -7012,6 +7449,18 @@
   <p:clrMapOvr>
     <a:masterClrMapping/>
   </p:clrMapOvr>
+  <mc:AlternateContent xmlns:mc="http://schemas.openxmlformats.org/markup-compatibility/2006">
+    <mc:Choice xmlns:p14="http://schemas.microsoft.com/office/powerpoint/2010/main" Requires="p14">
+      <p:transition spd="med" p14:dur="700">
+        <p:fade/>
+      </p:transition>
+    </mc:Choice>
+    <mc:Fallback>
+      <p:transition spd="med">
+        <p:fade/>
+      </p:transition>
+    </mc:Fallback>
+  </mc:AlternateContent>
 </p:sldLayout>
 </file>
 
@@ -7132,8 +7581,8 @@
           <a:bodyPr/>
           <a:lstStyle/>
           <a:p>
-            <a:fld id="{48A87A34-81AB-432B-8DAE-1953F412C126}" type="datetimeFigureOut">
-              <a:rPr lang="en-US" dirty="0"/>
+            <a:fld id="{1980DC22-F053-4DB2-ACB1-E94952355252}" type="datetime1">
+              <a:rPr lang="en-US" smtClean="0"/>
               <a:t>5/13/2019</a:t>
             </a:fld>
             <a:endParaRPr lang="en-US" dirty="0"/>
@@ -7187,6 +7636,18 @@
   <p:clrMapOvr>
     <a:masterClrMapping/>
   </p:clrMapOvr>
+  <mc:AlternateContent xmlns:mc="http://schemas.openxmlformats.org/markup-compatibility/2006">
+    <mc:Choice xmlns:p14="http://schemas.microsoft.com/office/powerpoint/2010/main" Requires="p14">
+      <p:transition spd="med" p14:dur="700">
+        <p:fade/>
+      </p:transition>
+    </mc:Choice>
+    <mc:Fallback>
+      <p:transition spd="med">
+        <p:fade/>
+      </p:transition>
+    </mc:Fallback>
+  </mc:AlternateContent>
 </p:sldLayout>
 </file>
 
@@ -7297,8 +7758,8 @@
           <a:bodyPr/>
           <a:lstStyle/>
           <a:p>
-            <a:fld id="{48A87A34-81AB-432B-8DAE-1953F412C126}" type="datetimeFigureOut">
-              <a:rPr lang="en-US" dirty="0"/>
+            <a:fld id="{D11876BB-F7DC-4656-B921-A23F24F4465E}" type="datetime1">
+              <a:rPr lang="en-US" smtClean="0"/>
               <a:t>5/13/2019</a:t>
             </a:fld>
             <a:endParaRPr lang="en-US" dirty="0"/>
@@ -7352,6 +7813,18 @@
   <p:clrMapOvr>
     <a:masterClrMapping/>
   </p:clrMapOvr>
+  <mc:AlternateContent xmlns:mc="http://schemas.openxmlformats.org/markup-compatibility/2006">
+    <mc:Choice xmlns:p14="http://schemas.microsoft.com/office/powerpoint/2010/main" Requires="p14">
+      <p:transition spd="med" p14:dur="700">
+        <p:fade/>
+      </p:transition>
+    </mc:Choice>
+    <mc:Fallback>
+      <p:transition spd="med">
+        <p:fade/>
+      </p:transition>
+    </mc:Fallback>
+  </mc:AlternateContent>
 </p:sldLayout>
 </file>
 
@@ -7542,8 +8015,8 @@
           <a:bodyPr/>
           <a:lstStyle/>
           <a:p>
-            <a:fld id="{48A87A34-81AB-432B-8DAE-1953F412C126}" type="datetimeFigureOut">
-              <a:rPr lang="en-US" dirty="0"/>
+            <a:fld id="{67BD50B9-B935-4840-9286-A890BC9382D0}" type="datetime1">
+              <a:rPr lang="en-US" smtClean="0"/>
               <a:t>5/13/2019</a:t>
             </a:fld>
             <a:endParaRPr lang="en-US" dirty="0"/>
@@ -7597,6 +8070,18 @@
   <p:clrMapOvr>
     <a:masterClrMapping/>
   </p:clrMapOvr>
+  <mc:AlternateContent xmlns:mc="http://schemas.openxmlformats.org/markup-compatibility/2006">
+    <mc:Choice xmlns:p14="http://schemas.microsoft.com/office/powerpoint/2010/main" Requires="p14">
+      <p:transition spd="med" p14:dur="700">
+        <p:fade/>
+      </p:transition>
+    </mc:Choice>
+    <mc:Fallback>
+      <p:transition spd="med">
+        <p:fade/>
+      </p:transition>
+    </mc:Fallback>
+  </mc:AlternateContent>
 </p:sldLayout>
 </file>
 
@@ -7769,8 +8254,8 @@
           <a:bodyPr/>
           <a:lstStyle/>
           <a:p>
-            <a:fld id="{48A87A34-81AB-432B-8DAE-1953F412C126}" type="datetimeFigureOut">
-              <a:rPr lang="en-US" dirty="0"/>
+            <a:fld id="{6500AC42-68B8-4065-85A2-8F3F698E1EFB}" type="datetime1">
+              <a:rPr lang="en-US" smtClean="0"/>
               <a:t>5/13/2019</a:t>
             </a:fld>
             <a:endParaRPr lang="en-US" dirty="0"/>
@@ -7824,6 +8309,18 @@
   <p:clrMapOvr>
     <a:masterClrMapping/>
   </p:clrMapOvr>
+  <mc:AlternateContent xmlns:mc="http://schemas.openxmlformats.org/markup-compatibility/2006">
+    <mc:Choice xmlns:p14="http://schemas.microsoft.com/office/powerpoint/2010/main" Requires="p14">
+      <p:transition spd="med" p14:dur="700">
+        <p:fade/>
+      </p:transition>
+    </mc:Choice>
+    <mc:Fallback>
+      <p:transition spd="med">
+        <p:fade/>
+      </p:transition>
+    </mc:Fallback>
+  </mc:AlternateContent>
 </p:sldLayout>
 </file>
 
@@ -8145,8 +8642,8 @@
           <a:bodyPr/>
           <a:lstStyle/>
           <a:p>
-            <a:fld id="{48A87A34-81AB-432B-8DAE-1953F412C126}" type="datetimeFigureOut">
-              <a:rPr lang="en-US" dirty="0"/>
+            <a:fld id="{452D6D3E-777D-481E-90F9-C1CEFAD481AC}" type="datetime1">
+              <a:rPr lang="en-US" smtClean="0"/>
               <a:t>5/13/2019</a:t>
             </a:fld>
             <a:endParaRPr lang="en-US" dirty="0"/>
@@ -8200,6 +8697,18 @@
   <p:clrMapOvr>
     <a:masterClrMapping/>
   </p:clrMapOvr>
+  <mc:AlternateContent xmlns:mc="http://schemas.openxmlformats.org/markup-compatibility/2006">
+    <mc:Choice xmlns:p14="http://schemas.microsoft.com/office/powerpoint/2010/main" Requires="p14">
+      <p:transition spd="med" p14:dur="700">
+        <p:fade/>
+      </p:transition>
+    </mc:Choice>
+    <mc:Fallback>
+      <p:transition spd="med">
+        <p:fade/>
+      </p:transition>
+    </mc:Fallback>
+  </mc:AlternateContent>
 </p:sldLayout>
 </file>
 
@@ -8258,8 +8767,8 @@
           <a:bodyPr/>
           <a:lstStyle/>
           <a:p>
-            <a:fld id="{48A87A34-81AB-432B-8DAE-1953F412C126}" type="datetimeFigureOut">
-              <a:rPr lang="en-US" dirty="0"/>
+            <a:fld id="{0FFA34FE-56A0-4C5A-948E-3F8CAECB4932}" type="datetime1">
+              <a:rPr lang="en-US" smtClean="0"/>
               <a:t>5/13/2019</a:t>
             </a:fld>
             <a:endParaRPr lang="en-US" dirty="0"/>
@@ -8313,6 +8822,18 @@
   <p:clrMapOvr>
     <a:masterClrMapping/>
   </p:clrMapOvr>
+  <mc:AlternateContent xmlns:mc="http://schemas.openxmlformats.org/markup-compatibility/2006">
+    <mc:Choice xmlns:p14="http://schemas.microsoft.com/office/powerpoint/2010/main" Requires="p14">
+      <p:transition spd="med" p14:dur="700">
+        <p:fade/>
+      </p:transition>
+    </mc:Choice>
+    <mc:Fallback>
+      <p:transition spd="med">
+        <p:fade/>
+      </p:transition>
+    </mc:Fallback>
+  </mc:AlternateContent>
 </p:sldLayout>
 </file>
 
@@ -8348,8 +8869,8 @@
           <a:bodyPr/>
           <a:lstStyle/>
           <a:p>
-            <a:fld id="{48A87A34-81AB-432B-8DAE-1953F412C126}" type="datetimeFigureOut">
-              <a:rPr lang="en-US" dirty="0"/>
+            <a:fld id="{B3B77314-979B-42C6-9E61-7E64E7C40BEB}" type="datetime1">
+              <a:rPr lang="en-US" smtClean="0"/>
               <a:t>5/13/2019</a:t>
             </a:fld>
             <a:endParaRPr lang="en-US" dirty="0"/>
@@ -8403,6 +8924,18 @@
   <p:clrMapOvr>
     <a:masterClrMapping/>
   </p:clrMapOvr>
+  <mc:AlternateContent xmlns:mc="http://schemas.openxmlformats.org/markup-compatibility/2006">
+    <mc:Choice xmlns:p14="http://schemas.microsoft.com/office/powerpoint/2010/main" Requires="p14">
+      <p:transition spd="med" p14:dur="700">
+        <p:fade/>
+      </p:transition>
+    </mc:Choice>
+    <mc:Fallback>
+      <p:transition spd="med">
+        <p:fade/>
+      </p:transition>
+    </mc:Fallback>
+  </mc:AlternateContent>
 </p:sldLayout>
 </file>
 
@@ -8592,8 +9125,8 @@
           <a:bodyPr/>
           <a:lstStyle/>
           <a:p>
-            <a:fld id="{48A87A34-81AB-432B-8DAE-1953F412C126}" type="datetimeFigureOut">
-              <a:rPr lang="en-US" dirty="0"/>
+            <a:fld id="{D3066E3B-79C7-42A7-8812-C4A9A2057169}" type="datetime1">
+              <a:rPr lang="en-US" smtClean="0"/>
               <a:t>5/13/2019</a:t>
             </a:fld>
             <a:endParaRPr lang="en-US" dirty="0"/>
@@ -8647,6 +9180,18 @@
   <p:clrMapOvr>
     <a:masterClrMapping/>
   </p:clrMapOvr>
+  <mc:AlternateContent xmlns:mc="http://schemas.openxmlformats.org/markup-compatibility/2006">
+    <mc:Choice xmlns:p14="http://schemas.microsoft.com/office/powerpoint/2010/main" Requires="p14">
+      <p:transition spd="med" p14:dur="700">
+        <p:fade/>
+      </p:transition>
+    </mc:Choice>
+    <mc:Fallback>
+      <p:transition spd="med">
+        <p:fade/>
+      </p:transition>
+    </mc:Fallback>
+  </mc:AlternateContent>
 </p:sldLayout>
 </file>
 
@@ -8867,8 +9412,8 @@
           <a:bodyPr/>
           <a:lstStyle/>
           <a:p>
-            <a:fld id="{48A87A34-81AB-432B-8DAE-1953F412C126}" type="datetimeFigureOut">
-              <a:rPr lang="en-US" dirty="0"/>
+            <a:fld id="{B5C9AD98-C8BF-442D-AF1A-49AD1BD2B6D5}" type="datetime1">
+              <a:rPr lang="en-US" smtClean="0"/>
               <a:t>5/13/2019</a:t>
             </a:fld>
             <a:endParaRPr lang="en-US" dirty="0"/>
@@ -8922,6 +9467,18 @@
   <p:clrMapOvr>
     <a:masterClrMapping/>
   </p:clrMapOvr>
+  <mc:AlternateContent xmlns:mc="http://schemas.openxmlformats.org/markup-compatibility/2006">
+    <mc:Choice xmlns:p14="http://schemas.microsoft.com/office/powerpoint/2010/main" Requires="p14">
+      <p:transition spd="med" p14:dur="700">
+        <p:fade/>
+      </p:transition>
+    </mc:Choice>
+    <mc:Fallback>
+      <p:transition spd="med">
+        <p:fade/>
+      </p:transition>
+    </mc:Fallback>
+  </mc:AlternateContent>
 </p:sldLayout>
 </file>
 
@@ -8980,7 +9537,7 @@
           <a:noFill/>
           <a:extLst>
             <a:ext uri="{909E8E84-426E-40dd-AFC4-6F175D3DCCD1}">
-              <a14:hiddenFill xmlns:a14="http://schemas.microsoft.com/office/drawing/2010/main" xmlns="">
+              <a14:hiddenFill xmlns="" xmlns:a14="http://schemas.microsoft.com/office/drawing/2010/main">
                 <a:solidFill>
                   <a:srgbClr val="FFFFFF"/>
                 </a:solidFill>
@@ -9054,7 +9611,7 @@
               </a:ln>
               <a:extLst>
                 <a:ext uri="{91240B29-F687-4f45-9708-019B960494DF}">
-                  <a14:hiddenLine xmlns:a14="http://schemas.microsoft.com/office/drawing/2010/main" xmlns="" w="9525">
+                  <a14:hiddenLine xmlns="" xmlns:a14="http://schemas.microsoft.com/office/drawing/2010/main" w="9525">
                     <a:solidFill>
                       <a:srgbClr val="000000"/>
                     </a:solidFill>
@@ -9144,7 +9701,7 @@
               </a:ln>
               <a:extLst>
                 <a:ext uri="{91240B29-F687-4f45-9708-019B960494DF}">
-                  <a14:hiddenLine xmlns:a14="http://schemas.microsoft.com/office/drawing/2010/main" xmlns="" w="9525">
+                  <a14:hiddenLine xmlns="" xmlns:a14="http://schemas.microsoft.com/office/drawing/2010/main" w="9525">
                     <a:solidFill>
                       <a:srgbClr val="000000"/>
                     </a:solidFill>
@@ -9234,7 +9791,7 @@
               </a:ln>
               <a:extLst>
                 <a:ext uri="{91240B29-F687-4f45-9708-019B960494DF}">
-                  <a14:hiddenLine xmlns:a14="http://schemas.microsoft.com/office/drawing/2010/main" xmlns="" w="9525">
+                  <a14:hiddenLine xmlns="" xmlns:a14="http://schemas.microsoft.com/office/drawing/2010/main" w="9525">
                     <a:solidFill>
                       <a:srgbClr val="000000"/>
                     </a:solidFill>
@@ -9296,7 +9853,7 @@
               </a:ln>
               <a:extLst>
                 <a:ext uri="{91240B29-F687-4f45-9708-019B960494DF}">
-                  <a14:hiddenLine xmlns:a14="http://schemas.microsoft.com/office/drawing/2010/main" xmlns="" w="9525">
+                  <a14:hiddenLine xmlns="" xmlns:a14="http://schemas.microsoft.com/office/drawing/2010/main" w="9525">
                     <a:solidFill>
                       <a:srgbClr val="000000"/>
                     </a:solidFill>
@@ -9386,7 +9943,7 @@
               </a:ln>
               <a:extLst>
                 <a:ext uri="{91240B29-F687-4f45-9708-019B960494DF}">
-                  <a14:hiddenLine xmlns:a14="http://schemas.microsoft.com/office/drawing/2010/main" xmlns="" w="9525">
+                  <a14:hiddenLine xmlns="" xmlns:a14="http://schemas.microsoft.com/office/drawing/2010/main" w="9525">
                     <a:solidFill>
                       <a:srgbClr val="000000"/>
                     </a:solidFill>
@@ -9448,7 +10005,7 @@
               </a:ln>
               <a:extLst>
                 <a:ext uri="{91240B29-F687-4f45-9708-019B960494DF}">
-                  <a14:hiddenLine xmlns:a14="http://schemas.microsoft.com/office/drawing/2010/main" xmlns="" w="9525">
+                  <a14:hiddenLine xmlns="" xmlns:a14="http://schemas.microsoft.com/office/drawing/2010/main" w="9525">
                     <a:solidFill>
                       <a:srgbClr val="000000"/>
                     </a:solidFill>
@@ -9510,7 +10067,7 @@
               </a:ln>
               <a:extLst>
                 <a:ext uri="{91240B29-F687-4f45-9708-019B960494DF}">
-                  <a14:hiddenLine xmlns:a14="http://schemas.microsoft.com/office/drawing/2010/main" xmlns="" w="9525">
+                  <a14:hiddenLine xmlns="" xmlns:a14="http://schemas.microsoft.com/office/drawing/2010/main" w="9525">
                     <a:solidFill>
                       <a:srgbClr val="000000"/>
                     </a:solidFill>
@@ -9600,7 +10157,7 @@
               </a:ln>
               <a:extLst>
                 <a:ext uri="{91240B29-F687-4f45-9708-019B960494DF}">
-                  <a14:hiddenLine xmlns:a14="http://schemas.microsoft.com/office/drawing/2010/main" xmlns="" w="9525">
+                  <a14:hiddenLine xmlns="" xmlns:a14="http://schemas.microsoft.com/office/drawing/2010/main" w="9525">
                     <a:solidFill>
                       <a:srgbClr val="000000"/>
                     </a:solidFill>
@@ -9690,7 +10247,7 @@
               </a:ln>
               <a:extLst>
                 <a:ext uri="{91240B29-F687-4f45-9708-019B960494DF}">
-                  <a14:hiddenLine xmlns:a14="http://schemas.microsoft.com/office/drawing/2010/main" xmlns="" w="9525">
+                  <a14:hiddenLine xmlns="" xmlns:a14="http://schemas.microsoft.com/office/drawing/2010/main" w="9525">
                     <a:solidFill>
                       <a:srgbClr val="000000"/>
                     </a:solidFill>
@@ -9752,7 +10309,7 @@
               </a:ln>
               <a:extLst>
                 <a:ext uri="{91240B29-F687-4f45-9708-019B960494DF}">
-                  <a14:hiddenLine xmlns:a14="http://schemas.microsoft.com/office/drawing/2010/main" xmlns="" w="9525">
+                  <a14:hiddenLine xmlns="" xmlns:a14="http://schemas.microsoft.com/office/drawing/2010/main" w="9525">
                     <a:solidFill>
                       <a:srgbClr val="000000"/>
                     </a:solidFill>
@@ -9862,7 +10419,7 @@
               </a:ln>
               <a:extLst>
                 <a:ext uri="{91240B29-F687-4f45-9708-019B960494DF}">
-                  <a14:hiddenLine xmlns:a14="http://schemas.microsoft.com/office/drawing/2010/main" xmlns="" w="9525">
+                  <a14:hiddenLine xmlns="" xmlns:a14="http://schemas.microsoft.com/office/drawing/2010/main" w="9525">
                     <a:solidFill>
                       <a:srgbClr val="000000"/>
                     </a:solidFill>
@@ -9946,7 +10503,7 @@
               </a:ln>
               <a:extLst>
                 <a:ext uri="{91240B29-F687-4f45-9708-019B960494DF}">
-                  <a14:hiddenLine xmlns:a14="http://schemas.microsoft.com/office/drawing/2010/main" xmlns="" w="9525">
+                  <a14:hiddenLine xmlns="" xmlns:a14="http://schemas.microsoft.com/office/drawing/2010/main" w="9525">
                     <a:solidFill>
                       <a:srgbClr val="000000"/>
                     </a:solidFill>
@@ -10008,7 +10565,7 @@
               </a:ln>
               <a:extLst>
                 <a:ext uri="{91240B29-F687-4f45-9708-019B960494DF}">
-                  <a14:hiddenLine xmlns:a14="http://schemas.microsoft.com/office/drawing/2010/main" xmlns="" w="9525">
+                  <a14:hiddenLine xmlns="" xmlns:a14="http://schemas.microsoft.com/office/drawing/2010/main" w="9525">
                     <a:solidFill>
                       <a:srgbClr val="000000"/>
                     </a:solidFill>
@@ -10070,7 +10627,7 @@
               </a:ln>
               <a:extLst>
                 <a:ext uri="{91240B29-F687-4f45-9708-019B960494DF}">
-                  <a14:hiddenLine xmlns:a14="http://schemas.microsoft.com/office/drawing/2010/main" xmlns="" w="9525">
+                  <a14:hiddenLine xmlns="" xmlns:a14="http://schemas.microsoft.com/office/drawing/2010/main" w="9525">
                     <a:solidFill>
                       <a:srgbClr val="000000"/>
                     </a:solidFill>
@@ -10160,7 +10717,7 @@
               </a:ln>
               <a:extLst>
                 <a:ext uri="{91240B29-F687-4f45-9708-019B960494DF}">
-                  <a14:hiddenLine xmlns:a14="http://schemas.microsoft.com/office/drawing/2010/main" xmlns="" w="9525">
+                  <a14:hiddenLine xmlns="" xmlns:a14="http://schemas.microsoft.com/office/drawing/2010/main" w="9525">
                     <a:solidFill>
                       <a:srgbClr val="000000"/>
                     </a:solidFill>
@@ -10194,7 +10751,7 @@
               </a:ln>
               <a:extLst>
                 <a:ext uri="{91240B29-F687-4f45-9708-019B960494DF}">
-                  <a14:hiddenLine xmlns:a14="http://schemas.microsoft.com/office/drawing/2010/main" xmlns="" w="9525">
+                  <a14:hiddenLine xmlns="" xmlns:a14="http://schemas.microsoft.com/office/drawing/2010/main" w="9525">
                     <a:solidFill>
                       <a:srgbClr val="000000"/>
                     </a:solidFill>
@@ -10259,7 +10816,7 @@
               </a:ln>
               <a:extLst>
                 <a:ext uri="{91240B29-F687-4f45-9708-019B960494DF}">
-                  <a14:hiddenLine xmlns:a14="http://schemas.microsoft.com/office/drawing/2010/main" xmlns="" w="9525">
+                  <a14:hiddenLine xmlns="" xmlns:a14="http://schemas.microsoft.com/office/drawing/2010/main" w="9525">
                     <a:solidFill>
                       <a:srgbClr val="000000"/>
                     </a:solidFill>
@@ -10349,7 +10906,7 @@
               </a:ln>
               <a:extLst>
                 <a:ext uri="{91240B29-F687-4f45-9708-019B960494DF}">
-                  <a14:hiddenLine xmlns:a14="http://schemas.microsoft.com/office/drawing/2010/main" xmlns="" w="9525">
+                  <a14:hiddenLine xmlns="" xmlns:a14="http://schemas.microsoft.com/office/drawing/2010/main" w="9525">
                     <a:solidFill>
                       <a:srgbClr val="000000"/>
                     </a:solidFill>
@@ -10411,7 +10968,7 @@
               </a:ln>
               <a:extLst>
                 <a:ext uri="{91240B29-F687-4f45-9708-019B960494DF}">
-                  <a14:hiddenLine xmlns:a14="http://schemas.microsoft.com/office/drawing/2010/main" xmlns="" w="9525">
+                  <a14:hiddenLine xmlns="" xmlns:a14="http://schemas.microsoft.com/office/drawing/2010/main" w="9525">
                     <a:solidFill>
                       <a:srgbClr val="000000"/>
                     </a:solidFill>
@@ -10501,7 +11058,7 @@
               </a:ln>
               <a:extLst>
                 <a:ext uri="{91240B29-F687-4f45-9708-019B960494DF}">
-                  <a14:hiddenLine xmlns:a14="http://schemas.microsoft.com/office/drawing/2010/main" xmlns="" w="9525">
+                  <a14:hiddenLine xmlns="" xmlns:a14="http://schemas.microsoft.com/office/drawing/2010/main" w="9525">
                     <a:solidFill>
                       <a:srgbClr val="000000"/>
                     </a:solidFill>
@@ -10566,7 +11123,7 @@
               </a:ln>
               <a:extLst>
                 <a:ext uri="{91240B29-F687-4f45-9708-019B960494DF}">
-                  <a14:hiddenLine xmlns:a14="http://schemas.microsoft.com/office/drawing/2010/main" xmlns="" w="9525">
+                  <a14:hiddenLine xmlns="" xmlns:a14="http://schemas.microsoft.com/office/drawing/2010/main" w="9525">
                     <a:solidFill>
                       <a:srgbClr val="000000"/>
                     </a:solidFill>
@@ -10628,7 +11185,7 @@
               </a:ln>
               <a:extLst>
                 <a:ext uri="{91240B29-F687-4f45-9708-019B960494DF}">
-                  <a14:hiddenLine xmlns:a14="http://schemas.microsoft.com/office/drawing/2010/main" xmlns="" w="9525">
+                  <a14:hiddenLine xmlns="" xmlns:a14="http://schemas.microsoft.com/office/drawing/2010/main" w="9525">
                     <a:solidFill>
                       <a:srgbClr val="000000"/>
                     </a:solidFill>
@@ -10718,7 +11275,7 @@
               </a:ln>
               <a:extLst>
                 <a:ext uri="{91240B29-F687-4f45-9708-019B960494DF}">
-                  <a14:hiddenLine xmlns:a14="http://schemas.microsoft.com/office/drawing/2010/main" xmlns="" w="9525">
+                  <a14:hiddenLine xmlns="" xmlns:a14="http://schemas.microsoft.com/office/drawing/2010/main" w="9525">
                     <a:solidFill>
                       <a:srgbClr val="000000"/>
                     </a:solidFill>
@@ -10808,7 +11365,7 @@
               </a:ln>
               <a:extLst>
                 <a:ext uri="{91240B29-F687-4f45-9708-019B960494DF}">
-                  <a14:hiddenLine xmlns:a14="http://schemas.microsoft.com/office/drawing/2010/main" xmlns="" w="9525">
+                  <a14:hiddenLine xmlns="" xmlns:a14="http://schemas.microsoft.com/office/drawing/2010/main" w="9525">
                     <a:solidFill>
                       <a:srgbClr val="000000"/>
                     </a:solidFill>
@@ -10873,7 +11430,7 @@
               </a:ln>
               <a:extLst>
                 <a:ext uri="{91240B29-F687-4f45-9708-019B960494DF}">
-                  <a14:hiddenLine xmlns:a14="http://schemas.microsoft.com/office/drawing/2010/main" xmlns="" w="9525">
+                  <a14:hiddenLine xmlns="" xmlns:a14="http://schemas.microsoft.com/office/drawing/2010/main" w="9525">
                     <a:solidFill>
                       <a:srgbClr val="000000"/>
                     </a:solidFill>
@@ -10993,7 +11550,7 @@
               </a:ln>
               <a:extLst>
                 <a:ext uri="{91240B29-F687-4f45-9708-019B960494DF}">
-                  <a14:hiddenLine xmlns:a14="http://schemas.microsoft.com/office/drawing/2010/main" xmlns="" w="9525">
+                  <a14:hiddenLine xmlns="" xmlns:a14="http://schemas.microsoft.com/office/drawing/2010/main" w="9525">
                     <a:solidFill>
                       <a:srgbClr val="000000"/>
                     </a:solidFill>
@@ -11091,7 +11648,7 @@
               </a:ln>
               <a:extLst>
                 <a:ext uri="{91240B29-F687-4f45-9708-019B960494DF}">
-                  <a14:hiddenLine xmlns:a14="http://schemas.microsoft.com/office/drawing/2010/main" xmlns="" w="9525">
+                  <a14:hiddenLine xmlns="" xmlns:a14="http://schemas.microsoft.com/office/drawing/2010/main" w="9525">
                     <a:solidFill>
                       <a:srgbClr val="000000"/>
                     </a:solidFill>
@@ -11206,7 +11763,7 @@
               </a:ln>
               <a:extLst>
                 <a:ext uri="{91240B29-F687-4f45-9708-019B960494DF}">
-                  <a14:hiddenLine xmlns:a14="http://schemas.microsoft.com/office/drawing/2010/main" xmlns="" w="9525">
+                  <a14:hiddenLine xmlns="" xmlns:a14="http://schemas.microsoft.com/office/drawing/2010/main" w="9525">
                     <a:solidFill>
                       <a:srgbClr val="000000"/>
                     </a:solidFill>
@@ -11296,7 +11853,7 @@
               </a:ln>
               <a:extLst>
                 <a:ext uri="{91240B29-F687-4f45-9708-019B960494DF}">
-                  <a14:hiddenLine xmlns:a14="http://schemas.microsoft.com/office/drawing/2010/main" xmlns="" w="9525">
+                  <a14:hiddenLine xmlns="" xmlns:a14="http://schemas.microsoft.com/office/drawing/2010/main" w="9525">
                     <a:solidFill>
                       <a:srgbClr val="000000"/>
                     </a:solidFill>
@@ -11361,7 +11918,7 @@
               </a:ln>
               <a:extLst>
                 <a:ext uri="{91240B29-F687-4f45-9708-019B960494DF}">
-                  <a14:hiddenLine xmlns:a14="http://schemas.microsoft.com/office/drawing/2010/main" xmlns="" w="9525">
+                  <a14:hiddenLine xmlns="" xmlns:a14="http://schemas.microsoft.com/office/drawing/2010/main" w="9525">
                     <a:solidFill>
                       <a:srgbClr val="000000"/>
                     </a:solidFill>
@@ -11451,7 +12008,7 @@
               </a:ln>
               <a:extLst>
                 <a:ext uri="{91240B29-F687-4f45-9708-019B960494DF}">
-                  <a14:hiddenLine xmlns:a14="http://schemas.microsoft.com/office/drawing/2010/main" xmlns="" w="9525">
+                  <a14:hiddenLine xmlns="" xmlns:a14="http://schemas.microsoft.com/office/drawing/2010/main" w="9525">
                     <a:solidFill>
                       <a:srgbClr val="000000"/>
                     </a:solidFill>
@@ -11519,7 +12076,7 @@
               </a:ln>
               <a:extLst>
                 <a:ext uri="{91240B29-F687-4f45-9708-019B960494DF}">
-                  <a14:hiddenLine xmlns:a14="http://schemas.microsoft.com/office/drawing/2010/main" xmlns="" w="9525">
+                  <a14:hiddenLine xmlns="" xmlns:a14="http://schemas.microsoft.com/office/drawing/2010/main" w="9525">
                     <a:solidFill>
                       <a:srgbClr val="000000"/>
                     </a:solidFill>
@@ -11609,7 +12166,7 @@
               </a:ln>
               <a:extLst>
                 <a:ext uri="{91240B29-F687-4f45-9708-019B960494DF}">
-                  <a14:hiddenLine xmlns:a14="http://schemas.microsoft.com/office/drawing/2010/main" xmlns="" w="9525">
+                  <a14:hiddenLine xmlns="" xmlns:a14="http://schemas.microsoft.com/office/drawing/2010/main" w="9525">
                     <a:solidFill>
                       <a:srgbClr val="000000"/>
                     </a:solidFill>
@@ -11677,7 +12234,7 @@
               </a:ln>
               <a:extLst>
                 <a:ext uri="{91240B29-F687-4f45-9708-019B960494DF}">
-                  <a14:hiddenLine xmlns:a14="http://schemas.microsoft.com/office/drawing/2010/main" xmlns="" w="9525">
+                  <a14:hiddenLine xmlns="" xmlns:a14="http://schemas.microsoft.com/office/drawing/2010/main" w="9525">
                     <a:solidFill>
                       <a:srgbClr val="000000"/>
                     </a:solidFill>
@@ -11767,7 +12324,7 @@
               </a:ln>
               <a:extLst>
                 <a:ext uri="{91240B29-F687-4f45-9708-019B960494DF}">
-                  <a14:hiddenLine xmlns:a14="http://schemas.microsoft.com/office/drawing/2010/main" xmlns="" w="9525">
+                  <a14:hiddenLine xmlns="" xmlns:a14="http://schemas.microsoft.com/office/drawing/2010/main" w="9525">
                     <a:solidFill>
                       <a:srgbClr val="000000"/>
                     </a:solidFill>
@@ -11801,7 +12358,7 @@
               </a:ln>
               <a:extLst>
                 <a:ext uri="{91240B29-F687-4f45-9708-019B960494DF}">
-                  <a14:hiddenLine xmlns:a14="http://schemas.microsoft.com/office/drawing/2010/main" xmlns="" w="9525">
+                  <a14:hiddenLine xmlns="" xmlns:a14="http://schemas.microsoft.com/office/drawing/2010/main" w="9525">
                     <a:solidFill>
                       <a:srgbClr val="000000"/>
                     </a:solidFill>
@@ -11939,9 +12496,8 @@
             </a:lvl1pPr>
           </a:lstStyle>
           <a:p>
-            <a:fld id="{48A87A34-81AB-432B-8DAE-1953F412C126}" type="datetimeFigureOut">
-              <a:rPr lang="en-US" dirty="0"/>
-              <a:pPr/>
+            <a:fld id="{0C15775F-C6B5-4D5B-9BD7-A65CF7A8CBFA}" type="datetime1">
+              <a:rPr lang="en-US" smtClean="0"/>
               <a:t>5/13/2019</a:t>
             </a:fld>
             <a:endParaRPr lang="en-US" dirty="0"/>
@@ -12049,6 +12605,19 @@
     <p:sldLayoutId id="2147483658" r:id="rId16"/>
     <p:sldLayoutId id="2147483659" r:id="rId17"/>
   </p:sldLayoutIdLst>
+  <mc:AlternateContent xmlns:mc="http://schemas.openxmlformats.org/markup-compatibility/2006">
+    <mc:Choice xmlns:p14="http://schemas.microsoft.com/office/powerpoint/2010/main" Requires="p14">
+      <p:transition spd="med" p14:dur="700">
+        <p:fade/>
+      </p:transition>
+    </mc:Choice>
+    <mc:Fallback>
+      <p:transition spd="med">
+        <p:fade/>
+      </p:transition>
+    </mc:Fallback>
+  </mc:AlternateContent>
+  <p:hf hdr="0" ftr="0" dt="0"/>
   <p:txStyles>
     <p:titleStyle>
       <a:lvl1pPr algn="l" defTabSz="914400" rtl="0" eaLnBrk="1" latinLnBrk="0" hangingPunct="1">
@@ -12422,6 +12991,83 @@
           </a:p>
         </p:txBody>
       </p:sp>
+      <p:sp>
+        <p:nvSpPr>
+          <p:cNvPr id="4" name="Dia számának helye 3"/>
+          <p:cNvSpPr>
+            <a:spLocks noGrp="1"/>
+          </p:cNvSpPr>
+          <p:nvPr>
+            <p:ph type="sldNum" sz="quarter" idx="12"/>
+          </p:nvPr>
+        </p:nvSpPr>
+        <p:spPr/>
+        <p:txBody>
+          <a:bodyPr/>
+          <a:lstStyle/>
+          <a:p>
+            <a:fld id="{6D22F896-40B5-4ADD-8801-0D06FADFA095}" type="slidenum">
+              <a:rPr lang="en-US" smtClean="0"/>
+              <a:t>1</a:t>
+            </a:fld>
+            <a:r>
+              <a:rPr lang="hu-HU" dirty="0" smtClean="0"/>
+              <a:t>/11</a:t>
+            </a:r>
+            <a:endParaRPr lang="en-US" dirty="0"/>
+          </a:p>
+        </p:txBody>
+      </p:sp>
+      <p:pic>
+        <p:nvPicPr>
+          <p:cNvPr id="1026" name="Picture 2" descr="pincher.jpg"/>
+          <p:cNvPicPr>
+            <a:picLocks noChangeAspect="1" noChangeArrowheads="1"/>
+          </p:cNvPicPr>
+          <p:nvPr/>
+        </p:nvPicPr>
+        <p:blipFill>
+          <a:blip r:embed="rId2">
+            <a:extLst>
+              <a:ext uri="{BEBA8EAE-BF5A-486C-A8C5-ECC9F3942E4B}">
+                <a14:imgProps xmlns:a14="http://schemas.microsoft.com/office/drawing/2010/main">
+                  <a14:imgLayer r:embed="rId3">
+                    <a14:imgEffect>
+                      <a14:backgroundRemoval t="10000" b="90000" l="10000" r="90000"/>
+                    </a14:imgEffect>
+                  </a14:imgLayer>
+                </a14:imgProps>
+              </a:ext>
+              <a:ext uri="{28A0092B-C50C-407E-A947-70E740481C1C}">
+                <a14:useLocalDpi xmlns:a14="http://schemas.microsoft.com/office/drawing/2010/main" val="0"/>
+              </a:ext>
+            </a:extLst>
+          </a:blip>
+          <a:srcRect/>
+          <a:stretch>
+            <a:fillRect/>
+          </a:stretch>
+        </p:blipFill>
+        <p:spPr bwMode="auto">
+          <a:xfrm>
+            <a:off x="7331981" y="-549502"/>
+            <a:ext cx="5731329" cy="5731329"/>
+          </a:xfrm>
+          <a:prstGeom prst="rect">
+            <a:avLst/>
+          </a:prstGeom>
+          <a:noFill/>
+          <a:extLst>
+            <a:ext uri="{909E8E84-426E-40DD-AFC4-6F175D3DCCD1}">
+              <a14:hiddenFill xmlns:a14="http://schemas.microsoft.com/office/drawing/2010/main">
+                <a:solidFill>
+                  <a:srgbClr val="FFFFFF"/>
+                </a:solidFill>
+              </a14:hiddenFill>
+            </a:ext>
+          </a:extLst>
+        </p:spPr>
+      </p:pic>
     </p:spTree>
     <p:extLst>
       <p:ext uri="{BB962C8B-B14F-4D97-AF65-F5344CB8AC3E}">
@@ -12432,6 +13078,25 @@
   <p:clrMapOvr>
     <a:masterClrMapping/>
   </p:clrMapOvr>
+  <mc:AlternateContent xmlns:mc="http://schemas.openxmlformats.org/markup-compatibility/2006">
+    <mc:Choice xmlns:p14="http://schemas.microsoft.com/office/powerpoint/2010/main" Requires="p14">
+      <p:transition spd="med" p14:dur="700">
+        <p:fade/>
+      </p:transition>
+    </mc:Choice>
+    <mc:Fallback>
+      <p:transition spd="med">
+        <p:fade/>
+      </p:transition>
+    </mc:Fallback>
+  </mc:AlternateContent>
+  <p:timing>
+    <p:tnLst>
+      <p:par>
+        <p:cTn id="1" dur="indefinite" restart="never" nodeType="tmRoot"/>
+      </p:par>
+    </p:tnLst>
+  </p:timing>
 </p:sld>
 </file>
 
@@ -12491,297 +13156,63 @@
           <a:lstStyle/>
           <a:p>
             <a:r>
+              <a:rPr lang="en-GB" dirty="0" smtClean="0"/>
+              <a:t>Good bas</a:t>
+            </a:r>
+            <a:r>
               <a:rPr lang="hu-HU" dirty="0" smtClean="0"/>
-              <a:t>Good </a:t>
-            </a:r>
-            <a:r>
-              <a:rPr lang="hu-HU" dirty="0" err="1" smtClean="0"/>
-              <a:t>base</a:t>
-            </a:r>
-            <a:r>
-              <a:rPr lang="hu-HU" dirty="0" smtClean="0"/>
-              <a:t> has </a:t>
-            </a:r>
-            <a:r>
-              <a:rPr lang="hu-HU" dirty="0" err="1" smtClean="0"/>
-              <a:t>been</a:t>
-            </a:r>
-            <a:r>
-              <a:rPr lang="hu-HU" dirty="0" smtClean="0"/>
-              <a:t> </a:t>
-            </a:r>
-            <a:r>
-              <a:rPr lang="hu-HU" dirty="0" err="1" smtClean="0"/>
-              <a:t>created</a:t>
-            </a:r>
-            <a:r>
-              <a:rPr lang="hu-HU" dirty="0" smtClean="0"/>
-              <a:t> </a:t>
-            </a:r>
-            <a:r>
-              <a:rPr lang="hu-HU" dirty="0" err="1" smtClean="0"/>
-              <a:t>for</a:t>
-            </a:r>
-            <a:r>
-              <a:rPr lang="hu-HU" dirty="0" smtClean="0"/>
-              <a:t> </a:t>
-            </a:r>
-            <a:r>
-              <a:rPr lang="hu-HU" dirty="0" err="1" smtClean="0"/>
-              <a:t>the</a:t>
-            </a:r>
-            <a:r>
-              <a:rPr lang="hu-HU" dirty="0" smtClean="0"/>
-              <a:t> </a:t>
-            </a:r>
-            <a:r>
-              <a:rPr lang="hu-HU" dirty="0" err="1" smtClean="0"/>
-              <a:t>upcoming</a:t>
-            </a:r>
-            <a:r>
-              <a:rPr lang="hu-HU" dirty="0" smtClean="0"/>
-              <a:t> </a:t>
-            </a:r>
-            <a:r>
-              <a:rPr lang="hu-HU" dirty="0" err="1" smtClean="0"/>
-              <a:t>thesis</a:t>
-            </a:r>
-            <a:endParaRPr lang="hu-HU" dirty="0" smtClean="0"/>
-          </a:p>
-          <a:p>
-            <a:r>
-              <a:rPr lang="hu-HU" dirty="0" err="1" smtClean="0"/>
-              <a:t>Learnt</a:t>
-            </a:r>
-            <a:r>
-              <a:rPr lang="hu-HU" dirty="0" smtClean="0"/>
-              <a:t> </a:t>
-            </a:r>
-            <a:r>
-              <a:rPr lang="hu-HU" dirty="0" err="1" smtClean="0"/>
-              <a:t>two</a:t>
-            </a:r>
-            <a:r>
-              <a:rPr lang="hu-HU" dirty="0" smtClean="0"/>
-              <a:t> important and </a:t>
-            </a:r>
-            <a:r>
-              <a:rPr lang="hu-HU" dirty="0" err="1" smtClean="0"/>
-              <a:t>new</a:t>
-            </a:r>
-            <a:r>
-              <a:rPr lang="hu-HU" dirty="0" smtClean="0"/>
-              <a:t> </a:t>
-            </a:r>
-            <a:r>
-              <a:rPr lang="hu-HU" dirty="0" err="1" smtClean="0"/>
-              <a:t>devices</a:t>
-            </a:r>
-            <a:r>
-              <a:rPr lang="hu-HU" dirty="0" smtClean="0"/>
-              <a:t> </a:t>
-            </a:r>
-            <a:r>
-              <a:rPr lang="hu-HU" dirty="0" err="1" smtClean="0"/>
-              <a:t>not</a:t>
-            </a:r>
-            <a:r>
-              <a:rPr lang="hu-HU" dirty="0" smtClean="0"/>
-              <a:t> </a:t>
-            </a:r>
-            <a:r>
-              <a:rPr lang="hu-HU" dirty="0" err="1" smtClean="0"/>
-              <a:t>just</a:t>
-            </a:r>
-            <a:r>
-              <a:rPr lang="hu-HU" dirty="0" smtClean="0"/>
-              <a:t> </a:t>
-            </a:r>
-            <a:r>
-              <a:rPr lang="hu-HU" dirty="0" err="1" smtClean="0"/>
-              <a:t>for</a:t>
-            </a:r>
-            <a:r>
-              <a:rPr lang="hu-HU" dirty="0" smtClean="0"/>
-              <a:t> Arduino</a:t>
-            </a:r>
-          </a:p>
-          <a:p>
-            <a:r>
-              <a:rPr lang="hu-HU" dirty="0" smtClean="0"/>
-              <a:t>It </a:t>
-            </a:r>
-            <a:r>
-              <a:rPr lang="hu-HU" dirty="0" err="1" smtClean="0"/>
-              <a:t>was</a:t>
-            </a:r>
-            <a:r>
-              <a:rPr lang="hu-HU" dirty="0" smtClean="0"/>
-              <a:t> </a:t>
-            </a:r>
-            <a:r>
-              <a:rPr lang="hu-HU" dirty="0" err="1" smtClean="0"/>
-              <a:t>challenging</a:t>
-            </a:r>
-            <a:r>
-              <a:rPr lang="hu-HU" dirty="0" smtClean="0"/>
-              <a:t> </a:t>
-            </a:r>
-            <a:r>
-              <a:rPr lang="hu-HU" dirty="0" err="1" smtClean="0"/>
-              <a:t>to</a:t>
-            </a:r>
-            <a:r>
-              <a:rPr lang="hu-HU" dirty="0" smtClean="0"/>
-              <a:t> </a:t>
-            </a:r>
-            <a:r>
-              <a:rPr lang="hu-HU" dirty="0" err="1" smtClean="0"/>
-              <a:t>develop</a:t>
-            </a:r>
-            <a:r>
-              <a:rPr lang="hu-HU" dirty="0" smtClean="0"/>
-              <a:t> </a:t>
-            </a:r>
-            <a:r>
-              <a:rPr lang="hu-HU" dirty="0" err="1" smtClean="0"/>
-              <a:t>from</a:t>
-            </a:r>
-            <a:r>
-              <a:rPr lang="hu-HU" dirty="0" smtClean="0"/>
-              <a:t> a </a:t>
-            </a:r>
-            <a:r>
-              <a:rPr lang="hu-HU" dirty="0" err="1" smtClean="0"/>
-              <a:t>scratch</a:t>
-            </a:r>
-            <a:r>
-              <a:rPr lang="hu-HU" dirty="0" smtClean="0"/>
-              <a:t>, </a:t>
-            </a:r>
-            <a:r>
-              <a:rPr lang="hu-HU" dirty="0" err="1" smtClean="0"/>
-              <a:t>write</a:t>
-            </a:r>
-            <a:r>
-              <a:rPr lang="hu-HU" dirty="0" smtClean="0"/>
-              <a:t> </a:t>
-            </a:r>
-            <a:r>
-              <a:rPr lang="hu-HU" dirty="0" err="1" smtClean="0"/>
-              <a:t>the</a:t>
-            </a:r>
-            <a:r>
-              <a:rPr lang="hu-HU" dirty="0" smtClean="0"/>
-              <a:t> </a:t>
-            </a:r>
-            <a:r>
-              <a:rPr lang="hu-HU" dirty="0" err="1" smtClean="0"/>
-              <a:t>requirements</a:t>
-            </a:r>
-            <a:r>
-              <a:rPr lang="hu-HU" dirty="0" smtClean="0"/>
-              <a:t> and </a:t>
-            </a:r>
-            <a:r>
-              <a:rPr lang="hu-HU" dirty="0" err="1" smtClean="0"/>
-              <a:t>implement</a:t>
-            </a:r>
-            <a:r>
-              <a:rPr lang="hu-HU" dirty="0" smtClean="0"/>
-              <a:t> it</a:t>
-            </a:r>
-          </a:p>
-          <a:p>
-            <a:r>
-              <a:rPr lang="hu-HU" dirty="0" smtClean="0"/>
-              <a:t>Testing </a:t>
-            </a:r>
-            <a:r>
-              <a:rPr lang="hu-HU" dirty="0" err="1" smtClean="0"/>
-              <a:t>documentation</a:t>
-            </a:r>
-            <a:r>
-              <a:rPr lang="hu-HU" dirty="0" smtClean="0"/>
-              <a:t> has </a:t>
-            </a:r>
-            <a:r>
-              <a:rPr lang="hu-HU" dirty="0" err="1" smtClean="0"/>
-              <a:t>not</a:t>
-            </a:r>
-            <a:r>
-              <a:rPr lang="hu-HU" dirty="0" smtClean="0"/>
-              <a:t> </a:t>
-            </a:r>
-            <a:r>
-              <a:rPr lang="hu-HU" dirty="0" err="1" smtClean="0"/>
-              <a:t>been</a:t>
-            </a:r>
-            <a:r>
-              <a:rPr lang="hu-HU" dirty="0" smtClean="0"/>
-              <a:t> </a:t>
-            </a:r>
-            <a:r>
-              <a:rPr lang="hu-HU" dirty="0" err="1" smtClean="0"/>
-              <a:t>created</a:t>
-            </a:r>
-            <a:r>
-              <a:rPr lang="hu-HU" dirty="0" smtClean="0"/>
-              <a:t> </a:t>
-            </a:r>
-            <a:r>
-              <a:rPr lang="hu-HU" dirty="0" err="1" smtClean="0"/>
-              <a:t>as</a:t>
-            </a:r>
-            <a:r>
-              <a:rPr lang="hu-HU" dirty="0" smtClean="0"/>
-              <a:t> </a:t>
-            </a:r>
-            <a:r>
-              <a:rPr lang="hu-HU" dirty="0" err="1" smtClean="0"/>
-              <a:t>planned</a:t>
-            </a:r>
-            <a:r>
-              <a:rPr lang="hu-HU" dirty="0" smtClean="0"/>
-              <a:t> </a:t>
-            </a:r>
-            <a:r>
-              <a:rPr lang="hu-HU" dirty="0" err="1" smtClean="0"/>
-              <a:t>but</a:t>
-            </a:r>
-            <a:r>
-              <a:rPr lang="hu-HU" dirty="0" smtClean="0"/>
-              <a:t> unit </a:t>
-            </a:r>
-            <a:r>
-              <a:rPr lang="hu-HU" dirty="0" err="1" smtClean="0"/>
-              <a:t>tests</a:t>
-            </a:r>
-            <a:r>
-              <a:rPr lang="hu-HU" dirty="0" smtClean="0"/>
-              <a:t> </a:t>
-            </a:r>
-            <a:r>
-              <a:rPr lang="hu-HU" dirty="0" err="1" smtClean="0"/>
-              <a:t>have</a:t>
-            </a:r>
-            <a:r>
-              <a:rPr lang="hu-HU" dirty="0" smtClean="0"/>
-              <a:t> </a:t>
-            </a:r>
-            <a:r>
-              <a:rPr lang="hu-HU" dirty="0" err="1" smtClean="0"/>
-              <a:t>been</a:t>
-            </a:r>
-            <a:r>
-              <a:rPr lang="hu-HU" dirty="0" smtClean="0"/>
-              <a:t> </a:t>
-            </a:r>
-            <a:r>
-              <a:rPr lang="hu-HU" dirty="0" err="1" smtClean="0"/>
-              <a:t>executed</a:t>
-            </a:r>
-            <a:endParaRPr lang="hu-HU" dirty="0"/>
+              <a:t>is</a:t>
+            </a:r>
+            <a:r>
+              <a:rPr lang="en-GB" dirty="0" smtClean="0"/>
+              <a:t> has been created for the upcoming thesis</a:t>
+            </a:r>
+          </a:p>
+          <a:p>
+            <a:r>
+              <a:rPr lang="en-GB" dirty="0" smtClean="0"/>
+              <a:t>Learnt two important and new devices not just for Arduino</a:t>
+            </a:r>
+          </a:p>
+          <a:p>
+            <a:r>
+              <a:rPr lang="en-GB" dirty="0" smtClean="0"/>
+              <a:t>It was challenging to develop from a scratch, write the requirements and implement it</a:t>
+            </a:r>
+          </a:p>
+          <a:p>
+            <a:r>
+              <a:rPr lang="en-GB" dirty="0" smtClean="0"/>
+              <a:t>Testing documentation has not been created as planned but unit tests have been executed</a:t>
+            </a:r>
+            <a:endParaRPr lang="en-GB" dirty="0"/>
+          </a:p>
+        </p:txBody>
+      </p:sp>
+      <p:sp>
+        <p:nvSpPr>
+          <p:cNvPr id="4" name="Dia számának helye 3"/>
+          <p:cNvSpPr>
+            <a:spLocks noGrp="1"/>
+          </p:cNvSpPr>
+          <p:nvPr>
+            <p:ph type="sldNum" sz="quarter" idx="12"/>
+          </p:nvPr>
+        </p:nvSpPr>
+        <p:spPr/>
+        <p:txBody>
+          <a:bodyPr/>
+          <a:lstStyle/>
+          <a:p>
+            <a:fld id="{6D22F896-40B5-4ADD-8801-0D06FADFA095}" type="slidenum">
+              <a:rPr lang="en-US" smtClean="0"/>
+              <a:t>10</a:t>
+            </a:fld>
+            <a:r>
+              <a:rPr lang="hu-HU" dirty="0"/>
+              <a:t> /11</a:t>
+            </a:r>
+            <a:endParaRPr lang="en-US" dirty="0"/>
           </a:p>
         </p:txBody>
       </p:sp>
@@ -12795,6 +13226,25 @@
   <p:clrMapOvr>
     <a:masterClrMapping/>
   </p:clrMapOvr>
+  <mc:AlternateContent xmlns:mc="http://schemas.openxmlformats.org/markup-compatibility/2006">
+    <mc:Choice xmlns:p14="http://schemas.microsoft.com/office/powerpoint/2010/main" Requires="p14">
+      <p:transition spd="med" p14:dur="700">
+        <p:fade/>
+      </p:transition>
+    </mc:Choice>
+    <mc:Fallback>
+      <p:transition spd="med">
+        <p:fade/>
+      </p:transition>
+    </mc:Fallback>
+  </mc:AlternateContent>
+  <p:timing>
+    <p:tnLst>
+      <p:par>
+        <p:cTn id="1" dur="indefinite" restart="never" nodeType="tmRoot"/>
+      </p:par>
+    </p:tnLst>
+  </p:timing>
 </p:sld>
 </file>
 
@@ -12864,441 +13314,54 @@
           <a:lstStyle/>
           <a:p>
             <a:r>
-              <a:rPr lang="hu-HU" dirty="0" err="1" smtClean="0"/>
-              <a:t>With</a:t>
+              <a:rPr lang="en-GB" dirty="0" smtClean="0"/>
+              <a:t>With the help of the logging fun</a:t>
             </a:r>
             <a:r>
               <a:rPr lang="hu-HU" dirty="0" smtClean="0"/>
+              <a:t>c</a:t>
+            </a:r>
+            <a:r>
+              <a:rPr lang="en-GB" dirty="0" err="1" smtClean="0"/>
+              <a:t>tion</a:t>
+            </a:r>
+            <a:r>
+              <a:rPr lang="en-GB" dirty="0" smtClean="0"/>
+              <a:t> a new movement replay function will be developed into the software</a:t>
+            </a:r>
+          </a:p>
+          <a:p>
+            <a:r>
+              <a:rPr lang="en-GB" dirty="0" smtClean="0"/>
+              <a:t>A learning function is planned too when the servos release themselves and the user can record a series of movement by positioning the robotic arm manually</a:t>
+            </a:r>
+          </a:p>
+          <a:p>
+            <a:r>
+              <a:rPr lang="en-GB" dirty="0" smtClean="0"/>
+              <a:t>Useful for industrial uses – much easier to record operations</a:t>
+            </a:r>
+          </a:p>
+          <a:p>
+            <a:r>
+              <a:rPr lang="en-GB" dirty="0" smtClean="0"/>
+              <a:t>Useful for medical uses – rehabilitation exercise</a:t>
+            </a:r>
+            <a:r>
+              <a:rPr lang="hu-HU" dirty="0" smtClean="0"/>
+              <a:t>s</a:t>
+            </a:r>
+            <a:r>
+              <a:rPr lang="en-GB" smtClean="0"/>
               <a:t> </a:t>
             </a:r>
             <a:r>
-              <a:rPr lang="hu-HU" dirty="0" err="1" smtClean="0"/>
-              <a:t>the</a:t>
-            </a:r>
-            <a:r>
-              <a:rPr lang="hu-HU" dirty="0" smtClean="0"/>
-              <a:t> </a:t>
-            </a:r>
-            <a:r>
-              <a:rPr lang="hu-HU" dirty="0" err="1" smtClean="0"/>
-              <a:t>help</a:t>
-            </a:r>
-            <a:r>
-              <a:rPr lang="hu-HU" dirty="0" smtClean="0"/>
-              <a:t> of </a:t>
-            </a:r>
-            <a:r>
-              <a:rPr lang="hu-HU" dirty="0" err="1" smtClean="0"/>
-              <a:t>the</a:t>
-            </a:r>
-            <a:r>
-              <a:rPr lang="hu-HU" dirty="0" smtClean="0"/>
-              <a:t> </a:t>
-            </a:r>
-            <a:r>
-              <a:rPr lang="hu-HU" dirty="0" err="1" smtClean="0"/>
-              <a:t>logging</a:t>
-            </a:r>
-            <a:r>
-              <a:rPr lang="hu-HU" dirty="0" smtClean="0"/>
-              <a:t> </a:t>
-            </a:r>
-            <a:r>
-              <a:rPr lang="hu-HU" dirty="0" err="1" smtClean="0"/>
-              <a:t>funtion</a:t>
-            </a:r>
-            <a:r>
-              <a:rPr lang="hu-HU" dirty="0" smtClean="0"/>
-              <a:t> a </a:t>
-            </a:r>
-            <a:r>
-              <a:rPr lang="hu-HU" dirty="0" err="1" smtClean="0"/>
-              <a:t>new</a:t>
-            </a:r>
-            <a:r>
-              <a:rPr lang="hu-HU" dirty="0" smtClean="0"/>
-              <a:t> </a:t>
-            </a:r>
-            <a:r>
-              <a:rPr lang="hu-HU" dirty="0" err="1" smtClean="0"/>
-              <a:t>movement</a:t>
-            </a:r>
-            <a:r>
-              <a:rPr lang="hu-HU" dirty="0" smtClean="0"/>
-              <a:t> </a:t>
-            </a:r>
-            <a:r>
-              <a:rPr lang="hu-HU" dirty="0" err="1" smtClean="0"/>
-              <a:t>replay</a:t>
-            </a:r>
-            <a:r>
-              <a:rPr lang="hu-HU" dirty="0" smtClean="0"/>
-              <a:t> </a:t>
-            </a:r>
-            <a:r>
-              <a:rPr lang="hu-HU" dirty="0" err="1" smtClean="0"/>
-              <a:t>function</a:t>
-            </a:r>
-            <a:r>
-              <a:rPr lang="hu-HU" dirty="0" smtClean="0"/>
-              <a:t> </a:t>
-            </a:r>
-            <a:r>
-              <a:rPr lang="hu-HU" dirty="0" err="1" smtClean="0"/>
-              <a:t>will</a:t>
-            </a:r>
-            <a:r>
-              <a:rPr lang="hu-HU" dirty="0" smtClean="0"/>
-              <a:t> be </a:t>
-            </a:r>
-            <a:r>
-              <a:rPr lang="hu-HU" dirty="0" err="1" smtClean="0"/>
-              <a:t>developed</a:t>
-            </a:r>
-            <a:r>
-              <a:rPr lang="hu-HU" dirty="0" smtClean="0"/>
-              <a:t> </a:t>
-            </a:r>
-            <a:r>
-              <a:rPr lang="hu-HU" dirty="0" err="1" smtClean="0"/>
-              <a:t>into</a:t>
-            </a:r>
-            <a:r>
-              <a:rPr lang="hu-HU" dirty="0" smtClean="0"/>
-              <a:t> </a:t>
-            </a:r>
-            <a:r>
-              <a:rPr lang="hu-HU" dirty="0" err="1" smtClean="0"/>
-              <a:t>the</a:t>
-            </a:r>
-            <a:r>
-              <a:rPr lang="hu-HU" dirty="0" smtClean="0"/>
-              <a:t> software</a:t>
-            </a:r>
-          </a:p>
-          <a:p>
-            <a:r>
-              <a:rPr lang="hu-HU" dirty="0" smtClean="0"/>
-              <a:t>A </a:t>
-            </a:r>
-            <a:r>
-              <a:rPr lang="hu-HU" dirty="0" err="1" smtClean="0"/>
-              <a:t>learning</a:t>
-            </a:r>
-            <a:r>
-              <a:rPr lang="hu-HU" dirty="0" smtClean="0"/>
-              <a:t> </a:t>
-            </a:r>
-            <a:r>
-              <a:rPr lang="hu-HU" dirty="0" err="1" smtClean="0"/>
-              <a:t>function</a:t>
-            </a:r>
-            <a:r>
-              <a:rPr lang="hu-HU" dirty="0" smtClean="0"/>
-              <a:t> is </a:t>
-            </a:r>
-            <a:r>
-              <a:rPr lang="hu-HU" dirty="0" err="1" smtClean="0"/>
-              <a:t>planned</a:t>
-            </a:r>
-            <a:r>
-              <a:rPr lang="hu-HU" dirty="0" smtClean="0"/>
-              <a:t> </a:t>
-            </a:r>
-            <a:r>
-              <a:rPr lang="hu-HU" dirty="0" err="1" smtClean="0"/>
-              <a:t>too</a:t>
-            </a:r>
-            <a:r>
-              <a:rPr lang="hu-HU" dirty="0" smtClean="0"/>
-              <a:t> </a:t>
-            </a:r>
-            <a:r>
-              <a:rPr lang="hu-HU" dirty="0" err="1" smtClean="0"/>
-              <a:t>when</a:t>
-            </a:r>
-            <a:r>
-              <a:rPr lang="hu-HU" dirty="0" smtClean="0"/>
-              <a:t> </a:t>
-            </a:r>
-            <a:r>
-              <a:rPr lang="hu-HU" dirty="0" err="1" smtClean="0"/>
-              <a:t>the</a:t>
-            </a:r>
-            <a:r>
-              <a:rPr lang="hu-HU" dirty="0" smtClean="0"/>
-              <a:t> </a:t>
-            </a:r>
-            <a:r>
-              <a:rPr lang="hu-HU" dirty="0" err="1" smtClean="0"/>
-              <a:t>servos</a:t>
-            </a:r>
-            <a:r>
-              <a:rPr lang="hu-HU" dirty="0" smtClean="0"/>
-              <a:t> </a:t>
-            </a:r>
-            <a:r>
-              <a:rPr lang="hu-HU" dirty="0" err="1" smtClean="0"/>
-              <a:t>release</a:t>
-            </a:r>
-            <a:r>
-              <a:rPr lang="hu-HU" dirty="0" smtClean="0"/>
-              <a:t> </a:t>
-            </a:r>
-            <a:r>
-              <a:rPr lang="hu-HU" dirty="0" err="1" smtClean="0"/>
-              <a:t>themselves</a:t>
-            </a:r>
-            <a:r>
-              <a:rPr lang="hu-HU" dirty="0" smtClean="0"/>
-              <a:t> and </a:t>
-            </a:r>
-            <a:r>
-              <a:rPr lang="hu-HU" dirty="0" err="1" smtClean="0"/>
-              <a:t>the</a:t>
-            </a:r>
-            <a:r>
-              <a:rPr lang="hu-HU" dirty="0" smtClean="0"/>
-              <a:t> </a:t>
-            </a:r>
-            <a:r>
-              <a:rPr lang="hu-HU" dirty="0" err="1" smtClean="0"/>
-              <a:t>user</a:t>
-            </a:r>
-            <a:r>
-              <a:rPr lang="hu-HU" dirty="0" smtClean="0"/>
-              <a:t> </a:t>
-            </a:r>
-            <a:r>
-              <a:rPr lang="hu-HU" dirty="0" err="1" smtClean="0"/>
-              <a:t>can</a:t>
-            </a:r>
-            <a:r>
-              <a:rPr lang="hu-HU" dirty="0" smtClean="0"/>
-              <a:t> </a:t>
-            </a:r>
-            <a:r>
-              <a:rPr lang="hu-HU" dirty="0" err="1" smtClean="0"/>
-              <a:t>record</a:t>
-            </a:r>
-            <a:r>
-              <a:rPr lang="hu-HU" dirty="0" smtClean="0"/>
-              <a:t> a series of </a:t>
-            </a:r>
-            <a:r>
-              <a:rPr lang="hu-HU" dirty="0" err="1" smtClean="0"/>
-              <a:t>movement</a:t>
-            </a:r>
-            <a:r>
-              <a:rPr lang="hu-HU" dirty="0" smtClean="0"/>
-              <a:t> </a:t>
-            </a:r>
-            <a:r>
-              <a:rPr lang="hu-HU" dirty="0" err="1" smtClean="0"/>
-              <a:t>by</a:t>
-            </a:r>
-            <a:r>
-              <a:rPr lang="hu-HU" dirty="0" smtClean="0"/>
-              <a:t> </a:t>
-            </a:r>
-            <a:r>
-              <a:rPr lang="hu-HU" dirty="0" err="1" smtClean="0"/>
-              <a:t>positioning</a:t>
-            </a:r>
-            <a:r>
-              <a:rPr lang="hu-HU" dirty="0" smtClean="0"/>
-              <a:t> </a:t>
-            </a:r>
-            <a:r>
-              <a:rPr lang="hu-HU" dirty="0" err="1" smtClean="0"/>
-              <a:t>the</a:t>
-            </a:r>
-            <a:r>
-              <a:rPr lang="hu-HU" dirty="0" smtClean="0"/>
-              <a:t> </a:t>
-            </a:r>
-            <a:r>
-              <a:rPr lang="hu-HU" dirty="0" err="1" smtClean="0"/>
-              <a:t>robotic</a:t>
-            </a:r>
-            <a:r>
-              <a:rPr lang="hu-HU" dirty="0" smtClean="0"/>
-              <a:t> </a:t>
-            </a:r>
-            <a:r>
-              <a:rPr lang="hu-HU" dirty="0" err="1" smtClean="0"/>
-              <a:t>arm</a:t>
-            </a:r>
-            <a:r>
-              <a:rPr lang="hu-HU" dirty="0" smtClean="0"/>
-              <a:t> </a:t>
-            </a:r>
-            <a:r>
-              <a:rPr lang="hu-HU" dirty="0" err="1" smtClean="0"/>
-              <a:t>manually</a:t>
-            </a:r>
-            <a:endParaRPr lang="hu-HU" dirty="0" smtClean="0"/>
-          </a:p>
-          <a:p>
-            <a:r>
-              <a:rPr lang="hu-HU" dirty="0" err="1" smtClean="0"/>
-              <a:t>Useful</a:t>
-            </a:r>
-            <a:r>
-              <a:rPr lang="hu-HU" dirty="0" smtClean="0"/>
-              <a:t> </a:t>
-            </a:r>
-            <a:r>
-              <a:rPr lang="hu-HU" dirty="0" err="1" smtClean="0"/>
-              <a:t>for</a:t>
-            </a:r>
-            <a:r>
-              <a:rPr lang="hu-HU" dirty="0" smtClean="0"/>
-              <a:t> </a:t>
-            </a:r>
-            <a:r>
-              <a:rPr lang="hu-HU" dirty="0" err="1" smtClean="0"/>
-              <a:t>industrial</a:t>
-            </a:r>
-            <a:r>
-              <a:rPr lang="hu-HU" dirty="0" smtClean="0"/>
-              <a:t> </a:t>
-            </a:r>
-            <a:r>
-              <a:rPr lang="hu-HU" dirty="0" err="1" smtClean="0"/>
-              <a:t>uses</a:t>
-            </a:r>
-            <a:r>
-              <a:rPr lang="hu-HU" dirty="0" smtClean="0"/>
-              <a:t> – </a:t>
-            </a:r>
-            <a:r>
-              <a:rPr lang="hu-HU" dirty="0" err="1" smtClean="0"/>
-              <a:t>much</a:t>
-            </a:r>
-            <a:r>
-              <a:rPr lang="hu-HU" dirty="0" smtClean="0"/>
-              <a:t> </a:t>
-            </a:r>
-            <a:r>
-              <a:rPr lang="hu-HU" dirty="0" err="1" smtClean="0"/>
-              <a:t>easier</a:t>
-            </a:r>
-            <a:r>
-              <a:rPr lang="hu-HU" dirty="0" smtClean="0"/>
-              <a:t> </a:t>
-            </a:r>
-            <a:r>
-              <a:rPr lang="hu-HU" dirty="0" err="1" smtClean="0"/>
-              <a:t>to</a:t>
-            </a:r>
-            <a:r>
-              <a:rPr lang="hu-HU" dirty="0" smtClean="0"/>
-              <a:t> </a:t>
-            </a:r>
-            <a:r>
-              <a:rPr lang="hu-HU" dirty="0" err="1" smtClean="0"/>
-              <a:t>record</a:t>
-            </a:r>
-            <a:r>
-              <a:rPr lang="hu-HU" dirty="0" smtClean="0"/>
-              <a:t> </a:t>
-            </a:r>
-            <a:r>
-              <a:rPr lang="hu-HU" dirty="0" err="1" smtClean="0"/>
-              <a:t>operations</a:t>
-            </a:r>
-            <a:endParaRPr lang="hu-HU" dirty="0"/>
-          </a:p>
-          <a:p>
-            <a:r>
-              <a:rPr lang="hu-HU" dirty="0" err="1" smtClean="0"/>
-              <a:t>Useful</a:t>
-            </a:r>
-            <a:r>
-              <a:rPr lang="hu-HU" dirty="0" smtClean="0"/>
-              <a:t> </a:t>
-            </a:r>
-            <a:r>
-              <a:rPr lang="hu-HU" dirty="0" err="1" smtClean="0"/>
-              <a:t>for</a:t>
-            </a:r>
-            <a:r>
-              <a:rPr lang="hu-HU" dirty="0" smtClean="0"/>
-              <a:t> </a:t>
-            </a:r>
-            <a:r>
-              <a:rPr lang="hu-HU" dirty="0" err="1" smtClean="0"/>
-              <a:t>medical</a:t>
-            </a:r>
-            <a:r>
-              <a:rPr lang="hu-HU" dirty="0" smtClean="0"/>
-              <a:t> </a:t>
-            </a:r>
-            <a:r>
-              <a:rPr lang="hu-HU" dirty="0" err="1" smtClean="0"/>
-              <a:t>uses</a:t>
-            </a:r>
-            <a:r>
-              <a:rPr lang="hu-HU" dirty="0" smtClean="0"/>
-              <a:t> – </a:t>
-            </a:r>
-            <a:r>
-              <a:rPr lang="hu-HU" dirty="0" err="1" smtClean="0"/>
-              <a:t>rehabilitation</a:t>
-            </a:r>
-            <a:r>
-              <a:rPr lang="hu-HU" dirty="0" smtClean="0"/>
-              <a:t> </a:t>
-            </a:r>
-            <a:r>
-              <a:rPr lang="hu-HU" dirty="0" err="1" smtClean="0"/>
-              <a:t>exercies</a:t>
-            </a:r>
-            <a:r>
-              <a:rPr lang="hu-HU" dirty="0" smtClean="0"/>
-              <a:t> </a:t>
-            </a:r>
-            <a:r>
-              <a:rPr lang="hu-HU" dirty="0" err="1" smtClean="0"/>
-              <a:t>could</a:t>
-            </a:r>
-            <a:r>
-              <a:rPr lang="hu-HU" dirty="0" smtClean="0"/>
-              <a:t> be </a:t>
-            </a:r>
-            <a:r>
-              <a:rPr lang="hu-HU" dirty="0" err="1" smtClean="0"/>
-              <a:t>recorded</a:t>
-            </a:r>
-            <a:r>
-              <a:rPr lang="hu-HU" dirty="0" smtClean="0"/>
-              <a:t> and </a:t>
-            </a:r>
-            <a:r>
-              <a:rPr lang="hu-HU" dirty="0" err="1" smtClean="0"/>
-              <a:t>taught</a:t>
-            </a:r>
-            <a:r>
-              <a:rPr lang="hu-HU" dirty="0" smtClean="0"/>
-              <a:t> </a:t>
-            </a:r>
-            <a:r>
-              <a:rPr lang="hu-HU" dirty="0" err="1" smtClean="0"/>
-              <a:t>to</a:t>
-            </a:r>
-            <a:r>
-              <a:rPr lang="hu-HU" dirty="0" smtClean="0"/>
-              <a:t> </a:t>
-            </a:r>
-            <a:r>
-              <a:rPr lang="hu-HU" dirty="0" err="1" smtClean="0"/>
-              <a:t>patients</a:t>
-            </a:r>
-            <a:endParaRPr lang="hu-HU" dirty="0" smtClean="0"/>
-          </a:p>
-          <a:p>
-            <a:endParaRPr lang="hu-HU" dirty="0"/>
+              <a:rPr lang="en-GB" dirty="0" smtClean="0"/>
+              <a:t>could be recorded and taught to patients</a:t>
+            </a:r>
+          </a:p>
+          <a:p>
+            <a:endParaRPr lang="en-GB" dirty="0"/>
           </a:p>
         </p:txBody>
       </p:sp>
@@ -13312,7 +13375,7 @@
         </p:nvSpPr>
         <p:spPr>
           <a:xfrm>
-            <a:off x="4931229" y="5312982"/>
+            <a:off x="3608615" y="5326551"/>
             <a:ext cx="7128554" cy="1478570"/>
           </a:xfrm>
           <a:prstGeom prst="rect">
@@ -13387,6 +13450,38 @@
           </a:p>
         </p:txBody>
       </p:sp>
+      <p:sp>
+        <p:nvSpPr>
+          <p:cNvPr id="5" name="Dia számának helye 4"/>
+          <p:cNvSpPr>
+            <a:spLocks noGrp="1"/>
+          </p:cNvSpPr>
+          <p:nvPr>
+            <p:ph type="sldNum" sz="quarter" idx="12"/>
+          </p:nvPr>
+        </p:nvSpPr>
+        <p:spPr>
+          <a:xfrm>
+            <a:off x="10570236" y="5883273"/>
+            <a:ext cx="771089" cy="365125"/>
+          </a:xfrm>
+        </p:spPr>
+        <p:txBody>
+          <a:bodyPr/>
+          <a:lstStyle/>
+          <a:p>
+            <a:fld id="{6D22F896-40B5-4ADD-8801-0D06FADFA095}" type="slidenum">
+              <a:rPr lang="en-US" smtClean="0"/>
+              <a:t>11</a:t>
+            </a:fld>
+            <a:r>
+              <a:rPr lang="hu-HU" dirty="0"/>
+              <a:t> /11</a:t>
+            </a:r>
+            <a:endParaRPr lang="en-US" dirty="0"/>
+          </a:p>
+        </p:txBody>
+      </p:sp>
     </p:spTree>
     <p:extLst>
       <p:ext uri="{BB962C8B-B14F-4D97-AF65-F5344CB8AC3E}">
@@ -13397,6 +13492,25 @@
   <p:clrMapOvr>
     <a:masterClrMapping/>
   </p:clrMapOvr>
+  <mc:AlternateContent xmlns:mc="http://schemas.openxmlformats.org/markup-compatibility/2006">
+    <mc:Choice xmlns:p14="http://schemas.microsoft.com/office/powerpoint/2010/main" Requires="p14">
+      <p:transition spd="med" p14:dur="700">
+        <p:fade/>
+      </p:transition>
+    </mc:Choice>
+    <mc:Fallback>
+      <p:transition spd="med">
+        <p:fade/>
+      </p:transition>
+    </mc:Fallback>
+  </mc:AlternateContent>
+  <p:timing>
+    <p:tnLst>
+      <p:par>
+        <p:cTn id="1" dur="indefinite" restart="never" nodeType="tmRoot"/>
+      </p:par>
+    </p:tnLst>
+  </p:timing>
 </p:sld>
 </file>
 
@@ -13464,219 +13578,84 @@
           <a:lstStyle/>
           <a:p>
             <a:r>
-              <a:rPr lang="hu-HU" dirty="0" smtClean="0"/>
-              <a:t>A </a:t>
-            </a:r>
-            <a:r>
-              <a:rPr lang="hu-HU" dirty="0" err="1" smtClean="0"/>
-              <a:t>data</a:t>
+              <a:rPr lang="en-GB" dirty="0" smtClean="0"/>
+              <a:t>A data logging subsystem shall be designed and developed for the </a:t>
+            </a:r>
+            <a:r>
+              <a:rPr lang="en-GB" dirty="0" err="1" smtClean="0"/>
+              <a:t>Arbotix</a:t>
+            </a:r>
+            <a:r>
+              <a:rPr lang="en-GB" dirty="0" smtClean="0"/>
+              <a:t>-M </a:t>
+            </a:r>
+            <a:r>
+              <a:rPr lang="en-GB" dirty="0" err="1" smtClean="0"/>
+              <a:t>robocontroller</a:t>
+            </a:r>
+            <a:endParaRPr lang="en-GB" dirty="0" smtClean="0"/>
+          </a:p>
+          <a:p>
+            <a:r>
+              <a:rPr lang="en-GB" dirty="0" smtClean="0"/>
+              <a:t>Log</a:t>
             </a:r>
             <a:r>
               <a:rPr lang="hu-HU" dirty="0" smtClean="0"/>
               <a:t> </a:t>
             </a:r>
             <a:r>
-              <a:rPr lang="hu-HU" dirty="0" err="1" smtClean="0"/>
-              <a:t>logging</a:t>
-            </a:r>
-            <a:r>
-              <a:rPr lang="hu-HU" dirty="0" smtClean="0"/>
-              <a:t> </a:t>
-            </a:r>
-            <a:r>
-              <a:rPr lang="hu-HU" dirty="0" err="1" smtClean="0"/>
-              <a:t>subsystem</a:t>
-            </a:r>
-            <a:r>
-              <a:rPr lang="hu-HU" dirty="0" smtClean="0"/>
-              <a:t> </a:t>
-            </a:r>
-            <a:r>
-              <a:rPr lang="hu-HU" dirty="0" err="1" smtClean="0"/>
-              <a:t>shall</a:t>
-            </a:r>
-            <a:r>
-              <a:rPr lang="hu-HU" dirty="0" smtClean="0"/>
-              <a:t> be </a:t>
-            </a:r>
-            <a:r>
-              <a:rPr lang="hu-HU" dirty="0" err="1" smtClean="0"/>
-              <a:t>designed</a:t>
-            </a:r>
-            <a:r>
-              <a:rPr lang="hu-HU" dirty="0" smtClean="0"/>
-              <a:t> and </a:t>
-            </a:r>
-            <a:r>
-              <a:rPr lang="hu-HU" dirty="0" err="1" smtClean="0"/>
-              <a:t>developed</a:t>
-            </a:r>
-            <a:r>
-              <a:rPr lang="hu-HU" dirty="0" smtClean="0"/>
-              <a:t> </a:t>
-            </a:r>
-            <a:r>
-              <a:rPr lang="hu-HU" dirty="0" err="1" smtClean="0"/>
-              <a:t>for</a:t>
-            </a:r>
-            <a:r>
-              <a:rPr lang="hu-HU" dirty="0" smtClean="0"/>
-              <a:t> </a:t>
-            </a:r>
-            <a:r>
-              <a:rPr lang="hu-HU" dirty="0" err="1" smtClean="0"/>
-              <a:t>the</a:t>
-            </a:r>
-            <a:r>
-              <a:rPr lang="hu-HU" dirty="0" smtClean="0"/>
-              <a:t> </a:t>
-            </a:r>
-            <a:r>
-              <a:rPr lang="hu-HU" dirty="0" err="1" smtClean="0"/>
-              <a:t>Arbotix</a:t>
-            </a:r>
-            <a:r>
-              <a:rPr lang="hu-HU" dirty="0" smtClean="0"/>
-              <a:t>-M </a:t>
-            </a:r>
-            <a:r>
-              <a:rPr lang="hu-HU" dirty="0" err="1" smtClean="0"/>
-              <a:t>robocontroller</a:t>
-            </a:r>
-            <a:endParaRPr lang="hu-HU" dirty="0" smtClean="0"/>
-          </a:p>
-          <a:p>
-            <a:r>
-              <a:rPr lang="hu-HU" dirty="0" err="1" smtClean="0"/>
-              <a:t>Logfiles</a:t>
-            </a:r>
-            <a:r>
-              <a:rPr lang="hu-HU" dirty="0" smtClean="0"/>
-              <a:t> </a:t>
-            </a:r>
-            <a:r>
-              <a:rPr lang="hu-HU" dirty="0" err="1" smtClean="0"/>
-              <a:t>have</a:t>
-            </a:r>
-            <a:r>
-              <a:rPr lang="hu-HU" dirty="0" smtClean="0"/>
-              <a:t> </a:t>
-            </a:r>
-            <a:r>
-              <a:rPr lang="hu-HU" dirty="0" err="1" smtClean="0"/>
-              <a:t>to</a:t>
-            </a:r>
-            <a:r>
-              <a:rPr lang="hu-HU" dirty="0" smtClean="0"/>
-              <a:t> be </a:t>
-            </a:r>
-            <a:r>
-              <a:rPr lang="hu-HU" dirty="0" err="1" smtClean="0"/>
-              <a:t>stored</a:t>
-            </a:r>
-            <a:r>
-              <a:rPr lang="hu-HU" dirty="0" smtClean="0"/>
-              <a:t> </a:t>
-            </a:r>
-            <a:r>
-              <a:rPr lang="hu-HU" dirty="0" err="1" smtClean="0"/>
-              <a:t>on</a:t>
-            </a:r>
-            <a:r>
-              <a:rPr lang="hu-HU" dirty="0" smtClean="0"/>
-              <a:t> a </a:t>
-            </a:r>
-            <a:r>
-              <a:rPr lang="hu-HU" dirty="0" err="1" smtClean="0"/>
+              <a:rPr lang="en-GB" dirty="0" smtClean="0"/>
+              <a:t>files have to be stored on a </a:t>
+            </a:r>
+            <a:r>
+              <a:rPr lang="en-GB" dirty="0" err="1" smtClean="0"/>
               <a:t>microSD</a:t>
             </a:r>
             <a:r>
-              <a:rPr lang="hu-HU" dirty="0" smtClean="0"/>
-              <a:t> </a:t>
-            </a:r>
-            <a:r>
-              <a:rPr lang="hu-HU" dirty="0" err="1" smtClean="0"/>
-              <a:t>card</a:t>
-            </a:r>
-            <a:endParaRPr lang="hu-HU" dirty="0" smtClean="0"/>
-          </a:p>
-          <a:p>
-            <a:r>
-              <a:rPr lang="hu-HU" dirty="0" err="1" smtClean="0"/>
-              <a:t>At</a:t>
-            </a:r>
-            <a:r>
-              <a:rPr lang="hu-HU" dirty="0" smtClean="0"/>
-              <a:t> </a:t>
-            </a:r>
-            <a:r>
-              <a:rPr lang="hu-HU" dirty="0" err="1" smtClean="0"/>
-              <a:t>least</a:t>
-            </a:r>
-            <a:r>
-              <a:rPr lang="hu-HU" dirty="0" smtClean="0"/>
-              <a:t> 100ms </a:t>
-            </a:r>
-            <a:r>
-              <a:rPr lang="hu-HU" dirty="0" err="1" smtClean="0"/>
-              <a:t>resolution</a:t>
-            </a:r>
-            <a:endParaRPr lang="hu-HU" dirty="0" smtClean="0"/>
-          </a:p>
-          <a:p>
-            <a:r>
-              <a:rPr lang="hu-HU" dirty="0" err="1" smtClean="0"/>
-              <a:t>Choose</a:t>
-            </a:r>
-            <a:r>
-              <a:rPr lang="hu-HU" dirty="0" smtClean="0"/>
-              <a:t> </a:t>
-            </a:r>
-            <a:r>
-              <a:rPr lang="hu-HU" dirty="0" err="1" smtClean="0"/>
-              <a:t>the</a:t>
-            </a:r>
-            <a:r>
-              <a:rPr lang="hu-HU" dirty="0" smtClean="0"/>
-              <a:t> </a:t>
-            </a:r>
-            <a:r>
-              <a:rPr lang="hu-HU" dirty="0" err="1" smtClean="0"/>
-              <a:t>proper</a:t>
-            </a:r>
-            <a:r>
-              <a:rPr lang="hu-HU" dirty="0" smtClean="0"/>
-              <a:t> hardware </a:t>
-            </a:r>
-            <a:r>
-              <a:rPr lang="hu-HU" dirty="0" err="1" smtClean="0"/>
-              <a:t>elements</a:t>
-            </a:r>
-            <a:r>
-              <a:rPr lang="hu-HU" dirty="0" smtClean="0"/>
-              <a:t>, design </a:t>
-            </a:r>
-            <a:r>
-              <a:rPr lang="hu-HU" dirty="0" err="1" smtClean="0"/>
-              <a:t>the</a:t>
-            </a:r>
-            <a:r>
-              <a:rPr lang="hu-HU" dirty="0" smtClean="0"/>
-              <a:t> </a:t>
-            </a:r>
-            <a:r>
-              <a:rPr lang="hu-HU" dirty="0" err="1" smtClean="0"/>
-              <a:t>data</a:t>
-            </a:r>
-            <a:r>
-              <a:rPr lang="hu-HU" dirty="0" smtClean="0"/>
-              <a:t> </a:t>
-            </a:r>
-            <a:r>
-              <a:rPr lang="hu-HU" dirty="0" err="1" smtClean="0"/>
-              <a:t>structure</a:t>
-            </a:r>
-            <a:endParaRPr lang="hu-HU" dirty="0"/>
+              <a:rPr lang="en-GB" dirty="0" smtClean="0"/>
+              <a:t> card</a:t>
+            </a:r>
+          </a:p>
+          <a:p>
+            <a:r>
+              <a:rPr lang="en-GB" dirty="0" smtClean="0"/>
+              <a:t>At least 100ms resolution</a:t>
+            </a:r>
+          </a:p>
+          <a:p>
+            <a:r>
+              <a:rPr lang="en-GB" dirty="0" smtClean="0"/>
+              <a:t>Choose the proper hardware elements, design the data structure</a:t>
+            </a:r>
+            <a:endParaRPr lang="en-GB" dirty="0"/>
+          </a:p>
+        </p:txBody>
+      </p:sp>
+      <p:sp>
+        <p:nvSpPr>
+          <p:cNvPr id="4" name="Dia számának helye 3"/>
+          <p:cNvSpPr>
+            <a:spLocks noGrp="1"/>
+          </p:cNvSpPr>
+          <p:nvPr>
+            <p:ph type="sldNum" sz="quarter" idx="12"/>
+          </p:nvPr>
+        </p:nvSpPr>
+        <p:spPr/>
+        <p:txBody>
+          <a:bodyPr/>
+          <a:lstStyle/>
+          <a:p>
+            <a:fld id="{6D22F896-40B5-4ADD-8801-0D06FADFA095}" type="slidenum">
+              <a:rPr lang="en-US" smtClean="0"/>
+              <a:t>2</a:t>
+            </a:fld>
+            <a:r>
+              <a:rPr lang="hu-HU" dirty="0"/>
+              <a:t> /11</a:t>
+            </a:r>
+            <a:endParaRPr lang="en-US" dirty="0"/>
           </a:p>
         </p:txBody>
       </p:sp>
@@ -13690,6 +13669,25 @@
   <p:clrMapOvr>
     <a:masterClrMapping/>
   </p:clrMapOvr>
+  <mc:AlternateContent xmlns:mc="http://schemas.openxmlformats.org/markup-compatibility/2006">
+    <mc:Choice xmlns:p14="http://schemas.microsoft.com/office/powerpoint/2010/main" Requires="p14">
+      <p:transition spd="med" p14:dur="700">
+        <p:fade/>
+      </p:transition>
+    </mc:Choice>
+    <mc:Fallback>
+      <p:transition spd="med">
+        <p:fade/>
+      </p:transition>
+    </mc:Fallback>
+  </mc:AlternateContent>
+  <p:timing>
+    <p:tnLst>
+      <p:par>
+        <p:cTn id="1" dur="indefinite" restart="never" nodeType="tmRoot"/>
+      </p:par>
+    </p:tnLst>
+  </p:timing>
 </p:sld>
 </file>
 
@@ -13785,198 +13783,71 @@
           </a:p>
           <a:p>
             <a:r>
-              <a:rPr lang="hu-HU" i="1" dirty="0" err="1" smtClean="0"/>
-              <a:t>What</a:t>
-            </a:r>
-            <a:r>
-              <a:rPr lang="hu-HU" i="1" dirty="0" smtClean="0"/>
-              <a:t> is </a:t>
-            </a:r>
-            <a:r>
-              <a:rPr lang="hu-HU" i="1" dirty="0" err="1" smtClean="0"/>
-              <a:t>data</a:t>
-            </a:r>
-            <a:r>
-              <a:rPr lang="hu-HU" i="1" dirty="0" smtClean="0"/>
-              <a:t> </a:t>
-            </a:r>
-            <a:r>
-              <a:rPr lang="hu-HU" i="1" dirty="0" err="1" smtClean="0"/>
-              <a:t>logging</a:t>
-            </a:r>
-            <a:r>
-              <a:rPr lang="hu-HU" i="1" dirty="0" smtClean="0"/>
-              <a:t>?</a:t>
+              <a:rPr lang="en-GB" dirty="0" smtClean="0"/>
+              <a:t>What is data logging?</a:t>
             </a:r>
           </a:p>
           <a:p>
             <a:pPr lvl="1"/>
             <a:r>
-              <a:rPr lang="hu-HU" i="1" dirty="0" err="1" smtClean="0"/>
-              <a:t>Process</a:t>
-            </a:r>
-            <a:r>
-              <a:rPr lang="hu-HU" i="1" dirty="0" smtClean="0"/>
-              <a:t> of </a:t>
-            </a:r>
-            <a:r>
-              <a:rPr lang="hu-HU" i="1" dirty="0" err="1" smtClean="0"/>
-              <a:t>collecting</a:t>
-            </a:r>
-            <a:r>
-              <a:rPr lang="hu-HU" i="1" dirty="0" smtClean="0"/>
-              <a:t> and </a:t>
-            </a:r>
-            <a:r>
-              <a:rPr lang="hu-HU" i="1" dirty="0" err="1" smtClean="0"/>
-              <a:t>recording</a:t>
-            </a:r>
-            <a:r>
-              <a:rPr lang="hu-HU" i="1" dirty="0" smtClean="0"/>
-              <a:t> </a:t>
-            </a:r>
-            <a:r>
-              <a:rPr lang="hu-HU" i="1" dirty="0" err="1" smtClean="0"/>
-              <a:t>data</a:t>
-            </a:r>
-            <a:r>
-              <a:rPr lang="hu-HU" i="1" dirty="0" smtClean="0"/>
-              <a:t> </a:t>
-            </a:r>
-            <a:r>
-              <a:rPr lang="hu-HU" i="1" dirty="0" err="1" smtClean="0"/>
-              <a:t>from</a:t>
-            </a:r>
-            <a:r>
-              <a:rPr lang="hu-HU" i="1" dirty="0" smtClean="0"/>
-              <a:t> </a:t>
-            </a:r>
-            <a:r>
-              <a:rPr lang="hu-HU" i="1" dirty="0" err="1" smtClean="0"/>
-              <a:t>sensor</a:t>
-            </a:r>
-            <a:r>
-              <a:rPr lang="hu-HU" i="1" dirty="0" smtClean="0"/>
-              <a:t> </a:t>
-            </a:r>
-            <a:r>
-              <a:rPr lang="hu-HU" i="1" dirty="0" err="1" smtClean="0"/>
-              <a:t>outputs</a:t>
-            </a:r>
-            <a:r>
-              <a:rPr lang="hu-HU" i="1" dirty="0" smtClean="0"/>
-              <a:t> </a:t>
-            </a:r>
-            <a:r>
-              <a:rPr lang="hu-HU" i="1" dirty="0" err="1" smtClean="0"/>
-              <a:t>automatically</a:t>
-            </a:r>
-            <a:endParaRPr lang="hu-HU" i="1" dirty="0" smtClean="0"/>
-          </a:p>
-          <a:p>
-            <a:r>
-              <a:rPr lang="hu-HU" i="1" dirty="0" err="1" smtClean="0"/>
-              <a:t>Logger</a:t>
-            </a:r>
-            <a:r>
-              <a:rPr lang="hu-HU" i="1" dirty="0" smtClean="0"/>
-              <a:t> </a:t>
-            </a:r>
-            <a:r>
-              <a:rPr lang="hu-HU" i="1" dirty="0" err="1" smtClean="0"/>
-              <a:t>element</a:t>
-            </a:r>
-            <a:r>
-              <a:rPr lang="hu-HU" i="1" dirty="0" smtClean="0"/>
-              <a:t> is </a:t>
-            </a:r>
-            <a:r>
-              <a:rPr lang="hu-HU" i="1" dirty="0" err="1" smtClean="0"/>
-              <a:t>needed</a:t>
-            </a:r>
-            <a:r>
-              <a:rPr lang="hu-HU" i="1" dirty="0" smtClean="0"/>
-              <a:t> </a:t>
+              <a:rPr lang="en-GB" sz="2400" dirty="0" smtClean="0"/>
+              <a:t>Process of collecting and recording data from sensor outputs automatically</a:t>
+            </a:r>
+          </a:p>
+          <a:p>
+            <a:r>
+              <a:rPr lang="en-GB" dirty="0" smtClean="0"/>
+              <a:t>Logger element is needed </a:t>
             </a:r>
           </a:p>
           <a:p>
             <a:pPr lvl="1"/>
             <a:r>
-              <a:rPr lang="hu-HU" i="1" dirty="0" smtClean="0"/>
-              <a:t>LVC125A chip </a:t>
-            </a:r>
-            <a:r>
-              <a:rPr lang="hu-HU" i="1" dirty="0" err="1" smtClean="0"/>
-              <a:t>based</a:t>
-            </a:r>
-            <a:r>
-              <a:rPr lang="hu-HU" i="1" dirty="0" smtClean="0"/>
-              <a:t> </a:t>
-            </a:r>
-            <a:r>
-              <a:rPr lang="hu-HU" i="1" dirty="0" err="1" smtClean="0"/>
+              <a:rPr lang="en-GB" sz="2400" dirty="0" smtClean="0"/>
+              <a:t>LVC125A chip based </a:t>
+            </a:r>
+            <a:r>
+              <a:rPr lang="en-GB" sz="2400" dirty="0" err="1" smtClean="0"/>
               <a:t>microSD</a:t>
             </a:r>
             <a:r>
-              <a:rPr lang="hu-HU" i="1" dirty="0" smtClean="0"/>
-              <a:t> </a:t>
-            </a:r>
-            <a:r>
-              <a:rPr lang="hu-HU" i="1" dirty="0" err="1" smtClean="0"/>
-              <a:t>card</a:t>
-            </a:r>
-            <a:r>
-              <a:rPr lang="hu-HU" i="1" dirty="0" smtClean="0"/>
-              <a:t> </a:t>
-            </a:r>
-            <a:r>
-              <a:rPr lang="hu-HU" i="1" dirty="0" err="1" smtClean="0"/>
-              <a:t>adaptor</a:t>
-            </a:r>
-            <a:endParaRPr lang="hu-HU" i="1" dirty="0" smtClean="0"/>
-          </a:p>
-          <a:p>
-            <a:r>
-              <a:rPr lang="hu-HU" i="1" dirty="0" smtClean="0"/>
-              <a:t>Must NOT </a:t>
-            </a:r>
-            <a:r>
-              <a:rPr lang="hu-HU" i="1" dirty="0" err="1" smtClean="0"/>
-              <a:t>disturb</a:t>
-            </a:r>
-            <a:r>
-              <a:rPr lang="hu-HU" i="1" dirty="0" smtClean="0"/>
-              <a:t> </a:t>
-            </a:r>
-            <a:r>
-              <a:rPr lang="hu-HU" i="1" dirty="0" err="1" smtClean="0"/>
-              <a:t>the</a:t>
-            </a:r>
-            <a:r>
-              <a:rPr lang="hu-HU" i="1" dirty="0" smtClean="0"/>
-              <a:t> </a:t>
-            </a:r>
-            <a:r>
-              <a:rPr lang="hu-HU" i="1" dirty="0" err="1" smtClean="0"/>
-              <a:t>observed</a:t>
-            </a:r>
-            <a:r>
-              <a:rPr lang="hu-HU" i="1" dirty="0" smtClean="0"/>
-              <a:t> </a:t>
-            </a:r>
-            <a:r>
-              <a:rPr lang="hu-HU" i="1" dirty="0" err="1" smtClean="0"/>
-              <a:t>system’s</a:t>
-            </a:r>
-            <a:r>
-              <a:rPr lang="hu-HU" i="1" dirty="0" smtClean="0"/>
-              <a:t> </a:t>
-            </a:r>
-            <a:r>
-              <a:rPr lang="hu-HU" i="1" dirty="0" err="1" smtClean="0"/>
-              <a:t>behaviour</a:t>
-            </a:r>
-            <a:endParaRPr lang="hu-HU" i="1" dirty="0"/>
+              <a:rPr lang="en-GB" sz="2400" dirty="0" smtClean="0"/>
+              <a:t> card adaptor</a:t>
+            </a:r>
+          </a:p>
+          <a:p>
+            <a:r>
+              <a:rPr lang="en-GB" dirty="0" smtClean="0"/>
+              <a:t>Must NOT disturb the observed system’s behaviour</a:t>
+            </a:r>
+            <a:endParaRPr lang="en-GB" dirty="0"/>
+          </a:p>
+        </p:txBody>
+      </p:sp>
+      <p:sp>
+        <p:nvSpPr>
+          <p:cNvPr id="4" name="Dia számának helye 3"/>
+          <p:cNvSpPr>
+            <a:spLocks noGrp="1"/>
+          </p:cNvSpPr>
+          <p:nvPr>
+            <p:ph type="sldNum" sz="quarter" idx="12"/>
+          </p:nvPr>
+        </p:nvSpPr>
+        <p:spPr/>
+        <p:txBody>
+          <a:bodyPr/>
+          <a:lstStyle/>
+          <a:p>
+            <a:fld id="{6D22F896-40B5-4ADD-8801-0D06FADFA095}" type="slidenum">
+              <a:rPr lang="en-US" smtClean="0"/>
+              <a:t>3</a:t>
+            </a:fld>
+            <a:r>
+              <a:rPr lang="hu-HU" dirty="0"/>
+              <a:t> /11</a:t>
+            </a:r>
+            <a:endParaRPr lang="en-US" dirty="0"/>
           </a:p>
         </p:txBody>
       </p:sp>
@@ -13990,6 +13861,25 @@
   <p:clrMapOvr>
     <a:masterClrMapping/>
   </p:clrMapOvr>
+  <mc:AlternateContent xmlns:mc="http://schemas.openxmlformats.org/markup-compatibility/2006">
+    <mc:Choice xmlns:p14="http://schemas.microsoft.com/office/powerpoint/2010/main" Requires="p14">
+      <p:transition spd="med" p14:dur="700">
+        <p:fade/>
+      </p:transition>
+    </mc:Choice>
+    <mc:Fallback>
+      <p:transition spd="med">
+        <p:fade/>
+      </p:transition>
+    </mc:Fallback>
+  </mc:AlternateContent>
+  <p:timing>
+    <p:tnLst>
+      <p:par>
+        <p:cTn id="1" dur="indefinite" restart="never" nodeType="tmRoot"/>
+      </p:par>
+    </p:tnLst>
+  </p:timing>
 </p:sld>
 </file>
 
@@ -14628,6 +14518,33 @@
           </p:txBody>
         </p:sp>
       </p:grpSp>
+      <p:sp>
+        <p:nvSpPr>
+          <p:cNvPr id="3" name="Dia számának helye 2"/>
+          <p:cNvSpPr>
+            <a:spLocks noGrp="1"/>
+          </p:cNvSpPr>
+          <p:nvPr>
+            <p:ph type="sldNum" sz="quarter" idx="12"/>
+          </p:nvPr>
+        </p:nvSpPr>
+        <p:spPr/>
+        <p:txBody>
+          <a:bodyPr/>
+          <a:lstStyle/>
+          <a:p>
+            <a:fld id="{6D22F896-40B5-4ADD-8801-0D06FADFA095}" type="slidenum">
+              <a:rPr lang="en-US" smtClean="0"/>
+              <a:t>4</a:t>
+            </a:fld>
+            <a:r>
+              <a:rPr lang="hu-HU" dirty="0"/>
+              <a:t> /11</a:t>
+            </a:r>
+            <a:endParaRPr lang="en-US" dirty="0"/>
+          </a:p>
+        </p:txBody>
+      </p:sp>
     </p:spTree>
     <p:extLst>
       <p:ext uri="{BB962C8B-B14F-4D97-AF65-F5344CB8AC3E}">
@@ -14638,6 +14555,25 @@
   <p:clrMapOvr>
     <a:masterClrMapping/>
   </p:clrMapOvr>
+  <mc:AlternateContent xmlns:mc="http://schemas.openxmlformats.org/markup-compatibility/2006">
+    <mc:Choice xmlns:p14="http://schemas.microsoft.com/office/powerpoint/2010/main" Requires="p14">
+      <p:transition spd="med" p14:dur="700">
+        <p:fade/>
+      </p:transition>
+    </mc:Choice>
+    <mc:Fallback>
+      <p:transition spd="med">
+        <p:fade/>
+      </p:transition>
+    </mc:Fallback>
+  </mc:AlternateContent>
+  <p:timing>
+    <p:tnLst>
+      <p:par>
+        <p:cTn id="1" dur="indefinite" restart="never" nodeType="tmRoot"/>
+      </p:par>
+    </p:tnLst>
+  </p:timing>
 </p:sld>
 </file>
 
@@ -14697,246 +14633,77 @@
           <a:lstStyle/>
           <a:p>
             <a:r>
-              <a:rPr lang="hu-HU" dirty="0" smtClean="0"/>
-              <a:t>System design and </a:t>
-            </a:r>
-            <a:r>
-              <a:rPr lang="hu-HU" dirty="0" err="1" smtClean="0"/>
-              <a:t>development</a:t>
-            </a:r>
-            <a:r>
-              <a:rPr lang="hu-HU" dirty="0" smtClean="0"/>
-              <a:t> has </a:t>
-            </a:r>
-            <a:r>
-              <a:rPr lang="hu-HU" dirty="0" err="1" smtClean="0"/>
-              <a:t>been</a:t>
-            </a:r>
-            <a:r>
-              <a:rPr lang="hu-HU" dirty="0" smtClean="0"/>
-              <a:t> </a:t>
-            </a:r>
-            <a:r>
-              <a:rPr lang="hu-HU" dirty="0" err="1" smtClean="0"/>
-              <a:t>driven</a:t>
-            </a:r>
-            <a:r>
-              <a:rPr lang="hu-HU" dirty="0" smtClean="0"/>
-              <a:t> </a:t>
-            </a:r>
-            <a:r>
-              <a:rPr lang="hu-HU" dirty="0" err="1" smtClean="0"/>
-              <a:t>by</a:t>
-            </a:r>
-            <a:r>
-              <a:rPr lang="hu-HU" dirty="0" smtClean="0"/>
-              <a:t> </a:t>
-            </a:r>
-            <a:r>
-              <a:rPr lang="hu-HU" dirty="0" err="1" smtClean="0"/>
-              <a:t>requirements</a:t>
-            </a:r>
-            <a:endParaRPr lang="hu-HU" dirty="0" smtClean="0"/>
-          </a:p>
-          <a:p>
-            <a:r>
-              <a:rPr lang="hu-HU" dirty="0" smtClean="0"/>
-              <a:t>I </a:t>
-            </a:r>
-            <a:r>
-              <a:rPr lang="hu-HU" dirty="0" err="1" smtClean="0"/>
-              <a:t>have</a:t>
-            </a:r>
-            <a:r>
-              <a:rPr lang="hu-HU" dirty="0" smtClean="0"/>
-              <a:t> </a:t>
-            </a:r>
-            <a:r>
-              <a:rPr lang="hu-HU" dirty="0" err="1" smtClean="0"/>
-              <a:t>defined</a:t>
-            </a:r>
-            <a:r>
-              <a:rPr lang="hu-HU" dirty="0" smtClean="0"/>
-              <a:t> </a:t>
-            </a:r>
-            <a:r>
-              <a:rPr lang="hu-HU" dirty="0" err="1" smtClean="0"/>
-              <a:t>two</a:t>
-            </a:r>
-            <a:r>
-              <a:rPr lang="hu-HU" dirty="0" smtClean="0"/>
-              <a:t> </a:t>
-            </a:r>
-            <a:r>
-              <a:rPr lang="hu-HU" dirty="0" err="1" smtClean="0"/>
-              <a:t>types</a:t>
-            </a:r>
-            <a:r>
-              <a:rPr lang="hu-HU" dirty="0" smtClean="0"/>
-              <a:t> of </a:t>
-            </a:r>
-            <a:r>
-              <a:rPr lang="hu-HU" dirty="0" err="1" smtClean="0"/>
-              <a:t>requirements</a:t>
-            </a:r>
-            <a:r>
-              <a:rPr lang="hu-HU" dirty="0" smtClean="0"/>
-              <a:t>:</a:t>
+              <a:rPr lang="en-GB" dirty="0" smtClean="0"/>
+              <a:t>System design and development has been driven by requirements</a:t>
+            </a:r>
+          </a:p>
+          <a:p>
+            <a:r>
+              <a:rPr lang="en-GB" dirty="0" smtClean="0"/>
+              <a:t>I have defined two types of requirements:</a:t>
             </a:r>
           </a:p>
           <a:p>
             <a:pPr lvl="1"/>
             <a:r>
-              <a:rPr lang="hu-HU" dirty="0" smtClean="0"/>
-              <a:t>System </a:t>
-            </a:r>
-            <a:r>
-              <a:rPr lang="hu-HU" dirty="0" err="1" smtClean="0"/>
-              <a:t>requirements</a:t>
-            </a:r>
-            <a:endParaRPr lang="hu-HU" dirty="0" smtClean="0"/>
+              <a:rPr lang="en-GB" dirty="0" smtClean="0"/>
+              <a:t>System requirements</a:t>
+            </a:r>
           </a:p>
           <a:p>
             <a:pPr lvl="1"/>
             <a:r>
-              <a:rPr lang="hu-HU" dirty="0" smtClean="0"/>
-              <a:t>Software </a:t>
-            </a:r>
-            <a:r>
-              <a:rPr lang="hu-HU" dirty="0" err="1" smtClean="0"/>
-              <a:t>requirements</a:t>
-            </a:r>
-            <a:endParaRPr lang="hu-HU" dirty="0" smtClean="0"/>
-          </a:p>
-          <a:p>
-            <a:r>
-              <a:rPr lang="hu-HU" dirty="0" smtClean="0"/>
-              <a:t>System </a:t>
-            </a:r>
-            <a:r>
-              <a:rPr lang="hu-HU" dirty="0" err="1" smtClean="0"/>
-              <a:t>requirements</a:t>
-            </a:r>
-            <a:r>
-              <a:rPr lang="hu-HU" dirty="0" smtClean="0"/>
-              <a:t> </a:t>
-            </a:r>
-            <a:r>
-              <a:rPr lang="hu-HU" dirty="0" err="1" smtClean="0"/>
-              <a:t>contain</a:t>
-            </a:r>
-            <a:r>
-              <a:rPr lang="hu-HU" dirty="0" smtClean="0"/>
-              <a:t> hardware </a:t>
-            </a:r>
-            <a:r>
-              <a:rPr lang="hu-HU" dirty="0" err="1" smtClean="0"/>
-              <a:t>description</a:t>
-            </a:r>
-            <a:r>
-              <a:rPr lang="hu-HU" dirty="0" smtClean="0"/>
-              <a:t> and </a:t>
-            </a:r>
-            <a:r>
-              <a:rPr lang="hu-HU" dirty="0" err="1" smtClean="0"/>
-              <a:t>some</a:t>
-            </a:r>
-            <a:r>
-              <a:rPr lang="hu-HU" dirty="0" smtClean="0"/>
-              <a:t> mid </a:t>
-            </a:r>
-            <a:r>
-              <a:rPr lang="hu-HU" dirty="0" err="1" smtClean="0"/>
-              <a:t>level</a:t>
-            </a:r>
-            <a:r>
-              <a:rPr lang="hu-HU" dirty="0" smtClean="0"/>
-              <a:t> </a:t>
-            </a:r>
-            <a:r>
-              <a:rPr lang="hu-HU" dirty="0" err="1" smtClean="0"/>
-              <a:t>criteria</a:t>
-            </a:r>
-            <a:endParaRPr lang="hu-HU" dirty="0" smtClean="0"/>
-          </a:p>
-          <a:p>
-            <a:r>
-              <a:rPr lang="hu-HU" dirty="0" smtClean="0"/>
-              <a:t>Software </a:t>
-            </a:r>
-            <a:r>
-              <a:rPr lang="hu-HU" dirty="0" err="1" smtClean="0"/>
-              <a:t>requirements</a:t>
-            </a:r>
-            <a:r>
-              <a:rPr lang="hu-HU" dirty="0" smtClean="0"/>
-              <a:t> </a:t>
-            </a:r>
-            <a:r>
-              <a:rPr lang="hu-HU" dirty="0" err="1" smtClean="0"/>
-              <a:t>contain</a:t>
-            </a:r>
-            <a:r>
-              <a:rPr lang="hu-HU" dirty="0" smtClean="0"/>
-              <a:t> </a:t>
-            </a:r>
-            <a:r>
-              <a:rPr lang="hu-HU" dirty="0" err="1" smtClean="0"/>
-              <a:t>the</a:t>
-            </a:r>
-            <a:r>
-              <a:rPr lang="hu-HU" dirty="0" smtClean="0"/>
-              <a:t> </a:t>
-            </a:r>
-            <a:r>
-              <a:rPr lang="hu-HU" dirty="0" err="1" smtClean="0"/>
-              <a:t>description</a:t>
-            </a:r>
-            <a:r>
-              <a:rPr lang="hu-HU" dirty="0" smtClean="0"/>
-              <a:t> of SW </a:t>
-            </a:r>
-            <a:r>
-              <a:rPr lang="hu-HU" dirty="0" err="1" smtClean="0"/>
-              <a:t>functionalities</a:t>
-            </a:r>
-            <a:r>
-              <a:rPr lang="hu-HU" dirty="0" smtClean="0"/>
-              <a:t> and </a:t>
-            </a:r>
-            <a:r>
-              <a:rPr lang="hu-HU" dirty="0" err="1" smtClean="0"/>
-              <a:t>some</a:t>
-            </a:r>
-            <a:r>
-              <a:rPr lang="hu-HU" dirty="0" smtClean="0"/>
-              <a:t> non-</a:t>
-            </a:r>
-            <a:r>
-              <a:rPr lang="hu-HU" dirty="0" err="1" smtClean="0"/>
-              <a:t>functional</a:t>
-            </a:r>
-            <a:r>
-              <a:rPr lang="hu-HU" dirty="0" smtClean="0"/>
-              <a:t> </a:t>
-            </a:r>
-            <a:r>
-              <a:rPr lang="hu-HU" dirty="0" err="1" smtClean="0"/>
-              <a:t>details</a:t>
-            </a:r>
-            <a:r>
-              <a:rPr lang="hu-HU" dirty="0" smtClean="0"/>
-              <a:t>, </a:t>
-            </a:r>
-            <a:r>
-              <a:rPr lang="hu-HU" dirty="0" err="1" smtClean="0"/>
+              <a:rPr lang="en-GB" dirty="0" smtClean="0"/>
+              <a:t>Software requirements</a:t>
+            </a:r>
+          </a:p>
+          <a:p>
+            <a:r>
+              <a:rPr lang="en-GB" dirty="0" smtClean="0"/>
+              <a:t>System requirements contain hardware description and some mid level criteria</a:t>
+            </a:r>
+          </a:p>
+          <a:p>
+            <a:r>
+              <a:rPr lang="en-GB" dirty="0" smtClean="0"/>
+              <a:t>Software requirements contain the description of SW functionalities and some non-functional details, </a:t>
+            </a:r>
+            <a:r>
+              <a:rPr lang="en-GB" dirty="0" err="1" smtClean="0"/>
               <a:t>e.g</a:t>
             </a:r>
             <a:r>
-              <a:rPr lang="hu-HU" dirty="0" smtClean="0"/>
+              <a:rPr lang="en-GB" dirty="0" smtClean="0"/>
               <a:t>: Arduino IDE version</a:t>
             </a:r>
-            <a:endParaRPr lang="hu-HU" dirty="0"/>
+            <a:endParaRPr lang="en-GB" dirty="0"/>
+          </a:p>
+        </p:txBody>
+      </p:sp>
+      <p:sp>
+        <p:nvSpPr>
+          <p:cNvPr id="4" name="Dia számának helye 3"/>
+          <p:cNvSpPr>
+            <a:spLocks noGrp="1"/>
+          </p:cNvSpPr>
+          <p:nvPr>
+            <p:ph type="sldNum" sz="quarter" idx="12"/>
+          </p:nvPr>
+        </p:nvSpPr>
+        <p:spPr/>
+        <p:txBody>
+          <a:bodyPr/>
+          <a:lstStyle/>
+          <a:p>
+            <a:fld id="{6D22F896-40B5-4ADD-8801-0D06FADFA095}" type="slidenum">
+              <a:rPr lang="en-US" smtClean="0"/>
+              <a:t>5</a:t>
+            </a:fld>
+            <a:r>
+              <a:rPr lang="hu-HU" dirty="0"/>
+              <a:t> /11</a:t>
+            </a:r>
+            <a:endParaRPr lang="en-US" dirty="0"/>
           </a:p>
         </p:txBody>
       </p:sp>
@@ -14950,6 +14717,25 @@
   <p:clrMapOvr>
     <a:masterClrMapping/>
   </p:clrMapOvr>
+  <mc:AlternateContent xmlns:mc="http://schemas.openxmlformats.org/markup-compatibility/2006">
+    <mc:Choice xmlns:p14="http://schemas.microsoft.com/office/powerpoint/2010/main" Requires="p14">
+      <p:transition spd="med" p14:dur="700">
+        <p:fade/>
+      </p:transition>
+    </mc:Choice>
+    <mc:Fallback>
+      <p:transition spd="med">
+        <p:fade/>
+      </p:transition>
+    </mc:Fallback>
+  </mc:AlternateContent>
+  <p:timing>
+    <p:tnLst>
+      <p:par>
+        <p:cTn id="1" dur="indefinite" restart="never" nodeType="tmRoot"/>
+      </p:par>
+    </p:tnLst>
+  </p:timing>
 </p:sld>
 </file>
 
@@ -15009,7 +14795,7 @@
         </p:nvSpPr>
         <p:spPr/>
         <p:txBody>
-          <a:bodyPr>
+          <a:bodyPr vert="horz" lIns="91440" tIns="45720" rIns="91440" bIns="45720" rtlCol="0">
             <a:normAutofit fontScale="70000" lnSpcReduction="20000"/>
           </a:bodyPr>
           <a:lstStyle/>
@@ -15031,10 +14817,10 @@
               <a:t> has exactly the same input and output pins as and Arduino Uno </a:t>
             </a:r>
             <a:r>
-              <a:rPr lang="en-US" dirty="0" smtClean="0"/>
+              <a:rPr lang="en-US" dirty="0"/>
               <a:t>microcontroller</a:t>
             </a:r>
-            <a:endParaRPr lang="hu-HU" dirty="0" smtClean="0"/>
+            <a:endParaRPr lang="hu-HU" dirty="0"/>
           </a:p>
           <a:p>
             <a:r>
@@ -15122,14 +14908,14 @@
               <a:t>side</a:t>
             </a:r>
             <a:r>
-              <a:rPr lang="hu-HU" dirty="0" smtClean="0"/>
+              <a:rPr lang="hu-HU" dirty="0"/>
               <a:t>):</a:t>
             </a:r>
           </a:p>
           <a:p>
             <a:pPr lvl="1"/>
             <a:r>
-              <a:rPr lang="hu-HU" dirty="0" smtClean="0"/>
+              <a:rPr lang="hu-HU" dirty="0"/>
               <a:t>Digital </a:t>
             </a:r>
             <a:r>
@@ -15140,7 +14926,7 @@
           <a:p>
             <a:pPr lvl="1"/>
             <a:r>
-              <a:rPr lang="hu-HU" dirty="0" smtClean="0"/>
+              <a:rPr lang="hu-HU" dirty="0"/>
               <a:t>Digital </a:t>
             </a:r>
             <a:r>
@@ -15151,7 +14937,7 @@
           <a:p>
             <a:pPr lvl="1"/>
             <a:r>
-              <a:rPr lang="hu-HU" dirty="0" smtClean="0"/>
+              <a:rPr lang="hu-HU" dirty="0"/>
               <a:t>Digital </a:t>
             </a:r>
             <a:r>
@@ -15212,7 +14998,7 @@
           <a:p>
             <a:pPr lvl="1"/>
             <a:r>
-              <a:rPr lang="hu-HU" dirty="0" smtClean="0"/>
+              <a:rPr lang="hu-HU" dirty="0"/>
               <a:t>Digital </a:t>
             </a:r>
             <a:r>
@@ -15223,7 +15009,7 @@
           <a:p>
             <a:pPr lvl="1"/>
             <a:r>
-              <a:rPr lang="hu-HU" dirty="0" smtClean="0"/>
+              <a:rPr lang="hu-HU" dirty="0"/>
               <a:t>Digital </a:t>
             </a:r>
             <a:r>
@@ -15234,7 +15020,7 @@
           <a:p>
             <a:pPr lvl="1"/>
             <a:r>
-              <a:rPr lang="hu-HU" dirty="0" smtClean="0"/>
+              <a:rPr lang="hu-HU" dirty="0"/>
               <a:t>Digital </a:t>
             </a:r>
             <a:r>
@@ -15245,14 +15031,40 @@
           <a:p>
             <a:pPr lvl="1"/>
             <a:r>
-              <a:rPr lang="hu-HU" dirty="0" smtClean="0"/>
+              <a:rPr lang="hu-HU" dirty="0"/>
               <a:t>Digital </a:t>
             </a:r>
             <a:r>
               <a:rPr lang="hu-HU" dirty="0"/>
               <a:t>pin 13: SCK</a:t>
             </a:r>
-            <a:endParaRPr lang="hu-HU" dirty="0"/>
+          </a:p>
+        </p:txBody>
+      </p:sp>
+      <p:sp>
+        <p:nvSpPr>
+          <p:cNvPr id="4" name="Dia számának helye 3"/>
+          <p:cNvSpPr>
+            <a:spLocks noGrp="1"/>
+          </p:cNvSpPr>
+          <p:nvPr>
+            <p:ph type="sldNum" sz="quarter" idx="12"/>
+          </p:nvPr>
+        </p:nvSpPr>
+        <p:spPr/>
+        <p:txBody>
+          <a:bodyPr/>
+          <a:lstStyle/>
+          <a:p>
+            <a:fld id="{6D22F896-40B5-4ADD-8801-0D06FADFA095}" type="slidenum">
+              <a:rPr lang="en-US" smtClean="0"/>
+              <a:t>6</a:t>
+            </a:fld>
+            <a:r>
+              <a:rPr lang="hu-HU" dirty="0"/>
+              <a:t> /11</a:t>
+            </a:r>
+            <a:endParaRPr lang="en-US" dirty="0"/>
           </a:p>
         </p:txBody>
       </p:sp>
@@ -15266,6 +15078,25 @@
   <p:clrMapOvr>
     <a:masterClrMapping/>
   </p:clrMapOvr>
+  <mc:AlternateContent xmlns:mc="http://schemas.openxmlformats.org/markup-compatibility/2006">
+    <mc:Choice xmlns:p14="http://schemas.microsoft.com/office/powerpoint/2010/main" Requires="p14">
+      <p:transition spd="med" p14:dur="700">
+        <p:fade/>
+      </p:transition>
+    </mc:Choice>
+    <mc:Fallback>
+      <p:transition spd="med">
+        <p:fade/>
+      </p:transition>
+    </mc:Fallback>
+  </mc:AlternateContent>
+  <p:timing>
+    <p:tnLst>
+      <p:par>
+        <p:cTn id="1" dur="indefinite" restart="never" nodeType="tmRoot"/>
+      </p:par>
+    </p:tnLst>
+  </p:timing>
 </p:sld>
 </file>
 
@@ -15415,6 +15246,33 @@
           </a:extLst>
         </p:spPr>
       </p:pic>
+      <p:sp>
+        <p:nvSpPr>
+          <p:cNvPr id="3" name="Dia számának helye 2"/>
+          <p:cNvSpPr>
+            <a:spLocks noGrp="1"/>
+          </p:cNvSpPr>
+          <p:nvPr>
+            <p:ph type="sldNum" sz="quarter" idx="12"/>
+          </p:nvPr>
+        </p:nvSpPr>
+        <p:spPr/>
+        <p:txBody>
+          <a:bodyPr/>
+          <a:lstStyle/>
+          <a:p>
+            <a:fld id="{6D22F896-40B5-4ADD-8801-0D06FADFA095}" type="slidenum">
+              <a:rPr lang="en-US" smtClean="0"/>
+              <a:t>7</a:t>
+            </a:fld>
+            <a:r>
+              <a:rPr lang="hu-HU" dirty="0"/>
+              <a:t> /11</a:t>
+            </a:r>
+            <a:endParaRPr lang="en-US" dirty="0"/>
+          </a:p>
+        </p:txBody>
+      </p:sp>
     </p:spTree>
     <p:extLst>
       <p:ext uri="{BB962C8B-B14F-4D97-AF65-F5344CB8AC3E}">
@@ -15425,6 +15283,25 @@
   <p:clrMapOvr>
     <a:masterClrMapping/>
   </p:clrMapOvr>
+  <mc:AlternateContent xmlns:mc="http://schemas.openxmlformats.org/markup-compatibility/2006">
+    <mc:Choice xmlns:p14="http://schemas.microsoft.com/office/powerpoint/2010/main" Requires="p14">
+      <p:transition spd="med" p14:dur="700">
+        <p:fade/>
+      </p:transition>
+    </mc:Choice>
+    <mc:Fallback>
+      <p:transition spd="med">
+        <p:fade/>
+      </p:transition>
+    </mc:Fallback>
+  </mc:AlternateContent>
+  <p:timing>
+    <p:tnLst>
+      <p:par>
+        <p:cTn id="1" dur="indefinite" restart="never" nodeType="tmRoot"/>
+      </p:par>
+    </p:tnLst>
+  </p:timing>
 </p:sld>
 </file>
 
@@ -15488,477 +15365,95 @@
           <a:lstStyle/>
           <a:p>
             <a:r>
-              <a:rPr lang="hu-HU" dirty="0" err="1" smtClean="0"/>
-              <a:t>Timestamp</a:t>
-            </a:r>
-            <a:r>
-              <a:rPr lang="hu-HU" dirty="0" smtClean="0"/>
-              <a:t> </a:t>
-            </a:r>
-            <a:r>
-              <a:rPr lang="hu-HU" dirty="0" err="1" smtClean="0"/>
-              <a:t>needed</a:t>
-            </a:r>
-            <a:r>
-              <a:rPr lang="hu-HU" dirty="0" smtClean="0"/>
-              <a:t> </a:t>
-            </a:r>
-            <a:r>
-              <a:rPr lang="hu-HU" dirty="0" err="1" smtClean="0"/>
-              <a:t>but</a:t>
-            </a:r>
-            <a:r>
-              <a:rPr lang="hu-HU" dirty="0" smtClean="0"/>
-              <a:t> DS1302 has </a:t>
-            </a:r>
-            <a:r>
-              <a:rPr lang="hu-HU" dirty="0" err="1" smtClean="0"/>
-              <a:t>only</a:t>
-            </a:r>
-            <a:r>
-              <a:rPr lang="hu-HU" dirty="0" smtClean="0"/>
-              <a:t> </a:t>
-            </a:r>
-            <a:r>
-              <a:rPr lang="hu-HU" dirty="0" err="1" smtClean="0"/>
-              <a:t>seconds</a:t>
-            </a:r>
-            <a:r>
-              <a:rPr lang="hu-HU" dirty="0" smtClean="0"/>
-              <a:t> </a:t>
-            </a:r>
-            <a:r>
-              <a:rPr lang="hu-HU" dirty="0" err="1" smtClean="0"/>
-              <a:t>resolution</a:t>
-            </a:r>
-            <a:endParaRPr lang="hu-HU" dirty="0" smtClean="0"/>
+              <a:rPr lang="en-GB" dirty="0" smtClean="0"/>
+              <a:t>Timestamp needed but DS1302 has only seconds resolution</a:t>
+            </a:r>
           </a:p>
           <a:p>
             <a:pPr lvl="1"/>
             <a:r>
-              <a:rPr lang="hu-HU" dirty="0" err="1" smtClean="0"/>
-              <a:t>Solution</a:t>
-            </a:r>
-            <a:r>
-              <a:rPr lang="hu-HU" dirty="0" smtClean="0"/>
-              <a:t> is </a:t>
-            </a:r>
-            <a:r>
-              <a:rPr lang="hu-HU" dirty="0" err="1" smtClean="0"/>
-              <a:t>to</a:t>
-            </a:r>
-            <a:r>
-              <a:rPr lang="hu-HU" dirty="0" smtClean="0"/>
-              <a:t> log </a:t>
-            </a:r>
-            <a:r>
-              <a:rPr lang="hu-HU" dirty="0" err="1" smtClean="0"/>
-              <a:t>the</a:t>
-            </a:r>
-            <a:r>
-              <a:rPr lang="hu-HU" dirty="0" smtClean="0"/>
-              <a:t> </a:t>
-            </a:r>
-            <a:r>
-              <a:rPr lang="hu-HU" dirty="0" err="1" smtClean="0"/>
-              <a:t>loop</a:t>
-            </a:r>
-            <a:r>
-              <a:rPr lang="hu-HU" dirty="0" smtClean="0"/>
-              <a:t> </a:t>
-            </a:r>
-            <a:r>
-              <a:rPr lang="hu-HU" dirty="0" err="1" smtClean="0"/>
-              <a:t>count</a:t>
-            </a:r>
-            <a:r>
-              <a:rPr lang="hu-HU" dirty="0" smtClean="0"/>
-              <a:t> </a:t>
-            </a:r>
-            <a:r>
-              <a:rPr lang="hu-HU" dirty="0" err="1" smtClean="0"/>
-              <a:t>since</a:t>
-            </a:r>
-            <a:r>
-              <a:rPr lang="hu-HU" dirty="0" smtClean="0"/>
-              <a:t> </a:t>
-            </a:r>
-            <a:r>
-              <a:rPr lang="hu-HU" dirty="0" err="1" smtClean="0"/>
-              <a:t>the</a:t>
-            </a:r>
-            <a:r>
-              <a:rPr lang="hu-HU" dirty="0" smtClean="0"/>
-              <a:t> latest </a:t>
-            </a:r>
-            <a:r>
-              <a:rPr lang="hu-HU" dirty="0" err="1" smtClean="0"/>
-              <a:t>hard</a:t>
-            </a:r>
-            <a:r>
-              <a:rPr lang="hu-HU" dirty="0" smtClean="0"/>
-              <a:t> </a:t>
-            </a:r>
-            <a:r>
-              <a:rPr lang="hu-HU" dirty="0" err="1" smtClean="0"/>
-              <a:t>reset</a:t>
-            </a:r>
-            <a:r>
-              <a:rPr lang="hu-HU" dirty="0" smtClean="0"/>
-              <a:t> </a:t>
-            </a:r>
-            <a:r>
-              <a:rPr lang="hu-HU" dirty="0" smtClean="0">
+              <a:rPr lang="en-GB" dirty="0" smtClean="0"/>
+              <a:t>Solution is to log the loop count since the latest hard reset </a:t>
+            </a:r>
+            <a:r>
+              <a:rPr lang="en-GB" dirty="0" smtClean="0">
                 <a:sym typeface="Wingdings" panose="05000000000000000000" pitchFamily="2" charset="2"/>
               </a:rPr>
-              <a:t> </a:t>
-            </a:r>
-            <a:r>
-              <a:rPr lang="hu-HU" dirty="0" err="1" smtClean="0">
+              <a:t> Millis() function</a:t>
+            </a:r>
+          </a:p>
+          <a:p>
+            <a:r>
+              <a:rPr lang="en-GB" dirty="0" smtClean="0">
                 <a:sym typeface="Wingdings" panose="05000000000000000000" pitchFamily="2" charset="2"/>
               </a:rPr>
-              <a:t>Millis</a:t>
-            </a:r>
-            <a:r>
-              <a:rPr lang="hu-HU" dirty="0" smtClean="0">
+              <a:t>Voltage of the battery is monitored and logged</a:t>
+            </a:r>
+          </a:p>
+          <a:p>
+            <a:r>
+              <a:rPr lang="en-GB" dirty="0" smtClean="0">
                 <a:sym typeface="Wingdings" panose="05000000000000000000" pitchFamily="2" charset="2"/>
               </a:rPr>
-              <a:t>() </a:t>
-            </a:r>
-            <a:r>
-              <a:rPr lang="hu-HU" dirty="0" err="1" smtClean="0">
+              <a:t>Servo positions one by one</a:t>
+            </a:r>
+          </a:p>
+          <a:p>
+            <a:r>
+              <a:rPr lang="en-GB" dirty="0" smtClean="0">
                 <a:sym typeface="Wingdings" panose="05000000000000000000" pitchFamily="2" charset="2"/>
               </a:rPr>
-              <a:t>function</a:t>
-            </a:r>
-            <a:endParaRPr lang="hu-HU" dirty="0" smtClean="0">
-              <a:sym typeface="Wingdings" panose="05000000000000000000" pitchFamily="2" charset="2"/>
-            </a:endParaRPr>
-          </a:p>
-          <a:p>
-            <a:r>
-              <a:rPr lang="hu-HU" dirty="0" err="1" smtClean="0">
-                <a:sym typeface="Wingdings" panose="05000000000000000000" pitchFamily="2" charset="2"/>
-              </a:rPr>
-              <a:t>Voltage</a:t>
-            </a:r>
-            <a:r>
-              <a:rPr lang="hu-HU" dirty="0" smtClean="0">
-                <a:sym typeface="Wingdings" panose="05000000000000000000" pitchFamily="2" charset="2"/>
-              </a:rPr>
-              <a:t> of </a:t>
-            </a:r>
-            <a:r>
-              <a:rPr lang="hu-HU" dirty="0" err="1" smtClean="0">
-                <a:sym typeface="Wingdings" panose="05000000000000000000" pitchFamily="2" charset="2"/>
-              </a:rPr>
-              <a:t>the</a:t>
-            </a:r>
-            <a:r>
-              <a:rPr lang="hu-HU" dirty="0" smtClean="0">
-                <a:sym typeface="Wingdings" panose="05000000000000000000" pitchFamily="2" charset="2"/>
-              </a:rPr>
-              <a:t> </a:t>
-            </a:r>
-            <a:r>
-              <a:rPr lang="hu-HU" dirty="0" err="1" smtClean="0">
-                <a:sym typeface="Wingdings" panose="05000000000000000000" pitchFamily="2" charset="2"/>
-              </a:rPr>
-              <a:t>battery</a:t>
-            </a:r>
-            <a:r>
-              <a:rPr lang="hu-HU" dirty="0" smtClean="0">
-                <a:sym typeface="Wingdings" panose="05000000000000000000" pitchFamily="2" charset="2"/>
-              </a:rPr>
-              <a:t> is </a:t>
-            </a:r>
-            <a:r>
-              <a:rPr lang="hu-HU" dirty="0" err="1" smtClean="0">
-                <a:sym typeface="Wingdings" panose="05000000000000000000" pitchFamily="2" charset="2"/>
-              </a:rPr>
-              <a:t>monitored</a:t>
-            </a:r>
-            <a:r>
-              <a:rPr lang="hu-HU" dirty="0" smtClean="0">
-                <a:sym typeface="Wingdings" panose="05000000000000000000" pitchFamily="2" charset="2"/>
-              </a:rPr>
-              <a:t> and </a:t>
-            </a:r>
-            <a:r>
-              <a:rPr lang="hu-HU" dirty="0" err="1" smtClean="0">
-                <a:sym typeface="Wingdings" panose="05000000000000000000" pitchFamily="2" charset="2"/>
-              </a:rPr>
-              <a:t>logged</a:t>
-            </a:r>
-            <a:endParaRPr lang="hu-HU" dirty="0" smtClean="0">
-              <a:sym typeface="Wingdings" panose="05000000000000000000" pitchFamily="2" charset="2"/>
-            </a:endParaRPr>
-          </a:p>
-          <a:p>
-            <a:r>
-              <a:rPr lang="hu-HU" dirty="0" err="1" smtClean="0">
-                <a:sym typeface="Wingdings" panose="05000000000000000000" pitchFamily="2" charset="2"/>
-              </a:rPr>
-              <a:t>Servo</a:t>
-            </a:r>
-            <a:r>
-              <a:rPr lang="hu-HU" dirty="0" smtClean="0">
-                <a:sym typeface="Wingdings" panose="05000000000000000000" pitchFamily="2" charset="2"/>
-              </a:rPr>
-              <a:t> </a:t>
-            </a:r>
-            <a:r>
-              <a:rPr lang="hu-HU" dirty="0" err="1" smtClean="0">
-                <a:sym typeface="Wingdings" panose="05000000000000000000" pitchFamily="2" charset="2"/>
-              </a:rPr>
-              <a:t>positions</a:t>
-            </a:r>
-            <a:r>
-              <a:rPr lang="hu-HU" dirty="0" smtClean="0">
-                <a:sym typeface="Wingdings" panose="05000000000000000000" pitchFamily="2" charset="2"/>
-              </a:rPr>
-              <a:t> </a:t>
-            </a:r>
-            <a:r>
-              <a:rPr lang="hu-HU" dirty="0" err="1" smtClean="0">
-                <a:sym typeface="Wingdings" panose="05000000000000000000" pitchFamily="2" charset="2"/>
-              </a:rPr>
-              <a:t>one</a:t>
-            </a:r>
-            <a:r>
-              <a:rPr lang="hu-HU" dirty="0" smtClean="0">
-                <a:sym typeface="Wingdings" panose="05000000000000000000" pitchFamily="2" charset="2"/>
-              </a:rPr>
-              <a:t> </a:t>
-            </a:r>
-            <a:r>
-              <a:rPr lang="hu-HU" dirty="0" err="1" smtClean="0">
-                <a:sym typeface="Wingdings" panose="05000000000000000000" pitchFamily="2" charset="2"/>
-              </a:rPr>
-              <a:t>by</a:t>
-            </a:r>
-            <a:r>
-              <a:rPr lang="hu-HU" dirty="0" smtClean="0">
-                <a:sym typeface="Wingdings" panose="05000000000000000000" pitchFamily="2" charset="2"/>
-              </a:rPr>
-              <a:t> </a:t>
-            </a:r>
-            <a:r>
-              <a:rPr lang="hu-HU" dirty="0" err="1" smtClean="0">
-                <a:sym typeface="Wingdings" panose="05000000000000000000" pitchFamily="2" charset="2"/>
-              </a:rPr>
-              <a:t>one</a:t>
-            </a:r>
-            <a:endParaRPr lang="hu-HU" dirty="0" smtClean="0">
-              <a:sym typeface="Wingdings" panose="05000000000000000000" pitchFamily="2" charset="2"/>
-            </a:endParaRPr>
-          </a:p>
-          <a:p>
-            <a:r>
-              <a:rPr lang="hu-HU" dirty="0" smtClean="0">
-                <a:sym typeface="Wingdings" panose="05000000000000000000" pitchFamily="2" charset="2"/>
-              </a:rPr>
-              <a:t>.</a:t>
-            </a:r>
-            <a:r>
-              <a:rPr lang="hu-HU" dirty="0" err="1" smtClean="0">
-                <a:sym typeface="Wingdings" panose="05000000000000000000" pitchFamily="2" charset="2"/>
-              </a:rPr>
-              <a:t>csv</a:t>
-            </a:r>
-            <a:r>
-              <a:rPr lang="hu-HU" dirty="0" smtClean="0">
-                <a:sym typeface="Wingdings" panose="05000000000000000000" pitchFamily="2" charset="2"/>
-              </a:rPr>
-              <a:t> </a:t>
-            </a:r>
-            <a:r>
-              <a:rPr lang="hu-HU" dirty="0" err="1" smtClean="0">
-                <a:sym typeface="Wingdings" panose="05000000000000000000" pitchFamily="2" charset="2"/>
-              </a:rPr>
-              <a:t>files</a:t>
-            </a:r>
-            <a:r>
-              <a:rPr lang="hu-HU" dirty="0" smtClean="0">
-                <a:sym typeface="Wingdings" panose="05000000000000000000" pitchFamily="2" charset="2"/>
-              </a:rPr>
-              <a:t> </a:t>
-            </a:r>
-            <a:r>
-              <a:rPr lang="hu-HU" dirty="0" err="1" smtClean="0">
-                <a:sym typeface="Wingdings" panose="05000000000000000000" pitchFamily="2" charset="2"/>
-              </a:rPr>
-              <a:t>are</a:t>
-            </a:r>
-            <a:r>
-              <a:rPr lang="hu-HU" dirty="0" smtClean="0">
-                <a:sym typeface="Wingdings" panose="05000000000000000000" pitchFamily="2" charset="2"/>
-              </a:rPr>
-              <a:t> </a:t>
-            </a:r>
-            <a:r>
-              <a:rPr lang="hu-HU" dirty="0" err="1" smtClean="0">
-                <a:sym typeface="Wingdings" panose="05000000000000000000" pitchFamily="2" charset="2"/>
-              </a:rPr>
-              <a:t>saved</a:t>
-            </a:r>
-            <a:r>
-              <a:rPr lang="hu-HU" dirty="0" smtClean="0">
-                <a:sym typeface="Wingdings" panose="05000000000000000000" pitchFamily="2" charset="2"/>
-              </a:rPr>
-              <a:t> </a:t>
-            </a:r>
-            <a:r>
-              <a:rPr lang="hu-HU" dirty="0" err="1" smtClean="0">
-                <a:sym typeface="Wingdings" panose="05000000000000000000" pitchFamily="2" charset="2"/>
-              </a:rPr>
-              <a:t>to</a:t>
-            </a:r>
-            <a:r>
-              <a:rPr lang="hu-HU" dirty="0" smtClean="0">
-                <a:sym typeface="Wingdings" panose="05000000000000000000" pitchFamily="2" charset="2"/>
-              </a:rPr>
-              <a:t> </a:t>
-            </a:r>
-            <a:r>
-              <a:rPr lang="hu-HU" dirty="0" err="1" smtClean="0">
-                <a:sym typeface="Wingdings" panose="05000000000000000000" pitchFamily="2" charset="2"/>
-              </a:rPr>
-              <a:t>the</a:t>
-            </a:r>
-            <a:r>
-              <a:rPr lang="hu-HU" dirty="0" smtClean="0">
-                <a:sym typeface="Wingdings" panose="05000000000000000000" pitchFamily="2" charset="2"/>
-              </a:rPr>
-              <a:t> </a:t>
-            </a:r>
-            <a:r>
-              <a:rPr lang="hu-HU" dirty="0" err="1" smtClean="0">
+              <a:t>.csv files are saved to the </a:t>
+            </a:r>
+            <a:r>
+              <a:rPr lang="en-GB" dirty="0" err="1" smtClean="0">
                 <a:sym typeface="Wingdings" panose="05000000000000000000" pitchFamily="2" charset="2"/>
               </a:rPr>
               <a:t>microSD</a:t>
             </a:r>
             <a:r>
-              <a:rPr lang="hu-HU" dirty="0" smtClean="0">
+              <a:rPr lang="en-GB" dirty="0" smtClean="0">
                 <a:sym typeface="Wingdings" panose="05000000000000000000" pitchFamily="2" charset="2"/>
               </a:rPr>
-              <a:t> </a:t>
-            </a:r>
-            <a:r>
-              <a:rPr lang="hu-HU" dirty="0" err="1" smtClean="0">
+              <a:t> card</a:t>
+            </a:r>
+          </a:p>
+          <a:p>
+            <a:pPr lvl="1"/>
+            <a:r>
+              <a:rPr lang="en-GB" dirty="0" smtClean="0">
                 <a:sym typeface="Wingdings" panose="05000000000000000000" pitchFamily="2" charset="2"/>
               </a:rPr>
-              <a:t>card</a:t>
-            </a:r>
-            <a:endParaRPr lang="hu-HU" dirty="0" smtClean="0">
-              <a:sym typeface="Wingdings" panose="05000000000000000000" pitchFamily="2" charset="2"/>
-            </a:endParaRPr>
-          </a:p>
-          <a:p>
-            <a:pPr lvl="1"/>
-            <a:r>
-              <a:rPr lang="hu-HU" dirty="0" err="1" smtClean="0">
-                <a:sym typeface="Wingdings" panose="05000000000000000000" pitchFamily="2" charset="2"/>
-              </a:rPr>
-              <a:t>They</a:t>
-            </a:r>
-            <a:r>
-              <a:rPr lang="hu-HU" dirty="0" smtClean="0">
-                <a:sym typeface="Wingdings" panose="05000000000000000000" pitchFamily="2" charset="2"/>
-              </a:rPr>
-              <a:t> </a:t>
-            </a:r>
-            <a:r>
-              <a:rPr lang="hu-HU" dirty="0" err="1" smtClean="0">
-                <a:sym typeface="Wingdings" panose="05000000000000000000" pitchFamily="2" charset="2"/>
-              </a:rPr>
-              <a:t>can</a:t>
-            </a:r>
-            <a:r>
-              <a:rPr lang="hu-HU" dirty="0" smtClean="0">
-                <a:sym typeface="Wingdings" panose="05000000000000000000" pitchFamily="2" charset="2"/>
-              </a:rPr>
-              <a:t> be </a:t>
-            </a:r>
-            <a:r>
-              <a:rPr lang="hu-HU" dirty="0" err="1" smtClean="0">
-                <a:sym typeface="Wingdings" panose="05000000000000000000" pitchFamily="2" charset="2"/>
-              </a:rPr>
-              <a:t>easily</a:t>
-            </a:r>
-            <a:r>
-              <a:rPr lang="hu-HU" dirty="0" smtClean="0">
-                <a:sym typeface="Wingdings" panose="05000000000000000000" pitchFamily="2" charset="2"/>
-              </a:rPr>
-              <a:t> </a:t>
-            </a:r>
-            <a:r>
-              <a:rPr lang="hu-HU" dirty="0" err="1" smtClean="0">
-                <a:sym typeface="Wingdings" panose="05000000000000000000" pitchFamily="2" charset="2"/>
-              </a:rPr>
-              <a:t>processed</a:t>
-            </a:r>
-            <a:r>
-              <a:rPr lang="hu-HU" dirty="0" smtClean="0">
-                <a:sym typeface="Wingdings" panose="05000000000000000000" pitchFamily="2" charset="2"/>
-              </a:rPr>
-              <a:t> </a:t>
-            </a:r>
-            <a:r>
-              <a:rPr lang="hu-HU" dirty="0" err="1" smtClean="0">
-                <a:sym typeface="Wingdings" panose="05000000000000000000" pitchFamily="2" charset="2"/>
-              </a:rPr>
-              <a:t>later</a:t>
-            </a:r>
-            <a:r>
-              <a:rPr lang="hu-HU" dirty="0" smtClean="0">
-                <a:sym typeface="Wingdings" panose="05000000000000000000" pitchFamily="2" charset="2"/>
-              </a:rPr>
-              <a:t> and </a:t>
-            </a:r>
-            <a:r>
-              <a:rPr lang="hu-HU" dirty="0" err="1" smtClean="0">
-                <a:sym typeface="Wingdings" panose="05000000000000000000" pitchFamily="2" charset="2"/>
-              </a:rPr>
-              <a:t>data</a:t>
-            </a:r>
-            <a:r>
-              <a:rPr lang="hu-HU" dirty="0" smtClean="0">
-                <a:sym typeface="Wingdings" panose="05000000000000000000" pitchFamily="2" charset="2"/>
-              </a:rPr>
-              <a:t> </a:t>
-            </a:r>
-            <a:r>
-              <a:rPr lang="hu-HU" dirty="0" err="1" smtClean="0">
-                <a:sym typeface="Wingdings" panose="05000000000000000000" pitchFamily="2" charset="2"/>
-              </a:rPr>
-              <a:t>visualisation</a:t>
-            </a:r>
-            <a:r>
-              <a:rPr lang="hu-HU" dirty="0" smtClean="0">
-                <a:sym typeface="Wingdings" panose="05000000000000000000" pitchFamily="2" charset="2"/>
-              </a:rPr>
-              <a:t> is </a:t>
-            </a:r>
-            <a:r>
-              <a:rPr lang="hu-HU" dirty="0" err="1" smtClean="0">
-                <a:sym typeface="Wingdings" panose="05000000000000000000" pitchFamily="2" charset="2"/>
-              </a:rPr>
-              <a:t>much</a:t>
-            </a:r>
-            <a:r>
-              <a:rPr lang="hu-HU" dirty="0" smtClean="0">
-                <a:sym typeface="Wingdings" panose="05000000000000000000" pitchFamily="2" charset="2"/>
-              </a:rPr>
-              <a:t> more </a:t>
-            </a:r>
-            <a:r>
-              <a:rPr lang="hu-HU" dirty="0" err="1" smtClean="0">
-                <a:sym typeface="Wingdings" panose="05000000000000000000" pitchFamily="2" charset="2"/>
-              </a:rPr>
-              <a:t>easier</a:t>
-            </a:r>
-            <a:endParaRPr lang="hu-HU" dirty="0"/>
+              <a:t>They can be easily processed later and data visualisation is much more easier</a:t>
+            </a:r>
+            <a:endParaRPr lang="en-GB" dirty="0"/>
+          </a:p>
+        </p:txBody>
+      </p:sp>
+      <p:sp>
+        <p:nvSpPr>
+          <p:cNvPr id="4" name="Dia számának helye 3"/>
+          <p:cNvSpPr>
+            <a:spLocks noGrp="1"/>
+          </p:cNvSpPr>
+          <p:nvPr>
+            <p:ph type="sldNum" sz="quarter" idx="12"/>
+          </p:nvPr>
+        </p:nvSpPr>
+        <p:spPr/>
+        <p:txBody>
+          <a:bodyPr/>
+          <a:lstStyle/>
+          <a:p>
+            <a:fld id="{6D22F896-40B5-4ADD-8801-0D06FADFA095}" type="slidenum">
+              <a:rPr lang="en-US" smtClean="0"/>
+              <a:t>8</a:t>
+            </a:fld>
+            <a:r>
+              <a:rPr lang="hu-HU" dirty="0"/>
+              <a:t> /11</a:t>
+            </a:r>
+            <a:endParaRPr lang="en-US" dirty="0"/>
           </a:p>
         </p:txBody>
       </p:sp>
@@ -15972,6 +15467,25 @@
   <p:clrMapOvr>
     <a:masterClrMapping/>
   </p:clrMapOvr>
+  <mc:AlternateContent xmlns:mc="http://schemas.openxmlformats.org/markup-compatibility/2006">
+    <mc:Choice xmlns:p14="http://schemas.microsoft.com/office/powerpoint/2010/main" Requires="p14">
+      <p:transition spd="med" p14:dur="700">
+        <p:fade/>
+      </p:transition>
+    </mc:Choice>
+    <mc:Fallback>
+      <p:transition spd="med">
+        <p:fade/>
+      </p:transition>
+    </mc:Fallback>
+  </mc:AlternateContent>
+  <p:timing>
+    <p:tnLst>
+      <p:par>
+        <p:cTn id="1" dur="indefinite" restart="never" nodeType="tmRoot"/>
+      </p:par>
+    </p:tnLst>
+  </p:timing>
 </p:sld>
 </file>
 
@@ -16035,303 +15549,86 @@
           <a:lstStyle/>
           <a:p>
             <a:r>
-              <a:rPr lang="hu-HU" dirty="0" err="1" smtClean="0"/>
-              <a:t>Component</a:t>
+              <a:rPr lang="en-GB" dirty="0" smtClean="0"/>
+              <a:t>Component based development</a:t>
+            </a:r>
+          </a:p>
+          <a:p>
+            <a:r>
+              <a:rPr lang="en-GB" dirty="0" smtClean="0"/>
+              <a:t>DS1302 and the </a:t>
+            </a:r>
+            <a:r>
+              <a:rPr lang="en-GB" dirty="0" err="1" smtClean="0"/>
+              <a:t>microSD</a:t>
+            </a:r>
+            <a:r>
+              <a:rPr lang="en-GB" dirty="0" smtClean="0"/>
+              <a:t> shield </a:t>
             </a:r>
             <a:r>
               <a:rPr lang="hu-HU" dirty="0" smtClean="0"/>
-              <a:t> </a:t>
-            </a:r>
-            <a:r>
-              <a:rPr lang="hu-HU" dirty="0" err="1" smtClean="0"/>
-              <a:t>based</a:t>
-            </a:r>
-            <a:r>
-              <a:rPr lang="hu-HU" dirty="0" smtClean="0"/>
-              <a:t> </a:t>
-            </a:r>
-            <a:r>
-              <a:rPr lang="hu-HU" dirty="0" err="1" smtClean="0"/>
-              <a:t>d</a:t>
-            </a:r>
-            <a:r>
-              <a:rPr lang="hu-HU" dirty="0" err="1" smtClean="0"/>
-              <a:t>evelopment</a:t>
-            </a:r>
-            <a:endParaRPr lang="hu-HU" dirty="0" smtClean="0"/>
-          </a:p>
-          <a:p>
-            <a:r>
-              <a:rPr lang="hu-HU" dirty="0" smtClean="0"/>
-              <a:t>DS1302 and </a:t>
-            </a:r>
-            <a:r>
-              <a:rPr lang="hu-HU" dirty="0" err="1" smtClean="0"/>
-              <a:t>the</a:t>
-            </a:r>
-            <a:r>
-              <a:rPr lang="hu-HU" dirty="0" smtClean="0"/>
-              <a:t> </a:t>
-            </a:r>
-            <a:r>
-              <a:rPr lang="hu-HU" dirty="0" err="1" smtClean="0"/>
+              <a:t>h</a:t>
+            </a:r>
+            <a:r>
+              <a:rPr lang="en-GB" dirty="0" err="1" smtClean="0"/>
+              <a:t>ave</a:t>
+            </a:r>
+            <a:r>
+              <a:rPr lang="en-GB" dirty="0" smtClean="0"/>
+              <a:t> their own basic functions</a:t>
+            </a:r>
+          </a:p>
+          <a:p>
+            <a:pPr lvl="1"/>
+            <a:r>
+              <a:rPr lang="en-GB" dirty="0" smtClean="0"/>
+              <a:t>High level implementation was needed using the given functions</a:t>
+            </a:r>
+          </a:p>
+          <a:p>
+            <a:r>
+              <a:rPr lang="en-GB" dirty="0" smtClean="0"/>
+              <a:t>RTC module: time and date setting, time and date reading</a:t>
+            </a:r>
+          </a:p>
+          <a:p>
+            <a:r>
+              <a:rPr lang="en-GB" dirty="0" err="1" smtClean="0"/>
               <a:t>microSD</a:t>
             </a:r>
             <a:r>
-              <a:rPr lang="hu-HU" dirty="0" smtClean="0"/>
-              <a:t> shield </a:t>
-            </a:r>
-            <a:r>
-              <a:rPr lang="hu-HU" dirty="0" err="1" smtClean="0"/>
-              <a:t>ave</a:t>
-            </a:r>
-            <a:r>
-              <a:rPr lang="hu-HU" dirty="0" smtClean="0"/>
-              <a:t> </a:t>
-            </a:r>
-            <a:r>
-              <a:rPr lang="hu-HU" dirty="0" err="1" smtClean="0"/>
-              <a:t>their</a:t>
-            </a:r>
-            <a:r>
-              <a:rPr lang="hu-HU" dirty="0" smtClean="0"/>
-              <a:t> </a:t>
-            </a:r>
-            <a:r>
-              <a:rPr lang="hu-HU" dirty="0" err="1" smtClean="0"/>
-              <a:t>own</a:t>
-            </a:r>
-            <a:r>
-              <a:rPr lang="hu-HU" dirty="0" smtClean="0"/>
-              <a:t> </a:t>
-            </a:r>
-            <a:r>
-              <a:rPr lang="hu-HU" dirty="0" err="1" smtClean="0"/>
-              <a:t>basic</a:t>
-            </a:r>
-            <a:r>
-              <a:rPr lang="hu-HU" dirty="0" smtClean="0"/>
-              <a:t> </a:t>
-            </a:r>
-            <a:r>
-              <a:rPr lang="hu-HU" dirty="0" err="1" smtClean="0"/>
-              <a:t>functions</a:t>
-            </a:r>
-            <a:endParaRPr lang="hu-HU" dirty="0" smtClean="0"/>
-          </a:p>
-          <a:p>
-            <a:pPr lvl="1"/>
-            <a:r>
-              <a:rPr lang="hu-HU" dirty="0" err="1" smtClean="0"/>
-              <a:t>High</a:t>
-            </a:r>
-            <a:r>
-              <a:rPr lang="hu-HU" dirty="0" smtClean="0"/>
-              <a:t> </a:t>
-            </a:r>
-            <a:r>
-              <a:rPr lang="hu-HU" dirty="0" err="1" smtClean="0"/>
-              <a:t>level</a:t>
-            </a:r>
-            <a:r>
-              <a:rPr lang="hu-HU" dirty="0" smtClean="0"/>
-              <a:t> </a:t>
-            </a:r>
-            <a:r>
-              <a:rPr lang="hu-HU" dirty="0" err="1" smtClean="0"/>
-              <a:t>implementation</a:t>
-            </a:r>
-            <a:r>
-              <a:rPr lang="hu-HU" dirty="0" smtClean="0"/>
-              <a:t> </a:t>
-            </a:r>
-            <a:r>
-              <a:rPr lang="hu-HU" dirty="0" err="1" smtClean="0"/>
-              <a:t>was</a:t>
-            </a:r>
-            <a:r>
-              <a:rPr lang="hu-HU" dirty="0" smtClean="0"/>
-              <a:t> </a:t>
-            </a:r>
-            <a:r>
-              <a:rPr lang="hu-HU" dirty="0" err="1" smtClean="0"/>
-              <a:t>needed</a:t>
-            </a:r>
-            <a:r>
-              <a:rPr lang="hu-HU" dirty="0" smtClean="0"/>
-              <a:t> </a:t>
-            </a:r>
-            <a:r>
-              <a:rPr lang="hu-HU" dirty="0" err="1" smtClean="0"/>
-              <a:t>using</a:t>
-            </a:r>
-            <a:r>
-              <a:rPr lang="hu-HU" dirty="0" smtClean="0"/>
-              <a:t> </a:t>
-            </a:r>
-            <a:r>
-              <a:rPr lang="hu-HU" dirty="0" err="1" smtClean="0"/>
-              <a:t>the</a:t>
-            </a:r>
-            <a:r>
-              <a:rPr lang="hu-HU" dirty="0" smtClean="0"/>
-              <a:t> </a:t>
-            </a:r>
-            <a:r>
-              <a:rPr lang="hu-HU" dirty="0" err="1" smtClean="0"/>
-              <a:t>given</a:t>
-            </a:r>
-            <a:r>
-              <a:rPr lang="hu-HU" dirty="0" smtClean="0"/>
-              <a:t> </a:t>
-            </a:r>
-            <a:r>
-              <a:rPr lang="hu-HU" dirty="0" err="1" smtClean="0"/>
-              <a:t>functions</a:t>
-            </a:r>
-            <a:endParaRPr lang="hu-HU" dirty="0" smtClean="0"/>
-          </a:p>
-          <a:p>
-            <a:r>
-              <a:rPr lang="hu-HU" dirty="0" smtClean="0"/>
-              <a:t>RTC </a:t>
-            </a:r>
-            <a:r>
-              <a:rPr lang="hu-HU" dirty="0" err="1" smtClean="0"/>
-              <a:t>module</a:t>
-            </a:r>
-            <a:r>
-              <a:rPr lang="hu-HU" dirty="0" smtClean="0"/>
-              <a:t>: </a:t>
-            </a:r>
-            <a:r>
-              <a:rPr lang="hu-HU" dirty="0" err="1" smtClean="0"/>
-              <a:t>time</a:t>
-            </a:r>
-            <a:r>
-              <a:rPr lang="hu-HU" dirty="0" smtClean="0"/>
-              <a:t> and </a:t>
-            </a:r>
-            <a:r>
-              <a:rPr lang="hu-HU" dirty="0" err="1" smtClean="0"/>
-              <a:t>date</a:t>
-            </a:r>
-            <a:r>
-              <a:rPr lang="hu-HU" dirty="0" smtClean="0"/>
-              <a:t> </a:t>
-            </a:r>
-            <a:r>
-              <a:rPr lang="hu-HU" dirty="0" err="1" smtClean="0"/>
-              <a:t>setting</a:t>
-            </a:r>
-            <a:r>
-              <a:rPr lang="hu-HU" dirty="0" smtClean="0"/>
-              <a:t>, </a:t>
-            </a:r>
-            <a:r>
-              <a:rPr lang="hu-HU" dirty="0" err="1" smtClean="0"/>
-              <a:t>time</a:t>
-            </a:r>
-            <a:r>
-              <a:rPr lang="hu-HU" dirty="0" smtClean="0"/>
-              <a:t> and </a:t>
-            </a:r>
-            <a:r>
-              <a:rPr lang="hu-HU" dirty="0" err="1" smtClean="0"/>
-              <a:t>date</a:t>
-            </a:r>
-            <a:r>
-              <a:rPr lang="hu-HU" dirty="0" smtClean="0"/>
-              <a:t> </a:t>
-            </a:r>
-            <a:r>
-              <a:rPr lang="hu-HU" dirty="0" err="1" smtClean="0"/>
-              <a:t>reading</a:t>
-            </a:r>
-            <a:endParaRPr lang="hu-HU" dirty="0" smtClean="0"/>
-          </a:p>
-          <a:p>
-            <a:r>
-              <a:rPr lang="hu-HU" dirty="0" err="1" smtClean="0"/>
-              <a:t>microSD</a:t>
-            </a:r>
-            <a:r>
-              <a:rPr lang="hu-HU" dirty="0" smtClean="0"/>
-              <a:t> shield: </a:t>
-            </a:r>
-            <a:r>
-              <a:rPr lang="hu-HU" dirty="0" err="1" smtClean="0"/>
-              <a:t>secure</a:t>
-            </a:r>
-            <a:r>
-              <a:rPr lang="hu-HU" dirty="0" smtClean="0"/>
-              <a:t> file </a:t>
-            </a:r>
-            <a:r>
-              <a:rPr lang="hu-HU" dirty="0" err="1" smtClean="0"/>
-              <a:t>opening</a:t>
-            </a:r>
-            <a:r>
-              <a:rPr lang="hu-HU" dirty="0" smtClean="0"/>
-              <a:t> and </a:t>
-            </a:r>
-            <a:r>
-              <a:rPr lang="hu-HU" dirty="0" err="1" smtClean="0"/>
-              <a:t>closing</a:t>
-            </a:r>
-            <a:r>
-              <a:rPr lang="hu-HU" dirty="0" smtClean="0"/>
-              <a:t>, </a:t>
-            </a:r>
-            <a:r>
-              <a:rPr lang="hu-HU" dirty="0" err="1" smtClean="0"/>
-              <a:t>folder</a:t>
-            </a:r>
-            <a:r>
-              <a:rPr lang="hu-HU" dirty="0" smtClean="0"/>
-              <a:t> </a:t>
-            </a:r>
-            <a:r>
-              <a:rPr lang="hu-HU" dirty="0" err="1" smtClean="0"/>
-              <a:t>handling</a:t>
-            </a:r>
-            <a:r>
-              <a:rPr lang="hu-HU" dirty="0" smtClean="0"/>
-              <a:t>, </a:t>
-            </a:r>
-            <a:r>
-              <a:rPr lang="hu-HU" dirty="0" err="1" smtClean="0"/>
-              <a:t>reading</a:t>
-            </a:r>
-            <a:r>
-              <a:rPr lang="hu-HU" dirty="0" smtClean="0"/>
-              <a:t> </a:t>
-            </a:r>
-            <a:r>
-              <a:rPr lang="hu-HU" dirty="0" err="1" smtClean="0"/>
-              <a:t>from</a:t>
-            </a:r>
-            <a:r>
-              <a:rPr lang="hu-HU" dirty="0" smtClean="0"/>
-              <a:t> file and </a:t>
-            </a:r>
-            <a:r>
-              <a:rPr lang="hu-HU" dirty="0" err="1" smtClean="0"/>
-              <a:t>writing</a:t>
-            </a:r>
-            <a:r>
-              <a:rPr lang="hu-HU" dirty="0" smtClean="0"/>
-              <a:t> </a:t>
-            </a:r>
-            <a:r>
-              <a:rPr lang="hu-HU" dirty="0" err="1" smtClean="0"/>
-              <a:t>to</a:t>
-            </a:r>
-            <a:r>
-              <a:rPr lang="hu-HU" dirty="0" smtClean="0"/>
-              <a:t> file</a:t>
-            </a:r>
-            <a:endParaRPr lang="hu-HU" dirty="0"/>
+              <a:rPr lang="en-GB" dirty="0" smtClean="0"/>
+              <a:t> shield: secure file opening and closing, folder handling, reading from file and writing to file</a:t>
+            </a:r>
+            <a:endParaRPr lang="en-GB" dirty="0"/>
+          </a:p>
+        </p:txBody>
+      </p:sp>
+      <p:sp>
+        <p:nvSpPr>
+          <p:cNvPr id="4" name="Dia számának helye 3"/>
+          <p:cNvSpPr>
+            <a:spLocks noGrp="1"/>
+          </p:cNvSpPr>
+          <p:nvPr>
+            <p:ph type="sldNum" sz="quarter" idx="12"/>
+          </p:nvPr>
+        </p:nvSpPr>
+        <p:spPr/>
+        <p:txBody>
+          <a:bodyPr/>
+          <a:lstStyle/>
+          <a:p>
+            <a:fld id="{6D22F896-40B5-4ADD-8801-0D06FADFA095}" type="slidenum">
+              <a:rPr lang="en-US" smtClean="0"/>
+              <a:t>9</a:t>
+            </a:fld>
+            <a:r>
+              <a:rPr lang="hu-HU" dirty="0"/>
+              <a:t> /11</a:t>
+            </a:r>
+            <a:endParaRPr lang="en-US" dirty="0"/>
           </a:p>
         </p:txBody>
       </p:sp>
@@ -16345,6 +15642,25 @@
   <p:clrMapOvr>
     <a:masterClrMapping/>
   </p:clrMapOvr>
+  <mc:AlternateContent xmlns:mc="http://schemas.openxmlformats.org/markup-compatibility/2006">
+    <mc:Choice xmlns:p14="http://schemas.microsoft.com/office/powerpoint/2010/main" Requires="p14">
+      <p:transition spd="med" p14:dur="700">
+        <p:fade/>
+      </p:transition>
+    </mc:Choice>
+    <mc:Fallback>
+      <p:transition spd="med">
+        <p:fade/>
+      </p:transition>
+    </mc:Fallback>
+  </mc:AlternateContent>
+  <p:timing>
+    <p:tnLst>
+      <p:par>
+        <p:cTn id="1" dur="indefinite" restart="never" nodeType="tmRoot"/>
+      </p:par>
+    </p:tnLst>
+  </p:timing>
 </p:sld>
 </file>
 
@@ -16597,4 +15913,265 @@
     </a:ext>
   </a:extLst>
 </a:theme>
+</file>
+
+<file path=ppt/theme/theme2.xml><?xml version="1.0" encoding="utf-8"?>
+<a:theme xmlns:a="http://schemas.openxmlformats.org/drawingml/2006/main" name="Office-téma">
+  <a:themeElements>
+    <a:clrScheme name="Office">
+      <a:dk1>
+        <a:sysClr val="windowText" lastClr="000000"/>
+      </a:dk1>
+      <a:lt1>
+        <a:sysClr val="window" lastClr="FFFFFF"/>
+      </a:lt1>
+      <a:dk2>
+        <a:srgbClr val="44546A"/>
+      </a:dk2>
+      <a:lt2>
+        <a:srgbClr val="E7E6E6"/>
+      </a:lt2>
+      <a:accent1>
+        <a:srgbClr val="5B9BD5"/>
+      </a:accent1>
+      <a:accent2>
+        <a:srgbClr val="ED7D31"/>
+      </a:accent2>
+      <a:accent3>
+        <a:srgbClr val="A5A5A5"/>
+      </a:accent3>
+      <a:accent4>
+        <a:srgbClr val="FFC000"/>
+      </a:accent4>
+      <a:accent5>
+        <a:srgbClr val="4472C4"/>
+      </a:accent5>
+      <a:accent6>
+        <a:srgbClr val="70AD47"/>
+      </a:accent6>
+      <a:hlink>
+        <a:srgbClr val="0563C1"/>
+      </a:hlink>
+      <a:folHlink>
+        <a:srgbClr val="954F72"/>
+      </a:folHlink>
+    </a:clrScheme>
+    <a:fontScheme name="Office">
+      <a:majorFont>
+        <a:latin typeface="Calibri Light" panose="020F0302020204030204"/>
+        <a:ea typeface=""/>
+        <a:cs typeface=""/>
+        <a:font script="Jpan" typeface="游ゴシック Light"/>
+        <a:font script="Hang" typeface="맑은 고딕"/>
+        <a:font script="Hans" typeface="等线 Light"/>
+        <a:font script="Hant" typeface="新細明體"/>
+        <a:font script="Arab" typeface="Times New Roman"/>
+        <a:font script="Hebr" typeface="Times New Roman"/>
+        <a:font script="Thai" typeface="Angsana New"/>
+        <a:font script="Ethi" typeface="Nyala"/>
+        <a:font script="Beng" typeface="Vrinda"/>
+        <a:font script="Gujr" typeface="Shruti"/>
+        <a:font script="Khmr" typeface="MoolBoran"/>
+        <a:font script="Knda" typeface="Tunga"/>
+        <a:font script="Guru" typeface="Raavi"/>
+        <a:font script="Cans" typeface="Euphemia"/>
+        <a:font script="Cher" typeface="Plantagenet Cherokee"/>
+        <a:font script="Yiii" typeface="Microsoft Yi Baiti"/>
+        <a:font script="Tibt" typeface="Microsoft Himalaya"/>
+        <a:font script="Thaa" typeface="MV Boli"/>
+        <a:font script="Deva" typeface="Mangal"/>
+        <a:font script="Telu" typeface="Gautami"/>
+        <a:font script="Taml" typeface="Latha"/>
+        <a:font script="Syrc" typeface="Estrangelo Edessa"/>
+        <a:font script="Orya" typeface="Kalinga"/>
+        <a:font script="Mlym" typeface="Kartika"/>
+        <a:font script="Laoo" typeface="DokChampa"/>
+        <a:font script="Sinh" typeface="Iskoola Pota"/>
+        <a:font script="Mong" typeface="Mongolian Baiti"/>
+        <a:font script="Viet" typeface="Times New Roman"/>
+        <a:font script="Uigh" typeface="Microsoft Uighur"/>
+        <a:font script="Geor" typeface="Sylfaen"/>
+      </a:majorFont>
+      <a:minorFont>
+        <a:latin typeface="Calibri" panose="020F0502020204030204"/>
+        <a:ea typeface=""/>
+        <a:cs typeface=""/>
+        <a:font script="Jpan" typeface="游ゴシック"/>
+        <a:font script="Hang" typeface="맑은 고딕"/>
+        <a:font script="Hans" typeface="等线"/>
+        <a:font script="Hant" typeface="新細明體"/>
+        <a:font script="Arab" typeface="Arial"/>
+        <a:font script="Hebr" typeface="Arial"/>
+        <a:font script="Thai" typeface="Cordia New"/>
+        <a:font script="Ethi" typeface="Nyala"/>
+        <a:font script="Beng" typeface="Vrinda"/>
+        <a:font script="Gujr" typeface="Shruti"/>
+        <a:font script="Khmr" typeface="DaunPenh"/>
+        <a:font script="Knda" typeface="Tunga"/>
+        <a:font script="Guru" typeface="Raavi"/>
+        <a:font script="Cans" typeface="Euphemia"/>
+        <a:font script="Cher" typeface="Plantagenet Cherokee"/>
+        <a:font script="Yiii" typeface="Microsoft Yi Baiti"/>
+        <a:font script="Tibt" typeface="Microsoft Himalaya"/>
+        <a:font script="Thaa" typeface="MV Boli"/>
+        <a:font script="Deva" typeface="Mangal"/>
+        <a:font script="Telu" typeface="Gautami"/>
+        <a:font script="Taml" typeface="Latha"/>
+        <a:font script="Syrc" typeface="Estrangelo Edessa"/>
+        <a:font script="Orya" typeface="Kalinga"/>
+        <a:font script="Mlym" typeface="Kartika"/>
+        <a:font script="Laoo" typeface="DokChampa"/>
+        <a:font script="Sinh" typeface="Iskoola Pota"/>
+        <a:font script="Mong" typeface="Mongolian Baiti"/>
+        <a:font script="Viet" typeface="Arial"/>
+        <a:font script="Uigh" typeface="Microsoft Uighur"/>
+        <a:font script="Geor" typeface="Sylfaen"/>
+      </a:minorFont>
+    </a:fontScheme>
+    <a:fmtScheme name="Office">
+      <a:fillStyleLst>
+        <a:solidFill>
+          <a:schemeClr val="phClr"/>
+        </a:solidFill>
+        <a:gradFill rotWithShape="1">
+          <a:gsLst>
+            <a:gs pos="0">
+              <a:schemeClr val="phClr">
+                <a:lumMod val="110000"/>
+                <a:satMod val="105000"/>
+                <a:tint val="67000"/>
+              </a:schemeClr>
+            </a:gs>
+            <a:gs pos="50000">
+              <a:schemeClr val="phClr">
+                <a:lumMod val="105000"/>
+                <a:satMod val="103000"/>
+                <a:tint val="73000"/>
+              </a:schemeClr>
+            </a:gs>
+            <a:gs pos="100000">
+              <a:schemeClr val="phClr">
+                <a:lumMod val="105000"/>
+                <a:satMod val="109000"/>
+                <a:tint val="81000"/>
+              </a:schemeClr>
+            </a:gs>
+          </a:gsLst>
+          <a:lin ang="5400000" scaled="0"/>
+        </a:gradFill>
+        <a:gradFill rotWithShape="1">
+          <a:gsLst>
+            <a:gs pos="0">
+              <a:schemeClr val="phClr">
+                <a:satMod val="103000"/>
+                <a:lumMod val="102000"/>
+                <a:tint val="94000"/>
+              </a:schemeClr>
+            </a:gs>
+            <a:gs pos="50000">
+              <a:schemeClr val="phClr">
+                <a:satMod val="110000"/>
+                <a:lumMod val="100000"/>
+                <a:shade val="100000"/>
+              </a:schemeClr>
+            </a:gs>
+            <a:gs pos="100000">
+              <a:schemeClr val="phClr">
+                <a:lumMod val="99000"/>
+                <a:satMod val="120000"/>
+                <a:shade val="78000"/>
+              </a:schemeClr>
+            </a:gs>
+          </a:gsLst>
+          <a:lin ang="5400000" scaled="0"/>
+        </a:gradFill>
+      </a:fillStyleLst>
+      <a:lnStyleLst>
+        <a:ln w="6350" cap="flat" cmpd="sng" algn="ctr">
+          <a:solidFill>
+            <a:schemeClr val="phClr"/>
+          </a:solidFill>
+          <a:prstDash val="solid"/>
+          <a:miter lim="800000"/>
+        </a:ln>
+        <a:ln w="12700" cap="flat" cmpd="sng" algn="ctr">
+          <a:solidFill>
+            <a:schemeClr val="phClr"/>
+          </a:solidFill>
+          <a:prstDash val="solid"/>
+          <a:miter lim="800000"/>
+        </a:ln>
+        <a:ln w="19050" cap="flat" cmpd="sng" algn="ctr">
+          <a:solidFill>
+            <a:schemeClr val="phClr"/>
+          </a:solidFill>
+          <a:prstDash val="solid"/>
+          <a:miter lim="800000"/>
+        </a:ln>
+      </a:lnStyleLst>
+      <a:effectStyleLst>
+        <a:effectStyle>
+          <a:effectLst/>
+        </a:effectStyle>
+        <a:effectStyle>
+          <a:effectLst/>
+        </a:effectStyle>
+        <a:effectStyle>
+          <a:effectLst>
+            <a:outerShdw blurRad="57150" dist="19050" dir="5400000" algn="ctr" rotWithShape="0">
+              <a:srgbClr val="000000">
+                <a:alpha val="63000"/>
+              </a:srgbClr>
+            </a:outerShdw>
+          </a:effectLst>
+        </a:effectStyle>
+      </a:effectStyleLst>
+      <a:bgFillStyleLst>
+        <a:solidFill>
+          <a:schemeClr val="phClr"/>
+        </a:solidFill>
+        <a:solidFill>
+          <a:schemeClr val="phClr">
+            <a:tint val="95000"/>
+            <a:satMod val="170000"/>
+          </a:schemeClr>
+        </a:solidFill>
+        <a:gradFill rotWithShape="1">
+          <a:gsLst>
+            <a:gs pos="0">
+              <a:schemeClr val="phClr">
+                <a:tint val="93000"/>
+                <a:satMod val="150000"/>
+                <a:shade val="98000"/>
+                <a:lumMod val="102000"/>
+              </a:schemeClr>
+            </a:gs>
+            <a:gs pos="50000">
+              <a:schemeClr val="phClr">
+                <a:tint val="98000"/>
+                <a:satMod val="130000"/>
+                <a:shade val="90000"/>
+                <a:lumMod val="103000"/>
+              </a:schemeClr>
+            </a:gs>
+            <a:gs pos="100000">
+              <a:schemeClr val="phClr">
+                <a:shade val="63000"/>
+                <a:satMod val="120000"/>
+              </a:schemeClr>
+            </a:gs>
+          </a:gsLst>
+          <a:lin ang="5400000" scaled="0"/>
+        </a:gradFill>
+      </a:bgFillStyleLst>
+    </a:fmtScheme>
+  </a:themeElements>
+  <a:objectDefaults/>
+  <a:extraClrSchemeLst/>
+  <a:extLst>
+    <a:ext uri="{05A4C25C-085E-4340-85A3-A5531E510DB2}">
+      <thm15:themeFamily xmlns:thm15="http://schemas.microsoft.com/office/thememl/2012/main" name="Office Theme" id="{62F939B6-93AF-4DB8-9C6B-D6C7DFDC589F}" vid="{4A3C46E8-61CC-4603-A589-7422A47A8E4A}"/>
+    </a:ext>
+  </a:extLst>
+</a:theme>
 </file>